--- a/projectSapper.pptx
+++ b/projectSapper.pptx
@@ -75,20 +75,17 @@
             <a:noAutofit/>
           </a:bodyPr>
           <a:p>
-            <a:r>
-              <a:rPr b="0" lang="en-US" sz="2400" spc="-1" strike="noStrike">
-                <a:solidFill>
-                  <a:srgbClr val="000000"/>
-                </a:solidFill>
-                <a:latin typeface="Rockwell"/>
+            <a:pPr algn="ctr">
+              <a:buNone/>
+            </a:pPr>
+            <a:r>
+              <a:rPr b="0" lang="en-US" sz="4400" spc="-1" strike="noStrike">
+                <a:latin typeface="Arial"/>
               </a:rPr>
               <a:t>Click to move the slide</a:t>
             </a:r>
-            <a:endParaRPr b="0" lang="en-US" sz="2400" spc="-1" strike="noStrike">
-              <a:solidFill>
-                <a:srgbClr val="000000"/>
-              </a:solidFill>
-              <a:latin typeface="Rockwell"/>
+            <a:endParaRPr b="0" lang="en-US" sz="4400" spc="-1" strike="noStrike">
+              <a:latin typeface="Arial"/>
             </a:endParaRPr>
           </a:p>
         </p:txBody>
@@ -310,7 +307,7 @@
             <a:pPr algn="r">
               <a:buNone/>
             </a:pPr>
-            <a:fld id="{ECE226F2-A87F-4759-B43A-1E4A8B3ABEED}" type="slidenum">
+            <a:fld id="{4572DD99-D0B2-435A-A9D4-DE5E0E03497C}" type="slidenum">
               <a:rPr b="0" lang="en-US" sz="1400" spc="-1" strike="noStrike">
                 <a:latin typeface="Times New Roman"/>
               </a:rPr>
@@ -358,7 +355,7 @@
         <p:spPr>
           <a:xfrm>
             <a:off x="380880" y="685800"/>
-            <a:ext cx="6095520" cy="3428640"/>
+            <a:ext cx="6095160" cy="3428280"/>
           </a:xfrm>
           <a:prstGeom prst="rect">
             <a:avLst/>
@@ -381,18 +378,18 @@
         <p:spPr>
           <a:xfrm>
             <a:off x="685800" y="4343400"/>
-            <a:ext cx="5486040" cy="4114440"/>
-          </a:xfrm>
-          <a:prstGeom prst="rect">
-            <a:avLst/>
-          </a:prstGeom>
-          <a:noFill/>
-          <a:ln w="0">
-            <a:noFill/>
-          </a:ln>
-        </p:spPr>
-        <p:txBody>
-          <a:bodyPr anchor="t">
+            <a:ext cx="5485680" cy="4114080"/>
+          </a:xfrm>
+          <a:prstGeom prst="rect">
+            <a:avLst/>
+          </a:prstGeom>
+          <a:noFill/>
+          <a:ln w="0">
+            <a:noFill/>
+          </a:ln>
+        </p:spPr>
+        <p:txBody>
+          <a:bodyPr lIns="0" rIns="0" tIns="0" bIns="0" anchor="t">
             <a:noAutofit/>
           </a:bodyPr>
           <a:p>
@@ -415,18 +412,18 @@
         <p:spPr>
           <a:xfrm>
             <a:off x="3884760" y="8685360"/>
-            <a:ext cx="2971440" cy="456840"/>
-          </a:xfrm>
-          <a:prstGeom prst="rect">
-            <a:avLst/>
-          </a:prstGeom>
-          <a:noFill/>
-          <a:ln w="0">
-            <a:noFill/>
-          </a:ln>
-        </p:spPr>
-        <p:txBody>
-          <a:bodyPr anchor="b">
+            <a:ext cx="2971080" cy="456480"/>
+          </a:xfrm>
+          <a:prstGeom prst="rect">
+            <a:avLst/>
+          </a:prstGeom>
+          <a:noFill/>
+          <a:ln w="0">
+            <a:noFill/>
+          </a:ln>
+        </p:spPr>
+        <p:txBody>
+          <a:bodyPr lIns="0" rIns="0" tIns="0" bIns="0" anchor="b">
             <a:noAutofit/>
           </a:bodyPr>
           <a:lstStyle>
@@ -451,7 +448,7 @@
               </a:lnSpc>
               <a:buNone/>
             </a:pPr>
-            <a:fld id="{41CC9DFB-6B22-41D2-AA54-65A5FF54E1FB}" type="slidenum">
+            <a:fld id="{11AD0C31-337E-4539-B70F-C83206C7ED5F}" type="slidenum">
               <a:rPr b="0" lang="en-US" sz="1200" spc="-1" strike="noStrike">
                 <a:solidFill>
                   <a:srgbClr val="000000"/>
@@ -496,7 +493,7 @@
             <a:spLocks noGrp="1"/>
           </p:cNvSpPr>
           <p:nvPr>
-            <p:ph type="ftr" idx="2"/>
+            <p:ph type="ftr" idx="1"/>
           </p:nvPr>
         </p:nvSpPr>
         <p:spPr/>
@@ -516,14 +513,14 @@
             <a:spLocks noGrp="1"/>
           </p:cNvSpPr>
           <p:nvPr>
-            <p:ph type="sldNum" idx="3"/>
+            <p:ph type="sldNum" idx="2"/>
           </p:nvPr>
         </p:nvSpPr>
         <p:spPr/>
         <p:txBody>
           <a:bodyPr/>
           <a:p>
-            <a:fld id="{5A847F08-395D-4D03-89D5-2BD9862BC905}" type="slidenum">
+            <a:fld id="{46B63886-6366-4099-AC07-4AB09DEE21D7}" type="slidenum">
               <a:t>&lt;#&gt;</a:t>
             </a:fld>
           </a:p>
@@ -536,7 +533,7 @@
             <a:spLocks noGrp="1"/>
           </p:cNvSpPr>
           <p:nvPr>
-            <p:ph type="dt" idx="1"/>
+            <p:ph type="dt" idx="3"/>
           </p:nvPr>
         </p:nvSpPr>
         <p:spPr/>
@@ -584,8 +581,8 @@
         </p:nvSpPr>
         <p:spPr>
           <a:xfrm>
-            <a:off x="1069560" y="484560"/>
-            <a:ext cx="10055520" cy="1608840"/>
+            <a:off x="609120" y="273600"/>
+            <a:ext cx="10969560" cy="1144800"/>
           </a:xfrm>
           <a:prstGeom prst="rect">
             <a:avLst/>
@@ -600,11 +597,11 @@
             <a:noAutofit/>
           </a:bodyPr>
           <a:p>
-            <a:endParaRPr b="0" lang="en-US" sz="2400" spc="-1" strike="noStrike">
-              <a:solidFill>
-                <a:srgbClr val="000000"/>
-              </a:solidFill>
-              <a:latin typeface="Rockwell"/>
+            <a:pPr algn="ctr">
+              <a:buNone/>
+            </a:pPr>
+            <a:endParaRPr b="0" lang="en-US" sz="4400" spc="-1" strike="noStrike">
+              <a:latin typeface="Arial"/>
             </a:endParaRPr>
           </a:p>
         </p:txBody>
@@ -621,8 +618,8 @@
         </p:nvSpPr>
         <p:spPr>
           <a:xfrm>
-            <a:off x="1069560" y="2121480"/>
-            <a:ext cx="10055520" cy="1931760"/>
+            <a:off x="609120" y="1604520"/>
+            <a:ext cx="10969560" cy="1896840"/>
           </a:xfrm>
           <a:prstGeom prst="rect">
             <a:avLst/>
@@ -637,20 +634,8 @@
             <a:normAutofit/>
           </a:bodyPr>
           <a:p>
-            <a:pPr>
-              <a:lnSpc>
-                <a:spcPct val="90000"/>
-              </a:lnSpc>
-              <a:spcBef>
-                <a:spcPts val="1417"/>
-              </a:spcBef>
-              <a:buNone/>
-            </a:pPr>
-            <a:endParaRPr b="0" lang="en-US" sz="2000" spc="-1" strike="noStrike">
-              <a:solidFill>
-                <a:srgbClr val="000000"/>
-              </a:solidFill>
-              <a:latin typeface="Rockwell"/>
+            <a:endParaRPr b="0" lang="en-US" sz="3200" spc="-1" strike="noStrike">
+              <a:latin typeface="Arial"/>
             </a:endParaRPr>
           </a:p>
         </p:txBody>
@@ -667,8 +652,8 @@
         </p:nvSpPr>
         <p:spPr>
           <a:xfrm>
-            <a:off x="1069560" y="4237200"/>
-            <a:ext cx="10055520" cy="1931760"/>
+            <a:off x="609120" y="3682080"/>
+            <a:ext cx="10969560" cy="1896840"/>
           </a:xfrm>
           <a:prstGeom prst="rect">
             <a:avLst/>
@@ -683,20 +668,8 @@
             <a:normAutofit/>
           </a:bodyPr>
           <a:p>
-            <a:pPr>
-              <a:lnSpc>
-                <a:spcPct val="90000"/>
-              </a:lnSpc>
-              <a:spcBef>
-                <a:spcPts val="1417"/>
-              </a:spcBef>
-              <a:buNone/>
-            </a:pPr>
-            <a:endParaRPr b="0" lang="en-US" sz="2000" spc="-1" strike="noStrike">
-              <a:solidFill>
-                <a:srgbClr val="000000"/>
-              </a:solidFill>
-              <a:latin typeface="Rockwell"/>
+            <a:endParaRPr b="0" lang="en-US" sz="3200" spc="-1" strike="noStrike">
+              <a:latin typeface="Arial"/>
             </a:endParaRPr>
           </a:p>
         </p:txBody>
@@ -708,7 +681,7 @@
             <a:spLocks noGrp="1"/>
           </p:cNvSpPr>
           <p:nvPr>
-            <p:ph type="ftr" idx="2"/>
+            <p:ph type="ftr" idx="1"/>
           </p:nvPr>
         </p:nvSpPr>
         <p:spPr/>
@@ -728,14 +701,14 @@
             <a:spLocks noGrp="1"/>
           </p:cNvSpPr>
           <p:nvPr>
-            <p:ph type="sldNum" idx="3"/>
+            <p:ph type="sldNum" idx="2"/>
           </p:nvPr>
         </p:nvSpPr>
         <p:spPr/>
         <p:txBody>
           <a:bodyPr/>
           <a:p>
-            <a:fld id="{D9E0B787-5561-4F5C-8819-DF5BAFEF1B45}" type="slidenum">
+            <a:fld id="{43B8E6ED-A8C6-4DB9-84A8-8C6A781698D5}" type="slidenum">
               <a:t>&lt;#&gt;</a:t>
             </a:fld>
           </a:p>
@@ -748,7 +721,7 @@
             <a:spLocks noGrp="1"/>
           </p:cNvSpPr>
           <p:nvPr>
-            <p:ph type="dt" idx="1"/>
+            <p:ph type="dt" idx="3"/>
           </p:nvPr>
         </p:nvSpPr>
         <p:spPr/>
@@ -796,8 +769,8 @@
         </p:nvSpPr>
         <p:spPr>
           <a:xfrm>
-            <a:off x="1069560" y="484560"/>
-            <a:ext cx="10055520" cy="1608840"/>
+            <a:off x="609120" y="273600"/>
+            <a:ext cx="10969560" cy="1144800"/>
           </a:xfrm>
           <a:prstGeom prst="rect">
             <a:avLst/>
@@ -812,11 +785,11 @@
             <a:noAutofit/>
           </a:bodyPr>
           <a:p>
-            <a:endParaRPr b="0" lang="en-US" sz="2400" spc="-1" strike="noStrike">
-              <a:solidFill>
-                <a:srgbClr val="000000"/>
-              </a:solidFill>
-              <a:latin typeface="Rockwell"/>
+            <a:pPr algn="ctr">
+              <a:buNone/>
+            </a:pPr>
+            <a:endParaRPr b="0" lang="en-US" sz="4400" spc="-1" strike="noStrike">
+              <a:latin typeface="Arial"/>
             </a:endParaRPr>
           </a:p>
         </p:txBody>
@@ -833,8 +806,8 @@
         </p:nvSpPr>
         <p:spPr>
           <a:xfrm>
-            <a:off x="1069560" y="2121480"/>
-            <a:ext cx="4906800" cy="1931760"/>
+            <a:off x="609120" y="1604520"/>
+            <a:ext cx="5352840" cy="1896840"/>
           </a:xfrm>
           <a:prstGeom prst="rect">
             <a:avLst/>
@@ -849,20 +822,8 @@
             <a:normAutofit/>
           </a:bodyPr>
           <a:p>
-            <a:pPr>
-              <a:lnSpc>
-                <a:spcPct val="90000"/>
-              </a:lnSpc>
-              <a:spcBef>
-                <a:spcPts val="1417"/>
-              </a:spcBef>
-              <a:buNone/>
-            </a:pPr>
-            <a:endParaRPr b="0" lang="en-US" sz="2000" spc="-1" strike="noStrike">
-              <a:solidFill>
-                <a:srgbClr val="000000"/>
-              </a:solidFill>
-              <a:latin typeface="Rockwell"/>
+            <a:endParaRPr b="0" lang="en-US" sz="3200" spc="-1" strike="noStrike">
+              <a:latin typeface="Arial"/>
             </a:endParaRPr>
           </a:p>
         </p:txBody>
@@ -879,8 +840,8 @@
         </p:nvSpPr>
         <p:spPr>
           <a:xfrm>
-            <a:off x="6222240" y="2121480"/>
-            <a:ext cx="4906800" cy="1931760"/>
+            <a:off x="6230160" y="1604520"/>
+            <a:ext cx="5352840" cy="1896840"/>
           </a:xfrm>
           <a:prstGeom prst="rect">
             <a:avLst/>
@@ -895,20 +856,8 @@
             <a:normAutofit/>
           </a:bodyPr>
           <a:p>
-            <a:pPr>
-              <a:lnSpc>
-                <a:spcPct val="90000"/>
-              </a:lnSpc>
-              <a:spcBef>
-                <a:spcPts val="1417"/>
-              </a:spcBef>
-              <a:buNone/>
-            </a:pPr>
-            <a:endParaRPr b="0" lang="en-US" sz="2000" spc="-1" strike="noStrike">
-              <a:solidFill>
-                <a:srgbClr val="000000"/>
-              </a:solidFill>
-              <a:latin typeface="Rockwell"/>
+            <a:endParaRPr b="0" lang="en-US" sz="3200" spc="-1" strike="noStrike">
+              <a:latin typeface="Arial"/>
             </a:endParaRPr>
           </a:p>
         </p:txBody>
@@ -925,8 +874,8 @@
         </p:nvSpPr>
         <p:spPr>
           <a:xfrm>
-            <a:off x="1069560" y="4237200"/>
-            <a:ext cx="4906800" cy="1931760"/>
+            <a:off x="609120" y="3682080"/>
+            <a:ext cx="5352840" cy="1896840"/>
           </a:xfrm>
           <a:prstGeom prst="rect">
             <a:avLst/>
@@ -941,20 +890,8 @@
             <a:normAutofit/>
           </a:bodyPr>
           <a:p>
-            <a:pPr>
-              <a:lnSpc>
-                <a:spcPct val="90000"/>
-              </a:lnSpc>
-              <a:spcBef>
-                <a:spcPts val="1417"/>
-              </a:spcBef>
-              <a:buNone/>
-            </a:pPr>
-            <a:endParaRPr b="0" lang="en-US" sz="2000" spc="-1" strike="noStrike">
-              <a:solidFill>
-                <a:srgbClr val="000000"/>
-              </a:solidFill>
-              <a:latin typeface="Rockwell"/>
+            <a:endParaRPr b="0" lang="en-US" sz="3200" spc="-1" strike="noStrike">
+              <a:latin typeface="Arial"/>
             </a:endParaRPr>
           </a:p>
         </p:txBody>
@@ -971,8 +908,8 @@
         </p:nvSpPr>
         <p:spPr>
           <a:xfrm>
-            <a:off x="6222240" y="4237200"/>
-            <a:ext cx="4906800" cy="1931760"/>
+            <a:off x="6230160" y="3682080"/>
+            <a:ext cx="5352840" cy="1896840"/>
           </a:xfrm>
           <a:prstGeom prst="rect">
             <a:avLst/>
@@ -987,20 +924,8 @@
             <a:normAutofit/>
           </a:bodyPr>
           <a:p>
-            <a:pPr>
-              <a:lnSpc>
-                <a:spcPct val="90000"/>
-              </a:lnSpc>
-              <a:spcBef>
-                <a:spcPts val="1417"/>
-              </a:spcBef>
-              <a:buNone/>
-            </a:pPr>
-            <a:endParaRPr b="0" lang="en-US" sz="2000" spc="-1" strike="noStrike">
-              <a:solidFill>
-                <a:srgbClr val="000000"/>
-              </a:solidFill>
-              <a:latin typeface="Rockwell"/>
+            <a:endParaRPr b="0" lang="en-US" sz="3200" spc="-1" strike="noStrike">
+              <a:latin typeface="Arial"/>
             </a:endParaRPr>
           </a:p>
         </p:txBody>
@@ -1012,7 +937,7 @@
             <a:spLocks noGrp="1"/>
           </p:cNvSpPr>
           <p:nvPr>
-            <p:ph type="ftr" idx="2"/>
+            <p:ph type="ftr" idx="1"/>
           </p:nvPr>
         </p:nvSpPr>
         <p:spPr/>
@@ -1032,14 +957,14 @@
             <a:spLocks noGrp="1"/>
           </p:cNvSpPr>
           <p:nvPr>
-            <p:ph type="sldNum" idx="3"/>
+            <p:ph type="sldNum" idx="2"/>
           </p:nvPr>
         </p:nvSpPr>
         <p:spPr/>
         <p:txBody>
           <a:bodyPr/>
           <a:p>
-            <a:fld id="{232F6E43-2935-477B-B7B0-8DEA87C020F7}" type="slidenum">
+            <a:fld id="{297FF732-5090-4931-844D-CF6F20C63991}" type="slidenum">
               <a:t>&lt;#&gt;</a:t>
             </a:fld>
           </a:p>
@@ -1052,7 +977,7 @@
             <a:spLocks noGrp="1"/>
           </p:cNvSpPr>
           <p:nvPr>
-            <p:ph type="dt" idx="1"/>
+            <p:ph type="dt" idx="3"/>
           </p:nvPr>
         </p:nvSpPr>
         <p:spPr/>
@@ -1100,8 +1025,8 @@
         </p:nvSpPr>
         <p:spPr>
           <a:xfrm>
-            <a:off x="1069560" y="484560"/>
-            <a:ext cx="10055520" cy="1608840"/>
+            <a:off x="609120" y="273600"/>
+            <a:ext cx="10969560" cy="1144800"/>
           </a:xfrm>
           <a:prstGeom prst="rect">
             <a:avLst/>
@@ -1116,11 +1041,11 @@
             <a:noAutofit/>
           </a:bodyPr>
           <a:p>
-            <a:endParaRPr b="0" lang="en-US" sz="2400" spc="-1" strike="noStrike">
-              <a:solidFill>
-                <a:srgbClr val="000000"/>
-              </a:solidFill>
-              <a:latin typeface="Rockwell"/>
+            <a:pPr algn="ctr">
+              <a:buNone/>
+            </a:pPr>
+            <a:endParaRPr b="0" lang="en-US" sz="4400" spc="-1" strike="noStrike">
+              <a:latin typeface="Arial"/>
             </a:endParaRPr>
           </a:p>
         </p:txBody>
@@ -1137,8 +1062,8 @@
         </p:nvSpPr>
         <p:spPr>
           <a:xfrm>
-            <a:off x="1069560" y="2121480"/>
-            <a:ext cx="3237480" cy="1931760"/>
+            <a:off x="609120" y="1604520"/>
+            <a:ext cx="3531960" cy="1896840"/>
           </a:xfrm>
           <a:prstGeom prst="rect">
             <a:avLst/>
@@ -1153,20 +1078,8 @@
             <a:normAutofit/>
           </a:bodyPr>
           <a:p>
-            <a:pPr>
-              <a:lnSpc>
-                <a:spcPct val="90000"/>
-              </a:lnSpc>
-              <a:spcBef>
-                <a:spcPts val="1417"/>
-              </a:spcBef>
-              <a:buNone/>
-            </a:pPr>
-            <a:endParaRPr b="0" lang="en-US" sz="2000" spc="-1" strike="noStrike">
-              <a:solidFill>
-                <a:srgbClr val="000000"/>
-              </a:solidFill>
-              <a:latin typeface="Rockwell"/>
+            <a:endParaRPr b="0" lang="en-US" sz="3200" spc="-1" strike="noStrike">
+              <a:latin typeface="Arial"/>
             </a:endParaRPr>
           </a:p>
         </p:txBody>
@@ -1183,8 +1096,8 @@
         </p:nvSpPr>
         <p:spPr>
           <a:xfrm>
-            <a:off x="4469400" y="2121480"/>
-            <a:ext cx="3237480" cy="1931760"/>
+            <a:off x="4318200" y="1604520"/>
+            <a:ext cx="3531960" cy="1896840"/>
           </a:xfrm>
           <a:prstGeom prst="rect">
             <a:avLst/>
@@ -1199,20 +1112,8 @@
             <a:normAutofit/>
           </a:bodyPr>
           <a:p>
-            <a:pPr>
-              <a:lnSpc>
-                <a:spcPct val="90000"/>
-              </a:lnSpc>
-              <a:spcBef>
-                <a:spcPts val="1417"/>
-              </a:spcBef>
-              <a:buNone/>
-            </a:pPr>
-            <a:endParaRPr b="0" lang="en-US" sz="2000" spc="-1" strike="noStrike">
-              <a:solidFill>
-                <a:srgbClr val="000000"/>
-              </a:solidFill>
-              <a:latin typeface="Rockwell"/>
+            <a:endParaRPr b="0" lang="en-US" sz="3200" spc="-1" strike="noStrike">
+              <a:latin typeface="Arial"/>
             </a:endParaRPr>
           </a:p>
         </p:txBody>
@@ -1229,8 +1130,8 @@
         </p:nvSpPr>
         <p:spPr>
           <a:xfrm>
-            <a:off x="7868880" y="2121480"/>
-            <a:ext cx="3237480" cy="1931760"/>
+            <a:off x="8026920" y="1604520"/>
+            <a:ext cx="3531960" cy="1896840"/>
           </a:xfrm>
           <a:prstGeom prst="rect">
             <a:avLst/>
@@ -1245,20 +1146,8 @@
             <a:normAutofit/>
           </a:bodyPr>
           <a:p>
-            <a:pPr>
-              <a:lnSpc>
-                <a:spcPct val="90000"/>
-              </a:lnSpc>
-              <a:spcBef>
-                <a:spcPts val="1417"/>
-              </a:spcBef>
-              <a:buNone/>
-            </a:pPr>
-            <a:endParaRPr b="0" lang="en-US" sz="2000" spc="-1" strike="noStrike">
-              <a:solidFill>
-                <a:srgbClr val="000000"/>
-              </a:solidFill>
-              <a:latin typeface="Rockwell"/>
+            <a:endParaRPr b="0" lang="en-US" sz="3200" spc="-1" strike="noStrike">
+              <a:latin typeface="Arial"/>
             </a:endParaRPr>
           </a:p>
         </p:txBody>
@@ -1275,8 +1164,8 @@
         </p:nvSpPr>
         <p:spPr>
           <a:xfrm>
-            <a:off x="1069560" y="4237200"/>
-            <a:ext cx="3237480" cy="1931760"/>
+            <a:off x="609120" y="3682080"/>
+            <a:ext cx="3531960" cy="1896840"/>
           </a:xfrm>
           <a:prstGeom prst="rect">
             <a:avLst/>
@@ -1291,20 +1180,8 @@
             <a:normAutofit/>
           </a:bodyPr>
           <a:p>
-            <a:pPr>
-              <a:lnSpc>
-                <a:spcPct val="90000"/>
-              </a:lnSpc>
-              <a:spcBef>
-                <a:spcPts val="1417"/>
-              </a:spcBef>
-              <a:buNone/>
-            </a:pPr>
-            <a:endParaRPr b="0" lang="en-US" sz="2000" spc="-1" strike="noStrike">
-              <a:solidFill>
-                <a:srgbClr val="000000"/>
-              </a:solidFill>
-              <a:latin typeface="Rockwell"/>
+            <a:endParaRPr b="0" lang="en-US" sz="3200" spc="-1" strike="noStrike">
+              <a:latin typeface="Arial"/>
             </a:endParaRPr>
           </a:p>
         </p:txBody>
@@ -1321,8 +1198,8 @@
         </p:nvSpPr>
         <p:spPr>
           <a:xfrm>
-            <a:off x="4469400" y="4237200"/>
-            <a:ext cx="3237480" cy="1931760"/>
+            <a:off x="4318200" y="3682080"/>
+            <a:ext cx="3531960" cy="1896840"/>
           </a:xfrm>
           <a:prstGeom prst="rect">
             <a:avLst/>
@@ -1337,20 +1214,8 @@
             <a:normAutofit/>
           </a:bodyPr>
           <a:p>
-            <a:pPr>
-              <a:lnSpc>
-                <a:spcPct val="90000"/>
-              </a:lnSpc>
-              <a:spcBef>
-                <a:spcPts val="1417"/>
-              </a:spcBef>
-              <a:buNone/>
-            </a:pPr>
-            <a:endParaRPr b="0" lang="en-US" sz="2000" spc="-1" strike="noStrike">
-              <a:solidFill>
-                <a:srgbClr val="000000"/>
-              </a:solidFill>
-              <a:latin typeface="Rockwell"/>
+            <a:endParaRPr b="0" lang="en-US" sz="3200" spc="-1" strike="noStrike">
+              <a:latin typeface="Arial"/>
             </a:endParaRPr>
           </a:p>
         </p:txBody>
@@ -1367,8 +1232,8 @@
         </p:nvSpPr>
         <p:spPr>
           <a:xfrm>
-            <a:off x="7868880" y="4237200"/>
-            <a:ext cx="3237480" cy="1931760"/>
+            <a:off x="8026920" y="3682080"/>
+            <a:ext cx="3531960" cy="1896840"/>
           </a:xfrm>
           <a:prstGeom prst="rect">
             <a:avLst/>
@@ -1383,20 +1248,8 @@
             <a:normAutofit/>
           </a:bodyPr>
           <a:p>
-            <a:pPr>
-              <a:lnSpc>
-                <a:spcPct val="90000"/>
-              </a:lnSpc>
-              <a:spcBef>
-                <a:spcPts val="1417"/>
-              </a:spcBef>
-              <a:buNone/>
-            </a:pPr>
-            <a:endParaRPr b="0" lang="en-US" sz="2000" spc="-1" strike="noStrike">
-              <a:solidFill>
-                <a:srgbClr val="000000"/>
-              </a:solidFill>
-              <a:latin typeface="Rockwell"/>
+            <a:endParaRPr b="0" lang="en-US" sz="3200" spc="-1" strike="noStrike">
+              <a:latin typeface="Arial"/>
             </a:endParaRPr>
           </a:p>
         </p:txBody>
@@ -1408,7 +1261,7 @@
             <a:spLocks noGrp="1"/>
           </p:cNvSpPr>
           <p:nvPr>
-            <p:ph type="ftr" idx="2"/>
+            <p:ph type="ftr" idx="1"/>
           </p:nvPr>
         </p:nvSpPr>
         <p:spPr/>
@@ -1428,14 +1281,14 @@
             <a:spLocks noGrp="1"/>
           </p:cNvSpPr>
           <p:nvPr>
-            <p:ph type="sldNum" idx="3"/>
+            <p:ph type="sldNum" idx="2"/>
           </p:nvPr>
         </p:nvSpPr>
         <p:spPr/>
         <p:txBody>
           <a:bodyPr/>
           <a:p>
-            <a:fld id="{AD2F8436-0FD8-48BB-8FB6-77FA43770F30}" type="slidenum">
+            <a:fld id="{7ED9FCBB-25C7-43BC-9296-66960C8B9282}" type="slidenum">
               <a:t>&lt;#&gt;</a:t>
             </a:fld>
           </a:p>
@@ -1448,7 +1301,7 @@
             <a:spLocks noGrp="1"/>
           </p:cNvSpPr>
           <p:nvPr>
-            <p:ph type="dt" idx="1"/>
+            <p:ph type="dt" idx="3"/>
           </p:nvPr>
         </p:nvSpPr>
         <p:spPr/>
@@ -1491,7 +1344,7 @@
             <a:spLocks noGrp="1"/>
           </p:cNvSpPr>
           <p:nvPr>
-            <p:ph type="ftr" idx="5"/>
+            <p:ph type="ftr" idx="4"/>
           </p:nvPr>
         </p:nvSpPr>
         <p:spPr/>
@@ -1511,14 +1364,14 @@
             <a:spLocks noGrp="1"/>
           </p:cNvSpPr>
           <p:nvPr>
-            <p:ph type="sldNum" idx="6"/>
+            <p:ph type="sldNum" idx="5"/>
           </p:nvPr>
         </p:nvSpPr>
         <p:spPr/>
         <p:txBody>
           <a:bodyPr/>
           <a:p>
-            <a:fld id="{A0C75C38-3224-4725-91A4-4C779C6C009C}" type="slidenum">
+            <a:fld id="{2BB5600B-76A4-49F3-90EF-C035F6BDCF89}" type="slidenum">
               <a:t>&lt;#&gt;</a:t>
             </a:fld>
           </a:p>
@@ -1531,7 +1384,7 @@
             <a:spLocks noGrp="1"/>
           </p:cNvSpPr>
           <p:nvPr>
-            <p:ph type="dt" idx="4"/>
+            <p:ph type="dt" idx="6"/>
           </p:nvPr>
         </p:nvSpPr>
         <p:spPr/>
@@ -1579,8 +1432,8 @@
         </p:nvSpPr>
         <p:spPr>
           <a:xfrm>
-            <a:off x="1069560" y="484560"/>
-            <a:ext cx="10055520" cy="1608840"/>
+            <a:off x="609120" y="273600"/>
+            <a:ext cx="10969560" cy="1144800"/>
           </a:xfrm>
           <a:prstGeom prst="rect">
             <a:avLst/>
@@ -1595,11 +1448,11 @@
             <a:noAutofit/>
           </a:bodyPr>
           <a:p>
-            <a:endParaRPr b="0" lang="en-US" sz="2400" spc="-1" strike="noStrike">
-              <a:solidFill>
-                <a:srgbClr val="000000"/>
-              </a:solidFill>
-              <a:latin typeface="Rockwell"/>
+            <a:pPr algn="ctr">
+              <a:buNone/>
+            </a:pPr>
+            <a:endParaRPr b="0" lang="en-US" sz="4400" spc="-1" strike="noStrike">
+              <a:latin typeface="Arial"/>
             </a:endParaRPr>
           </a:p>
         </p:txBody>
@@ -1616,8 +1469,8 @@
         </p:nvSpPr>
         <p:spPr>
           <a:xfrm>
-            <a:off x="1069560" y="2121480"/>
-            <a:ext cx="10055520" cy="4050360"/>
+            <a:off x="609120" y="1604520"/>
+            <a:ext cx="10969560" cy="3977280"/>
           </a:xfrm>
           <a:prstGeom prst="rect">
             <a:avLst/>
@@ -1648,7 +1501,7 @@
             <a:spLocks noGrp="1"/>
           </p:cNvSpPr>
           <p:nvPr>
-            <p:ph type="ftr" idx="5"/>
+            <p:ph type="ftr" idx="4"/>
           </p:nvPr>
         </p:nvSpPr>
         <p:spPr/>
@@ -1668,14 +1521,14 @@
             <a:spLocks noGrp="1"/>
           </p:cNvSpPr>
           <p:nvPr>
-            <p:ph type="sldNum" idx="6"/>
+            <p:ph type="sldNum" idx="5"/>
           </p:nvPr>
         </p:nvSpPr>
         <p:spPr/>
         <p:txBody>
           <a:bodyPr/>
           <a:p>
-            <a:fld id="{3CD66C00-5F22-4E04-B497-F11F77746AE8}" type="slidenum">
+            <a:fld id="{530BC851-1B0F-4E6D-8568-1F8B6289D8EE}" type="slidenum">
               <a:t>&lt;#&gt;</a:t>
             </a:fld>
           </a:p>
@@ -1688,7 +1541,7 @@
             <a:spLocks noGrp="1"/>
           </p:cNvSpPr>
           <p:nvPr>
-            <p:ph type="dt" idx="4"/>
+            <p:ph type="dt" idx="6"/>
           </p:nvPr>
         </p:nvSpPr>
         <p:spPr/>
@@ -1736,8 +1589,8 @@
         </p:nvSpPr>
         <p:spPr>
           <a:xfrm>
-            <a:off x="1069560" y="484560"/>
-            <a:ext cx="10055520" cy="1608840"/>
+            <a:off x="609120" y="273600"/>
+            <a:ext cx="10969560" cy="1144800"/>
           </a:xfrm>
           <a:prstGeom prst="rect">
             <a:avLst/>
@@ -1752,11 +1605,11 @@
             <a:noAutofit/>
           </a:bodyPr>
           <a:p>
-            <a:endParaRPr b="0" lang="en-US" sz="2400" spc="-1" strike="noStrike">
-              <a:solidFill>
-                <a:srgbClr val="000000"/>
-              </a:solidFill>
-              <a:latin typeface="Rockwell"/>
+            <a:pPr algn="ctr">
+              <a:buNone/>
+            </a:pPr>
+            <a:endParaRPr b="0" lang="en-US" sz="4400" spc="-1" strike="noStrike">
+              <a:latin typeface="Arial"/>
             </a:endParaRPr>
           </a:p>
         </p:txBody>
@@ -1773,8 +1626,8 @@
         </p:nvSpPr>
         <p:spPr>
           <a:xfrm>
-            <a:off x="1069560" y="2121480"/>
-            <a:ext cx="10055520" cy="4050360"/>
+            <a:off x="609120" y="1604520"/>
+            <a:ext cx="10969560" cy="3977280"/>
           </a:xfrm>
           <a:prstGeom prst="rect">
             <a:avLst/>
@@ -1789,20 +1642,8 @@
             <a:normAutofit/>
           </a:bodyPr>
           <a:p>
-            <a:pPr>
-              <a:lnSpc>
-                <a:spcPct val="90000"/>
-              </a:lnSpc>
-              <a:spcBef>
-                <a:spcPts val="1417"/>
-              </a:spcBef>
-              <a:buNone/>
-            </a:pPr>
-            <a:endParaRPr b="0" lang="en-US" sz="2000" spc="-1" strike="noStrike">
-              <a:solidFill>
-                <a:srgbClr val="000000"/>
-              </a:solidFill>
-              <a:latin typeface="Rockwell"/>
+            <a:endParaRPr b="0" lang="en-US" sz="3200" spc="-1" strike="noStrike">
+              <a:latin typeface="Arial"/>
             </a:endParaRPr>
           </a:p>
         </p:txBody>
@@ -1814,7 +1655,7 @@
             <a:spLocks noGrp="1"/>
           </p:cNvSpPr>
           <p:nvPr>
-            <p:ph type="ftr" idx="5"/>
+            <p:ph type="ftr" idx="4"/>
           </p:nvPr>
         </p:nvSpPr>
         <p:spPr/>
@@ -1834,14 +1675,14 @@
             <a:spLocks noGrp="1"/>
           </p:cNvSpPr>
           <p:nvPr>
-            <p:ph type="sldNum" idx="6"/>
+            <p:ph type="sldNum" idx="5"/>
           </p:nvPr>
         </p:nvSpPr>
         <p:spPr/>
         <p:txBody>
           <a:bodyPr/>
           <a:p>
-            <a:fld id="{CDE71574-C76A-4B91-B5BA-E2649B7993A2}" type="slidenum">
+            <a:fld id="{C71C6675-7FB5-44E6-84B7-AA714B30D071}" type="slidenum">
               <a:t>&lt;#&gt;</a:t>
             </a:fld>
           </a:p>
@@ -1854,7 +1695,7 @@
             <a:spLocks noGrp="1"/>
           </p:cNvSpPr>
           <p:nvPr>
-            <p:ph type="dt" idx="4"/>
+            <p:ph type="dt" idx="6"/>
           </p:nvPr>
         </p:nvSpPr>
         <p:spPr/>
@@ -1902,8 +1743,8 @@
         </p:nvSpPr>
         <p:spPr>
           <a:xfrm>
-            <a:off x="1069560" y="484560"/>
-            <a:ext cx="10055520" cy="1608840"/>
+            <a:off x="609120" y="273600"/>
+            <a:ext cx="10969560" cy="1144800"/>
           </a:xfrm>
           <a:prstGeom prst="rect">
             <a:avLst/>
@@ -1918,11 +1759,11 @@
             <a:noAutofit/>
           </a:bodyPr>
           <a:p>
-            <a:endParaRPr b="0" lang="en-US" sz="2400" spc="-1" strike="noStrike">
-              <a:solidFill>
-                <a:srgbClr val="000000"/>
-              </a:solidFill>
-              <a:latin typeface="Rockwell"/>
+            <a:pPr algn="ctr">
+              <a:buNone/>
+            </a:pPr>
+            <a:endParaRPr b="0" lang="en-US" sz="4400" spc="-1" strike="noStrike">
+              <a:latin typeface="Arial"/>
             </a:endParaRPr>
           </a:p>
         </p:txBody>
@@ -1939,8 +1780,8 @@
         </p:nvSpPr>
         <p:spPr>
           <a:xfrm>
-            <a:off x="1069560" y="2121480"/>
-            <a:ext cx="4906800" cy="4050360"/>
+            <a:off x="609120" y="1604520"/>
+            <a:ext cx="5352840" cy="3977280"/>
           </a:xfrm>
           <a:prstGeom prst="rect">
             <a:avLst/>
@@ -1955,20 +1796,8 @@
             <a:normAutofit/>
           </a:bodyPr>
           <a:p>
-            <a:pPr>
-              <a:lnSpc>
-                <a:spcPct val="90000"/>
-              </a:lnSpc>
-              <a:spcBef>
-                <a:spcPts val="1417"/>
-              </a:spcBef>
-              <a:buNone/>
-            </a:pPr>
-            <a:endParaRPr b="0" lang="en-US" sz="2000" spc="-1" strike="noStrike">
-              <a:solidFill>
-                <a:srgbClr val="000000"/>
-              </a:solidFill>
-              <a:latin typeface="Rockwell"/>
+            <a:endParaRPr b="0" lang="en-US" sz="3200" spc="-1" strike="noStrike">
+              <a:latin typeface="Arial"/>
             </a:endParaRPr>
           </a:p>
         </p:txBody>
@@ -1985,8 +1814,8 @@
         </p:nvSpPr>
         <p:spPr>
           <a:xfrm>
-            <a:off x="6222240" y="2121480"/>
-            <a:ext cx="4906800" cy="4050360"/>
+            <a:off x="6230160" y="1604520"/>
+            <a:ext cx="5352840" cy="3977280"/>
           </a:xfrm>
           <a:prstGeom prst="rect">
             <a:avLst/>
@@ -2001,20 +1830,8 @@
             <a:normAutofit/>
           </a:bodyPr>
           <a:p>
-            <a:pPr>
-              <a:lnSpc>
-                <a:spcPct val="90000"/>
-              </a:lnSpc>
-              <a:spcBef>
-                <a:spcPts val="1417"/>
-              </a:spcBef>
-              <a:buNone/>
-            </a:pPr>
-            <a:endParaRPr b="0" lang="en-US" sz="2000" spc="-1" strike="noStrike">
-              <a:solidFill>
-                <a:srgbClr val="000000"/>
-              </a:solidFill>
-              <a:latin typeface="Rockwell"/>
+            <a:endParaRPr b="0" lang="en-US" sz="3200" spc="-1" strike="noStrike">
+              <a:latin typeface="Arial"/>
             </a:endParaRPr>
           </a:p>
         </p:txBody>
@@ -2026,7 +1843,7 @@
             <a:spLocks noGrp="1"/>
           </p:cNvSpPr>
           <p:nvPr>
-            <p:ph type="ftr" idx="5"/>
+            <p:ph type="ftr" idx="4"/>
           </p:nvPr>
         </p:nvSpPr>
         <p:spPr/>
@@ -2046,14 +1863,14 @@
             <a:spLocks noGrp="1"/>
           </p:cNvSpPr>
           <p:nvPr>
-            <p:ph type="sldNum" idx="6"/>
+            <p:ph type="sldNum" idx="5"/>
           </p:nvPr>
         </p:nvSpPr>
         <p:spPr/>
         <p:txBody>
           <a:bodyPr/>
           <a:p>
-            <a:fld id="{9DBBBD87-0C13-4846-AB90-5D27597F3A50}" type="slidenum">
+            <a:fld id="{45435E49-7287-4053-89BA-443B2D4E3E10}" type="slidenum">
               <a:t>&lt;#&gt;</a:t>
             </a:fld>
           </a:p>
@@ -2066,7 +1883,7 @@
             <a:spLocks noGrp="1"/>
           </p:cNvSpPr>
           <p:nvPr>
-            <p:ph type="dt" idx="4"/>
+            <p:ph type="dt" idx="6"/>
           </p:nvPr>
         </p:nvSpPr>
         <p:spPr/>
@@ -2114,8 +1931,8 @@
         </p:nvSpPr>
         <p:spPr>
           <a:xfrm>
-            <a:off x="1069560" y="484560"/>
-            <a:ext cx="10055520" cy="1608840"/>
+            <a:off x="609120" y="273600"/>
+            <a:ext cx="10969560" cy="1144800"/>
           </a:xfrm>
           <a:prstGeom prst="rect">
             <a:avLst/>
@@ -2130,11 +1947,11 @@
             <a:noAutofit/>
           </a:bodyPr>
           <a:p>
-            <a:endParaRPr b="0" lang="en-US" sz="2400" spc="-1" strike="noStrike">
-              <a:solidFill>
-                <a:srgbClr val="000000"/>
-              </a:solidFill>
-              <a:latin typeface="Rockwell"/>
+            <a:pPr algn="ctr">
+              <a:buNone/>
+            </a:pPr>
+            <a:endParaRPr b="0" lang="en-US" sz="4400" spc="-1" strike="noStrike">
+              <a:latin typeface="Arial"/>
             </a:endParaRPr>
           </a:p>
         </p:txBody>
@@ -2146,7 +1963,7 @@
             <a:spLocks noGrp="1"/>
           </p:cNvSpPr>
           <p:nvPr>
-            <p:ph type="ftr" idx="5"/>
+            <p:ph type="ftr" idx="4"/>
           </p:nvPr>
         </p:nvSpPr>
         <p:spPr/>
@@ -2166,14 +1983,14 @@
             <a:spLocks noGrp="1"/>
           </p:cNvSpPr>
           <p:nvPr>
-            <p:ph type="sldNum" idx="6"/>
+            <p:ph type="sldNum" idx="5"/>
           </p:nvPr>
         </p:nvSpPr>
         <p:spPr/>
         <p:txBody>
           <a:bodyPr/>
           <a:p>
-            <a:fld id="{A0261E98-19CD-416D-A070-294374D75AD1}" type="slidenum">
+            <a:fld id="{C1E31DB3-6B99-4EB6-B39A-D0E1F3404C81}" type="slidenum">
               <a:t>&lt;#&gt;</a:t>
             </a:fld>
           </a:p>
@@ -2186,7 +2003,7 @@
             <a:spLocks noGrp="1"/>
           </p:cNvSpPr>
           <p:nvPr>
-            <p:ph type="dt" idx="4"/>
+            <p:ph type="dt" idx="6"/>
           </p:nvPr>
         </p:nvSpPr>
         <p:spPr/>
@@ -2234,8 +2051,8 @@
         </p:nvSpPr>
         <p:spPr>
           <a:xfrm>
-            <a:off x="1069560" y="484560"/>
-            <a:ext cx="10055520" cy="7458840"/>
+            <a:off x="609120" y="273600"/>
+            <a:ext cx="10969560" cy="5307840"/>
           </a:xfrm>
           <a:prstGeom prst="rect">
             <a:avLst/>
@@ -2266,7 +2083,7 @@
             <a:spLocks noGrp="1"/>
           </p:cNvSpPr>
           <p:nvPr>
-            <p:ph type="ftr" idx="5"/>
+            <p:ph type="ftr" idx="4"/>
           </p:nvPr>
         </p:nvSpPr>
         <p:spPr/>
@@ -2286,14 +2103,14 @@
             <a:spLocks noGrp="1"/>
           </p:cNvSpPr>
           <p:nvPr>
-            <p:ph type="sldNum" idx="6"/>
+            <p:ph type="sldNum" idx="5"/>
           </p:nvPr>
         </p:nvSpPr>
         <p:spPr/>
         <p:txBody>
           <a:bodyPr/>
           <a:p>
-            <a:fld id="{C26672D9-CA35-4F0A-9AAF-B18EDF1F9A72}" type="slidenum">
+            <a:fld id="{CDEA72BC-244F-472B-91BD-350C02A19B0B}" type="slidenum">
               <a:t>&lt;#&gt;</a:t>
             </a:fld>
           </a:p>
@@ -2306,7 +2123,7 @@
             <a:spLocks noGrp="1"/>
           </p:cNvSpPr>
           <p:nvPr>
-            <p:ph type="dt" idx="4"/>
+            <p:ph type="dt" idx="6"/>
           </p:nvPr>
         </p:nvSpPr>
         <p:spPr/>
@@ -2354,8 +2171,8 @@
         </p:nvSpPr>
         <p:spPr>
           <a:xfrm>
-            <a:off x="1069560" y="484560"/>
-            <a:ext cx="10055520" cy="1608840"/>
+            <a:off x="609120" y="273600"/>
+            <a:ext cx="10969560" cy="1144800"/>
           </a:xfrm>
           <a:prstGeom prst="rect">
             <a:avLst/>
@@ -2370,11 +2187,11 @@
             <a:noAutofit/>
           </a:bodyPr>
           <a:p>
-            <a:endParaRPr b="0" lang="en-US" sz="2400" spc="-1" strike="noStrike">
-              <a:solidFill>
-                <a:srgbClr val="000000"/>
-              </a:solidFill>
-              <a:latin typeface="Rockwell"/>
+            <a:pPr algn="ctr">
+              <a:buNone/>
+            </a:pPr>
+            <a:endParaRPr b="0" lang="en-US" sz="4400" spc="-1" strike="noStrike">
+              <a:latin typeface="Arial"/>
             </a:endParaRPr>
           </a:p>
         </p:txBody>
@@ -2391,8 +2208,8 @@
         </p:nvSpPr>
         <p:spPr>
           <a:xfrm>
-            <a:off x="1069560" y="2121480"/>
-            <a:ext cx="4906800" cy="1931760"/>
+            <a:off x="609120" y="1604520"/>
+            <a:ext cx="5352840" cy="1896840"/>
           </a:xfrm>
           <a:prstGeom prst="rect">
             <a:avLst/>
@@ -2407,20 +2224,8 @@
             <a:normAutofit/>
           </a:bodyPr>
           <a:p>
-            <a:pPr>
-              <a:lnSpc>
-                <a:spcPct val="90000"/>
-              </a:lnSpc>
-              <a:spcBef>
-                <a:spcPts val="1417"/>
-              </a:spcBef>
-              <a:buNone/>
-            </a:pPr>
-            <a:endParaRPr b="0" lang="en-US" sz="2000" spc="-1" strike="noStrike">
-              <a:solidFill>
-                <a:srgbClr val="000000"/>
-              </a:solidFill>
-              <a:latin typeface="Rockwell"/>
+            <a:endParaRPr b="0" lang="en-US" sz="3200" spc="-1" strike="noStrike">
+              <a:latin typeface="Arial"/>
             </a:endParaRPr>
           </a:p>
         </p:txBody>
@@ -2437,8 +2242,8 @@
         </p:nvSpPr>
         <p:spPr>
           <a:xfrm>
-            <a:off x="6222240" y="2121480"/>
-            <a:ext cx="4906800" cy="4050360"/>
+            <a:off x="6230160" y="1604520"/>
+            <a:ext cx="5352840" cy="3977280"/>
           </a:xfrm>
           <a:prstGeom prst="rect">
             <a:avLst/>
@@ -2453,20 +2258,8 @@
             <a:normAutofit/>
           </a:bodyPr>
           <a:p>
-            <a:pPr>
-              <a:lnSpc>
-                <a:spcPct val="90000"/>
-              </a:lnSpc>
-              <a:spcBef>
-                <a:spcPts val="1417"/>
-              </a:spcBef>
-              <a:buNone/>
-            </a:pPr>
-            <a:endParaRPr b="0" lang="en-US" sz="2000" spc="-1" strike="noStrike">
-              <a:solidFill>
-                <a:srgbClr val="000000"/>
-              </a:solidFill>
-              <a:latin typeface="Rockwell"/>
+            <a:endParaRPr b="0" lang="en-US" sz="3200" spc="-1" strike="noStrike">
+              <a:latin typeface="Arial"/>
             </a:endParaRPr>
           </a:p>
         </p:txBody>
@@ -2483,8 +2276,8 @@
         </p:nvSpPr>
         <p:spPr>
           <a:xfrm>
-            <a:off x="1069560" y="4237200"/>
-            <a:ext cx="4906800" cy="1931760"/>
+            <a:off x="609120" y="3682080"/>
+            <a:ext cx="5352840" cy="1896840"/>
           </a:xfrm>
           <a:prstGeom prst="rect">
             <a:avLst/>
@@ -2499,20 +2292,8 @@
             <a:normAutofit/>
           </a:bodyPr>
           <a:p>
-            <a:pPr>
-              <a:lnSpc>
-                <a:spcPct val="90000"/>
-              </a:lnSpc>
-              <a:spcBef>
-                <a:spcPts val="1417"/>
-              </a:spcBef>
-              <a:buNone/>
-            </a:pPr>
-            <a:endParaRPr b="0" lang="en-US" sz="2000" spc="-1" strike="noStrike">
-              <a:solidFill>
-                <a:srgbClr val="000000"/>
-              </a:solidFill>
-              <a:latin typeface="Rockwell"/>
+            <a:endParaRPr b="0" lang="en-US" sz="3200" spc="-1" strike="noStrike">
+              <a:latin typeface="Arial"/>
             </a:endParaRPr>
           </a:p>
         </p:txBody>
@@ -2524,7 +2305,7 @@
             <a:spLocks noGrp="1"/>
           </p:cNvSpPr>
           <p:nvPr>
-            <p:ph type="ftr" idx="5"/>
+            <p:ph type="ftr" idx="4"/>
           </p:nvPr>
         </p:nvSpPr>
         <p:spPr/>
@@ -2544,14 +2325,14 @@
             <a:spLocks noGrp="1"/>
           </p:cNvSpPr>
           <p:nvPr>
-            <p:ph type="sldNum" idx="6"/>
+            <p:ph type="sldNum" idx="5"/>
           </p:nvPr>
         </p:nvSpPr>
         <p:spPr/>
         <p:txBody>
           <a:bodyPr/>
           <a:p>
-            <a:fld id="{03AC57D3-D607-4587-9E8A-0399DD874842}" type="slidenum">
+            <a:fld id="{9E911744-DDA0-41FA-A89F-EF6151F71399}" type="slidenum">
               <a:t>&lt;#&gt;</a:t>
             </a:fld>
           </a:p>
@@ -2564,7 +2345,7 @@
             <a:spLocks noGrp="1"/>
           </p:cNvSpPr>
           <p:nvPr>
-            <p:ph type="dt" idx="4"/>
+            <p:ph type="dt" idx="6"/>
           </p:nvPr>
         </p:nvSpPr>
         <p:spPr/>
@@ -2612,8 +2393,8 @@
         </p:nvSpPr>
         <p:spPr>
           <a:xfrm>
-            <a:off x="1069560" y="484560"/>
-            <a:ext cx="10055520" cy="1608840"/>
+            <a:off x="609120" y="273600"/>
+            <a:ext cx="10969560" cy="1144800"/>
           </a:xfrm>
           <a:prstGeom prst="rect">
             <a:avLst/>
@@ -2628,11 +2409,11 @@
             <a:noAutofit/>
           </a:bodyPr>
           <a:p>
-            <a:endParaRPr b="0" lang="en-US" sz="2400" spc="-1" strike="noStrike">
-              <a:solidFill>
-                <a:srgbClr val="000000"/>
-              </a:solidFill>
-              <a:latin typeface="Rockwell"/>
+            <a:pPr algn="ctr">
+              <a:buNone/>
+            </a:pPr>
+            <a:endParaRPr b="0" lang="en-US" sz="4400" spc="-1" strike="noStrike">
+              <a:latin typeface="Arial"/>
             </a:endParaRPr>
           </a:p>
         </p:txBody>
@@ -2649,8 +2430,8 @@
         </p:nvSpPr>
         <p:spPr>
           <a:xfrm>
-            <a:off x="1069560" y="2121480"/>
-            <a:ext cx="10055520" cy="4050360"/>
+            <a:off x="609120" y="1604520"/>
+            <a:ext cx="10969560" cy="3977280"/>
           </a:xfrm>
           <a:prstGeom prst="rect">
             <a:avLst/>
@@ -2681,7 +2462,7 @@
             <a:spLocks noGrp="1"/>
           </p:cNvSpPr>
           <p:nvPr>
-            <p:ph type="ftr" idx="2"/>
+            <p:ph type="ftr" idx="1"/>
           </p:nvPr>
         </p:nvSpPr>
         <p:spPr/>
@@ -2701,14 +2482,14 @@
             <a:spLocks noGrp="1"/>
           </p:cNvSpPr>
           <p:nvPr>
-            <p:ph type="sldNum" idx="3"/>
+            <p:ph type="sldNum" idx="2"/>
           </p:nvPr>
         </p:nvSpPr>
         <p:spPr/>
         <p:txBody>
           <a:bodyPr/>
           <a:p>
-            <a:fld id="{FB2FA6AA-28FC-4D4C-8C25-686D8C930877}" type="slidenum">
+            <a:fld id="{8ED7A10A-A53B-4797-B119-FD2A4F04AF01}" type="slidenum">
               <a:t>&lt;#&gt;</a:t>
             </a:fld>
           </a:p>
@@ -2721,7 +2502,7 @@
             <a:spLocks noGrp="1"/>
           </p:cNvSpPr>
           <p:nvPr>
-            <p:ph type="dt" idx="1"/>
+            <p:ph type="dt" idx="3"/>
           </p:nvPr>
         </p:nvSpPr>
         <p:spPr/>
@@ -2769,8 +2550,8 @@
         </p:nvSpPr>
         <p:spPr>
           <a:xfrm>
-            <a:off x="1069560" y="484560"/>
-            <a:ext cx="10055520" cy="1608840"/>
+            <a:off x="609120" y="273600"/>
+            <a:ext cx="10969560" cy="1144800"/>
           </a:xfrm>
           <a:prstGeom prst="rect">
             <a:avLst/>
@@ -2785,11 +2566,11 @@
             <a:noAutofit/>
           </a:bodyPr>
           <a:p>
-            <a:endParaRPr b="0" lang="en-US" sz="2400" spc="-1" strike="noStrike">
-              <a:solidFill>
-                <a:srgbClr val="000000"/>
-              </a:solidFill>
-              <a:latin typeface="Rockwell"/>
+            <a:pPr algn="ctr">
+              <a:buNone/>
+            </a:pPr>
+            <a:endParaRPr b="0" lang="en-US" sz="4400" spc="-1" strike="noStrike">
+              <a:latin typeface="Arial"/>
             </a:endParaRPr>
           </a:p>
         </p:txBody>
@@ -2806,8 +2587,8 @@
         </p:nvSpPr>
         <p:spPr>
           <a:xfrm>
-            <a:off x="1069560" y="2121480"/>
-            <a:ext cx="4906800" cy="4050360"/>
+            <a:off x="609120" y="1604520"/>
+            <a:ext cx="5352840" cy="3977280"/>
           </a:xfrm>
           <a:prstGeom prst="rect">
             <a:avLst/>
@@ -2822,20 +2603,8 @@
             <a:normAutofit/>
           </a:bodyPr>
           <a:p>
-            <a:pPr>
-              <a:lnSpc>
-                <a:spcPct val="90000"/>
-              </a:lnSpc>
-              <a:spcBef>
-                <a:spcPts val="1417"/>
-              </a:spcBef>
-              <a:buNone/>
-            </a:pPr>
-            <a:endParaRPr b="0" lang="en-US" sz="2000" spc="-1" strike="noStrike">
-              <a:solidFill>
-                <a:srgbClr val="000000"/>
-              </a:solidFill>
-              <a:latin typeface="Rockwell"/>
+            <a:endParaRPr b="0" lang="en-US" sz="3200" spc="-1" strike="noStrike">
+              <a:latin typeface="Arial"/>
             </a:endParaRPr>
           </a:p>
         </p:txBody>
@@ -2852,8 +2621,8 @@
         </p:nvSpPr>
         <p:spPr>
           <a:xfrm>
-            <a:off x="6222240" y="2121480"/>
-            <a:ext cx="4906800" cy="1931760"/>
+            <a:off x="6230160" y="1604520"/>
+            <a:ext cx="5352840" cy="1896840"/>
           </a:xfrm>
           <a:prstGeom prst="rect">
             <a:avLst/>
@@ -2868,20 +2637,8 @@
             <a:normAutofit/>
           </a:bodyPr>
           <a:p>
-            <a:pPr>
-              <a:lnSpc>
-                <a:spcPct val="90000"/>
-              </a:lnSpc>
-              <a:spcBef>
-                <a:spcPts val="1417"/>
-              </a:spcBef>
-              <a:buNone/>
-            </a:pPr>
-            <a:endParaRPr b="0" lang="en-US" sz="2000" spc="-1" strike="noStrike">
-              <a:solidFill>
-                <a:srgbClr val="000000"/>
-              </a:solidFill>
-              <a:latin typeface="Rockwell"/>
+            <a:endParaRPr b="0" lang="en-US" sz="3200" spc="-1" strike="noStrike">
+              <a:latin typeface="Arial"/>
             </a:endParaRPr>
           </a:p>
         </p:txBody>
@@ -2898,8 +2655,8 @@
         </p:nvSpPr>
         <p:spPr>
           <a:xfrm>
-            <a:off x="6222240" y="4237200"/>
-            <a:ext cx="4906800" cy="1931760"/>
+            <a:off x="6230160" y="3682080"/>
+            <a:ext cx="5352840" cy="1896840"/>
           </a:xfrm>
           <a:prstGeom prst="rect">
             <a:avLst/>
@@ -2914,20 +2671,8 @@
             <a:normAutofit/>
           </a:bodyPr>
           <a:p>
-            <a:pPr>
-              <a:lnSpc>
-                <a:spcPct val="90000"/>
-              </a:lnSpc>
-              <a:spcBef>
-                <a:spcPts val="1417"/>
-              </a:spcBef>
-              <a:buNone/>
-            </a:pPr>
-            <a:endParaRPr b="0" lang="en-US" sz="2000" spc="-1" strike="noStrike">
-              <a:solidFill>
-                <a:srgbClr val="000000"/>
-              </a:solidFill>
-              <a:latin typeface="Rockwell"/>
+            <a:endParaRPr b="0" lang="en-US" sz="3200" spc="-1" strike="noStrike">
+              <a:latin typeface="Arial"/>
             </a:endParaRPr>
           </a:p>
         </p:txBody>
@@ -2939,7 +2684,7 @@
             <a:spLocks noGrp="1"/>
           </p:cNvSpPr>
           <p:nvPr>
-            <p:ph type="ftr" idx="5"/>
+            <p:ph type="ftr" idx="4"/>
           </p:nvPr>
         </p:nvSpPr>
         <p:spPr/>
@@ -2959,14 +2704,14 @@
             <a:spLocks noGrp="1"/>
           </p:cNvSpPr>
           <p:nvPr>
-            <p:ph type="sldNum" idx="6"/>
+            <p:ph type="sldNum" idx="5"/>
           </p:nvPr>
         </p:nvSpPr>
         <p:spPr/>
         <p:txBody>
           <a:bodyPr/>
           <a:p>
-            <a:fld id="{286E63C3-8599-4867-A794-7F618D55245C}" type="slidenum">
+            <a:fld id="{61BF461A-74E5-4C0E-A2B7-C0B7013DC990}" type="slidenum">
               <a:t>&lt;#&gt;</a:t>
             </a:fld>
           </a:p>
@@ -2979,7 +2724,7 @@
             <a:spLocks noGrp="1"/>
           </p:cNvSpPr>
           <p:nvPr>
-            <p:ph type="dt" idx="4"/>
+            <p:ph type="dt" idx="6"/>
           </p:nvPr>
         </p:nvSpPr>
         <p:spPr/>
@@ -3027,8 +2772,8 @@
         </p:nvSpPr>
         <p:spPr>
           <a:xfrm>
-            <a:off x="1069560" y="484560"/>
-            <a:ext cx="10055520" cy="1608840"/>
+            <a:off x="609120" y="273600"/>
+            <a:ext cx="10969560" cy="1144800"/>
           </a:xfrm>
           <a:prstGeom prst="rect">
             <a:avLst/>
@@ -3043,11 +2788,11 @@
             <a:noAutofit/>
           </a:bodyPr>
           <a:p>
-            <a:endParaRPr b="0" lang="en-US" sz="2400" spc="-1" strike="noStrike">
-              <a:solidFill>
-                <a:srgbClr val="000000"/>
-              </a:solidFill>
-              <a:latin typeface="Rockwell"/>
+            <a:pPr algn="ctr">
+              <a:buNone/>
+            </a:pPr>
+            <a:endParaRPr b="0" lang="en-US" sz="4400" spc="-1" strike="noStrike">
+              <a:latin typeface="Arial"/>
             </a:endParaRPr>
           </a:p>
         </p:txBody>
@@ -3064,8 +2809,8 @@
         </p:nvSpPr>
         <p:spPr>
           <a:xfrm>
-            <a:off x="1069560" y="2121480"/>
-            <a:ext cx="4906800" cy="1931760"/>
+            <a:off x="609120" y="1604520"/>
+            <a:ext cx="5352840" cy="1896840"/>
           </a:xfrm>
           <a:prstGeom prst="rect">
             <a:avLst/>
@@ -3080,20 +2825,8 @@
             <a:normAutofit/>
           </a:bodyPr>
           <a:p>
-            <a:pPr>
-              <a:lnSpc>
-                <a:spcPct val="90000"/>
-              </a:lnSpc>
-              <a:spcBef>
-                <a:spcPts val="1417"/>
-              </a:spcBef>
-              <a:buNone/>
-            </a:pPr>
-            <a:endParaRPr b="0" lang="en-US" sz="2000" spc="-1" strike="noStrike">
-              <a:solidFill>
-                <a:srgbClr val="000000"/>
-              </a:solidFill>
-              <a:latin typeface="Rockwell"/>
+            <a:endParaRPr b="0" lang="en-US" sz="3200" spc="-1" strike="noStrike">
+              <a:latin typeface="Arial"/>
             </a:endParaRPr>
           </a:p>
         </p:txBody>
@@ -3110,8 +2843,8 @@
         </p:nvSpPr>
         <p:spPr>
           <a:xfrm>
-            <a:off x="6222240" y="2121480"/>
-            <a:ext cx="4906800" cy="1931760"/>
+            <a:off x="6230160" y="1604520"/>
+            <a:ext cx="5352840" cy="1896840"/>
           </a:xfrm>
           <a:prstGeom prst="rect">
             <a:avLst/>
@@ -3126,20 +2859,8 @@
             <a:normAutofit/>
           </a:bodyPr>
           <a:p>
-            <a:pPr>
-              <a:lnSpc>
-                <a:spcPct val="90000"/>
-              </a:lnSpc>
-              <a:spcBef>
-                <a:spcPts val="1417"/>
-              </a:spcBef>
-              <a:buNone/>
-            </a:pPr>
-            <a:endParaRPr b="0" lang="en-US" sz="2000" spc="-1" strike="noStrike">
-              <a:solidFill>
-                <a:srgbClr val="000000"/>
-              </a:solidFill>
-              <a:latin typeface="Rockwell"/>
+            <a:endParaRPr b="0" lang="en-US" sz="3200" spc="-1" strike="noStrike">
+              <a:latin typeface="Arial"/>
             </a:endParaRPr>
           </a:p>
         </p:txBody>
@@ -3156,8 +2877,8 @@
         </p:nvSpPr>
         <p:spPr>
           <a:xfrm>
-            <a:off x="1069560" y="4237200"/>
-            <a:ext cx="10055520" cy="1931760"/>
+            <a:off x="609120" y="3682080"/>
+            <a:ext cx="10969560" cy="1896840"/>
           </a:xfrm>
           <a:prstGeom prst="rect">
             <a:avLst/>
@@ -3172,20 +2893,8 @@
             <a:normAutofit/>
           </a:bodyPr>
           <a:p>
-            <a:pPr>
-              <a:lnSpc>
-                <a:spcPct val="90000"/>
-              </a:lnSpc>
-              <a:spcBef>
-                <a:spcPts val="1417"/>
-              </a:spcBef>
-              <a:buNone/>
-            </a:pPr>
-            <a:endParaRPr b="0" lang="en-US" sz="2000" spc="-1" strike="noStrike">
-              <a:solidFill>
-                <a:srgbClr val="000000"/>
-              </a:solidFill>
-              <a:latin typeface="Rockwell"/>
+            <a:endParaRPr b="0" lang="en-US" sz="3200" spc="-1" strike="noStrike">
+              <a:latin typeface="Arial"/>
             </a:endParaRPr>
           </a:p>
         </p:txBody>
@@ -3197,7 +2906,7 @@
             <a:spLocks noGrp="1"/>
           </p:cNvSpPr>
           <p:nvPr>
-            <p:ph type="ftr" idx="5"/>
+            <p:ph type="ftr" idx="4"/>
           </p:nvPr>
         </p:nvSpPr>
         <p:spPr/>
@@ -3217,14 +2926,14 @@
             <a:spLocks noGrp="1"/>
           </p:cNvSpPr>
           <p:nvPr>
-            <p:ph type="sldNum" idx="6"/>
+            <p:ph type="sldNum" idx="5"/>
           </p:nvPr>
         </p:nvSpPr>
         <p:spPr/>
         <p:txBody>
           <a:bodyPr/>
           <a:p>
-            <a:fld id="{714F1F69-BA86-46A5-A836-C5BC0BAD6E98}" type="slidenum">
+            <a:fld id="{B3A76560-ECDB-42D5-8B9E-A48AA6817FD9}" type="slidenum">
               <a:t>&lt;#&gt;</a:t>
             </a:fld>
           </a:p>
@@ -3237,7 +2946,7 @@
             <a:spLocks noGrp="1"/>
           </p:cNvSpPr>
           <p:nvPr>
-            <p:ph type="dt" idx="4"/>
+            <p:ph type="dt" idx="6"/>
           </p:nvPr>
         </p:nvSpPr>
         <p:spPr/>
@@ -3285,8 +2994,8 @@
         </p:nvSpPr>
         <p:spPr>
           <a:xfrm>
-            <a:off x="1069560" y="484560"/>
-            <a:ext cx="10055520" cy="1608840"/>
+            <a:off x="609120" y="273600"/>
+            <a:ext cx="10969560" cy="1144800"/>
           </a:xfrm>
           <a:prstGeom prst="rect">
             <a:avLst/>
@@ -3301,11 +3010,11 @@
             <a:noAutofit/>
           </a:bodyPr>
           <a:p>
-            <a:endParaRPr b="0" lang="en-US" sz="2400" spc="-1" strike="noStrike">
-              <a:solidFill>
-                <a:srgbClr val="000000"/>
-              </a:solidFill>
-              <a:latin typeface="Rockwell"/>
+            <a:pPr algn="ctr">
+              <a:buNone/>
+            </a:pPr>
+            <a:endParaRPr b="0" lang="en-US" sz="4400" spc="-1" strike="noStrike">
+              <a:latin typeface="Arial"/>
             </a:endParaRPr>
           </a:p>
         </p:txBody>
@@ -3322,8 +3031,8 @@
         </p:nvSpPr>
         <p:spPr>
           <a:xfrm>
-            <a:off x="1069560" y="2121480"/>
-            <a:ext cx="10055520" cy="1931760"/>
+            <a:off x="609120" y="1604520"/>
+            <a:ext cx="10969560" cy="1896840"/>
           </a:xfrm>
           <a:prstGeom prst="rect">
             <a:avLst/>
@@ -3338,20 +3047,8 @@
             <a:normAutofit/>
           </a:bodyPr>
           <a:p>
-            <a:pPr>
-              <a:lnSpc>
-                <a:spcPct val="90000"/>
-              </a:lnSpc>
-              <a:spcBef>
-                <a:spcPts val="1417"/>
-              </a:spcBef>
-              <a:buNone/>
-            </a:pPr>
-            <a:endParaRPr b="0" lang="en-US" sz="2000" spc="-1" strike="noStrike">
-              <a:solidFill>
-                <a:srgbClr val="000000"/>
-              </a:solidFill>
-              <a:latin typeface="Rockwell"/>
+            <a:endParaRPr b="0" lang="en-US" sz="3200" spc="-1" strike="noStrike">
+              <a:latin typeface="Arial"/>
             </a:endParaRPr>
           </a:p>
         </p:txBody>
@@ -3368,8 +3065,8 @@
         </p:nvSpPr>
         <p:spPr>
           <a:xfrm>
-            <a:off x="1069560" y="4237200"/>
-            <a:ext cx="10055520" cy="1931760"/>
+            <a:off x="609120" y="3682080"/>
+            <a:ext cx="10969560" cy="1896840"/>
           </a:xfrm>
           <a:prstGeom prst="rect">
             <a:avLst/>
@@ -3384,20 +3081,8 @@
             <a:normAutofit/>
           </a:bodyPr>
           <a:p>
-            <a:pPr>
-              <a:lnSpc>
-                <a:spcPct val="90000"/>
-              </a:lnSpc>
-              <a:spcBef>
-                <a:spcPts val="1417"/>
-              </a:spcBef>
-              <a:buNone/>
-            </a:pPr>
-            <a:endParaRPr b="0" lang="en-US" sz="2000" spc="-1" strike="noStrike">
-              <a:solidFill>
-                <a:srgbClr val="000000"/>
-              </a:solidFill>
-              <a:latin typeface="Rockwell"/>
+            <a:endParaRPr b="0" lang="en-US" sz="3200" spc="-1" strike="noStrike">
+              <a:latin typeface="Arial"/>
             </a:endParaRPr>
           </a:p>
         </p:txBody>
@@ -3409,7 +3094,7 @@
             <a:spLocks noGrp="1"/>
           </p:cNvSpPr>
           <p:nvPr>
-            <p:ph type="ftr" idx="5"/>
+            <p:ph type="ftr" idx="4"/>
           </p:nvPr>
         </p:nvSpPr>
         <p:spPr/>
@@ -3429,14 +3114,14 @@
             <a:spLocks noGrp="1"/>
           </p:cNvSpPr>
           <p:nvPr>
-            <p:ph type="sldNum" idx="6"/>
+            <p:ph type="sldNum" idx="5"/>
           </p:nvPr>
         </p:nvSpPr>
         <p:spPr/>
         <p:txBody>
           <a:bodyPr/>
           <a:p>
-            <a:fld id="{4DFF6036-D61A-4165-B82E-5B07B2EC8194}" type="slidenum">
+            <a:fld id="{7BF2EA11-8487-443A-9BC7-E822EBD1A18E}" type="slidenum">
               <a:t>&lt;#&gt;</a:t>
             </a:fld>
           </a:p>
@@ -3449,7 +3134,7 @@
             <a:spLocks noGrp="1"/>
           </p:cNvSpPr>
           <p:nvPr>
-            <p:ph type="dt" idx="4"/>
+            <p:ph type="dt" idx="6"/>
           </p:nvPr>
         </p:nvSpPr>
         <p:spPr/>
@@ -3497,8 +3182,8 @@
         </p:nvSpPr>
         <p:spPr>
           <a:xfrm>
-            <a:off x="1069560" y="484560"/>
-            <a:ext cx="10055520" cy="1608840"/>
+            <a:off x="609120" y="273600"/>
+            <a:ext cx="10969560" cy="1144800"/>
           </a:xfrm>
           <a:prstGeom prst="rect">
             <a:avLst/>
@@ -3513,11 +3198,11 @@
             <a:noAutofit/>
           </a:bodyPr>
           <a:p>
-            <a:endParaRPr b="0" lang="en-US" sz="2400" spc="-1" strike="noStrike">
-              <a:solidFill>
-                <a:srgbClr val="000000"/>
-              </a:solidFill>
-              <a:latin typeface="Rockwell"/>
+            <a:pPr algn="ctr">
+              <a:buNone/>
+            </a:pPr>
+            <a:endParaRPr b="0" lang="en-US" sz="4400" spc="-1" strike="noStrike">
+              <a:latin typeface="Arial"/>
             </a:endParaRPr>
           </a:p>
         </p:txBody>
@@ -3534,8 +3219,8 @@
         </p:nvSpPr>
         <p:spPr>
           <a:xfrm>
-            <a:off x="1069560" y="2121480"/>
-            <a:ext cx="4906800" cy="1931760"/>
+            <a:off x="609120" y="1604520"/>
+            <a:ext cx="5352840" cy="1896840"/>
           </a:xfrm>
           <a:prstGeom prst="rect">
             <a:avLst/>
@@ -3550,20 +3235,8 @@
             <a:normAutofit/>
           </a:bodyPr>
           <a:p>
-            <a:pPr>
-              <a:lnSpc>
-                <a:spcPct val="90000"/>
-              </a:lnSpc>
-              <a:spcBef>
-                <a:spcPts val="1417"/>
-              </a:spcBef>
-              <a:buNone/>
-            </a:pPr>
-            <a:endParaRPr b="0" lang="en-US" sz="2000" spc="-1" strike="noStrike">
-              <a:solidFill>
-                <a:srgbClr val="000000"/>
-              </a:solidFill>
-              <a:latin typeface="Rockwell"/>
+            <a:endParaRPr b="0" lang="en-US" sz="3200" spc="-1" strike="noStrike">
+              <a:latin typeface="Arial"/>
             </a:endParaRPr>
           </a:p>
         </p:txBody>
@@ -3580,8 +3253,8 @@
         </p:nvSpPr>
         <p:spPr>
           <a:xfrm>
-            <a:off x="6222240" y="2121480"/>
-            <a:ext cx="4906800" cy="1931760"/>
+            <a:off x="6230160" y="1604520"/>
+            <a:ext cx="5352840" cy="1896840"/>
           </a:xfrm>
           <a:prstGeom prst="rect">
             <a:avLst/>
@@ -3596,20 +3269,8 @@
             <a:normAutofit/>
           </a:bodyPr>
           <a:p>
-            <a:pPr>
-              <a:lnSpc>
-                <a:spcPct val="90000"/>
-              </a:lnSpc>
-              <a:spcBef>
-                <a:spcPts val="1417"/>
-              </a:spcBef>
-              <a:buNone/>
-            </a:pPr>
-            <a:endParaRPr b="0" lang="en-US" sz="2000" spc="-1" strike="noStrike">
-              <a:solidFill>
-                <a:srgbClr val="000000"/>
-              </a:solidFill>
-              <a:latin typeface="Rockwell"/>
+            <a:endParaRPr b="0" lang="en-US" sz="3200" spc="-1" strike="noStrike">
+              <a:latin typeface="Arial"/>
             </a:endParaRPr>
           </a:p>
         </p:txBody>
@@ -3626,8 +3287,8 @@
         </p:nvSpPr>
         <p:spPr>
           <a:xfrm>
-            <a:off x="1069560" y="4237200"/>
-            <a:ext cx="4906800" cy="1931760"/>
+            <a:off x="609120" y="3682080"/>
+            <a:ext cx="5352840" cy="1896840"/>
           </a:xfrm>
           <a:prstGeom prst="rect">
             <a:avLst/>
@@ -3642,20 +3303,8 @@
             <a:normAutofit/>
           </a:bodyPr>
           <a:p>
-            <a:pPr>
-              <a:lnSpc>
-                <a:spcPct val="90000"/>
-              </a:lnSpc>
-              <a:spcBef>
-                <a:spcPts val="1417"/>
-              </a:spcBef>
-              <a:buNone/>
-            </a:pPr>
-            <a:endParaRPr b="0" lang="en-US" sz="2000" spc="-1" strike="noStrike">
-              <a:solidFill>
-                <a:srgbClr val="000000"/>
-              </a:solidFill>
-              <a:latin typeface="Rockwell"/>
+            <a:endParaRPr b="0" lang="en-US" sz="3200" spc="-1" strike="noStrike">
+              <a:latin typeface="Arial"/>
             </a:endParaRPr>
           </a:p>
         </p:txBody>
@@ -3672,8 +3321,8 @@
         </p:nvSpPr>
         <p:spPr>
           <a:xfrm>
-            <a:off x="6222240" y="4237200"/>
-            <a:ext cx="4906800" cy="1931760"/>
+            <a:off x="6230160" y="3682080"/>
+            <a:ext cx="5352840" cy="1896840"/>
           </a:xfrm>
           <a:prstGeom prst="rect">
             <a:avLst/>
@@ -3688,20 +3337,8 @@
             <a:normAutofit/>
           </a:bodyPr>
           <a:p>
-            <a:pPr>
-              <a:lnSpc>
-                <a:spcPct val="90000"/>
-              </a:lnSpc>
-              <a:spcBef>
-                <a:spcPts val="1417"/>
-              </a:spcBef>
-              <a:buNone/>
-            </a:pPr>
-            <a:endParaRPr b="0" lang="en-US" sz="2000" spc="-1" strike="noStrike">
-              <a:solidFill>
-                <a:srgbClr val="000000"/>
-              </a:solidFill>
-              <a:latin typeface="Rockwell"/>
+            <a:endParaRPr b="0" lang="en-US" sz="3200" spc="-1" strike="noStrike">
+              <a:latin typeface="Arial"/>
             </a:endParaRPr>
           </a:p>
         </p:txBody>
@@ -3713,7 +3350,7 @@
             <a:spLocks noGrp="1"/>
           </p:cNvSpPr>
           <p:nvPr>
-            <p:ph type="ftr" idx="5"/>
+            <p:ph type="ftr" idx="4"/>
           </p:nvPr>
         </p:nvSpPr>
         <p:spPr/>
@@ -3733,14 +3370,14 @@
             <a:spLocks noGrp="1"/>
           </p:cNvSpPr>
           <p:nvPr>
-            <p:ph type="sldNum" idx="6"/>
+            <p:ph type="sldNum" idx="5"/>
           </p:nvPr>
         </p:nvSpPr>
         <p:spPr/>
         <p:txBody>
           <a:bodyPr/>
           <a:p>
-            <a:fld id="{2721F01E-DA0B-457F-9CD8-83FD26B9592B}" type="slidenum">
+            <a:fld id="{8AF42A61-7772-4818-9A09-C6F464B2E5C5}" type="slidenum">
               <a:t>&lt;#&gt;</a:t>
             </a:fld>
           </a:p>
@@ -3753,7 +3390,7 @@
             <a:spLocks noGrp="1"/>
           </p:cNvSpPr>
           <p:nvPr>
-            <p:ph type="dt" idx="4"/>
+            <p:ph type="dt" idx="6"/>
           </p:nvPr>
         </p:nvSpPr>
         <p:spPr/>
@@ -3801,8 +3438,8 @@
         </p:nvSpPr>
         <p:spPr>
           <a:xfrm>
-            <a:off x="1069560" y="484560"/>
-            <a:ext cx="10055520" cy="1608840"/>
+            <a:off x="609120" y="273600"/>
+            <a:ext cx="10969560" cy="1144800"/>
           </a:xfrm>
           <a:prstGeom prst="rect">
             <a:avLst/>
@@ -3817,11 +3454,11 @@
             <a:noAutofit/>
           </a:bodyPr>
           <a:p>
-            <a:endParaRPr b="0" lang="en-US" sz="2400" spc="-1" strike="noStrike">
-              <a:solidFill>
-                <a:srgbClr val="000000"/>
-              </a:solidFill>
-              <a:latin typeface="Rockwell"/>
+            <a:pPr algn="ctr">
+              <a:buNone/>
+            </a:pPr>
+            <a:endParaRPr b="0" lang="en-US" sz="4400" spc="-1" strike="noStrike">
+              <a:latin typeface="Arial"/>
             </a:endParaRPr>
           </a:p>
         </p:txBody>
@@ -3838,8 +3475,8 @@
         </p:nvSpPr>
         <p:spPr>
           <a:xfrm>
-            <a:off x="1069560" y="2121480"/>
-            <a:ext cx="3237480" cy="1931760"/>
+            <a:off x="609120" y="1604520"/>
+            <a:ext cx="3531960" cy="1896840"/>
           </a:xfrm>
           <a:prstGeom prst="rect">
             <a:avLst/>
@@ -3854,20 +3491,8 @@
             <a:normAutofit/>
           </a:bodyPr>
           <a:p>
-            <a:pPr>
-              <a:lnSpc>
-                <a:spcPct val="90000"/>
-              </a:lnSpc>
-              <a:spcBef>
-                <a:spcPts val="1417"/>
-              </a:spcBef>
-              <a:buNone/>
-            </a:pPr>
-            <a:endParaRPr b="0" lang="en-US" sz="2000" spc="-1" strike="noStrike">
-              <a:solidFill>
-                <a:srgbClr val="000000"/>
-              </a:solidFill>
-              <a:latin typeface="Rockwell"/>
+            <a:endParaRPr b="0" lang="en-US" sz="3200" spc="-1" strike="noStrike">
+              <a:latin typeface="Arial"/>
             </a:endParaRPr>
           </a:p>
         </p:txBody>
@@ -3884,8 +3509,8 @@
         </p:nvSpPr>
         <p:spPr>
           <a:xfrm>
-            <a:off x="4469400" y="2121480"/>
-            <a:ext cx="3237480" cy="1931760"/>
+            <a:off x="4318200" y="1604520"/>
+            <a:ext cx="3531960" cy="1896840"/>
           </a:xfrm>
           <a:prstGeom prst="rect">
             <a:avLst/>
@@ -3900,20 +3525,8 @@
             <a:normAutofit/>
           </a:bodyPr>
           <a:p>
-            <a:pPr>
-              <a:lnSpc>
-                <a:spcPct val="90000"/>
-              </a:lnSpc>
-              <a:spcBef>
-                <a:spcPts val="1417"/>
-              </a:spcBef>
-              <a:buNone/>
-            </a:pPr>
-            <a:endParaRPr b="0" lang="en-US" sz="2000" spc="-1" strike="noStrike">
-              <a:solidFill>
-                <a:srgbClr val="000000"/>
-              </a:solidFill>
-              <a:latin typeface="Rockwell"/>
+            <a:endParaRPr b="0" lang="en-US" sz="3200" spc="-1" strike="noStrike">
+              <a:latin typeface="Arial"/>
             </a:endParaRPr>
           </a:p>
         </p:txBody>
@@ -3930,8 +3543,8 @@
         </p:nvSpPr>
         <p:spPr>
           <a:xfrm>
-            <a:off x="7868880" y="2121480"/>
-            <a:ext cx="3237480" cy="1931760"/>
+            <a:off x="8026920" y="1604520"/>
+            <a:ext cx="3531960" cy="1896840"/>
           </a:xfrm>
           <a:prstGeom prst="rect">
             <a:avLst/>
@@ -3946,20 +3559,8 @@
             <a:normAutofit/>
           </a:bodyPr>
           <a:p>
-            <a:pPr>
-              <a:lnSpc>
-                <a:spcPct val="90000"/>
-              </a:lnSpc>
-              <a:spcBef>
-                <a:spcPts val="1417"/>
-              </a:spcBef>
-              <a:buNone/>
-            </a:pPr>
-            <a:endParaRPr b="0" lang="en-US" sz="2000" spc="-1" strike="noStrike">
-              <a:solidFill>
-                <a:srgbClr val="000000"/>
-              </a:solidFill>
-              <a:latin typeface="Rockwell"/>
+            <a:endParaRPr b="0" lang="en-US" sz="3200" spc="-1" strike="noStrike">
+              <a:latin typeface="Arial"/>
             </a:endParaRPr>
           </a:p>
         </p:txBody>
@@ -3976,8 +3577,8 @@
         </p:nvSpPr>
         <p:spPr>
           <a:xfrm>
-            <a:off x="1069560" y="4237200"/>
-            <a:ext cx="3237480" cy="1931760"/>
+            <a:off x="609120" y="3682080"/>
+            <a:ext cx="3531960" cy="1896840"/>
           </a:xfrm>
           <a:prstGeom prst="rect">
             <a:avLst/>
@@ -3992,20 +3593,8 @@
             <a:normAutofit/>
           </a:bodyPr>
           <a:p>
-            <a:pPr>
-              <a:lnSpc>
-                <a:spcPct val="90000"/>
-              </a:lnSpc>
-              <a:spcBef>
-                <a:spcPts val="1417"/>
-              </a:spcBef>
-              <a:buNone/>
-            </a:pPr>
-            <a:endParaRPr b="0" lang="en-US" sz="2000" spc="-1" strike="noStrike">
-              <a:solidFill>
-                <a:srgbClr val="000000"/>
-              </a:solidFill>
-              <a:latin typeface="Rockwell"/>
+            <a:endParaRPr b="0" lang="en-US" sz="3200" spc="-1" strike="noStrike">
+              <a:latin typeface="Arial"/>
             </a:endParaRPr>
           </a:p>
         </p:txBody>
@@ -4022,8 +3611,8 @@
         </p:nvSpPr>
         <p:spPr>
           <a:xfrm>
-            <a:off x="4469400" y="4237200"/>
-            <a:ext cx="3237480" cy="1931760"/>
+            <a:off x="4318200" y="3682080"/>
+            <a:ext cx="3531960" cy="1896840"/>
           </a:xfrm>
           <a:prstGeom prst="rect">
             <a:avLst/>
@@ -4038,20 +3627,8 @@
             <a:normAutofit/>
           </a:bodyPr>
           <a:p>
-            <a:pPr>
-              <a:lnSpc>
-                <a:spcPct val="90000"/>
-              </a:lnSpc>
-              <a:spcBef>
-                <a:spcPts val="1417"/>
-              </a:spcBef>
-              <a:buNone/>
-            </a:pPr>
-            <a:endParaRPr b="0" lang="en-US" sz="2000" spc="-1" strike="noStrike">
-              <a:solidFill>
-                <a:srgbClr val="000000"/>
-              </a:solidFill>
-              <a:latin typeface="Rockwell"/>
+            <a:endParaRPr b="0" lang="en-US" sz="3200" spc="-1" strike="noStrike">
+              <a:latin typeface="Arial"/>
             </a:endParaRPr>
           </a:p>
         </p:txBody>
@@ -4068,8 +3645,8 @@
         </p:nvSpPr>
         <p:spPr>
           <a:xfrm>
-            <a:off x="7868880" y="4237200"/>
-            <a:ext cx="3237480" cy="1931760"/>
+            <a:off x="8026920" y="3682080"/>
+            <a:ext cx="3531960" cy="1896840"/>
           </a:xfrm>
           <a:prstGeom prst="rect">
             <a:avLst/>
@@ -4084,20 +3661,8 @@
             <a:normAutofit/>
           </a:bodyPr>
           <a:p>
-            <a:pPr>
-              <a:lnSpc>
-                <a:spcPct val="90000"/>
-              </a:lnSpc>
-              <a:spcBef>
-                <a:spcPts val="1417"/>
-              </a:spcBef>
-              <a:buNone/>
-            </a:pPr>
-            <a:endParaRPr b="0" lang="en-US" sz="2000" spc="-1" strike="noStrike">
-              <a:solidFill>
-                <a:srgbClr val="000000"/>
-              </a:solidFill>
-              <a:latin typeface="Rockwell"/>
+            <a:endParaRPr b="0" lang="en-US" sz="3200" spc="-1" strike="noStrike">
+              <a:latin typeface="Arial"/>
             </a:endParaRPr>
           </a:p>
         </p:txBody>
@@ -4109,7 +3674,7 @@
             <a:spLocks noGrp="1"/>
           </p:cNvSpPr>
           <p:nvPr>
-            <p:ph type="ftr" idx="5"/>
+            <p:ph type="ftr" idx="4"/>
           </p:nvPr>
         </p:nvSpPr>
         <p:spPr/>
@@ -4129,14 +3694,14 @@
             <a:spLocks noGrp="1"/>
           </p:cNvSpPr>
           <p:nvPr>
-            <p:ph type="sldNum" idx="6"/>
+            <p:ph type="sldNum" idx="5"/>
           </p:nvPr>
         </p:nvSpPr>
         <p:spPr/>
         <p:txBody>
           <a:bodyPr/>
           <a:p>
-            <a:fld id="{105DC963-1786-44DF-A678-A4B9873E23DF}" type="slidenum">
+            <a:fld id="{E2E7BF71-C966-4C8B-928B-0864910872A1}" type="slidenum">
               <a:t>&lt;#&gt;</a:t>
             </a:fld>
           </a:p>
@@ -4149,7 +3714,7 @@
             <a:spLocks noGrp="1"/>
           </p:cNvSpPr>
           <p:nvPr>
-            <p:ph type="dt" idx="4"/>
+            <p:ph type="dt" idx="6"/>
           </p:nvPr>
         </p:nvSpPr>
         <p:spPr/>
@@ -4197,8 +3762,8 @@
         </p:nvSpPr>
         <p:spPr>
           <a:xfrm>
-            <a:off x="1069560" y="484560"/>
-            <a:ext cx="10055520" cy="1608840"/>
+            <a:off x="609120" y="273600"/>
+            <a:ext cx="10969560" cy="1144800"/>
           </a:xfrm>
           <a:prstGeom prst="rect">
             <a:avLst/>
@@ -4213,11 +3778,11 @@
             <a:noAutofit/>
           </a:bodyPr>
           <a:p>
-            <a:endParaRPr b="0" lang="en-US" sz="2400" spc="-1" strike="noStrike">
-              <a:solidFill>
-                <a:srgbClr val="000000"/>
-              </a:solidFill>
-              <a:latin typeface="Rockwell"/>
+            <a:pPr algn="ctr">
+              <a:buNone/>
+            </a:pPr>
+            <a:endParaRPr b="0" lang="en-US" sz="4400" spc="-1" strike="noStrike">
+              <a:latin typeface="Arial"/>
             </a:endParaRPr>
           </a:p>
         </p:txBody>
@@ -4234,8 +3799,8 @@
         </p:nvSpPr>
         <p:spPr>
           <a:xfrm>
-            <a:off x="1069560" y="2121480"/>
-            <a:ext cx="10055520" cy="4050360"/>
+            <a:off x="609120" y="1604520"/>
+            <a:ext cx="10969560" cy="3977280"/>
           </a:xfrm>
           <a:prstGeom prst="rect">
             <a:avLst/>
@@ -4250,20 +3815,8 @@
             <a:normAutofit/>
           </a:bodyPr>
           <a:p>
-            <a:pPr>
-              <a:lnSpc>
-                <a:spcPct val="90000"/>
-              </a:lnSpc>
-              <a:spcBef>
-                <a:spcPts val="1417"/>
-              </a:spcBef>
-              <a:buNone/>
-            </a:pPr>
-            <a:endParaRPr b="0" lang="en-US" sz="2000" spc="-1" strike="noStrike">
-              <a:solidFill>
-                <a:srgbClr val="000000"/>
-              </a:solidFill>
-              <a:latin typeface="Rockwell"/>
+            <a:endParaRPr b="0" lang="en-US" sz="3200" spc="-1" strike="noStrike">
+              <a:latin typeface="Arial"/>
             </a:endParaRPr>
           </a:p>
         </p:txBody>
@@ -4275,7 +3828,7 @@
             <a:spLocks noGrp="1"/>
           </p:cNvSpPr>
           <p:nvPr>
-            <p:ph type="ftr" idx="2"/>
+            <p:ph type="ftr" idx="1"/>
           </p:nvPr>
         </p:nvSpPr>
         <p:spPr/>
@@ -4295,14 +3848,14 @@
             <a:spLocks noGrp="1"/>
           </p:cNvSpPr>
           <p:nvPr>
-            <p:ph type="sldNum" idx="3"/>
+            <p:ph type="sldNum" idx="2"/>
           </p:nvPr>
         </p:nvSpPr>
         <p:spPr/>
         <p:txBody>
           <a:bodyPr/>
           <a:p>
-            <a:fld id="{9825F24D-80E4-426B-85AA-03E6388D4B05}" type="slidenum">
+            <a:fld id="{165EB1ED-07A3-4A05-8420-C401CC7E8524}" type="slidenum">
               <a:t>&lt;#&gt;</a:t>
             </a:fld>
           </a:p>
@@ -4315,7 +3868,7 @@
             <a:spLocks noGrp="1"/>
           </p:cNvSpPr>
           <p:nvPr>
-            <p:ph type="dt" idx="1"/>
+            <p:ph type="dt" idx="3"/>
           </p:nvPr>
         </p:nvSpPr>
         <p:spPr/>
@@ -4363,8 +3916,8 @@
         </p:nvSpPr>
         <p:spPr>
           <a:xfrm>
-            <a:off x="1069560" y="484560"/>
-            <a:ext cx="10055520" cy="1608840"/>
+            <a:off x="609120" y="273600"/>
+            <a:ext cx="10969560" cy="1144800"/>
           </a:xfrm>
           <a:prstGeom prst="rect">
             <a:avLst/>
@@ -4379,11 +3932,11 @@
             <a:noAutofit/>
           </a:bodyPr>
           <a:p>
-            <a:endParaRPr b="0" lang="en-US" sz="2400" spc="-1" strike="noStrike">
-              <a:solidFill>
-                <a:srgbClr val="000000"/>
-              </a:solidFill>
-              <a:latin typeface="Rockwell"/>
+            <a:pPr algn="ctr">
+              <a:buNone/>
+            </a:pPr>
+            <a:endParaRPr b="0" lang="en-US" sz="4400" spc="-1" strike="noStrike">
+              <a:latin typeface="Arial"/>
             </a:endParaRPr>
           </a:p>
         </p:txBody>
@@ -4400,8 +3953,8 @@
         </p:nvSpPr>
         <p:spPr>
           <a:xfrm>
-            <a:off x="1069560" y="2121480"/>
-            <a:ext cx="4906800" cy="4050360"/>
+            <a:off x="609120" y="1604520"/>
+            <a:ext cx="5352840" cy="3977280"/>
           </a:xfrm>
           <a:prstGeom prst="rect">
             <a:avLst/>
@@ -4416,20 +3969,8 @@
             <a:normAutofit/>
           </a:bodyPr>
           <a:p>
-            <a:pPr>
-              <a:lnSpc>
-                <a:spcPct val="90000"/>
-              </a:lnSpc>
-              <a:spcBef>
-                <a:spcPts val="1417"/>
-              </a:spcBef>
-              <a:buNone/>
-            </a:pPr>
-            <a:endParaRPr b="0" lang="en-US" sz="2000" spc="-1" strike="noStrike">
-              <a:solidFill>
-                <a:srgbClr val="000000"/>
-              </a:solidFill>
-              <a:latin typeface="Rockwell"/>
+            <a:endParaRPr b="0" lang="en-US" sz="3200" spc="-1" strike="noStrike">
+              <a:latin typeface="Arial"/>
             </a:endParaRPr>
           </a:p>
         </p:txBody>
@@ -4446,8 +3987,8 @@
         </p:nvSpPr>
         <p:spPr>
           <a:xfrm>
-            <a:off x="6222240" y="2121480"/>
-            <a:ext cx="4906800" cy="4050360"/>
+            <a:off x="6230160" y="1604520"/>
+            <a:ext cx="5352840" cy="3977280"/>
           </a:xfrm>
           <a:prstGeom prst="rect">
             <a:avLst/>
@@ -4462,20 +4003,8 @@
             <a:normAutofit/>
           </a:bodyPr>
           <a:p>
-            <a:pPr>
-              <a:lnSpc>
-                <a:spcPct val="90000"/>
-              </a:lnSpc>
-              <a:spcBef>
-                <a:spcPts val="1417"/>
-              </a:spcBef>
-              <a:buNone/>
-            </a:pPr>
-            <a:endParaRPr b="0" lang="en-US" sz="2000" spc="-1" strike="noStrike">
-              <a:solidFill>
-                <a:srgbClr val="000000"/>
-              </a:solidFill>
-              <a:latin typeface="Rockwell"/>
+            <a:endParaRPr b="0" lang="en-US" sz="3200" spc="-1" strike="noStrike">
+              <a:latin typeface="Arial"/>
             </a:endParaRPr>
           </a:p>
         </p:txBody>
@@ -4487,7 +4016,7 @@
             <a:spLocks noGrp="1"/>
           </p:cNvSpPr>
           <p:nvPr>
-            <p:ph type="ftr" idx="2"/>
+            <p:ph type="ftr" idx="1"/>
           </p:nvPr>
         </p:nvSpPr>
         <p:spPr/>
@@ -4507,14 +4036,14 @@
             <a:spLocks noGrp="1"/>
           </p:cNvSpPr>
           <p:nvPr>
-            <p:ph type="sldNum" idx="3"/>
+            <p:ph type="sldNum" idx="2"/>
           </p:nvPr>
         </p:nvSpPr>
         <p:spPr/>
         <p:txBody>
           <a:bodyPr/>
           <a:p>
-            <a:fld id="{624A339E-5DB6-457E-B220-852B4733F2D2}" type="slidenum">
+            <a:fld id="{22F6C14F-879A-421B-A7E8-CFE2D1A85C13}" type="slidenum">
               <a:t>&lt;#&gt;</a:t>
             </a:fld>
           </a:p>
@@ -4527,7 +4056,7 @@
             <a:spLocks noGrp="1"/>
           </p:cNvSpPr>
           <p:nvPr>
-            <p:ph type="dt" idx="1"/>
+            <p:ph type="dt" idx="3"/>
           </p:nvPr>
         </p:nvSpPr>
         <p:spPr/>
@@ -4575,8 +4104,8 @@
         </p:nvSpPr>
         <p:spPr>
           <a:xfrm>
-            <a:off x="1069560" y="484560"/>
-            <a:ext cx="10055520" cy="1608840"/>
+            <a:off x="609120" y="273600"/>
+            <a:ext cx="10969560" cy="1144800"/>
           </a:xfrm>
           <a:prstGeom prst="rect">
             <a:avLst/>
@@ -4591,11 +4120,11 @@
             <a:noAutofit/>
           </a:bodyPr>
           <a:p>
-            <a:endParaRPr b="0" lang="en-US" sz="2400" spc="-1" strike="noStrike">
-              <a:solidFill>
-                <a:srgbClr val="000000"/>
-              </a:solidFill>
-              <a:latin typeface="Rockwell"/>
+            <a:pPr algn="ctr">
+              <a:buNone/>
+            </a:pPr>
+            <a:endParaRPr b="0" lang="en-US" sz="4400" spc="-1" strike="noStrike">
+              <a:latin typeface="Arial"/>
             </a:endParaRPr>
           </a:p>
         </p:txBody>
@@ -4607,7 +4136,7 @@
             <a:spLocks noGrp="1"/>
           </p:cNvSpPr>
           <p:nvPr>
-            <p:ph type="ftr" idx="2"/>
+            <p:ph type="ftr" idx="1"/>
           </p:nvPr>
         </p:nvSpPr>
         <p:spPr/>
@@ -4627,14 +4156,14 @@
             <a:spLocks noGrp="1"/>
           </p:cNvSpPr>
           <p:nvPr>
-            <p:ph type="sldNum" idx="3"/>
+            <p:ph type="sldNum" idx="2"/>
           </p:nvPr>
         </p:nvSpPr>
         <p:spPr/>
         <p:txBody>
           <a:bodyPr/>
           <a:p>
-            <a:fld id="{9EF5BE41-1196-4D69-B682-6D7A1DE5D103}" type="slidenum">
+            <a:fld id="{501B19C4-733E-4503-98F0-5287ED1822EA}" type="slidenum">
               <a:t>&lt;#&gt;</a:t>
             </a:fld>
           </a:p>
@@ -4647,7 +4176,7 @@
             <a:spLocks noGrp="1"/>
           </p:cNvSpPr>
           <p:nvPr>
-            <p:ph type="dt" idx="1"/>
+            <p:ph type="dt" idx="3"/>
           </p:nvPr>
         </p:nvSpPr>
         <p:spPr/>
@@ -4695,8 +4224,8 @@
         </p:nvSpPr>
         <p:spPr>
           <a:xfrm>
-            <a:off x="1069560" y="484560"/>
-            <a:ext cx="10055520" cy="7458840"/>
+            <a:off x="609120" y="273600"/>
+            <a:ext cx="10969560" cy="5307840"/>
           </a:xfrm>
           <a:prstGeom prst="rect">
             <a:avLst/>
@@ -4727,7 +4256,7 @@
             <a:spLocks noGrp="1"/>
           </p:cNvSpPr>
           <p:nvPr>
-            <p:ph type="ftr" idx="2"/>
+            <p:ph type="ftr" idx="1"/>
           </p:nvPr>
         </p:nvSpPr>
         <p:spPr/>
@@ -4747,14 +4276,14 @@
             <a:spLocks noGrp="1"/>
           </p:cNvSpPr>
           <p:nvPr>
-            <p:ph type="sldNum" idx="3"/>
+            <p:ph type="sldNum" idx="2"/>
           </p:nvPr>
         </p:nvSpPr>
         <p:spPr/>
         <p:txBody>
           <a:bodyPr/>
           <a:p>
-            <a:fld id="{31333D99-8482-461E-94CA-A12E951DD67C}" type="slidenum">
+            <a:fld id="{3C2EDDA7-8504-42FD-9774-353BEBAF7928}" type="slidenum">
               <a:t>&lt;#&gt;</a:t>
             </a:fld>
           </a:p>
@@ -4767,7 +4296,7 @@
             <a:spLocks noGrp="1"/>
           </p:cNvSpPr>
           <p:nvPr>
-            <p:ph type="dt" idx="1"/>
+            <p:ph type="dt" idx="3"/>
           </p:nvPr>
         </p:nvSpPr>
         <p:spPr/>
@@ -4815,8 +4344,8 @@
         </p:nvSpPr>
         <p:spPr>
           <a:xfrm>
-            <a:off x="1069560" y="484560"/>
-            <a:ext cx="10055520" cy="1608840"/>
+            <a:off x="609120" y="273600"/>
+            <a:ext cx="10969560" cy="1144800"/>
           </a:xfrm>
           <a:prstGeom prst="rect">
             <a:avLst/>
@@ -4831,11 +4360,11 @@
             <a:noAutofit/>
           </a:bodyPr>
           <a:p>
-            <a:endParaRPr b="0" lang="en-US" sz="2400" spc="-1" strike="noStrike">
-              <a:solidFill>
-                <a:srgbClr val="000000"/>
-              </a:solidFill>
-              <a:latin typeface="Rockwell"/>
+            <a:pPr algn="ctr">
+              <a:buNone/>
+            </a:pPr>
+            <a:endParaRPr b="0" lang="en-US" sz="4400" spc="-1" strike="noStrike">
+              <a:latin typeface="Arial"/>
             </a:endParaRPr>
           </a:p>
         </p:txBody>
@@ -4852,8 +4381,8 @@
         </p:nvSpPr>
         <p:spPr>
           <a:xfrm>
-            <a:off x="1069560" y="2121480"/>
-            <a:ext cx="4906800" cy="1931760"/>
+            <a:off x="609120" y="1604520"/>
+            <a:ext cx="5352840" cy="1896840"/>
           </a:xfrm>
           <a:prstGeom prst="rect">
             <a:avLst/>
@@ -4868,20 +4397,8 @@
             <a:normAutofit/>
           </a:bodyPr>
           <a:p>
-            <a:pPr>
-              <a:lnSpc>
-                <a:spcPct val="90000"/>
-              </a:lnSpc>
-              <a:spcBef>
-                <a:spcPts val="1417"/>
-              </a:spcBef>
-              <a:buNone/>
-            </a:pPr>
-            <a:endParaRPr b="0" lang="en-US" sz="2000" spc="-1" strike="noStrike">
-              <a:solidFill>
-                <a:srgbClr val="000000"/>
-              </a:solidFill>
-              <a:latin typeface="Rockwell"/>
+            <a:endParaRPr b="0" lang="en-US" sz="3200" spc="-1" strike="noStrike">
+              <a:latin typeface="Arial"/>
             </a:endParaRPr>
           </a:p>
         </p:txBody>
@@ -4898,8 +4415,8 @@
         </p:nvSpPr>
         <p:spPr>
           <a:xfrm>
-            <a:off x="6222240" y="2121480"/>
-            <a:ext cx="4906800" cy="4050360"/>
+            <a:off x="6230160" y="1604520"/>
+            <a:ext cx="5352840" cy="3977280"/>
           </a:xfrm>
           <a:prstGeom prst="rect">
             <a:avLst/>
@@ -4914,20 +4431,8 @@
             <a:normAutofit/>
           </a:bodyPr>
           <a:p>
-            <a:pPr>
-              <a:lnSpc>
-                <a:spcPct val="90000"/>
-              </a:lnSpc>
-              <a:spcBef>
-                <a:spcPts val="1417"/>
-              </a:spcBef>
-              <a:buNone/>
-            </a:pPr>
-            <a:endParaRPr b="0" lang="en-US" sz="2000" spc="-1" strike="noStrike">
-              <a:solidFill>
-                <a:srgbClr val="000000"/>
-              </a:solidFill>
-              <a:latin typeface="Rockwell"/>
+            <a:endParaRPr b="0" lang="en-US" sz="3200" spc="-1" strike="noStrike">
+              <a:latin typeface="Arial"/>
             </a:endParaRPr>
           </a:p>
         </p:txBody>
@@ -4944,8 +4449,8 @@
         </p:nvSpPr>
         <p:spPr>
           <a:xfrm>
-            <a:off x="1069560" y="4237200"/>
-            <a:ext cx="4906800" cy="1931760"/>
+            <a:off x="609120" y="3682080"/>
+            <a:ext cx="5352840" cy="1896840"/>
           </a:xfrm>
           <a:prstGeom prst="rect">
             <a:avLst/>
@@ -4960,20 +4465,8 @@
             <a:normAutofit/>
           </a:bodyPr>
           <a:p>
-            <a:pPr>
-              <a:lnSpc>
-                <a:spcPct val="90000"/>
-              </a:lnSpc>
-              <a:spcBef>
-                <a:spcPts val="1417"/>
-              </a:spcBef>
-              <a:buNone/>
-            </a:pPr>
-            <a:endParaRPr b="0" lang="en-US" sz="2000" spc="-1" strike="noStrike">
-              <a:solidFill>
-                <a:srgbClr val="000000"/>
-              </a:solidFill>
-              <a:latin typeface="Rockwell"/>
+            <a:endParaRPr b="0" lang="en-US" sz="3200" spc="-1" strike="noStrike">
+              <a:latin typeface="Arial"/>
             </a:endParaRPr>
           </a:p>
         </p:txBody>
@@ -4985,7 +4478,7 @@
             <a:spLocks noGrp="1"/>
           </p:cNvSpPr>
           <p:nvPr>
-            <p:ph type="ftr" idx="2"/>
+            <p:ph type="ftr" idx="1"/>
           </p:nvPr>
         </p:nvSpPr>
         <p:spPr/>
@@ -5005,14 +4498,14 @@
             <a:spLocks noGrp="1"/>
           </p:cNvSpPr>
           <p:nvPr>
-            <p:ph type="sldNum" idx="3"/>
+            <p:ph type="sldNum" idx="2"/>
           </p:nvPr>
         </p:nvSpPr>
         <p:spPr/>
         <p:txBody>
           <a:bodyPr/>
           <a:p>
-            <a:fld id="{908DB2B9-7C60-4787-AB8F-1B96340378F5}" type="slidenum">
+            <a:fld id="{881E7D36-3A64-4F2C-B1C2-94247C542EB7}" type="slidenum">
               <a:t>&lt;#&gt;</a:t>
             </a:fld>
           </a:p>
@@ -5025,7 +4518,7 @@
             <a:spLocks noGrp="1"/>
           </p:cNvSpPr>
           <p:nvPr>
-            <p:ph type="dt" idx="1"/>
+            <p:ph type="dt" idx="3"/>
           </p:nvPr>
         </p:nvSpPr>
         <p:spPr/>
@@ -5073,8 +4566,8 @@
         </p:nvSpPr>
         <p:spPr>
           <a:xfrm>
-            <a:off x="1069560" y="484560"/>
-            <a:ext cx="10055520" cy="1608840"/>
+            <a:off x="609120" y="273600"/>
+            <a:ext cx="10969560" cy="1144800"/>
           </a:xfrm>
           <a:prstGeom prst="rect">
             <a:avLst/>
@@ -5089,11 +4582,11 @@
             <a:noAutofit/>
           </a:bodyPr>
           <a:p>
-            <a:endParaRPr b="0" lang="en-US" sz="2400" spc="-1" strike="noStrike">
-              <a:solidFill>
-                <a:srgbClr val="000000"/>
-              </a:solidFill>
-              <a:latin typeface="Rockwell"/>
+            <a:pPr algn="ctr">
+              <a:buNone/>
+            </a:pPr>
+            <a:endParaRPr b="0" lang="en-US" sz="4400" spc="-1" strike="noStrike">
+              <a:latin typeface="Arial"/>
             </a:endParaRPr>
           </a:p>
         </p:txBody>
@@ -5110,8 +4603,8 @@
         </p:nvSpPr>
         <p:spPr>
           <a:xfrm>
-            <a:off x="1069560" y="2121480"/>
-            <a:ext cx="4906800" cy="4050360"/>
+            <a:off x="609120" y="1604520"/>
+            <a:ext cx="5352840" cy="3977280"/>
           </a:xfrm>
           <a:prstGeom prst="rect">
             <a:avLst/>
@@ -5126,20 +4619,8 @@
             <a:normAutofit/>
           </a:bodyPr>
           <a:p>
-            <a:pPr>
-              <a:lnSpc>
-                <a:spcPct val="90000"/>
-              </a:lnSpc>
-              <a:spcBef>
-                <a:spcPts val="1417"/>
-              </a:spcBef>
-              <a:buNone/>
-            </a:pPr>
-            <a:endParaRPr b="0" lang="en-US" sz="2000" spc="-1" strike="noStrike">
-              <a:solidFill>
-                <a:srgbClr val="000000"/>
-              </a:solidFill>
-              <a:latin typeface="Rockwell"/>
+            <a:endParaRPr b="0" lang="en-US" sz="3200" spc="-1" strike="noStrike">
+              <a:latin typeface="Arial"/>
             </a:endParaRPr>
           </a:p>
         </p:txBody>
@@ -5156,8 +4637,8 @@
         </p:nvSpPr>
         <p:spPr>
           <a:xfrm>
-            <a:off x="6222240" y="2121480"/>
-            <a:ext cx="4906800" cy="1931760"/>
+            <a:off x="6230160" y="1604520"/>
+            <a:ext cx="5352840" cy="1896840"/>
           </a:xfrm>
           <a:prstGeom prst="rect">
             <a:avLst/>
@@ -5172,20 +4653,8 @@
             <a:normAutofit/>
           </a:bodyPr>
           <a:p>
-            <a:pPr>
-              <a:lnSpc>
-                <a:spcPct val="90000"/>
-              </a:lnSpc>
-              <a:spcBef>
-                <a:spcPts val="1417"/>
-              </a:spcBef>
-              <a:buNone/>
-            </a:pPr>
-            <a:endParaRPr b="0" lang="en-US" sz="2000" spc="-1" strike="noStrike">
-              <a:solidFill>
-                <a:srgbClr val="000000"/>
-              </a:solidFill>
-              <a:latin typeface="Rockwell"/>
+            <a:endParaRPr b="0" lang="en-US" sz="3200" spc="-1" strike="noStrike">
+              <a:latin typeface="Arial"/>
             </a:endParaRPr>
           </a:p>
         </p:txBody>
@@ -5202,8 +4671,8 @@
         </p:nvSpPr>
         <p:spPr>
           <a:xfrm>
-            <a:off x="6222240" y="4237200"/>
-            <a:ext cx="4906800" cy="1931760"/>
+            <a:off x="6230160" y="3682080"/>
+            <a:ext cx="5352840" cy="1896840"/>
           </a:xfrm>
           <a:prstGeom prst="rect">
             <a:avLst/>
@@ -5218,20 +4687,8 @@
             <a:normAutofit/>
           </a:bodyPr>
           <a:p>
-            <a:pPr>
-              <a:lnSpc>
-                <a:spcPct val="90000"/>
-              </a:lnSpc>
-              <a:spcBef>
-                <a:spcPts val="1417"/>
-              </a:spcBef>
-              <a:buNone/>
-            </a:pPr>
-            <a:endParaRPr b="0" lang="en-US" sz="2000" spc="-1" strike="noStrike">
-              <a:solidFill>
-                <a:srgbClr val="000000"/>
-              </a:solidFill>
-              <a:latin typeface="Rockwell"/>
+            <a:endParaRPr b="0" lang="en-US" sz="3200" spc="-1" strike="noStrike">
+              <a:latin typeface="Arial"/>
             </a:endParaRPr>
           </a:p>
         </p:txBody>
@@ -5243,7 +4700,7 @@
             <a:spLocks noGrp="1"/>
           </p:cNvSpPr>
           <p:nvPr>
-            <p:ph type="ftr" idx="2"/>
+            <p:ph type="ftr" idx="1"/>
           </p:nvPr>
         </p:nvSpPr>
         <p:spPr/>
@@ -5263,14 +4720,14 @@
             <a:spLocks noGrp="1"/>
           </p:cNvSpPr>
           <p:nvPr>
-            <p:ph type="sldNum" idx="3"/>
+            <p:ph type="sldNum" idx="2"/>
           </p:nvPr>
         </p:nvSpPr>
         <p:spPr/>
         <p:txBody>
           <a:bodyPr/>
           <a:p>
-            <a:fld id="{AA0ECE8F-E797-4E37-B667-6EFC2FA6412C}" type="slidenum">
+            <a:fld id="{C15C1A06-EAB5-427C-8EC5-78AD30D972E3}" type="slidenum">
               <a:t>&lt;#&gt;</a:t>
             </a:fld>
           </a:p>
@@ -5283,7 +4740,7 @@
             <a:spLocks noGrp="1"/>
           </p:cNvSpPr>
           <p:nvPr>
-            <p:ph type="dt" idx="1"/>
+            <p:ph type="dt" idx="3"/>
           </p:nvPr>
         </p:nvSpPr>
         <p:spPr/>
@@ -5331,8 +4788,8 @@
         </p:nvSpPr>
         <p:spPr>
           <a:xfrm>
-            <a:off x="1069560" y="484560"/>
-            <a:ext cx="10055520" cy="1608840"/>
+            <a:off x="609120" y="273600"/>
+            <a:ext cx="10969560" cy="1144800"/>
           </a:xfrm>
           <a:prstGeom prst="rect">
             <a:avLst/>
@@ -5347,11 +4804,11 @@
             <a:noAutofit/>
           </a:bodyPr>
           <a:p>
-            <a:endParaRPr b="0" lang="en-US" sz="2400" spc="-1" strike="noStrike">
-              <a:solidFill>
-                <a:srgbClr val="000000"/>
-              </a:solidFill>
-              <a:latin typeface="Rockwell"/>
+            <a:pPr algn="ctr">
+              <a:buNone/>
+            </a:pPr>
+            <a:endParaRPr b="0" lang="en-US" sz="4400" spc="-1" strike="noStrike">
+              <a:latin typeface="Arial"/>
             </a:endParaRPr>
           </a:p>
         </p:txBody>
@@ -5368,8 +4825,8 @@
         </p:nvSpPr>
         <p:spPr>
           <a:xfrm>
-            <a:off x="1069560" y="2121480"/>
-            <a:ext cx="4906800" cy="1931760"/>
+            <a:off x="609120" y="1604520"/>
+            <a:ext cx="5352840" cy="1896840"/>
           </a:xfrm>
           <a:prstGeom prst="rect">
             <a:avLst/>
@@ -5384,20 +4841,8 @@
             <a:normAutofit/>
           </a:bodyPr>
           <a:p>
-            <a:pPr>
-              <a:lnSpc>
-                <a:spcPct val="90000"/>
-              </a:lnSpc>
-              <a:spcBef>
-                <a:spcPts val="1417"/>
-              </a:spcBef>
-              <a:buNone/>
-            </a:pPr>
-            <a:endParaRPr b="0" lang="en-US" sz="2000" spc="-1" strike="noStrike">
-              <a:solidFill>
-                <a:srgbClr val="000000"/>
-              </a:solidFill>
-              <a:latin typeface="Rockwell"/>
+            <a:endParaRPr b="0" lang="en-US" sz="3200" spc="-1" strike="noStrike">
+              <a:latin typeface="Arial"/>
             </a:endParaRPr>
           </a:p>
         </p:txBody>
@@ -5414,8 +4859,8 @@
         </p:nvSpPr>
         <p:spPr>
           <a:xfrm>
-            <a:off x="6222240" y="2121480"/>
-            <a:ext cx="4906800" cy="1931760"/>
+            <a:off x="6230160" y="1604520"/>
+            <a:ext cx="5352840" cy="1896840"/>
           </a:xfrm>
           <a:prstGeom prst="rect">
             <a:avLst/>
@@ -5430,20 +4875,8 @@
             <a:normAutofit/>
           </a:bodyPr>
           <a:p>
-            <a:pPr>
-              <a:lnSpc>
-                <a:spcPct val="90000"/>
-              </a:lnSpc>
-              <a:spcBef>
-                <a:spcPts val="1417"/>
-              </a:spcBef>
-              <a:buNone/>
-            </a:pPr>
-            <a:endParaRPr b="0" lang="en-US" sz="2000" spc="-1" strike="noStrike">
-              <a:solidFill>
-                <a:srgbClr val="000000"/>
-              </a:solidFill>
-              <a:latin typeface="Rockwell"/>
+            <a:endParaRPr b="0" lang="en-US" sz="3200" spc="-1" strike="noStrike">
+              <a:latin typeface="Arial"/>
             </a:endParaRPr>
           </a:p>
         </p:txBody>
@@ -5460,8 +4893,8 @@
         </p:nvSpPr>
         <p:spPr>
           <a:xfrm>
-            <a:off x="1069560" y="4237200"/>
-            <a:ext cx="10055520" cy="1931760"/>
+            <a:off x="609120" y="3682080"/>
+            <a:ext cx="10969560" cy="1896840"/>
           </a:xfrm>
           <a:prstGeom prst="rect">
             <a:avLst/>
@@ -5476,20 +4909,8 @@
             <a:normAutofit/>
           </a:bodyPr>
           <a:p>
-            <a:pPr>
-              <a:lnSpc>
-                <a:spcPct val="90000"/>
-              </a:lnSpc>
-              <a:spcBef>
-                <a:spcPts val="1417"/>
-              </a:spcBef>
-              <a:buNone/>
-            </a:pPr>
-            <a:endParaRPr b="0" lang="en-US" sz="2000" spc="-1" strike="noStrike">
-              <a:solidFill>
-                <a:srgbClr val="000000"/>
-              </a:solidFill>
-              <a:latin typeface="Rockwell"/>
+            <a:endParaRPr b="0" lang="en-US" sz="3200" spc="-1" strike="noStrike">
+              <a:latin typeface="Arial"/>
             </a:endParaRPr>
           </a:p>
         </p:txBody>
@@ -5501,7 +4922,7 @@
             <a:spLocks noGrp="1"/>
           </p:cNvSpPr>
           <p:nvPr>
-            <p:ph type="ftr" idx="2"/>
+            <p:ph type="ftr" idx="1"/>
           </p:nvPr>
         </p:nvSpPr>
         <p:spPr/>
@@ -5521,14 +4942,14 @@
             <a:spLocks noGrp="1"/>
           </p:cNvSpPr>
           <p:nvPr>
-            <p:ph type="sldNum" idx="3"/>
+            <p:ph type="sldNum" idx="2"/>
           </p:nvPr>
         </p:nvSpPr>
         <p:spPr/>
         <p:txBody>
           <a:bodyPr/>
           <a:p>
-            <a:fld id="{0AC1731B-A80A-4941-84A0-0557D6659BA9}" type="slidenum">
+            <a:fld id="{DDEC789B-EE42-4BE4-A6A9-EC3EF7165BAD}" type="slidenum">
               <a:t>&lt;#&gt;</a:t>
             </a:fld>
           </a:p>
@@ -5541,7 +4962,7 @@
             <a:spLocks noGrp="1"/>
           </p:cNvSpPr>
           <p:nvPr>
-            <p:ph type="dt" idx="1"/>
+            <p:ph type="dt" idx="3"/>
           </p:nvPr>
         </p:nvSpPr>
         <p:spPr/>
@@ -5593,9 +5014,9 @@
         <p:grpSpPr>
           <a:xfrm>
             <a:off x="11398680" y="6229800"/>
-            <a:ext cx="456840" cy="456840"/>
+            <a:ext cx="456480" cy="456480"/>
             <a:chOff x="11398680" y="6229800"/>
-            <a:chExt cx="456840" cy="456840"/>
+            <a:chExt cx="456480" cy="456480"/>
           </a:xfrm>
         </p:grpSpPr>
         <p:sp>
@@ -5607,7 +5028,7 @@
           <p:spPr>
             <a:xfrm>
               <a:off x="11398680" y="6229800"/>
-              <a:ext cx="456840" cy="456840"/>
+              <a:ext cx="456480" cy="456480"/>
             </a:xfrm>
             <a:prstGeom prst="ellipse">
               <a:avLst/>
@@ -5637,7 +5058,7 @@
           <p:spPr>
             <a:xfrm>
               <a:off x="11427840" y="6258960"/>
-              <a:ext cx="398520" cy="398520"/>
+              <a:ext cx="398160" cy="398160"/>
             </a:xfrm>
             <a:prstGeom prst="ellipse">
               <a:avLst/>
@@ -5667,7 +5088,7 @@
         <p:spPr>
           <a:xfrm>
             <a:off x="920520" y="1347120"/>
-            <a:ext cx="10220040" cy="80280"/>
+            <a:ext cx="10219680" cy="79920"/>
           </a:xfrm>
           <a:prstGeom prst="rect">
             <a:avLst/>
@@ -5707,7 +5128,7 @@
         <p:spPr>
           <a:xfrm>
             <a:off x="920520" y="4299840"/>
-            <a:ext cx="10220040" cy="80280"/>
+            <a:ext cx="10219680" cy="79920"/>
           </a:xfrm>
           <a:prstGeom prst="rect">
             <a:avLst/>
@@ -5747,7 +5168,7 @@
         <p:spPr>
           <a:xfrm>
             <a:off x="920520" y="1484640"/>
-            <a:ext cx="10220040" cy="2742840"/>
+            <a:ext cx="10219680" cy="2742480"/>
           </a:xfrm>
           <a:prstGeom prst="rect">
             <a:avLst/>
@@ -5787,9 +5208,9 @@
         <p:grpSpPr>
           <a:xfrm>
             <a:off x="9646560" y="4069080"/>
-            <a:ext cx="1080360" cy="1080720"/>
+            <a:ext cx="1080000" cy="1080360"/>
             <a:chOff x="9646560" y="4069080"/>
-            <a:chExt cx="1080360" cy="1080720"/>
+            <a:chExt cx="1080000" cy="1080360"/>
           </a:xfrm>
         </p:grpSpPr>
         <p:sp>
@@ -5801,7 +5222,7 @@
           <p:spPr>
             <a:xfrm>
               <a:off x="9646560" y="4069080"/>
-              <a:ext cx="1080360" cy="1080720"/>
+              <a:ext cx="1080000" cy="1080360"/>
             </a:xfrm>
             <a:prstGeom prst="ellipse">
               <a:avLst/>
@@ -5831,7 +5252,7 @@
           <p:spPr>
             <a:xfrm>
               <a:off x="9754920" y="4177080"/>
-              <a:ext cx="864000" cy="864360"/>
+              <a:ext cx="863640" cy="864000"/>
             </a:xfrm>
             <a:prstGeom prst="ellipse">
               <a:avLst/>
@@ -5852,268 +5273,30 @@
           </p:style>
         </p:sp>
       </p:grpSp>
-      <p:sp>
-        <p:nvSpPr>
-          <p:cNvPr id="9" name="PlaceHolder 1"/>
-          <p:cNvSpPr>
-            <a:spLocks noGrp="1"/>
-          </p:cNvSpPr>
-          <p:nvPr>
-            <p:ph type="title"/>
-          </p:nvPr>
-        </p:nvSpPr>
-        <p:spPr>
-          <a:xfrm>
-            <a:off x="1051200" y="1432080"/>
-            <a:ext cx="9964080" cy="3035520"/>
-          </a:xfrm>
-          <a:prstGeom prst="rect">
-            <a:avLst/>
-          </a:prstGeom>
-          <a:noFill/>
-          <a:ln w="0">
-            <a:noFill/>
-          </a:ln>
-        </p:spPr>
-        <p:txBody>
-          <a:bodyPr anchor="ctr">
-            <a:noAutofit/>
-          </a:bodyPr>
-          <a:p>
-            <a:pPr>
-              <a:lnSpc>
-                <a:spcPct val="80000"/>
-              </a:lnSpc>
-              <a:buNone/>
-            </a:pPr>
-            <a:r>
-              <a:rPr b="0" lang="en-US" sz="9600" spc="-1" strike="noStrike" cap="all">
-                <a:latin typeface="Rockwell Condensed"/>
-              </a:rPr>
-              <a:t>Click to edit Master title style</a:t>
-            </a:r>
-            <a:endParaRPr b="0" lang="en-US" sz="9600" spc="-1" strike="noStrike">
-              <a:solidFill>
-                <a:srgbClr val="000000"/>
-              </a:solidFill>
-              <a:latin typeface="Rockwell"/>
-            </a:endParaRPr>
-          </a:p>
-        </p:txBody>
-      </p:sp>
-      <p:sp>
-        <p:nvSpPr>
-          <p:cNvPr id="10" name="PlaceHolder 2"/>
-          <p:cNvSpPr>
-            <a:spLocks noGrp="1"/>
-          </p:cNvSpPr>
-          <p:nvPr>
-            <p:ph type="dt" idx="1"/>
-          </p:nvPr>
-        </p:nvSpPr>
-        <p:spPr>
-          <a:xfrm>
-            <a:off x="7962480" y="6272640"/>
-            <a:ext cx="3272400" cy="364680"/>
-          </a:xfrm>
-          <a:prstGeom prst="rect">
-            <a:avLst/>
-          </a:prstGeom>
-          <a:noFill/>
-          <a:ln w="0">
-            <a:noFill/>
-          </a:ln>
-        </p:spPr>
-        <p:txBody>
-          <a:bodyPr anchor="ctr">
-            <a:noAutofit/>
-          </a:bodyPr>
-          <a:lstStyle>
-            <a:lvl1pPr algn="r">
-              <a:lnSpc>
-                <a:spcPct val="100000"/>
-              </a:lnSpc>
-              <a:buNone/>
-              <a:defRPr b="0" lang="en-US" sz="1100" spc="-1" strike="noStrike">
-                <a:solidFill>
-                  <a:srgbClr val="696464"/>
-                </a:solidFill>
-                <a:latin typeface="Rockwell"/>
-              </a:defRPr>
-            </a:lvl1pPr>
-          </a:lstStyle>
-          <a:p>
-            <a:pPr algn="r">
-              <a:lnSpc>
-                <a:spcPct val="100000"/>
-              </a:lnSpc>
-              <a:buNone/>
-            </a:pPr>
-            <a:r>
-              <a:rPr b="0" lang="en-US" sz="1100" spc="-1" strike="noStrike">
-                <a:solidFill>
-                  <a:srgbClr val="696464"/>
-                </a:solidFill>
-                <a:latin typeface="Rockwell"/>
-              </a:rPr>
-              <a:t>&lt;date/time&gt;</a:t>
-            </a:r>
-            <a:endParaRPr b="0" lang="en-US" sz="1100" spc="-1" strike="noStrike">
-              <a:latin typeface="Times New Roman"/>
-            </a:endParaRPr>
-          </a:p>
-        </p:txBody>
-      </p:sp>
-      <p:sp>
-        <p:nvSpPr>
-          <p:cNvPr id="11" name="PlaceHolder 3"/>
-          <p:cNvSpPr>
-            <a:spLocks noGrp="1"/>
-          </p:cNvSpPr>
-          <p:nvPr>
-            <p:ph type="ftr" idx="2"/>
-          </p:nvPr>
-        </p:nvSpPr>
-        <p:spPr>
-          <a:xfrm>
-            <a:off x="1087920" y="6272640"/>
-            <a:ext cx="6325560" cy="364680"/>
-          </a:xfrm>
-          <a:prstGeom prst="rect">
-            <a:avLst/>
-          </a:prstGeom>
-          <a:noFill/>
-          <a:ln w="0">
-            <a:noFill/>
-          </a:ln>
-        </p:spPr>
-        <p:txBody>
-          <a:bodyPr anchor="ctr">
-            <a:noAutofit/>
-          </a:bodyPr>
-          <a:lstStyle>
-            <a:lvl1pPr>
-              <a:lnSpc>
-                <a:spcPct val="100000"/>
-              </a:lnSpc>
-              <a:buNone/>
-              <a:defRPr b="0" lang="en-US" sz="1100" spc="-1" strike="noStrike">
-                <a:solidFill>
-                  <a:srgbClr val="696464"/>
-                </a:solidFill>
-                <a:latin typeface="Rockwell"/>
-              </a:defRPr>
-            </a:lvl1pPr>
-          </a:lstStyle>
-          <a:p>
-            <a:pPr>
-              <a:lnSpc>
-                <a:spcPct val="100000"/>
-              </a:lnSpc>
-              <a:buNone/>
-            </a:pPr>
-            <a:r>
-              <a:rPr b="0" lang="en-US" sz="1100" spc="-1" strike="noStrike">
-                <a:solidFill>
-                  <a:srgbClr val="696464"/>
-                </a:solidFill>
-                <a:latin typeface="Rockwell"/>
-              </a:rPr>
-              <a:t>&lt;footer&gt;</a:t>
-            </a:r>
-            <a:endParaRPr b="0" lang="en-US" sz="1100" spc="-1" strike="noStrike">
-              <a:latin typeface="Times New Roman"/>
-            </a:endParaRPr>
-          </a:p>
-        </p:txBody>
-      </p:sp>
-      <p:sp>
-        <p:nvSpPr>
-          <p:cNvPr id="12" name="PlaceHolder 4"/>
-          <p:cNvSpPr>
-            <a:spLocks noGrp="1"/>
-          </p:cNvSpPr>
-          <p:nvPr>
-            <p:ph type="sldNum" idx="3"/>
-          </p:nvPr>
-        </p:nvSpPr>
-        <p:spPr>
-          <a:xfrm>
-            <a:off x="9590400" y="4289400"/>
-            <a:ext cx="1193040" cy="639720"/>
-          </a:xfrm>
-          <a:prstGeom prst="rect">
-            <a:avLst/>
-          </a:prstGeom>
-          <a:noFill/>
-          <a:ln w="0">
-            <a:noFill/>
-          </a:ln>
-        </p:spPr>
-        <p:txBody>
-          <a:bodyPr anchor="ctr">
-            <a:noAutofit/>
-          </a:bodyPr>
-          <a:lstStyle>
-            <a:lvl1pPr algn="ctr">
-              <a:lnSpc>
-                <a:spcPct val="100000"/>
-              </a:lnSpc>
-              <a:buNone/>
-              <a:defRPr b="1" lang="en-US" sz="2800" spc="-1" strike="noStrike">
-                <a:solidFill>
-                  <a:srgbClr val="ffffff"/>
-                </a:solidFill>
-                <a:latin typeface="Rockwell Condensed"/>
-              </a:defRPr>
-            </a:lvl1pPr>
-          </a:lstStyle>
-          <a:p>
-            <a:pPr algn="ctr">
-              <a:lnSpc>
-                <a:spcPct val="100000"/>
-              </a:lnSpc>
-              <a:buNone/>
-            </a:pPr>
-            <a:fld id="{564BA82A-4945-4CAB-B264-0F56AB67EB30}" type="slidenum">
-              <a:rPr b="1" lang="en-US" sz="2800" spc="-1" strike="noStrike">
-                <a:solidFill>
-                  <a:srgbClr val="ffffff"/>
-                </a:solidFill>
-                <a:latin typeface="Rockwell Condensed"/>
-              </a:rPr>
-              <a:t>&lt;number&gt;</a:t>
-            </a:fld>
-            <a:endParaRPr b="0" lang="en-US" sz="2800" spc="-1" strike="noStrike">
-              <a:latin typeface="Times New Roman"/>
-            </a:endParaRPr>
-          </a:p>
-        </p:txBody>
-      </p:sp>
       <p:grpSp>
         <p:nvGrpSpPr>
-          <p:cNvPr id="13" name="Group 12"/>
+          <p:cNvPr id="9" name="Group 12"/>
           <p:cNvGrpSpPr/>
           <p:nvPr/>
         </p:nvGrpSpPr>
         <p:grpSpPr>
           <a:xfrm>
             <a:off x="0" y="0"/>
-            <a:ext cx="12190320" cy="6857640"/>
+            <a:ext cx="12189960" cy="6857280"/>
             <a:chOff x="0" y="0"/>
-            <a:chExt cx="12190320" cy="6857640"/>
+            <a:chExt cx="12189960" cy="6857280"/>
           </a:xfrm>
         </p:grpSpPr>
         <p:sp>
           <p:nvSpPr>
-            <p:cNvPr id="14" name="Rectangle 13"/>
+            <p:cNvPr id="10" name="Rectangle 13"/>
             <p:cNvSpPr/>
             <p:nvPr/>
           </p:nvSpPr>
           <p:spPr>
             <a:xfrm>
               <a:off x="1800" y="0"/>
-              <a:ext cx="12188520" cy="6857640"/>
+              <a:ext cx="12188160" cy="6857280"/>
             </a:xfrm>
             <a:prstGeom prst="rect">
               <a:avLst/>
@@ -6150,21 +5333,21 @@
         </p:sp>
         <p:grpSp>
           <p:nvGrpSpPr>
-            <p:cNvPr id="15" name="Group 14"/>
+            <p:cNvPr id="11" name="Group 14"/>
             <p:cNvGrpSpPr/>
             <p:nvPr/>
           </p:nvGrpSpPr>
           <p:grpSpPr>
             <a:xfrm>
               <a:off x="0" y="0"/>
-              <a:ext cx="4725720" cy="6857640"/>
+              <a:ext cx="4725360" cy="6857280"/>
               <a:chOff x="0" y="0"/>
-              <a:chExt cx="4725720" cy="6857640"/>
+              <a:chExt cx="4725360" cy="6857280"/>
             </a:xfrm>
           </p:grpSpPr>
           <p:pic>
             <p:nvPicPr>
-              <p:cNvPr id="16" name="Picture 15" descr="Stack of books"/>
+              <p:cNvPr id="12" name="Picture 15" descr="Stack of books"/>
               <p:cNvPicPr/>
               <p:nvPr/>
             </p:nvPicPr>
@@ -6175,7 +5358,7 @@
             <p:spPr>
               <a:xfrm>
                 <a:off x="0" y="0"/>
-                <a:ext cx="4591080" cy="6857640"/>
+                <a:ext cx="4590720" cy="6857280"/>
               </a:xfrm>
               <a:prstGeom prst="rect">
                 <a:avLst/>
@@ -6187,14 +5370,14 @@
           </p:pic>
           <p:sp>
             <p:nvSpPr>
-              <p:cNvPr id="17" name="Rectangle 16"/>
+              <p:cNvPr id="13" name="Rectangle 16"/>
               <p:cNvSpPr/>
               <p:nvPr/>
             </p:nvSpPr>
             <p:spPr>
               <a:xfrm>
                 <a:off x="4588920" y="0"/>
-                <a:ext cx="136800" cy="6857640"/>
+                <a:ext cx="136440" cy="6857280"/>
               </a:xfrm>
               <a:prstGeom prst="rect">
                 <a:avLst/>
@@ -6225,6 +5408,219 @@
       </p:grpSp>
       <p:sp>
         <p:nvSpPr>
+          <p:cNvPr id="14" name="PlaceHolder 1"/>
+          <p:cNvSpPr>
+            <a:spLocks noGrp="1"/>
+          </p:cNvSpPr>
+          <p:nvPr>
+            <p:ph type="title"/>
+          </p:nvPr>
+        </p:nvSpPr>
+        <p:spPr>
+          <a:xfrm>
+            <a:off x="1069560" y="484560"/>
+            <a:ext cx="10055160" cy="1608480"/>
+          </a:xfrm>
+          <a:prstGeom prst="rect">
+            <a:avLst/>
+          </a:prstGeom>
+          <a:noFill/>
+          <a:ln w="0">
+            <a:noFill/>
+          </a:ln>
+        </p:spPr>
+        <p:txBody>
+          <a:bodyPr lIns="0" rIns="0" tIns="0" bIns="0" anchor="ctr">
+            <a:noAutofit/>
+          </a:bodyPr>
+          <a:p>
+            <a:r>
+              <a:rPr b="0" lang="en-US" sz="1800" spc="-1" strike="noStrike">
+                <a:latin typeface="Arial"/>
+              </a:rPr>
+              <a:t>Click to edit the title text format</a:t>
+            </a:r>
+            <a:endParaRPr b="0" lang="en-US" sz="1800" spc="-1" strike="noStrike">
+              <a:latin typeface="Arial"/>
+            </a:endParaRPr>
+          </a:p>
+        </p:txBody>
+      </p:sp>
+      <p:sp>
+        <p:nvSpPr>
+          <p:cNvPr id="15" name="PlaceHolder 2"/>
+          <p:cNvSpPr>
+            <a:spLocks noGrp="1"/>
+          </p:cNvSpPr>
+          <p:nvPr>
+            <p:ph type="ftr" idx="1"/>
+          </p:nvPr>
+        </p:nvSpPr>
+        <p:spPr>
+          <a:xfrm>
+            <a:off x="1087920" y="6272640"/>
+            <a:ext cx="6325200" cy="364320"/>
+          </a:xfrm>
+          <a:prstGeom prst="rect">
+            <a:avLst/>
+          </a:prstGeom>
+          <a:noFill/>
+          <a:ln w="0">
+            <a:noFill/>
+          </a:ln>
+        </p:spPr>
+        <p:txBody>
+          <a:bodyPr lIns="90000" rIns="90000" tIns="45000" bIns="45000" anchor="ctr">
+            <a:noAutofit/>
+          </a:bodyPr>
+          <a:lstStyle>
+            <a:lvl1pPr>
+              <a:lnSpc>
+                <a:spcPct val="100000"/>
+              </a:lnSpc>
+              <a:buNone/>
+              <a:defRPr b="0" lang="en-US" sz="1100" spc="-1" strike="noStrike">
+                <a:solidFill>
+                  <a:srgbClr val="696464"/>
+                </a:solidFill>
+                <a:latin typeface="Rockwell"/>
+              </a:defRPr>
+            </a:lvl1pPr>
+          </a:lstStyle>
+          <a:p>
+            <a:pPr>
+              <a:lnSpc>
+                <a:spcPct val="100000"/>
+              </a:lnSpc>
+              <a:buNone/>
+            </a:pPr>
+            <a:r>
+              <a:rPr b="0" lang="en-US" sz="1100" spc="-1" strike="noStrike">
+                <a:solidFill>
+                  <a:srgbClr val="696464"/>
+                </a:solidFill>
+                <a:latin typeface="Rockwell"/>
+              </a:rPr>
+              <a:t>&lt;footer&gt;</a:t>
+            </a:r>
+            <a:endParaRPr b="0" lang="en-US" sz="1100" spc="-1" strike="noStrike">
+              <a:latin typeface="Times New Roman"/>
+            </a:endParaRPr>
+          </a:p>
+        </p:txBody>
+      </p:sp>
+      <p:sp>
+        <p:nvSpPr>
+          <p:cNvPr id="16" name="PlaceHolder 3"/>
+          <p:cNvSpPr>
+            <a:spLocks noGrp="1"/>
+          </p:cNvSpPr>
+          <p:nvPr>
+            <p:ph type="sldNum" idx="2"/>
+          </p:nvPr>
+        </p:nvSpPr>
+        <p:spPr>
+          <a:xfrm>
+            <a:off x="9590400" y="4289400"/>
+            <a:ext cx="1192680" cy="639360"/>
+          </a:xfrm>
+          <a:prstGeom prst="rect">
+            <a:avLst/>
+          </a:prstGeom>
+          <a:noFill/>
+          <a:ln w="0">
+            <a:noFill/>
+          </a:ln>
+        </p:spPr>
+        <p:txBody>
+          <a:bodyPr lIns="90000" rIns="90000" tIns="45000" bIns="45000" anchor="ctr">
+            <a:noAutofit/>
+          </a:bodyPr>
+          <a:lstStyle>
+            <a:lvl1pPr algn="ctr">
+              <a:lnSpc>
+                <a:spcPct val="100000"/>
+              </a:lnSpc>
+              <a:buNone/>
+              <a:defRPr b="1" lang="en-US" sz="2800" spc="-1" strike="noStrike">
+                <a:solidFill>
+                  <a:srgbClr val="ffffff"/>
+                </a:solidFill>
+                <a:latin typeface="Rockwell Condensed"/>
+              </a:defRPr>
+            </a:lvl1pPr>
+          </a:lstStyle>
+          <a:p>
+            <a:pPr algn="ctr">
+              <a:lnSpc>
+                <a:spcPct val="100000"/>
+              </a:lnSpc>
+              <a:buNone/>
+            </a:pPr>
+            <a:fld id="{6727CFB4-CC5E-4956-A12A-E0DF16A48B52}" type="slidenum">
+              <a:rPr b="1" lang="en-US" sz="2800" spc="-1" strike="noStrike">
+                <a:solidFill>
+                  <a:srgbClr val="ffffff"/>
+                </a:solidFill>
+                <a:latin typeface="Rockwell Condensed"/>
+              </a:rPr>
+              <a:t>&lt;number&gt;</a:t>
+            </a:fld>
+            <a:endParaRPr b="0" lang="en-US" sz="2800" spc="-1" strike="noStrike">
+              <a:latin typeface="Times New Roman"/>
+            </a:endParaRPr>
+          </a:p>
+        </p:txBody>
+      </p:sp>
+      <p:sp>
+        <p:nvSpPr>
+          <p:cNvPr id="17" name="PlaceHolder 4"/>
+          <p:cNvSpPr>
+            <a:spLocks noGrp="1"/>
+          </p:cNvSpPr>
+          <p:nvPr>
+            <p:ph type="dt" idx="3"/>
+          </p:nvPr>
+        </p:nvSpPr>
+        <p:spPr>
+          <a:xfrm>
+            <a:off x="7962480" y="6272640"/>
+            <a:ext cx="3272040" cy="364320"/>
+          </a:xfrm>
+          <a:prstGeom prst="rect">
+            <a:avLst/>
+          </a:prstGeom>
+          <a:noFill/>
+          <a:ln w="0">
+            <a:noFill/>
+          </a:ln>
+        </p:spPr>
+        <p:txBody>
+          <a:bodyPr lIns="90000" rIns="90000" tIns="45000" bIns="45000" anchor="ctr">
+            <a:noAutofit/>
+          </a:bodyPr>
+          <a:lstStyle>
+            <a:lvl1pPr>
+              <a:defRPr b="0" lang="en-US" sz="1400" spc="-1" strike="noStrike">
+                <a:latin typeface="Times New Roman"/>
+              </a:defRPr>
+            </a:lvl1pPr>
+          </a:lstStyle>
+          <a:p>
+            <a:r>
+              <a:rPr b="0" lang="en-US" sz="1400" spc="-1" strike="noStrike">
+                <a:latin typeface="Times New Roman"/>
+              </a:rPr>
+              <a:t>&lt;date/time&gt;</a:t>
+            </a:r>
+            <a:endParaRPr b="0" lang="en-US" sz="1400" spc="-1" strike="noStrike">
+              <a:latin typeface="Times New Roman"/>
+            </a:endParaRPr>
+          </a:p>
+        </p:txBody>
+      </p:sp>
+      <p:sp>
+        <p:nvSpPr>
           <p:cNvPr id="18" name="PlaceHolder 5"/>
           <p:cNvSpPr>
             <a:spLocks noGrp="1"/>
@@ -6252,9 +5648,6 @@
           </a:bodyPr>
           <a:p>
             <a:pPr marL="432000" indent="-324000">
-              <a:lnSpc>
-                <a:spcPct val="90000"/>
-              </a:lnSpc>
               <a:spcBef>
                 <a:spcPts val="1417"/>
               </a:spcBef>
@@ -6266,26 +5659,17 @@
               <a:buChar char=""/>
             </a:pPr>
             <a:r>
-              <a:rPr b="0" lang="en-US" sz="2000" spc="-1" strike="noStrike">
-                <a:solidFill>
-                  <a:srgbClr val="000000"/>
-                </a:solidFill>
-                <a:latin typeface="Rockwell"/>
+              <a:rPr b="0" lang="en-US" sz="3200" spc="-1" strike="noStrike">
+                <a:latin typeface="Arial"/>
               </a:rPr>
               <a:t>Click to edit the outline text format</a:t>
             </a:r>
-            <a:endParaRPr b="0" lang="en-US" sz="2000" spc="-1" strike="noStrike">
-              <a:solidFill>
-                <a:srgbClr val="000000"/>
-              </a:solidFill>
-              <a:latin typeface="Rockwell"/>
+            <a:endParaRPr b="0" lang="en-US" sz="3200" spc="-1" strike="noStrike">
+              <a:latin typeface="Arial"/>
             </a:endParaRPr>
           </a:p>
           <a:p>
             <a:pPr lvl="1" marL="864000" indent="-324000">
-              <a:lnSpc>
-                <a:spcPct val="90000"/>
-              </a:lnSpc>
               <a:spcBef>
                 <a:spcPts val="1134"/>
               </a:spcBef>
@@ -6297,26 +5681,17 @@
               <a:buChar char=""/>
             </a:pPr>
             <a:r>
-              <a:rPr b="0" lang="en-US" sz="1600" spc="-1" strike="noStrike">
-                <a:solidFill>
-                  <a:srgbClr val="000000"/>
-                </a:solidFill>
-                <a:latin typeface="Rockwell"/>
+              <a:rPr b="0" lang="en-US" sz="2800" spc="-1" strike="noStrike">
+                <a:latin typeface="Arial"/>
               </a:rPr>
               <a:t>Second Outline Level</a:t>
             </a:r>
-            <a:endParaRPr b="0" lang="en-US" sz="1600" spc="-1" strike="noStrike">
-              <a:solidFill>
-                <a:srgbClr val="000000"/>
-              </a:solidFill>
-              <a:latin typeface="Rockwell"/>
+            <a:endParaRPr b="0" lang="en-US" sz="2800" spc="-1" strike="noStrike">
+              <a:latin typeface="Arial"/>
             </a:endParaRPr>
           </a:p>
           <a:p>
             <a:pPr lvl="2" marL="1296000" indent="-288000">
-              <a:lnSpc>
-                <a:spcPct val="90000"/>
-              </a:lnSpc>
               <a:spcBef>
                 <a:spcPts val="850"/>
               </a:spcBef>
@@ -6328,26 +5703,17 @@
               <a:buChar char=""/>
             </a:pPr>
             <a:r>
-              <a:rPr b="0" lang="en-US" sz="1600" spc="-1" strike="noStrike">
-                <a:solidFill>
-                  <a:srgbClr val="000000"/>
-                </a:solidFill>
-                <a:latin typeface="Rockwell"/>
+              <a:rPr b="0" lang="en-US" sz="2400" spc="-1" strike="noStrike">
+                <a:latin typeface="Arial"/>
               </a:rPr>
               <a:t>Third Outline Level</a:t>
             </a:r>
-            <a:endParaRPr b="0" lang="en-US" sz="1600" spc="-1" strike="noStrike">
-              <a:solidFill>
-                <a:srgbClr val="000000"/>
-              </a:solidFill>
-              <a:latin typeface="Rockwell"/>
+            <a:endParaRPr b="0" lang="en-US" sz="2400" spc="-1" strike="noStrike">
+              <a:latin typeface="Arial"/>
             </a:endParaRPr>
           </a:p>
           <a:p>
             <a:pPr lvl="3" marL="1728000" indent="-216000">
-              <a:lnSpc>
-                <a:spcPct val="90000"/>
-              </a:lnSpc>
               <a:spcBef>
                 <a:spcPts val="567"/>
               </a:spcBef>
@@ -6359,26 +5725,17 @@
               <a:buChar char=""/>
             </a:pPr>
             <a:r>
-              <a:rPr b="0" lang="en-US" sz="1600" spc="-1" strike="noStrike">
-                <a:solidFill>
-                  <a:srgbClr val="000000"/>
-                </a:solidFill>
-                <a:latin typeface="Rockwell"/>
+              <a:rPr b="0" lang="en-US" sz="2000" spc="-1" strike="noStrike">
+                <a:latin typeface="Arial"/>
               </a:rPr>
               <a:t>Fourth Outline Level</a:t>
             </a:r>
-            <a:endParaRPr b="0" lang="en-US" sz="1600" spc="-1" strike="noStrike">
-              <a:solidFill>
-                <a:srgbClr val="000000"/>
-              </a:solidFill>
-              <a:latin typeface="Rockwell"/>
+            <a:endParaRPr b="0" lang="en-US" sz="2000" spc="-1" strike="noStrike">
+              <a:latin typeface="Arial"/>
             </a:endParaRPr>
           </a:p>
           <a:p>
             <a:pPr lvl="4" marL="2160000" indent="-216000">
-              <a:lnSpc>
-                <a:spcPct val="90000"/>
-              </a:lnSpc>
               <a:spcBef>
                 <a:spcPts val="283"/>
               </a:spcBef>
@@ -6391,25 +5748,16 @@
             </a:pPr>
             <a:r>
               <a:rPr b="0" lang="en-US" sz="2000" spc="-1" strike="noStrike">
-                <a:solidFill>
-                  <a:srgbClr val="000000"/>
-                </a:solidFill>
-                <a:latin typeface="Rockwell"/>
+                <a:latin typeface="Arial"/>
               </a:rPr>
               <a:t>Fifth Outline Level</a:t>
             </a:r>
             <a:endParaRPr b="0" lang="en-US" sz="2000" spc="-1" strike="noStrike">
-              <a:solidFill>
-                <a:srgbClr val="000000"/>
-              </a:solidFill>
-              <a:latin typeface="Rockwell"/>
+              <a:latin typeface="Arial"/>
             </a:endParaRPr>
           </a:p>
           <a:p>
             <a:pPr lvl="5" marL="2592000" indent="-216000">
-              <a:lnSpc>
-                <a:spcPct val="90000"/>
-              </a:lnSpc>
               <a:spcBef>
                 <a:spcPts val="283"/>
               </a:spcBef>
@@ -6422,25 +5770,16 @@
             </a:pPr>
             <a:r>
               <a:rPr b="0" lang="en-US" sz="2000" spc="-1" strike="noStrike">
-                <a:solidFill>
-                  <a:srgbClr val="000000"/>
-                </a:solidFill>
-                <a:latin typeface="Rockwell"/>
+                <a:latin typeface="Arial"/>
               </a:rPr>
               <a:t>Sixth Outline Level</a:t>
             </a:r>
             <a:endParaRPr b="0" lang="en-US" sz="2000" spc="-1" strike="noStrike">
-              <a:solidFill>
-                <a:srgbClr val="000000"/>
-              </a:solidFill>
-              <a:latin typeface="Rockwell"/>
+              <a:latin typeface="Arial"/>
             </a:endParaRPr>
           </a:p>
           <a:p>
             <a:pPr lvl="6" marL="3024000" indent="-216000">
-              <a:lnSpc>
-                <a:spcPct val="90000"/>
-              </a:lnSpc>
               <a:spcBef>
                 <a:spcPts val="283"/>
               </a:spcBef>
@@ -6453,18 +5792,12 @@
             </a:pPr>
             <a:r>
               <a:rPr b="0" lang="en-US" sz="2000" spc="-1" strike="noStrike">
-                <a:solidFill>
-                  <a:srgbClr val="000000"/>
-                </a:solidFill>
-                <a:latin typeface="Rockwell"/>
+                <a:latin typeface="Arial"/>
               </a:rPr>
               <a:t>Seventh Outline Level</a:t>
             </a:r>
             <a:endParaRPr b="0" lang="en-US" sz="2000" spc="-1" strike="noStrike">
-              <a:solidFill>
-                <a:srgbClr val="000000"/>
-              </a:solidFill>
-              <a:latin typeface="Rockwell"/>
+              <a:latin typeface="Arial"/>
             </a:endParaRPr>
           </a:p>
         </p:txBody>
@@ -6522,9 +5855,9 @@
         <p:grpSpPr>
           <a:xfrm>
             <a:off x="11398680" y="6229800"/>
-            <a:ext cx="456840" cy="456840"/>
+            <a:ext cx="456480" cy="456480"/>
             <a:chOff x="11398680" y="6229800"/>
-            <a:chExt cx="456840" cy="456840"/>
+            <a:chExt cx="456480" cy="456480"/>
           </a:xfrm>
         </p:grpSpPr>
         <p:sp>
@@ -6536,7 +5869,7 @@
           <p:spPr>
             <a:xfrm>
               <a:off x="11398680" y="6229800"/>
-              <a:ext cx="456840" cy="456840"/>
+              <a:ext cx="456480" cy="456480"/>
             </a:xfrm>
             <a:prstGeom prst="ellipse">
               <a:avLst/>
@@ -6566,7 +5899,7 @@
           <p:spPr>
             <a:xfrm>
               <a:off x="11427840" y="6258960"/>
-              <a:ext cx="398520" cy="398520"/>
+              <a:ext cx="398160" cy="398160"/>
             </a:xfrm>
             <a:prstGeom prst="ellipse">
               <a:avLst/>
@@ -6594,332 +5927,24 @@
             <a:spLocks noGrp="1"/>
           </p:cNvSpPr>
           <p:nvPr>
-            <p:ph type="title"/>
-          </p:nvPr>
-        </p:nvSpPr>
-        <p:spPr>
-          <a:xfrm>
-            <a:off x="1069560" y="484560"/>
-            <a:ext cx="10055520" cy="1608840"/>
-          </a:xfrm>
-          <a:prstGeom prst="rect">
-            <a:avLst/>
-          </a:prstGeom>
-          <a:noFill/>
-          <a:ln w="0">
-            <a:noFill/>
-          </a:ln>
-        </p:spPr>
-        <p:txBody>
-          <a:bodyPr anchor="ctr">
-            <a:noAutofit/>
-          </a:bodyPr>
-          <a:p>
-            <a:pPr>
-              <a:lnSpc>
-                <a:spcPct val="90000"/>
-              </a:lnSpc>
-              <a:buNone/>
-            </a:pPr>
-            <a:r>
-              <a:rPr b="0" lang="en-US" sz="5400" spc="-1" strike="noStrike" cap="all">
-                <a:latin typeface="Rockwell Condensed"/>
-              </a:rPr>
-              <a:t>Click to edit Master title style</a:t>
-            </a:r>
-            <a:endParaRPr b="0" lang="en-US" sz="5400" spc="-1" strike="noStrike">
-              <a:solidFill>
-                <a:srgbClr val="000000"/>
-              </a:solidFill>
-              <a:latin typeface="Rockwell"/>
-            </a:endParaRPr>
-          </a:p>
-        </p:txBody>
-      </p:sp>
-      <p:sp>
-        <p:nvSpPr>
-          <p:cNvPr id="59" name="PlaceHolder 2"/>
-          <p:cNvSpPr>
-            <a:spLocks noGrp="1"/>
-          </p:cNvSpPr>
-          <p:nvPr>
-            <p:ph type="body"/>
-          </p:nvPr>
-        </p:nvSpPr>
-        <p:spPr>
-          <a:xfrm>
-            <a:off x="1069560" y="2121480"/>
-            <a:ext cx="10055520" cy="4050360"/>
-          </a:xfrm>
-          <a:prstGeom prst="rect">
-            <a:avLst/>
-          </a:prstGeom>
-          <a:noFill/>
-          <a:ln w="0">
-            <a:noFill/>
-          </a:ln>
-        </p:spPr>
-        <p:txBody>
-          <a:bodyPr anchor="t">
-            <a:noAutofit/>
-          </a:bodyPr>
-          <a:p>
-            <a:pPr marL="182880" indent="-182880">
-              <a:lnSpc>
-                <a:spcPct val="90000"/>
-              </a:lnSpc>
-              <a:spcBef>
-                <a:spcPts val="1199"/>
-              </a:spcBef>
-              <a:buClr>
-                <a:srgbClr val="9e3611"/>
-              </a:buClr>
-              <a:buSzPct val="85000"/>
-              <a:buFont typeface="Wingdings" charset="2"/>
-              <a:buChar char=""/>
-            </a:pPr>
-            <a:r>
-              <a:rPr b="0" lang="en-US" sz="2000" spc="-1" strike="noStrike">
-                <a:solidFill>
-                  <a:srgbClr val="000000"/>
-                </a:solidFill>
-                <a:latin typeface="Rockwell"/>
-              </a:rPr>
-              <a:t>Click to edit Master text styles</a:t>
-            </a:r>
-            <a:endParaRPr b="0" lang="en-US" sz="2000" spc="-1" strike="noStrike">
-              <a:solidFill>
-                <a:srgbClr val="000000"/>
-              </a:solidFill>
-              <a:latin typeface="Rockwell"/>
-            </a:endParaRPr>
-          </a:p>
-          <a:p>
-            <a:pPr lvl="1" marL="457200" indent="-182880">
-              <a:lnSpc>
-                <a:spcPct val="90000"/>
-              </a:lnSpc>
-              <a:spcBef>
-                <a:spcPts val="400"/>
-              </a:spcBef>
-              <a:spcAft>
-                <a:spcPts val="201"/>
-              </a:spcAft>
-              <a:buClr>
-                <a:srgbClr val="9e3611"/>
-              </a:buClr>
-              <a:buSzPct val="85000"/>
-              <a:buFont typeface="Wingdings" charset="2"/>
-              <a:buChar char=""/>
-            </a:pPr>
-            <a:r>
-              <a:rPr b="0" lang="en-US" sz="1800" spc="-1" strike="noStrike">
-                <a:solidFill>
-                  <a:srgbClr val="000000"/>
-                </a:solidFill>
-                <a:latin typeface="Rockwell"/>
-              </a:rPr>
-              <a:t>Second level</a:t>
-            </a:r>
-            <a:endParaRPr b="0" lang="en-US" sz="1800" spc="-1" strike="noStrike">
-              <a:solidFill>
-                <a:srgbClr val="000000"/>
-              </a:solidFill>
-              <a:latin typeface="Rockwell"/>
-            </a:endParaRPr>
-          </a:p>
-          <a:p>
-            <a:pPr lvl="2" marL="731160" indent="-182880">
-              <a:lnSpc>
-                <a:spcPct val="90000"/>
-              </a:lnSpc>
-              <a:spcBef>
-                <a:spcPts val="400"/>
-              </a:spcBef>
-              <a:spcAft>
-                <a:spcPts val="201"/>
-              </a:spcAft>
-              <a:buClr>
-                <a:srgbClr val="9e3611"/>
-              </a:buClr>
-              <a:buSzPct val="85000"/>
-              <a:buFont typeface="Wingdings" charset="2"/>
-              <a:buChar char=""/>
-            </a:pPr>
-            <a:r>
-              <a:rPr b="0" lang="en-US" sz="1600" spc="-1" strike="noStrike">
-                <a:solidFill>
-                  <a:srgbClr val="000000"/>
-                </a:solidFill>
-                <a:latin typeface="Rockwell"/>
-              </a:rPr>
-              <a:t>Third level</a:t>
-            </a:r>
-            <a:endParaRPr b="0" lang="en-US" sz="1600" spc="-1" strike="noStrike">
-              <a:solidFill>
-                <a:srgbClr val="000000"/>
-              </a:solidFill>
-              <a:latin typeface="Rockwell"/>
-            </a:endParaRPr>
-          </a:p>
-          <a:p>
-            <a:pPr lvl="3" marL="1005480" indent="-182880">
-              <a:lnSpc>
-                <a:spcPct val="90000"/>
-              </a:lnSpc>
-              <a:spcBef>
-                <a:spcPts val="400"/>
-              </a:spcBef>
-              <a:spcAft>
-                <a:spcPts val="201"/>
-              </a:spcAft>
-              <a:buClr>
-                <a:srgbClr val="9e3611"/>
-              </a:buClr>
-              <a:buSzPct val="85000"/>
-              <a:buFont typeface="Wingdings" charset="2"/>
-              <a:buChar char=""/>
-            </a:pPr>
-            <a:r>
-              <a:rPr b="0" lang="en-US" sz="1600" spc="-1" strike="noStrike">
-                <a:solidFill>
-                  <a:srgbClr val="000000"/>
-                </a:solidFill>
-                <a:latin typeface="Rockwell"/>
-              </a:rPr>
-              <a:t>Fourth level</a:t>
-            </a:r>
-            <a:endParaRPr b="0" lang="en-US" sz="1600" spc="-1" strike="noStrike">
-              <a:solidFill>
-                <a:srgbClr val="000000"/>
-              </a:solidFill>
-              <a:latin typeface="Rockwell"/>
-            </a:endParaRPr>
-          </a:p>
-          <a:p>
-            <a:pPr lvl="4" marL="1279800" indent="-182880">
-              <a:lnSpc>
-                <a:spcPct val="90000"/>
-              </a:lnSpc>
-              <a:spcBef>
-                <a:spcPts val="400"/>
-              </a:spcBef>
-              <a:spcAft>
-                <a:spcPts val="201"/>
-              </a:spcAft>
-              <a:buClr>
-                <a:srgbClr val="9e3611"/>
-              </a:buClr>
-              <a:buSzPct val="85000"/>
-              <a:buFont typeface="Wingdings" charset="2"/>
-              <a:buChar char=""/>
-            </a:pPr>
-            <a:r>
-              <a:rPr b="0" lang="en-US" sz="1600" spc="-1" strike="noStrike">
-                <a:solidFill>
-                  <a:srgbClr val="000000"/>
-                </a:solidFill>
-                <a:latin typeface="Rockwell"/>
-              </a:rPr>
-              <a:t>Fifth level</a:t>
-            </a:r>
-            <a:endParaRPr b="0" lang="en-US" sz="1600" spc="-1" strike="noStrike">
-              <a:solidFill>
-                <a:srgbClr val="000000"/>
-              </a:solidFill>
-              <a:latin typeface="Rockwell"/>
-            </a:endParaRPr>
-          </a:p>
-        </p:txBody>
-      </p:sp>
-      <p:sp>
-        <p:nvSpPr>
-          <p:cNvPr id="60" name="PlaceHolder 3"/>
-          <p:cNvSpPr>
-            <a:spLocks noGrp="1"/>
-          </p:cNvSpPr>
-          <p:nvPr>
-            <p:ph type="dt" idx="4"/>
-          </p:nvPr>
-        </p:nvSpPr>
-        <p:spPr>
-          <a:xfrm>
-            <a:off x="7962480" y="6272640"/>
-            <a:ext cx="3272400" cy="364680"/>
-          </a:xfrm>
-          <a:prstGeom prst="rect">
-            <a:avLst/>
-          </a:prstGeom>
-          <a:noFill/>
-          <a:ln w="0">
-            <a:noFill/>
-          </a:ln>
-        </p:spPr>
-        <p:txBody>
-          <a:bodyPr anchor="ctr">
-            <a:noAutofit/>
-          </a:bodyPr>
-          <a:lstStyle>
-            <a:lvl1pPr algn="r">
-              <a:lnSpc>
-                <a:spcPct val="100000"/>
-              </a:lnSpc>
-              <a:buNone/>
-              <a:defRPr b="0" lang="en-US" sz="1100" spc="-1" strike="noStrike">
-                <a:solidFill>
-                  <a:srgbClr val="696464"/>
-                </a:solidFill>
-                <a:latin typeface="Rockwell"/>
-              </a:defRPr>
-            </a:lvl1pPr>
-          </a:lstStyle>
-          <a:p>
-            <a:pPr algn="r">
-              <a:lnSpc>
-                <a:spcPct val="100000"/>
-              </a:lnSpc>
-              <a:buNone/>
-            </a:pPr>
-            <a:r>
-              <a:rPr b="0" lang="en-US" sz="1100" spc="-1" strike="noStrike">
-                <a:solidFill>
-                  <a:srgbClr val="696464"/>
-                </a:solidFill>
-                <a:latin typeface="Rockwell"/>
-              </a:rPr>
-              <a:t>&lt;date/time&gt;</a:t>
-            </a:r>
-            <a:endParaRPr b="0" lang="en-US" sz="1100" spc="-1" strike="noStrike">
-              <a:latin typeface="Times New Roman"/>
-            </a:endParaRPr>
-          </a:p>
-        </p:txBody>
-      </p:sp>
-      <p:sp>
-        <p:nvSpPr>
-          <p:cNvPr id="61" name="PlaceHolder 4"/>
-          <p:cNvSpPr>
-            <a:spLocks noGrp="1"/>
-          </p:cNvSpPr>
-          <p:nvPr>
-            <p:ph type="ftr" idx="5"/>
+            <p:ph type="ftr" idx="4"/>
           </p:nvPr>
         </p:nvSpPr>
         <p:spPr>
           <a:xfrm>
             <a:off x="1087920" y="6272640"/>
-            <a:ext cx="6325560" cy="364680"/>
-          </a:xfrm>
-          <a:prstGeom prst="rect">
-            <a:avLst/>
-          </a:prstGeom>
-          <a:noFill/>
-          <a:ln w="0">
-            <a:noFill/>
-          </a:ln>
-        </p:spPr>
-        <p:txBody>
-          <a:bodyPr anchor="ctr">
+            <a:ext cx="6325200" cy="364320"/>
+          </a:xfrm>
+          <a:prstGeom prst="rect">
+            <a:avLst/>
+          </a:prstGeom>
+          <a:noFill/>
+          <a:ln w="0">
+            <a:noFill/>
+          </a:ln>
+        </p:spPr>
+        <p:txBody>
+          <a:bodyPr lIns="90000" rIns="90000" tIns="45000" bIns="45000" anchor="ctr">
             <a:noAutofit/>
           </a:bodyPr>
           <a:lstStyle>
@@ -6960,29 +5985,29 @@
       </p:sp>
       <p:sp>
         <p:nvSpPr>
-          <p:cNvPr id="62" name="PlaceHolder 5"/>
-          <p:cNvSpPr>
-            <a:spLocks noGrp="1"/>
-          </p:cNvSpPr>
-          <p:nvPr>
-            <p:ph type="sldNum" idx="6"/>
+          <p:cNvPr id="59" name="PlaceHolder 2"/>
+          <p:cNvSpPr>
+            <a:spLocks noGrp="1"/>
+          </p:cNvSpPr>
+          <p:nvPr>
+            <p:ph type="sldNum" idx="5"/>
           </p:nvPr>
         </p:nvSpPr>
         <p:spPr>
           <a:xfrm>
             <a:off x="11308320" y="6272640"/>
-            <a:ext cx="639720" cy="364680"/>
-          </a:xfrm>
-          <a:prstGeom prst="rect">
-            <a:avLst/>
-          </a:prstGeom>
-          <a:noFill/>
-          <a:ln w="0">
-            <a:noFill/>
-          </a:ln>
-        </p:spPr>
-        <p:txBody>
-          <a:bodyPr anchor="ctr">
+            <a:ext cx="639360" cy="364320"/>
+          </a:xfrm>
+          <a:prstGeom prst="rect">
+            <a:avLst/>
+          </a:prstGeom>
+          <a:noFill/>
+          <a:ln w="0">
+            <a:noFill/>
+          </a:ln>
+        </p:spPr>
+        <p:txBody>
+          <a:bodyPr lIns="90000" rIns="90000" tIns="45000" bIns="45000" anchor="ctr">
             <a:noAutofit/>
           </a:bodyPr>
           <a:lstStyle>
@@ -7006,7 +6031,7 @@
               </a:lnSpc>
               <a:buNone/>
             </a:pPr>
-            <a:fld id="{0A6C2ECB-DB4F-46EF-82A4-294D9469768D}" type="slidenum">
+            <a:fld id="{4D30540E-FCAA-403F-A82E-4D82CD3BF233}" type="slidenum">
               <a:rPr b="1" lang="en-US" sz="1400" spc="-1" strike="noStrike">
                 <a:solidFill>
                   <a:srgbClr val="ffffff"/>
@@ -7017,6 +6042,279 @@
             </a:fld>
             <a:endParaRPr b="0" lang="en-US" sz="1400" spc="-1" strike="noStrike">
               <a:latin typeface="Times New Roman"/>
+            </a:endParaRPr>
+          </a:p>
+        </p:txBody>
+      </p:sp>
+      <p:sp>
+        <p:nvSpPr>
+          <p:cNvPr id="60" name="PlaceHolder 3"/>
+          <p:cNvSpPr>
+            <a:spLocks noGrp="1"/>
+          </p:cNvSpPr>
+          <p:nvPr>
+            <p:ph type="dt" idx="6"/>
+          </p:nvPr>
+        </p:nvSpPr>
+        <p:spPr>
+          <a:xfrm>
+            <a:off x="7962480" y="6272640"/>
+            <a:ext cx="3272040" cy="364320"/>
+          </a:xfrm>
+          <a:prstGeom prst="rect">
+            <a:avLst/>
+          </a:prstGeom>
+          <a:noFill/>
+          <a:ln w="0">
+            <a:noFill/>
+          </a:ln>
+        </p:spPr>
+        <p:txBody>
+          <a:bodyPr lIns="90000" rIns="90000" tIns="45000" bIns="45000" anchor="ctr">
+            <a:noAutofit/>
+          </a:bodyPr>
+          <a:lstStyle>
+            <a:lvl1pPr>
+              <a:defRPr b="0" lang="en-US" sz="1400" spc="-1" strike="noStrike">
+                <a:latin typeface="Times New Roman"/>
+              </a:defRPr>
+            </a:lvl1pPr>
+          </a:lstStyle>
+          <a:p>
+            <a:r>
+              <a:rPr b="0" lang="en-US" sz="1400" spc="-1" strike="noStrike">
+                <a:latin typeface="Times New Roman"/>
+              </a:rPr>
+              <a:t>&lt;date/time&gt;</a:t>
+            </a:r>
+            <a:endParaRPr b="0" lang="en-US" sz="1400" spc="-1" strike="noStrike">
+              <a:latin typeface="Times New Roman"/>
+            </a:endParaRPr>
+          </a:p>
+        </p:txBody>
+      </p:sp>
+      <p:sp>
+        <p:nvSpPr>
+          <p:cNvPr id="61" name="PlaceHolder 4"/>
+          <p:cNvSpPr>
+            <a:spLocks noGrp="1"/>
+          </p:cNvSpPr>
+          <p:nvPr>
+            <p:ph type="title"/>
+          </p:nvPr>
+        </p:nvSpPr>
+        <p:spPr>
+          <a:xfrm>
+            <a:off x="609120" y="273600"/>
+            <a:ext cx="10969560" cy="1144800"/>
+          </a:xfrm>
+          <a:prstGeom prst="rect">
+            <a:avLst/>
+          </a:prstGeom>
+          <a:noFill/>
+          <a:ln w="0">
+            <a:noFill/>
+          </a:ln>
+        </p:spPr>
+        <p:txBody>
+          <a:bodyPr lIns="0" rIns="0" tIns="0" bIns="0" anchor="ctr">
+            <a:noAutofit/>
+          </a:bodyPr>
+          <a:p>
+            <a:pPr algn="ctr">
+              <a:buNone/>
+            </a:pPr>
+            <a:r>
+              <a:rPr b="0" lang="en-US" sz="4400" spc="-1" strike="noStrike">
+                <a:latin typeface="Arial"/>
+              </a:rPr>
+              <a:t>Click to edit the title text format</a:t>
+            </a:r>
+            <a:endParaRPr b="0" lang="en-US" sz="4400" spc="-1" strike="noStrike">
+              <a:latin typeface="Arial"/>
+            </a:endParaRPr>
+          </a:p>
+        </p:txBody>
+      </p:sp>
+      <p:sp>
+        <p:nvSpPr>
+          <p:cNvPr id="62" name="PlaceHolder 5"/>
+          <p:cNvSpPr>
+            <a:spLocks noGrp="1"/>
+          </p:cNvSpPr>
+          <p:nvPr>
+            <p:ph type="body"/>
+          </p:nvPr>
+        </p:nvSpPr>
+        <p:spPr>
+          <a:xfrm>
+            <a:off x="609120" y="1604520"/>
+            <a:ext cx="10969560" cy="3977280"/>
+          </a:xfrm>
+          <a:prstGeom prst="rect">
+            <a:avLst/>
+          </a:prstGeom>
+          <a:noFill/>
+          <a:ln w="0">
+            <a:noFill/>
+          </a:ln>
+        </p:spPr>
+        <p:txBody>
+          <a:bodyPr lIns="0" rIns="0" tIns="0" bIns="0" anchor="t">
+            <a:normAutofit/>
+          </a:bodyPr>
+          <a:p>
+            <a:pPr marL="432000" indent="-324000">
+              <a:spcBef>
+                <a:spcPts val="1417"/>
+              </a:spcBef>
+              <a:buClr>
+                <a:srgbClr val="000000"/>
+              </a:buClr>
+              <a:buSzPct val="45000"/>
+              <a:buFont typeface="Wingdings" charset="2"/>
+              <a:buChar char=""/>
+            </a:pPr>
+            <a:r>
+              <a:rPr b="0" lang="en-US" sz="3200" spc="-1" strike="noStrike">
+                <a:latin typeface="Arial"/>
+              </a:rPr>
+              <a:t>Click to edit the outline text format</a:t>
+            </a:r>
+            <a:endParaRPr b="0" lang="en-US" sz="3200" spc="-1" strike="noStrike">
+              <a:latin typeface="Arial"/>
+            </a:endParaRPr>
+          </a:p>
+          <a:p>
+            <a:pPr lvl="1" marL="864000" indent="-324000">
+              <a:spcBef>
+                <a:spcPts val="1134"/>
+              </a:spcBef>
+              <a:buClr>
+                <a:srgbClr val="000000"/>
+              </a:buClr>
+              <a:buSzPct val="75000"/>
+              <a:buFont typeface="Symbol" charset="2"/>
+              <a:buChar char=""/>
+            </a:pPr>
+            <a:r>
+              <a:rPr b="0" lang="en-US" sz="2800" spc="-1" strike="noStrike">
+                <a:latin typeface="Arial"/>
+              </a:rPr>
+              <a:t>Second Outline Level</a:t>
+            </a:r>
+            <a:endParaRPr b="0" lang="en-US" sz="2800" spc="-1" strike="noStrike">
+              <a:latin typeface="Arial"/>
+            </a:endParaRPr>
+          </a:p>
+          <a:p>
+            <a:pPr lvl="2" marL="1296000" indent="-288000">
+              <a:spcBef>
+                <a:spcPts val="850"/>
+              </a:spcBef>
+              <a:buClr>
+                <a:srgbClr val="000000"/>
+              </a:buClr>
+              <a:buSzPct val="45000"/>
+              <a:buFont typeface="Wingdings" charset="2"/>
+              <a:buChar char=""/>
+            </a:pPr>
+            <a:r>
+              <a:rPr b="0" lang="en-US" sz="2400" spc="-1" strike="noStrike">
+                <a:latin typeface="Arial"/>
+              </a:rPr>
+              <a:t>Third Outline Level</a:t>
+            </a:r>
+            <a:endParaRPr b="0" lang="en-US" sz="2400" spc="-1" strike="noStrike">
+              <a:latin typeface="Arial"/>
+            </a:endParaRPr>
+          </a:p>
+          <a:p>
+            <a:pPr lvl="3" marL="1728000" indent="-216000">
+              <a:spcBef>
+                <a:spcPts val="567"/>
+              </a:spcBef>
+              <a:buClr>
+                <a:srgbClr val="000000"/>
+              </a:buClr>
+              <a:buSzPct val="75000"/>
+              <a:buFont typeface="Symbol" charset="2"/>
+              <a:buChar char=""/>
+            </a:pPr>
+            <a:r>
+              <a:rPr b="0" lang="en-US" sz="2000" spc="-1" strike="noStrike">
+                <a:latin typeface="Arial"/>
+              </a:rPr>
+              <a:t>Fourth Outline Level</a:t>
+            </a:r>
+            <a:endParaRPr b="0" lang="en-US" sz="2000" spc="-1" strike="noStrike">
+              <a:latin typeface="Arial"/>
+            </a:endParaRPr>
+          </a:p>
+          <a:p>
+            <a:pPr lvl="4" marL="2160000" indent="-216000">
+              <a:spcBef>
+                <a:spcPts val="283"/>
+              </a:spcBef>
+              <a:buClr>
+                <a:srgbClr val="000000"/>
+              </a:buClr>
+              <a:buSzPct val="45000"/>
+              <a:buFont typeface="Wingdings" charset="2"/>
+              <a:buChar char=""/>
+            </a:pPr>
+            <a:r>
+              <a:rPr b="0" lang="en-US" sz="2000" spc="-1" strike="noStrike">
+                <a:latin typeface="Arial"/>
+              </a:rPr>
+              <a:t>Fifth Outline Level</a:t>
+            </a:r>
+            <a:endParaRPr b="0" lang="en-US" sz="2000" spc="-1" strike="noStrike">
+              <a:latin typeface="Arial"/>
+            </a:endParaRPr>
+          </a:p>
+          <a:p>
+            <a:pPr lvl="5" marL="2592000" indent="-216000">
+              <a:spcBef>
+                <a:spcPts val="283"/>
+              </a:spcBef>
+              <a:buClr>
+                <a:srgbClr val="000000"/>
+              </a:buClr>
+              <a:buSzPct val="45000"/>
+              <a:buFont typeface="Wingdings" charset="2"/>
+              <a:buChar char=""/>
+            </a:pPr>
+            <a:r>
+              <a:rPr b="0" lang="en-US" sz="2000" spc="-1" strike="noStrike">
+                <a:latin typeface="Arial"/>
+              </a:rPr>
+              <a:t>Sixth Outline Level</a:t>
+            </a:r>
+            <a:endParaRPr b="0" lang="en-US" sz="2000" spc="-1" strike="noStrike">
+              <a:latin typeface="Arial"/>
+            </a:endParaRPr>
+          </a:p>
+          <a:p>
+            <a:pPr lvl="6" marL="3024000" indent="-216000">
+              <a:spcBef>
+                <a:spcPts val="283"/>
+              </a:spcBef>
+              <a:buClr>
+                <a:srgbClr val="000000"/>
+              </a:buClr>
+              <a:buSzPct val="45000"/>
+              <a:buFont typeface="Wingdings" charset="2"/>
+              <a:buChar char=""/>
+            </a:pPr>
+            <a:r>
+              <a:rPr b="0" lang="en-US" sz="2000" spc="-1" strike="noStrike">
+                <a:latin typeface="Arial"/>
+              </a:rPr>
+              <a:t>Seventh Outline Level</a:t>
+            </a:r>
+            <a:endParaRPr b="0" lang="en-US" sz="2000" spc="-1" strike="noStrike">
+              <a:latin typeface="Arial"/>
             </a:endParaRPr>
           </a:p>
         </p:txBody>
@@ -7070,20 +6368,20 @@
         </p:nvSpPr>
         <p:spPr>
           <a:xfrm>
-            <a:off x="5086440" y="2781000"/>
-            <a:ext cx="6840360" cy="2304000"/>
-          </a:xfrm>
-          <a:prstGeom prst="rect">
-            <a:avLst/>
-          </a:prstGeom>
-          <a:noFill/>
-          <a:ln w="0">
-            <a:noFill/>
-          </a:ln>
-        </p:spPr>
-        <p:txBody>
-          <a:bodyPr anchor="ctr">
-            <a:normAutofit fontScale="79000"/>
+            <a:off x="5275800" y="173160"/>
+            <a:ext cx="6840000" cy="4856040"/>
+          </a:xfrm>
+          <a:prstGeom prst="rect">
+            <a:avLst/>
+          </a:prstGeom>
+          <a:noFill/>
+          <a:ln w="0">
+            <a:noFill/>
+          </a:ln>
+        </p:spPr>
+        <p:txBody>
+          <a:bodyPr lIns="0" rIns="0" tIns="0" bIns="0" anchor="ctr">
+            <a:normAutofit/>
           </a:bodyPr>
           <a:p>
             <a:pPr>
@@ -7093,22 +6391,19 @@
               <a:buNone/>
             </a:pPr>
             <a:r>
-              <a:rPr b="1" lang="ru-RU" sz="4000" spc="-1" strike="noStrike" cap="all">
+              <a:rPr b="1" lang="en-US" sz="4000" spc="-1" strike="noStrike">
                 <a:solidFill>
                   <a:srgbClr val="000000"/>
                 </a:solidFill>
-                <a:latin typeface="Trebuchet MS"/>
+                <a:latin typeface="Rockwell"/>
               </a:rPr>
-              <a:t>Разработка С++ кроссплатформенных приложений на примере игры «Сапер»</a:t>
+              <a:t>Разработка кроссплатформенных и кроссархитектурных приложений на языке программирования C++ на примере игры «Сапер»</a:t>
             </a:r>
             <a:br>
-              <a:rPr sz="5400"/>
+              <a:rPr sz="4000"/>
             </a:br>
-            <a:endParaRPr b="0" lang="en-US" sz="4000" spc="-1" strike="noStrike">
-              <a:solidFill>
-                <a:srgbClr val="000000"/>
-              </a:solidFill>
-              <a:latin typeface="Rockwell"/>
+            <a:endParaRPr b="1" lang="en-US" sz="4000" spc="-1" strike="noStrike">
+              <a:latin typeface="Arial"/>
             </a:endParaRPr>
           </a:p>
         </p:txBody>
@@ -7126,19 +6421,19 @@
         <p:spPr>
           <a:xfrm>
             <a:off x="4299480" y="5157360"/>
-            <a:ext cx="7888680" cy="1069560"/>
-          </a:xfrm>
-          <a:prstGeom prst="rect">
-            <a:avLst/>
-          </a:prstGeom>
-          <a:noFill/>
-          <a:ln w="0">
-            <a:noFill/>
-          </a:ln>
-        </p:spPr>
-        <p:txBody>
-          <a:bodyPr anchor="t">
-            <a:normAutofit fontScale="77000"/>
+            <a:ext cx="7888320" cy="1069200"/>
+          </a:xfrm>
+          <a:prstGeom prst="rect">
+            <a:avLst/>
+          </a:prstGeom>
+          <a:noFill/>
+          <a:ln w="0">
+            <a:noFill/>
+          </a:ln>
+        </p:spPr>
+        <p:txBody>
+          <a:bodyPr lIns="0" rIns="0" tIns="0" bIns="0" anchor="t">
+            <a:normAutofit fontScale="84000"/>
           </a:bodyPr>
           <a:p>
             <a:pPr algn="r">
@@ -7194,7 +6489,7 @@
                 </a:solidFill>
                 <a:latin typeface="Trebuchet MS"/>
               </a:rPr>
-              <a:t>Автор: Кудряшов Алексей Андреевич ученик 9М класса</a:t>
+              <a:t>Автор: Кудряшов Алексей Андреевич ученик 11М класса</a:t>
             </a:r>
             <a:endParaRPr b="0" lang="en-US" sz="2200" spc="-1" strike="noStrike">
               <a:latin typeface="Arial"/>
@@ -7204,77 +6499,50 @@
       </p:sp>
       <p:sp>
         <p:nvSpPr>
-          <p:cNvPr id="107" name="TextBox 3"/>
-          <p:cNvSpPr/>
+          <p:cNvPr id="107" name="PlaceHolder 4"/>
+          <p:cNvSpPr txBox="1"/>
           <p:nvPr/>
         </p:nvSpPr>
         <p:spPr>
           <a:xfrm>
-            <a:off x="5158440" y="404640"/>
-            <a:ext cx="6552360" cy="2284200"/>
-          </a:xfrm>
-          <a:prstGeom prst="rect">
-            <a:avLst/>
-          </a:prstGeom>
-          <a:noFill/>
-          <a:ln w="0">
-            <a:noFill/>
-          </a:ln>
-        </p:spPr>
-        <p:style>
-          <a:lnRef idx="0"/>
-          <a:fillRef idx="0"/>
-          <a:effectRef idx="0"/>
-          <a:fontRef idx="minor"/>
-        </p:style>
-        <p:txBody>
-          <a:bodyPr lIns="90000" rIns="90000" tIns="45000" bIns="45000" anchor="t">
-            <a:spAutoFit/>
-          </a:bodyPr>
-          <a:p>
-            <a:pPr algn="ctr">
+            <a:off x="1027080" y="5257800"/>
+            <a:ext cx="7888320" cy="1069200"/>
+          </a:xfrm>
+          <a:prstGeom prst="rect">
+            <a:avLst/>
+          </a:prstGeom>
+          <a:noFill/>
+          <a:ln w="0">
+            <a:noFill/>
+          </a:ln>
+        </p:spPr>
+        <p:txBody>
+          <a:bodyPr lIns="0" rIns="0" tIns="0" bIns="0" anchor="t">
+            <a:normAutofit/>
+          </a:bodyPr>
+          <a:p>
+            <a:pPr algn="r">
               <a:lnSpc>
                 <a:spcPct val="100000"/>
               </a:lnSpc>
+              <a:spcBef>
+                <a:spcPts val="1001"/>
+              </a:spcBef>
               <a:buNone/>
-            </a:pPr>
-            <a:r>
-              <a:rPr b="0" lang="ru-RU" sz="2400" spc="-1" strike="noStrike">
+              <a:tabLst>
+                <a:tab algn="l" pos="0"/>
+              </a:tabLst>
+            </a:pPr>
+            <a:r>
+              <a:rPr b="0" lang="en-US" sz="2200" spc="-1" strike="noStrike">
                 <a:solidFill>
                   <a:srgbClr val="000000"/>
                 </a:solidFill>
-                <a:latin typeface="Trebuchet MS"/>
+                <a:latin typeface="Arial"/>
               </a:rPr>
-              <a:t>Государственное бюджетное общеобразовательное учреждение</a:t>
-            </a:r>
-            <a:br>
-              <a:rPr sz="2400"/>
-            </a:br>
-            <a:r>
-              <a:rPr b="0" lang="ru-RU" sz="2400" spc="-1" strike="noStrike">
-                <a:solidFill>
-                  <a:srgbClr val="000000"/>
-                </a:solidFill>
-                <a:latin typeface="Trebuchet MS"/>
-              </a:rPr>
-              <a:t>Лицей №533</a:t>
-            </a:r>
-            <a:br>
-              <a:rPr sz="2400"/>
-            </a:br>
-            <a:r>
-              <a:rPr b="0" lang="ru-RU" sz="2400" spc="-1" strike="noStrike">
-                <a:solidFill>
-                  <a:srgbClr val="000000"/>
-                </a:solidFill>
-                <a:latin typeface="Trebuchet MS"/>
-              </a:rPr>
-              <a:t>«Образовательный центр «Малая Охта»»</a:t>
-            </a:r>
-            <a:br>
-              <a:rPr sz="2400"/>
-            </a:br>
-            <a:endParaRPr b="0" lang="en-US" sz="2400" spc="-1" strike="noStrike">
+              <a:t>ЮМШ</a:t>
+            </a:r>
+            <a:endParaRPr b="0" lang="en-US" sz="2200" spc="-1" strike="noStrike">
               <a:latin typeface="Arial"/>
             </a:endParaRPr>
           </a:p>
@@ -7327,18 +6595,18 @@
         <p:spPr>
           <a:xfrm>
             <a:off x="1117440" y="519840"/>
-            <a:ext cx="10593360" cy="1396800"/>
-          </a:xfrm>
-          <a:prstGeom prst="rect">
-            <a:avLst/>
-          </a:prstGeom>
-          <a:noFill/>
-          <a:ln w="0">
-            <a:noFill/>
-          </a:ln>
-        </p:spPr>
-        <p:txBody>
-          <a:bodyPr anchor="ctr">
+            <a:ext cx="10593000" cy="1396440"/>
+          </a:xfrm>
+          <a:prstGeom prst="rect">
+            <a:avLst/>
+          </a:prstGeom>
+          <a:noFill/>
+          <a:ln w="0">
+            <a:noFill/>
+          </a:ln>
+        </p:spPr>
+        <p:txBody>
+          <a:bodyPr lIns="90000" rIns="90000" tIns="45000" bIns="45000" anchor="ctr">
             <a:normAutofit fontScale="88000"/>
           </a:bodyPr>
           <a:p>
@@ -7355,10 +6623,7 @@
               <a:t>СХЕМА 4.ИТОГОВАЯ АРХИТЕКТУРА ПРОЕКТА</a:t>
             </a:r>
             <a:endParaRPr b="0" lang="en-US" sz="5400" spc="-1" strike="noStrike">
-              <a:solidFill>
-                <a:srgbClr val="000000"/>
-              </a:solidFill>
-              <a:latin typeface="Rockwell"/>
+              <a:latin typeface="Arial"/>
             </a:endParaRPr>
           </a:p>
         </p:txBody>
@@ -7376,7 +6641,7 @@
         <p:spPr>
           <a:xfrm>
             <a:off x="405720" y="1772640"/>
-            <a:ext cx="11304720" cy="4680000"/>
+            <a:ext cx="11304360" cy="4679640"/>
           </a:xfrm>
           <a:prstGeom prst="rect">
             <a:avLst/>
@@ -7433,18 +6698,18 @@
         <p:spPr>
           <a:xfrm>
             <a:off x="1069560" y="484560"/>
-            <a:ext cx="10055520" cy="1608840"/>
-          </a:xfrm>
-          <a:prstGeom prst="rect">
-            <a:avLst/>
-          </a:prstGeom>
-          <a:noFill/>
-          <a:ln w="0">
-            <a:noFill/>
-          </a:ln>
-        </p:spPr>
-        <p:txBody>
-          <a:bodyPr anchor="ctr">
+            <a:ext cx="10055160" cy="1608480"/>
+          </a:xfrm>
+          <a:prstGeom prst="rect">
+            <a:avLst/>
+          </a:prstGeom>
+          <a:noFill/>
+          <a:ln w="0">
+            <a:noFill/>
+          </a:ln>
+        </p:spPr>
+        <p:txBody>
+          <a:bodyPr lIns="90000" rIns="90000" tIns="45000" bIns="45000" anchor="ctr">
             <a:noAutofit/>
           </a:bodyPr>
           <a:p>
@@ -7461,10 +6726,7 @@
               <a:t>ИНТЕРФЕЙС ИГРЫ</a:t>
             </a:r>
             <a:endParaRPr b="0" lang="en-US" sz="5400" spc="-1" strike="noStrike">
-              <a:solidFill>
-                <a:srgbClr val="000000"/>
-              </a:solidFill>
-              <a:latin typeface="Rockwell"/>
+              <a:latin typeface="Arial"/>
             </a:endParaRPr>
           </a:p>
         </p:txBody>
@@ -7482,18 +6744,18 @@
         <p:spPr>
           <a:xfrm>
             <a:off x="1069560" y="2121480"/>
-            <a:ext cx="10055520" cy="4050360"/>
-          </a:xfrm>
-          <a:prstGeom prst="rect">
-            <a:avLst/>
-          </a:prstGeom>
-          <a:noFill/>
-          <a:ln w="0">
-            <a:noFill/>
-          </a:ln>
-        </p:spPr>
-        <p:txBody>
-          <a:bodyPr anchor="t">
+            <a:ext cx="10055160" cy="4050000"/>
+          </a:xfrm>
+          <a:prstGeom prst="rect">
+            <a:avLst/>
+          </a:prstGeom>
+          <a:noFill/>
+          <a:ln w="0">
+            <a:noFill/>
+          </a:ln>
+        </p:spPr>
+        <p:txBody>
+          <a:bodyPr lIns="90000" rIns="90000" tIns="45000" bIns="45000" anchor="t">
             <a:noAutofit/>
           </a:bodyPr>
           <a:p>
@@ -7521,10 +6783,7 @@
               <a:t>Простой и не требовательный к ресурсам интерфейс</a:t>
             </a:r>
             <a:endParaRPr b="0" lang="en-US" sz="3600" spc="-1" strike="noStrike">
-              <a:solidFill>
-                <a:srgbClr val="000000"/>
-              </a:solidFill>
-              <a:latin typeface="Rockwell"/>
+              <a:latin typeface="Arial"/>
             </a:endParaRPr>
           </a:p>
           <a:p>
@@ -7538,10 +6797,7 @@
               <a:buNone/>
             </a:pPr>
             <a:endParaRPr b="0" lang="en-US" sz="2000" spc="-1" strike="noStrike">
-              <a:solidFill>
-                <a:srgbClr val="000000"/>
-              </a:solidFill>
-              <a:latin typeface="Rockwell"/>
+              <a:latin typeface="Arial"/>
             </a:endParaRPr>
           </a:p>
         </p:txBody>
@@ -7559,7 +6815,7 @@
         <p:spPr>
           <a:xfrm>
             <a:off x="2743200" y="3114000"/>
-            <a:ext cx="5760360" cy="3744000"/>
+            <a:ext cx="5760000" cy="3743640"/>
           </a:xfrm>
           <a:prstGeom prst="rect">
             <a:avLst/>
@@ -7616,18 +6872,18 @@
         <p:spPr>
           <a:xfrm>
             <a:off x="1069560" y="484560"/>
-            <a:ext cx="10055520" cy="1608840"/>
-          </a:xfrm>
-          <a:prstGeom prst="rect">
-            <a:avLst/>
-          </a:prstGeom>
-          <a:noFill/>
-          <a:ln w="0">
-            <a:noFill/>
-          </a:ln>
-        </p:spPr>
-        <p:txBody>
-          <a:bodyPr anchor="ctr">
+            <a:ext cx="10055160" cy="1608480"/>
+          </a:xfrm>
+          <a:prstGeom prst="rect">
+            <a:avLst/>
+          </a:prstGeom>
+          <a:noFill/>
+          <a:ln w="0">
+            <a:noFill/>
+          </a:ln>
+        </p:spPr>
+        <p:txBody>
+          <a:bodyPr lIns="90000" rIns="90000" tIns="45000" bIns="45000" anchor="ctr">
             <a:noAutofit/>
           </a:bodyPr>
           <a:p>
@@ -7644,10 +6900,7 @@
               <a:t>ИНТЕРФЕЙС ИГРЫ</a:t>
             </a:r>
             <a:endParaRPr b="0" lang="en-US" sz="5400" spc="-1" strike="noStrike">
-              <a:solidFill>
-                <a:srgbClr val="000000"/>
-              </a:solidFill>
-              <a:latin typeface="Rockwell"/>
+              <a:latin typeface="Arial"/>
             </a:endParaRPr>
           </a:p>
         </p:txBody>
@@ -7665,18 +6918,18 @@
         <p:spPr>
           <a:xfrm>
             <a:off x="1069560" y="2121480"/>
-            <a:ext cx="10055520" cy="4050360"/>
-          </a:xfrm>
-          <a:prstGeom prst="rect">
-            <a:avLst/>
-          </a:prstGeom>
-          <a:noFill/>
-          <a:ln w="0">
-            <a:noFill/>
-          </a:ln>
-        </p:spPr>
-        <p:txBody>
-          <a:bodyPr anchor="t">
+            <a:ext cx="10055160" cy="4050000"/>
+          </a:xfrm>
+          <a:prstGeom prst="rect">
+            <a:avLst/>
+          </a:prstGeom>
+          <a:noFill/>
+          <a:ln w="0">
+            <a:noFill/>
+          </a:ln>
+        </p:spPr>
+        <p:txBody>
+          <a:bodyPr lIns="90000" rIns="90000" tIns="45000" bIns="45000" anchor="t">
             <a:noAutofit/>
           </a:bodyPr>
           <a:p>
@@ -7704,10 +6957,7 @@
               <a:t>Не забыть поздравить победителей</a:t>
             </a:r>
             <a:endParaRPr b="0" lang="en-US" sz="3600" spc="-1" strike="noStrike">
-              <a:solidFill>
-                <a:srgbClr val="000000"/>
-              </a:solidFill>
-              <a:latin typeface="Rockwell"/>
+              <a:latin typeface="Arial"/>
             </a:endParaRPr>
           </a:p>
           <a:p>
@@ -7721,10 +6971,7 @@
               <a:buNone/>
             </a:pPr>
             <a:endParaRPr b="0" lang="en-US" sz="2000" spc="-1" strike="noStrike">
-              <a:solidFill>
-                <a:srgbClr val="000000"/>
-              </a:solidFill>
-              <a:latin typeface="Rockwell"/>
+              <a:latin typeface="Arial"/>
             </a:endParaRPr>
           </a:p>
         </p:txBody>
@@ -7742,7 +6989,7 @@
         <p:spPr>
           <a:xfrm>
             <a:off x="1197720" y="3429000"/>
-            <a:ext cx="6977880" cy="2503440"/>
+            <a:ext cx="6977520" cy="2503080"/>
           </a:xfrm>
           <a:prstGeom prst="rect">
             <a:avLst/>
@@ -7799,18 +7046,18 @@
         <p:spPr>
           <a:xfrm>
             <a:off x="1069560" y="484560"/>
-            <a:ext cx="10055520" cy="1608840"/>
-          </a:xfrm>
-          <a:prstGeom prst="rect">
-            <a:avLst/>
-          </a:prstGeom>
-          <a:noFill/>
-          <a:ln w="0">
-            <a:noFill/>
-          </a:ln>
-        </p:spPr>
-        <p:txBody>
-          <a:bodyPr anchor="ctr">
+            <a:ext cx="10055160" cy="1608480"/>
+          </a:xfrm>
+          <a:prstGeom prst="rect">
+            <a:avLst/>
+          </a:prstGeom>
+          <a:noFill/>
+          <a:ln w="0">
+            <a:noFill/>
+          </a:ln>
+        </p:spPr>
+        <p:txBody>
+          <a:bodyPr lIns="90000" rIns="90000" tIns="45000" bIns="45000" anchor="ctr">
             <a:noAutofit/>
           </a:bodyPr>
           <a:p>
@@ -7827,10 +7074,7 @@
               <a:t>ИНТЕРФЕЙС ИГРЫ</a:t>
             </a:r>
             <a:endParaRPr b="0" lang="en-US" sz="5400" spc="-1" strike="noStrike">
-              <a:solidFill>
-                <a:srgbClr val="000000"/>
-              </a:solidFill>
-              <a:latin typeface="Rockwell"/>
+              <a:latin typeface="Arial"/>
             </a:endParaRPr>
           </a:p>
         </p:txBody>
@@ -7848,18 +7092,18 @@
         <p:spPr>
           <a:xfrm>
             <a:off x="1069560" y="2121480"/>
-            <a:ext cx="10055520" cy="4050360"/>
-          </a:xfrm>
-          <a:prstGeom prst="rect">
-            <a:avLst/>
-          </a:prstGeom>
-          <a:noFill/>
-          <a:ln w="0">
-            <a:noFill/>
-          </a:ln>
-        </p:spPr>
-        <p:txBody>
-          <a:bodyPr anchor="t">
+            <a:ext cx="10055160" cy="4050000"/>
+          </a:xfrm>
+          <a:prstGeom prst="rect">
+            <a:avLst/>
+          </a:prstGeom>
+          <a:noFill/>
+          <a:ln w="0">
+            <a:noFill/>
+          </a:ln>
+        </p:spPr>
+        <p:txBody>
+          <a:bodyPr lIns="90000" rIns="90000" tIns="45000" bIns="45000" anchor="t">
             <a:noAutofit/>
           </a:bodyPr>
           <a:p>
@@ -7887,10 +7131,7 @@
               <a:t>И проявить сочувствие к проигравшим</a:t>
             </a:r>
             <a:endParaRPr b="0" lang="en-US" sz="3600" spc="-1" strike="noStrike">
-              <a:solidFill>
-                <a:srgbClr val="000000"/>
-              </a:solidFill>
-              <a:latin typeface="Rockwell"/>
+              <a:latin typeface="Arial"/>
             </a:endParaRPr>
           </a:p>
           <a:p>
@@ -7904,10 +7145,7 @@
               <a:buNone/>
             </a:pPr>
             <a:endParaRPr b="0" lang="en-US" sz="2000" spc="-1" strike="noStrike">
-              <a:solidFill>
-                <a:srgbClr val="000000"/>
-              </a:solidFill>
-              <a:latin typeface="Rockwell"/>
+              <a:latin typeface="Arial"/>
             </a:endParaRPr>
           </a:p>
         </p:txBody>
@@ -7925,7 +7163,7 @@
         <p:spPr>
           <a:xfrm>
             <a:off x="2494080" y="2853000"/>
-            <a:ext cx="5059080" cy="3673800"/>
+            <a:ext cx="5058720" cy="3673440"/>
           </a:xfrm>
           <a:prstGeom prst="rect">
             <a:avLst/>
@@ -7982,18 +7220,18 @@
         <p:spPr>
           <a:xfrm>
             <a:off x="1069560" y="484560"/>
-            <a:ext cx="10055520" cy="1608840"/>
-          </a:xfrm>
-          <a:prstGeom prst="rect">
-            <a:avLst/>
-          </a:prstGeom>
-          <a:noFill/>
-          <a:ln w="0">
-            <a:noFill/>
-          </a:ln>
-        </p:spPr>
-        <p:txBody>
-          <a:bodyPr anchor="ctr">
+            <a:ext cx="10055160" cy="1608480"/>
+          </a:xfrm>
+          <a:prstGeom prst="rect">
+            <a:avLst/>
+          </a:prstGeom>
+          <a:noFill/>
+          <a:ln w="0">
+            <a:noFill/>
+          </a:ln>
+        </p:spPr>
+        <p:txBody>
+          <a:bodyPr lIns="90000" rIns="90000" tIns="45000" bIns="45000" anchor="ctr">
             <a:noAutofit/>
           </a:bodyPr>
           <a:p>
@@ -8010,10 +7248,7 @@
               <a:t>выводы</a:t>
             </a:r>
             <a:endParaRPr b="0" lang="en-US" sz="5400" spc="-1" strike="noStrike">
-              <a:solidFill>
-                <a:srgbClr val="000000"/>
-              </a:solidFill>
-              <a:latin typeface="Rockwell"/>
+              <a:latin typeface="Arial"/>
             </a:endParaRPr>
           </a:p>
         </p:txBody>
@@ -8031,18 +7266,18 @@
         <p:spPr>
           <a:xfrm>
             <a:off x="1069560" y="2121480"/>
-            <a:ext cx="10055520" cy="4050360"/>
-          </a:xfrm>
-          <a:prstGeom prst="rect">
-            <a:avLst/>
-          </a:prstGeom>
-          <a:noFill/>
-          <a:ln w="0">
-            <a:noFill/>
-          </a:ln>
-        </p:spPr>
-        <p:txBody>
-          <a:bodyPr anchor="t">
+            <a:ext cx="10055160" cy="4050000"/>
+          </a:xfrm>
+          <a:prstGeom prst="rect">
+            <a:avLst/>
+          </a:prstGeom>
+          <a:noFill/>
+          <a:ln w="0">
+            <a:noFill/>
+          </a:ln>
+        </p:spPr>
+        <p:txBody>
+          <a:bodyPr lIns="90000" rIns="90000" tIns="45000" bIns="45000" anchor="t">
             <a:noAutofit/>
           </a:bodyPr>
           <a:p>
@@ -8106,10 +7341,7 @@
               <a:t> Linux</a:t>
             </a:r>
             <a:endParaRPr b="0" lang="en-US" sz="3600" spc="-1" strike="noStrike">
-              <a:solidFill>
-                <a:srgbClr val="000000"/>
-              </a:solidFill>
-              <a:latin typeface="Rockwell"/>
+              <a:latin typeface="Arial"/>
             </a:endParaRPr>
           </a:p>
           <a:p>
@@ -8146,10 +7378,7 @@
               <a:t>TODO: кроссархитектурность</a:t>
             </a:r>
             <a:endParaRPr b="0" lang="en-US" sz="3600" spc="-1" strike="noStrike">
-              <a:solidFill>
-                <a:srgbClr val="000000"/>
-              </a:solidFill>
-              <a:latin typeface="Rockwell"/>
+              <a:latin typeface="Arial"/>
             </a:endParaRPr>
           </a:p>
           <a:p>
@@ -8186,10 +7415,7 @@
               <a:t>Получен навык разработки кроссплатформенного приложения</a:t>
             </a:r>
             <a:endParaRPr b="0" lang="en-US" sz="3600" spc="-1" strike="noStrike">
-              <a:solidFill>
-                <a:srgbClr val="000000"/>
-              </a:solidFill>
-              <a:latin typeface="Rockwell"/>
+              <a:latin typeface="Arial"/>
             </a:endParaRPr>
           </a:p>
           <a:p>
@@ -8226,10 +7452,7 @@
               <a:t>Получен навык декомпозиции задачи</a:t>
             </a:r>
             <a:endParaRPr b="0" lang="en-US" sz="3600" spc="-1" strike="noStrike">
-              <a:solidFill>
-                <a:srgbClr val="000000"/>
-              </a:solidFill>
-              <a:latin typeface="Rockwell"/>
+              <a:latin typeface="Arial"/>
             </a:endParaRPr>
           </a:p>
           <a:p>
@@ -8243,10 +7466,7 @@
               <a:buNone/>
             </a:pPr>
             <a:endParaRPr b="0" lang="en-US" sz="2000" spc="-1" strike="noStrike">
-              <a:solidFill>
-                <a:srgbClr val="000000"/>
-              </a:solidFill>
-              <a:latin typeface="Rockwell"/>
+              <a:latin typeface="Arial"/>
             </a:endParaRPr>
           </a:p>
         </p:txBody>
@@ -8298,18 +7518,18 @@
         <p:spPr>
           <a:xfrm>
             <a:off x="1069560" y="484560"/>
-            <a:ext cx="10055520" cy="1608840"/>
-          </a:xfrm>
-          <a:prstGeom prst="rect">
-            <a:avLst/>
-          </a:prstGeom>
-          <a:noFill/>
-          <a:ln w="0">
-            <a:noFill/>
-          </a:ln>
-        </p:spPr>
-        <p:txBody>
-          <a:bodyPr anchor="ctr">
+            <a:ext cx="10055160" cy="1608480"/>
+          </a:xfrm>
+          <a:prstGeom prst="rect">
+            <a:avLst/>
+          </a:prstGeom>
+          <a:noFill/>
+          <a:ln w="0">
+            <a:noFill/>
+          </a:ln>
+        </p:spPr>
+        <p:txBody>
+          <a:bodyPr lIns="90000" rIns="90000" tIns="45000" bIns="45000" anchor="ctr">
             <a:noAutofit/>
           </a:bodyPr>
           <a:p>
@@ -8326,10 +7546,7 @@
               <a:t>Спасибо за внимание</a:t>
             </a:r>
             <a:endParaRPr b="0" lang="en-US" sz="5400" spc="-1" strike="noStrike">
-              <a:solidFill>
-                <a:srgbClr val="000000"/>
-              </a:solidFill>
-              <a:latin typeface="Rockwell"/>
+              <a:latin typeface="Arial"/>
             </a:endParaRPr>
           </a:p>
         </p:txBody>
@@ -8347,18 +7564,18 @@
         <p:spPr>
           <a:xfrm>
             <a:off x="1069560" y="2121480"/>
-            <a:ext cx="10055520" cy="875160"/>
-          </a:xfrm>
-          <a:prstGeom prst="rect">
-            <a:avLst/>
-          </a:prstGeom>
-          <a:noFill/>
-          <a:ln w="0">
-            <a:noFill/>
-          </a:ln>
-        </p:spPr>
-        <p:txBody>
-          <a:bodyPr anchor="t">
+            <a:ext cx="10055160" cy="874800"/>
+          </a:xfrm>
+          <a:prstGeom prst="rect">
+            <a:avLst/>
+          </a:prstGeom>
+          <a:noFill/>
+          <a:ln w="0">
+            <a:noFill/>
+          </a:ln>
+        </p:spPr>
+        <p:txBody>
+          <a:bodyPr lIns="90000" rIns="90000" tIns="45000" bIns="45000" anchor="t">
             <a:noAutofit/>
           </a:bodyPr>
           <a:p>
@@ -8395,10 +7612,7 @@
               <a:t>Исходный код программы и готовые сборки</a:t>
             </a:r>
             <a:endParaRPr b="0" lang="en-US" sz="3600" spc="-1" strike="noStrike">
-              <a:solidFill>
-                <a:srgbClr val="000000"/>
-              </a:solidFill>
-              <a:latin typeface="Rockwell"/>
+              <a:latin typeface="Arial"/>
             </a:endParaRPr>
           </a:p>
           <a:p>
@@ -8412,10 +7626,7 @@
               <a:buNone/>
             </a:pPr>
             <a:endParaRPr b="0" lang="en-US" sz="2000" spc="-1" strike="noStrike">
-              <a:solidFill>
-                <a:srgbClr val="000000"/>
-              </a:solidFill>
-              <a:latin typeface="Rockwell"/>
+              <a:latin typeface="Arial"/>
             </a:endParaRPr>
           </a:p>
         </p:txBody>
@@ -8433,7 +7644,7 @@
         <p:spPr>
           <a:xfrm>
             <a:off x="7773480" y="3501000"/>
-            <a:ext cx="2857320" cy="2857320"/>
+            <a:ext cx="2856960" cy="2856960"/>
           </a:xfrm>
           <a:prstGeom prst="rect">
             <a:avLst/>
@@ -8452,7 +7663,7 @@
         <p:spPr>
           <a:xfrm>
             <a:off x="1269720" y="3501000"/>
-            <a:ext cx="6092640" cy="1247400"/>
+            <a:ext cx="6092280" cy="1247400"/>
           </a:xfrm>
           <a:prstGeom prst="rect">
             <a:avLst/>
@@ -8486,6 +7697,7 @@
                 </a:solidFill>
                 <a:uFillTx/>
                 <a:latin typeface="Arial"/>
+                <a:ea typeface="DejaVu Sans"/>
               </a:rPr>
               <a:t>https://t.ly/zUHc</a:t>
             </a:r>
@@ -8564,18 +7776,18 @@
         <p:spPr>
           <a:xfrm>
             <a:off x="1069560" y="484560"/>
-            <a:ext cx="10055520" cy="1608840"/>
-          </a:xfrm>
-          <a:prstGeom prst="rect">
-            <a:avLst/>
-          </a:prstGeom>
-          <a:noFill/>
-          <a:ln w="0">
-            <a:noFill/>
-          </a:ln>
-        </p:spPr>
-        <p:txBody>
-          <a:bodyPr anchor="ctr">
+            <a:ext cx="10055160" cy="1608480"/>
+          </a:xfrm>
+          <a:prstGeom prst="rect">
+            <a:avLst/>
+          </a:prstGeom>
+          <a:noFill/>
+          <a:ln w="0">
+            <a:noFill/>
+          </a:ln>
+        </p:spPr>
+        <p:txBody>
+          <a:bodyPr lIns="90000" rIns="90000" tIns="45000" bIns="45000" anchor="ctr">
             <a:noAutofit/>
           </a:bodyPr>
           <a:p>
@@ -8592,10 +7804,7 @@
               <a:t>ЦЕЛИ ПРОЕКТА</a:t>
             </a:r>
             <a:endParaRPr b="0" lang="en-US" sz="5400" spc="-1" strike="noStrike">
-              <a:solidFill>
-                <a:srgbClr val="000000"/>
-              </a:solidFill>
-              <a:latin typeface="Rockwell"/>
+              <a:latin typeface="Arial"/>
             </a:endParaRPr>
           </a:p>
         </p:txBody>
@@ -8613,18 +7822,18 @@
         <p:spPr>
           <a:xfrm>
             <a:off x="1069560" y="2121480"/>
-            <a:ext cx="10055520" cy="4050360"/>
-          </a:xfrm>
-          <a:prstGeom prst="rect">
-            <a:avLst/>
-          </a:prstGeom>
-          <a:noFill/>
-          <a:ln w="0">
-            <a:noFill/>
-          </a:ln>
-        </p:spPr>
-        <p:txBody>
-          <a:bodyPr anchor="t">
+            <a:ext cx="10055160" cy="4050000"/>
+          </a:xfrm>
+          <a:prstGeom prst="rect">
+            <a:avLst/>
+          </a:prstGeom>
+          <a:noFill/>
+          <a:ln w="0">
+            <a:noFill/>
+          </a:ln>
+        </p:spPr>
+        <p:txBody>
+          <a:bodyPr lIns="90000" rIns="90000" tIns="45000" bIns="45000" anchor="t">
             <a:normAutofit/>
           </a:bodyPr>
           <a:p>
@@ -8652,10 +7861,7 @@
               <a:t>Научиться разрабатывать кроссплатформенные и кроссархитектурные приложения  </a:t>
             </a:r>
             <a:endParaRPr b="0" lang="en-US" sz="3600" spc="-1" strike="noStrike">
-              <a:solidFill>
-                <a:srgbClr val="000000"/>
-              </a:solidFill>
-              <a:latin typeface="Rockwell"/>
+              <a:latin typeface="Arial"/>
             </a:endParaRPr>
           </a:p>
           <a:p>
@@ -8683,10 +7889,7 @@
               <a:t>Разработать игру “Сапер” под Linux и Windows</a:t>
             </a:r>
             <a:endParaRPr b="0" lang="en-US" sz="3600" spc="-1" strike="noStrike">
-              <a:solidFill>
-                <a:srgbClr val="000000"/>
-              </a:solidFill>
-              <a:latin typeface="Rockwell"/>
+              <a:latin typeface="Arial"/>
             </a:endParaRPr>
           </a:p>
         </p:txBody>
@@ -8738,18 +7941,18 @@
         <p:spPr>
           <a:xfrm>
             <a:off x="1069560" y="484560"/>
-            <a:ext cx="10055520" cy="1608840"/>
-          </a:xfrm>
-          <a:prstGeom prst="rect">
-            <a:avLst/>
-          </a:prstGeom>
-          <a:noFill/>
-          <a:ln w="0">
-            <a:noFill/>
-          </a:ln>
-        </p:spPr>
-        <p:txBody>
-          <a:bodyPr anchor="ctr">
+            <a:ext cx="10055160" cy="1608480"/>
+          </a:xfrm>
+          <a:prstGeom prst="rect">
+            <a:avLst/>
+          </a:prstGeom>
+          <a:noFill/>
+          <a:ln w="0">
+            <a:noFill/>
+          </a:ln>
+        </p:spPr>
+        <p:txBody>
+          <a:bodyPr lIns="90000" rIns="90000" tIns="45000" bIns="45000" anchor="ctr">
             <a:noAutofit/>
           </a:bodyPr>
           <a:p>
@@ -8766,10 +7969,7 @@
               <a:t>ЗАДАЧИ</a:t>
             </a:r>
             <a:endParaRPr b="0" lang="en-US" sz="5400" spc="-1" strike="noStrike">
-              <a:solidFill>
-                <a:srgbClr val="000000"/>
-              </a:solidFill>
-              <a:latin typeface="Rockwell"/>
+              <a:latin typeface="Arial"/>
             </a:endParaRPr>
           </a:p>
         </p:txBody>
@@ -8787,18 +7987,18 @@
         <p:spPr>
           <a:xfrm>
             <a:off x="1069560" y="2121480"/>
-            <a:ext cx="10353240" cy="4050360"/>
-          </a:xfrm>
-          <a:prstGeom prst="rect">
-            <a:avLst/>
-          </a:prstGeom>
-          <a:noFill/>
-          <a:ln w="0">
-            <a:noFill/>
-          </a:ln>
-        </p:spPr>
-        <p:txBody>
-          <a:bodyPr anchor="t">
+            <a:ext cx="10352880" cy="4050000"/>
+          </a:xfrm>
+          <a:prstGeom prst="rect">
+            <a:avLst/>
+          </a:prstGeom>
+          <a:noFill/>
+          <a:ln w="0">
+            <a:noFill/>
+          </a:ln>
+        </p:spPr>
+        <p:txBody>
+          <a:bodyPr lIns="90000" rIns="90000" tIns="45000" bIns="45000" anchor="t">
             <a:noAutofit/>
           </a:bodyPr>
           <a:p>
@@ -8835,10 +8035,7 @@
               <a:t>i686-w64-mingw32, g++</a:t>
             </a:r>
             <a:endParaRPr b="0" lang="en-US" sz="3600" spc="-1" strike="noStrike">
-              <a:solidFill>
-                <a:srgbClr val="000000"/>
-              </a:solidFill>
-              <a:latin typeface="Rockwell"/>
+              <a:latin typeface="Arial"/>
             </a:endParaRPr>
           </a:p>
           <a:p>
@@ -8866,10 +8063,7 @@
               <a:t>Декомпозировать приложение на отдельные модули</a:t>
             </a:r>
             <a:endParaRPr b="0" lang="en-US" sz="3600" spc="-1" strike="noStrike">
-              <a:solidFill>
-                <a:srgbClr val="000000"/>
-              </a:solidFill>
-              <a:latin typeface="Rockwell"/>
+              <a:latin typeface="Arial"/>
             </a:endParaRPr>
           </a:p>
           <a:p>
@@ -8897,10 +8091,7 @@
               <a:t>Выделить платформо-зависимые модули</a:t>
             </a:r>
             <a:endParaRPr b="0" lang="en-US" sz="3600" spc="-1" strike="noStrike">
-              <a:solidFill>
-                <a:srgbClr val="000000"/>
-              </a:solidFill>
-              <a:latin typeface="Rockwell"/>
+              <a:latin typeface="Arial"/>
             </a:endParaRPr>
           </a:p>
           <a:p>
@@ -8928,10 +8119,7 @@
               <a:t>Создать общий обобщенный интерфейс</a:t>
             </a:r>
             <a:endParaRPr b="0" lang="en-US" sz="3600" spc="-1" strike="noStrike">
-              <a:solidFill>
-                <a:srgbClr val="000000"/>
-              </a:solidFill>
-              <a:latin typeface="Rockwell"/>
+              <a:latin typeface="Arial"/>
             </a:endParaRPr>
           </a:p>
           <a:p>
@@ -8948,10 +8136,7 @@
               </a:tabLst>
             </a:pPr>
             <a:endParaRPr b="0" lang="en-US" sz="2000" spc="-1" strike="noStrike">
-              <a:solidFill>
-                <a:srgbClr val="000000"/>
-              </a:solidFill>
-              <a:latin typeface="Rockwell"/>
+              <a:latin typeface="Arial"/>
             </a:endParaRPr>
           </a:p>
         </p:txBody>
@@ -9003,18 +8188,18 @@
         <p:spPr>
           <a:xfrm>
             <a:off x="1069560" y="484560"/>
-            <a:ext cx="10055520" cy="1608840"/>
-          </a:xfrm>
-          <a:prstGeom prst="rect">
-            <a:avLst/>
-          </a:prstGeom>
-          <a:noFill/>
-          <a:ln w="0">
-            <a:noFill/>
-          </a:ln>
-        </p:spPr>
-        <p:txBody>
-          <a:bodyPr anchor="ctr">
+            <a:ext cx="10055160" cy="1608480"/>
+          </a:xfrm>
+          <a:prstGeom prst="rect">
+            <a:avLst/>
+          </a:prstGeom>
+          <a:noFill/>
+          <a:ln w="0">
+            <a:noFill/>
+          </a:ln>
+        </p:spPr>
+        <p:txBody>
+          <a:bodyPr lIns="90000" rIns="90000" tIns="45000" bIns="45000" anchor="ctr">
             <a:noAutofit/>
           </a:bodyPr>
           <a:p>
@@ -9031,10 +8216,7 @@
               <a:t>АКТУАЛЬНОСТЬ</a:t>
             </a:r>
             <a:endParaRPr b="0" lang="en-US" sz="5400" spc="-1" strike="noStrike">
-              <a:solidFill>
-                <a:srgbClr val="000000"/>
-              </a:solidFill>
-              <a:latin typeface="Rockwell"/>
+              <a:latin typeface="Arial"/>
             </a:endParaRPr>
           </a:p>
         </p:txBody>
@@ -9052,18 +8234,18 @@
         <p:spPr>
           <a:xfrm>
             <a:off x="1069560" y="2121480"/>
-            <a:ext cx="10055520" cy="4050360"/>
-          </a:xfrm>
-          <a:prstGeom prst="rect">
-            <a:avLst/>
-          </a:prstGeom>
-          <a:noFill/>
-          <a:ln w="0">
-            <a:noFill/>
-          </a:ln>
-        </p:spPr>
-        <p:txBody>
-          <a:bodyPr anchor="t">
+            <a:ext cx="10055160" cy="4050000"/>
+          </a:xfrm>
+          <a:prstGeom prst="rect">
+            <a:avLst/>
+          </a:prstGeom>
+          <a:noFill/>
+          <a:ln w="0">
+            <a:noFill/>
+          </a:ln>
+        </p:spPr>
+        <p:txBody>
+          <a:bodyPr lIns="90000" rIns="90000" tIns="45000" bIns="45000" anchor="t">
             <a:normAutofit/>
           </a:bodyPr>
           <a:p>
@@ -9091,10 +8273,7 @@
               <a:t>Приложение работающее на одной платформе несет большие риски</a:t>
             </a:r>
             <a:endParaRPr b="0" lang="en-US" sz="3600" spc="-1" strike="noStrike">
-              <a:solidFill>
-                <a:srgbClr val="000000"/>
-              </a:solidFill>
-              <a:latin typeface="Rockwell"/>
+              <a:latin typeface="Arial"/>
             </a:endParaRPr>
           </a:p>
         </p:txBody>
@@ -9146,18 +8325,18 @@
         <p:spPr>
           <a:xfrm>
             <a:off x="1069560" y="484560"/>
-            <a:ext cx="10055520" cy="1608840"/>
-          </a:xfrm>
-          <a:prstGeom prst="rect">
-            <a:avLst/>
-          </a:prstGeom>
-          <a:noFill/>
-          <a:ln w="0">
-            <a:noFill/>
-          </a:ln>
-        </p:spPr>
-        <p:txBody>
-          <a:bodyPr anchor="ctr">
+            <a:ext cx="10055160" cy="1608480"/>
+          </a:xfrm>
+          <a:prstGeom prst="rect">
+            <a:avLst/>
+          </a:prstGeom>
+          <a:noFill/>
+          <a:ln w="0">
+            <a:noFill/>
+          </a:ln>
+        </p:spPr>
+        <p:txBody>
+          <a:bodyPr lIns="90000" rIns="90000" tIns="45000" bIns="45000" anchor="ctr">
             <a:noAutofit/>
           </a:bodyPr>
           <a:p>
@@ -9174,10 +8353,7 @@
               <a:t>ПРОЦЕСС РАЗРАБОТКИ ПРОГРАММЫ</a:t>
             </a:r>
             <a:endParaRPr b="0" lang="en-US" sz="5400" spc="-1" strike="noStrike">
-              <a:solidFill>
-                <a:srgbClr val="000000"/>
-              </a:solidFill>
-              <a:latin typeface="Rockwell"/>
+              <a:latin typeface="Arial"/>
             </a:endParaRPr>
           </a:p>
         </p:txBody>
@@ -9195,7 +8371,7 @@
         <p:spPr>
           <a:xfrm>
             <a:off x="2828160" y="2120760"/>
-            <a:ext cx="6538320" cy="4051080"/>
+            <a:ext cx="6537960" cy="4050720"/>
           </a:xfrm>
           <a:prstGeom prst="rect">
             <a:avLst/>
@@ -9252,18 +8428,18 @@
         <p:spPr>
           <a:xfrm>
             <a:off x="1069560" y="484560"/>
-            <a:ext cx="10055520" cy="1608840"/>
-          </a:xfrm>
-          <a:prstGeom prst="rect">
-            <a:avLst/>
-          </a:prstGeom>
-          <a:noFill/>
-          <a:ln w="0">
-            <a:noFill/>
-          </a:ln>
-        </p:spPr>
-        <p:txBody>
-          <a:bodyPr anchor="ctr">
+            <a:ext cx="10055160" cy="1608480"/>
+          </a:xfrm>
+          <a:prstGeom prst="rect">
+            <a:avLst/>
+          </a:prstGeom>
+          <a:noFill/>
+          <a:ln w="0">
+            <a:noFill/>
+          </a:ln>
+        </p:spPr>
+        <p:txBody>
+          <a:bodyPr lIns="90000" rIns="90000" tIns="45000" bIns="45000" anchor="ctr">
             <a:normAutofit fontScale="76000"/>
           </a:bodyPr>
           <a:p>
@@ -9280,10 +8456,7 @@
               <a:t>ПРИМЕР МОНОЛИТНОГО ИСХОДНОГО ФАЙЛА ИГРЫ «САПЕР»</a:t>
             </a:r>
             <a:endParaRPr b="0" lang="en-US" sz="5400" spc="-1" strike="noStrike">
-              <a:solidFill>
-                <a:srgbClr val="000000"/>
-              </a:solidFill>
-              <a:latin typeface="Rockwell"/>
+              <a:latin typeface="Arial"/>
             </a:endParaRPr>
           </a:p>
         </p:txBody>
@@ -9301,7 +8474,7 @@
         <p:spPr>
           <a:xfrm>
             <a:off x="4854960" y="2120760"/>
-            <a:ext cx="2485080" cy="4051080"/>
+            <a:ext cx="2484720" cy="4050720"/>
           </a:xfrm>
           <a:prstGeom prst="rect">
             <a:avLst/>
@@ -9358,18 +8531,18 @@
         <p:spPr>
           <a:xfrm>
             <a:off x="1069560" y="484560"/>
-            <a:ext cx="10055520" cy="1608840"/>
-          </a:xfrm>
-          <a:prstGeom prst="rect">
-            <a:avLst/>
-          </a:prstGeom>
-          <a:noFill/>
-          <a:ln w="0">
-            <a:noFill/>
-          </a:ln>
-        </p:spPr>
-        <p:txBody>
-          <a:bodyPr anchor="ctr">
+            <a:ext cx="10055160" cy="1608480"/>
+          </a:xfrm>
+          <a:prstGeom prst="rect">
+            <a:avLst/>
+          </a:prstGeom>
+          <a:noFill/>
+          <a:ln w="0">
+            <a:noFill/>
+          </a:ln>
+        </p:spPr>
+        <p:txBody>
+          <a:bodyPr lIns="90000" rIns="90000" tIns="45000" bIns="45000" anchor="ctr">
             <a:noAutofit/>
           </a:bodyPr>
           <a:p>
@@ -9386,10 +8559,7 @@
               <a:t>СТРУКТУРА МОНОЛИТНОГО ФАЙЛА</a:t>
             </a:r>
             <a:endParaRPr b="0" lang="en-US" sz="5400" spc="-1" strike="noStrike">
-              <a:solidFill>
-                <a:srgbClr val="000000"/>
-              </a:solidFill>
-              <a:latin typeface="Rockwell"/>
+              <a:latin typeface="Arial"/>
             </a:endParaRPr>
           </a:p>
         </p:txBody>
@@ -9407,18 +8577,18 @@
         <p:spPr>
           <a:xfrm>
             <a:off x="1069560" y="2121480"/>
-            <a:ext cx="10055520" cy="4050360"/>
-          </a:xfrm>
-          <a:prstGeom prst="rect">
-            <a:avLst/>
-          </a:prstGeom>
-          <a:noFill/>
-          <a:ln w="0">
-            <a:noFill/>
-          </a:ln>
-        </p:spPr>
-        <p:txBody>
-          <a:bodyPr anchor="t">
+            <a:ext cx="10055160" cy="4050000"/>
+          </a:xfrm>
+          <a:prstGeom prst="rect">
+            <a:avLst/>
+          </a:prstGeom>
+          <a:noFill/>
+          <a:ln w="0">
+            <a:noFill/>
+          </a:ln>
+        </p:spPr>
+        <p:txBody>
+          <a:bodyPr lIns="90000" rIns="90000" tIns="45000" bIns="45000" anchor="t">
             <a:normAutofit fontScale="94000"/>
           </a:bodyPr>
           <a:p>
@@ -9446,10 +8616,7 @@
               <a:t>Точка входа в программу</a:t>
             </a:r>
             <a:endParaRPr b="0" lang="en-US" sz="3600" spc="-1" strike="noStrike">
-              <a:solidFill>
-                <a:srgbClr val="000000"/>
-              </a:solidFill>
-              <a:latin typeface="Rockwell"/>
+              <a:latin typeface="Arial"/>
             </a:endParaRPr>
           </a:p>
           <a:p>
@@ -9477,10 +8644,7 @@
               <a:t>Логика и реализация игры</a:t>
             </a:r>
             <a:endParaRPr b="0" lang="en-US" sz="3600" spc="-1" strike="noStrike">
-              <a:solidFill>
-                <a:srgbClr val="000000"/>
-              </a:solidFill>
-              <a:latin typeface="Rockwell"/>
+              <a:latin typeface="Arial"/>
             </a:endParaRPr>
           </a:p>
           <a:p>
@@ -9508,10 +8672,7 @@
               <a:t>Логика и реализация управление игрой</a:t>
             </a:r>
             <a:endParaRPr b="0" lang="en-US" sz="3600" spc="-1" strike="noStrike">
-              <a:solidFill>
-                <a:srgbClr val="000000"/>
-              </a:solidFill>
-              <a:latin typeface="Rockwell"/>
+              <a:latin typeface="Arial"/>
             </a:endParaRPr>
           </a:p>
           <a:p>
@@ -9539,10 +8700,7 @@
               <a:t>Логика и реализация работы с клавиатурой</a:t>
             </a:r>
             <a:endParaRPr b="0" lang="en-US" sz="3600" spc="-1" strike="noStrike">
-              <a:solidFill>
-                <a:srgbClr val="000000"/>
-              </a:solidFill>
-              <a:latin typeface="Rockwell"/>
+              <a:latin typeface="Arial"/>
             </a:endParaRPr>
           </a:p>
           <a:p>
@@ -9570,10 +8728,7 @@
               <a:t>Логика и реализация вывода на экран</a:t>
             </a:r>
             <a:endParaRPr b="0" lang="en-US" sz="3600" spc="-1" strike="noStrike">
-              <a:solidFill>
-                <a:srgbClr val="000000"/>
-              </a:solidFill>
-              <a:latin typeface="Rockwell"/>
+              <a:latin typeface="Arial"/>
             </a:endParaRPr>
           </a:p>
           <a:p>
@@ -9601,10 +8756,7 @@
               <a:t>Логика и реализация работы с консолью</a:t>
             </a:r>
             <a:endParaRPr b="0" lang="en-US" sz="3600" spc="-1" strike="noStrike">
-              <a:solidFill>
-                <a:srgbClr val="000000"/>
-              </a:solidFill>
-              <a:latin typeface="Rockwell"/>
+              <a:latin typeface="Arial"/>
             </a:endParaRPr>
           </a:p>
           <a:p>
@@ -9618,10 +8770,7 @@
               <a:buNone/>
             </a:pPr>
             <a:endParaRPr b="0" lang="en-US" sz="3600" spc="-1" strike="noStrike">
-              <a:solidFill>
-                <a:srgbClr val="000000"/>
-              </a:solidFill>
-              <a:latin typeface="Rockwell"/>
+              <a:latin typeface="Arial"/>
             </a:endParaRPr>
           </a:p>
         </p:txBody>
@@ -9673,18 +8822,18 @@
         <p:spPr>
           <a:xfrm>
             <a:off x="1069560" y="484560"/>
-            <a:ext cx="10055520" cy="1608840"/>
-          </a:xfrm>
-          <a:prstGeom prst="rect">
-            <a:avLst/>
-          </a:prstGeom>
-          <a:noFill/>
-          <a:ln w="0">
-            <a:noFill/>
-          </a:ln>
-        </p:spPr>
-        <p:txBody>
-          <a:bodyPr anchor="ctr">
+            <a:ext cx="10055160" cy="1608480"/>
+          </a:xfrm>
+          <a:prstGeom prst="rect">
+            <a:avLst/>
+          </a:prstGeom>
+          <a:noFill/>
+          <a:ln w="0">
+            <a:noFill/>
+          </a:ln>
+        </p:spPr>
+        <p:txBody>
+          <a:bodyPr lIns="90000" rIns="90000" tIns="45000" bIns="45000" anchor="ctr">
             <a:noAutofit/>
           </a:bodyPr>
           <a:p>
@@ -9701,10 +8850,7 @@
               <a:t>СХЕМА 2. ЛОГИЧЕСКИЕ МОДУЛИ ПРОГРАММЫ</a:t>
             </a:r>
             <a:endParaRPr b="0" lang="en-US" sz="5400" spc="-1" strike="noStrike">
-              <a:solidFill>
-                <a:srgbClr val="000000"/>
-              </a:solidFill>
-              <a:latin typeface="Rockwell"/>
+              <a:latin typeface="Arial"/>
             </a:endParaRPr>
           </a:p>
         </p:txBody>
@@ -9722,7 +8868,7 @@
         <p:spPr>
           <a:xfrm>
             <a:off x="768960" y="2300040"/>
-            <a:ext cx="10356120" cy="4557600"/>
+            <a:ext cx="10355760" cy="4557240"/>
           </a:xfrm>
           <a:prstGeom prst="rect">
             <a:avLst/>
@@ -9779,18 +8925,18 @@
         <p:spPr>
           <a:xfrm>
             <a:off x="1069560" y="484560"/>
-            <a:ext cx="10055520" cy="1608840"/>
-          </a:xfrm>
-          <a:prstGeom prst="rect">
-            <a:avLst/>
-          </a:prstGeom>
-          <a:noFill/>
-          <a:ln w="0">
-            <a:noFill/>
-          </a:ln>
-        </p:spPr>
-        <p:txBody>
-          <a:bodyPr anchor="ctr">
+            <a:ext cx="10055160" cy="1608480"/>
+          </a:xfrm>
+          <a:prstGeom prst="rect">
+            <a:avLst/>
+          </a:prstGeom>
+          <a:noFill/>
+          <a:ln w="0">
+            <a:noFill/>
+          </a:ln>
+        </p:spPr>
+        <p:txBody>
+          <a:bodyPr lIns="90000" rIns="90000" tIns="45000" bIns="45000" anchor="ctr">
             <a:noAutofit/>
           </a:bodyPr>
           <a:p>
@@ -9807,10 +8953,7 @@
               <a:t>СХЕМА 3. РЕАЛИЗАЦИЯ ЛОГИЧЕСКИХ МОДУЛЕЙ</a:t>
             </a:r>
             <a:endParaRPr b="0" lang="en-US" sz="5400" spc="-1" strike="noStrike">
-              <a:solidFill>
-                <a:srgbClr val="000000"/>
-              </a:solidFill>
-              <a:latin typeface="Rockwell"/>
+              <a:latin typeface="Arial"/>
             </a:endParaRPr>
           </a:p>
         </p:txBody>
@@ -9828,18 +8971,18 @@
         <p:spPr>
           <a:xfrm>
             <a:off x="1069560" y="2121480"/>
-            <a:ext cx="10055520" cy="4050360"/>
-          </a:xfrm>
-          <a:prstGeom prst="rect">
-            <a:avLst/>
-          </a:prstGeom>
-          <a:noFill/>
-          <a:ln w="0">
-            <a:noFill/>
-          </a:ln>
-        </p:spPr>
-        <p:txBody>
-          <a:bodyPr anchor="t">
+            <a:ext cx="10055160" cy="4050000"/>
+          </a:xfrm>
+          <a:prstGeom prst="rect">
+            <a:avLst/>
+          </a:prstGeom>
+          <a:noFill/>
+          <a:ln w="0">
+            <a:noFill/>
+          </a:ln>
+        </p:spPr>
+        <p:txBody>
+          <a:bodyPr lIns="90000" rIns="90000" tIns="45000" bIns="45000" anchor="t">
             <a:normAutofit/>
           </a:bodyPr>
           <a:p>
@@ -9865,10 +9008,7 @@
               <a:t> </a:t>
             </a:r>
             <a:endParaRPr b="0" lang="en-US" sz="3600" spc="-1" strike="noStrike">
-              <a:solidFill>
-                <a:srgbClr val="000000"/>
-              </a:solidFill>
-              <a:latin typeface="Rockwell"/>
+              <a:latin typeface="Arial"/>
             </a:endParaRPr>
           </a:p>
           <a:p>
@@ -9885,10 +9025,7 @@
               </a:tabLst>
             </a:pPr>
             <a:endParaRPr b="0" lang="en-US" sz="3600" spc="-1" strike="noStrike">
-              <a:solidFill>
-                <a:srgbClr val="000000"/>
-              </a:solidFill>
-              <a:latin typeface="Rockwell"/>
+              <a:latin typeface="Arial"/>
             </a:endParaRPr>
           </a:p>
         </p:txBody>
@@ -9906,7 +9043,7 @@
         <p:spPr>
           <a:xfrm>
             <a:off x="405720" y="2329560"/>
-            <a:ext cx="11120040" cy="3979440"/>
+            <a:ext cx="11119680" cy="3979080"/>
           </a:xfrm>
           <a:prstGeom prst="rect">
             <a:avLst/>

--- a/projectSapper.pptx
+++ b/projectSapper.pptx
@@ -4,28 +4,28 @@
   <p:sldMasterIdLst>
     <p:sldMasterId id="2147483648" r:id="rId2"/>
     <p:sldMasterId id="2147483661" r:id="rId3"/>
+    <p:sldMasterId id="2147483674" r:id="rId4"/>
   </p:sldMasterIdLst>
   <p:notesMasterIdLst>
-    <p:notesMasterId r:id="rId4"/>
+    <p:notesMasterId r:id="rId5"/>
   </p:notesMasterIdLst>
   <p:sldIdLst>
-    <p:sldId id="256" r:id="rId5"/>
-    <p:sldId id="257" r:id="rId6"/>
-    <p:sldId id="258" r:id="rId7"/>
-    <p:sldId id="259" r:id="rId8"/>
-    <p:sldId id="260" r:id="rId9"/>
-    <p:sldId id="261" r:id="rId10"/>
-    <p:sldId id="262" r:id="rId11"/>
-    <p:sldId id="263" r:id="rId12"/>
-    <p:sldId id="264" r:id="rId13"/>
-    <p:sldId id="265" r:id="rId14"/>
-    <p:sldId id="266" r:id="rId15"/>
-    <p:sldId id="267" r:id="rId16"/>
-    <p:sldId id="268" r:id="rId17"/>
-    <p:sldId id="269" r:id="rId18"/>
-    <p:sldId id="270" r:id="rId19"/>
+    <p:sldId id="256" r:id="rId6"/>
+    <p:sldId id="257" r:id="rId7"/>
+    <p:sldId id="258" r:id="rId8"/>
+    <p:sldId id="259" r:id="rId9"/>
+    <p:sldId id="260" r:id="rId10"/>
+    <p:sldId id="261" r:id="rId11"/>
+    <p:sldId id="262" r:id="rId12"/>
+    <p:sldId id="263" r:id="rId13"/>
+    <p:sldId id="264" r:id="rId14"/>
+    <p:sldId id="265" r:id="rId15"/>
+    <p:sldId id="266" r:id="rId16"/>
+    <p:sldId id="267" r:id="rId17"/>
+    <p:sldId id="268" r:id="rId18"/>
+    <p:sldId id="269" r:id="rId19"/>
   </p:sldIdLst>
-  <p:sldSz cx="12188825" cy="6858000"/>
+  <p:sldSz cx="12801600" cy="7772400"/>
   <p:notesSz cx="6858000" cy="9144000"/>
 </p:presentation>
 </file>
@@ -49,7 +49,7 @@
       </p:grpSpPr>
       <p:sp>
         <p:nvSpPr>
-          <p:cNvPr id="99" name="PlaceHolder 1"/>
+          <p:cNvPr id="144" name="PlaceHolder 1"/>
           <p:cNvSpPr>
             <a:spLocks noGrp="1"/>
           </p:cNvSpPr>
@@ -92,7 +92,7 @@
       </p:sp>
       <p:sp>
         <p:nvSpPr>
-          <p:cNvPr id="100" name="PlaceHolder 2"/>
+          <p:cNvPr id="145" name="PlaceHolder 2"/>
           <p:cNvSpPr>
             <a:spLocks noGrp="1"/>
           </p:cNvSpPr>
@@ -132,7 +132,7 @@
       </p:sp>
       <p:sp>
         <p:nvSpPr>
-          <p:cNvPr id="101" name="PlaceHolder 3"/>
+          <p:cNvPr id="146" name="PlaceHolder 3"/>
           <p:cNvSpPr>
             <a:spLocks noGrp="1"/>
           </p:cNvSpPr>
@@ -172,12 +172,12 @@
       </p:sp>
       <p:sp>
         <p:nvSpPr>
-          <p:cNvPr id="102" name="PlaceHolder 4"/>
-          <p:cNvSpPr>
-            <a:spLocks noGrp="1"/>
-          </p:cNvSpPr>
-          <p:nvPr>
-            <p:ph type="dt" idx="7"/>
+          <p:cNvPr id="147" name="PlaceHolder 4"/>
+          <p:cNvSpPr>
+            <a:spLocks noGrp="1"/>
+          </p:cNvSpPr>
+          <p:nvPr>
+            <p:ph type="dt" idx="10"/>
           </p:nvPr>
         </p:nvSpPr>
         <p:spPr>
@@ -223,12 +223,12 @@
       </p:sp>
       <p:sp>
         <p:nvSpPr>
-          <p:cNvPr id="103" name="PlaceHolder 5"/>
-          <p:cNvSpPr>
-            <a:spLocks noGrp="1"/>
-          </p:cNvSpPr>
-          <p:nvPr>
-            <p:ph type="ftr" idx="8"/>
+          <p:cNvPr id="148" name="PlaceHolder 5"/>
+          <p:cNvSpPr>
+            <a:spLocks noGrp="1"/>
+          </p:cNvSpPr>
+          <p:nvPr>
+            <p:ph type="ftr" idx="11"/>
           </p:nvPr>
         </p:nvSpPr>
         <p:spPr>
@@ -270,12 +270,12 @@
       </p:sp>
       <p:sp>
         <p:nvSpPr>
-          <p:cNvPr id="104" name="PlaceHolder 6"/>
-          <p:cNvSpPr>
-            <a:spLocks noGrp="1"/>
-          </p:cNvSpPr>
-          <p:nvPr>
-            <p:ph type="sldNum" idx="9"/>
+          <p:cNvPr id="149" name="PlaceHolder 6"/>
+          <p:cNvSpPr>
+            <a:spLocks noGrp="1"/>
+          </p:cNvSpPr>
+          <p:nvPr>
+            <p:ph type="sldNum" idx="12"/>
           </p:nvPr>
         </p:nvSpPr>
         <p:spPr>
@@ -307,7 +307,7 @@
             <a:pPr algn="r">
               <a:buNone/>
             </a:pPr>
-            <a:fld id="{4572DD99-D0B2-435A-A9D4-DE5E0E03497C}" type="slidenum">
+            <a:fld id="{411E591A-C12E-4663-A3C9-E49850819827}" type="slidenum">
               <a:rPr b="0" lang="en-US" sz="1400" spc="-1" strike="noStrike">
                 <a:latin typeface="Times New Roman"/>
               </a:rPr>
@@ -344,7 +344,7 @@
       </p:grpSpPr>
       <p:sp>
         <p:nvSpPr>
-          <p:cNvPr id="142" name="PlaceHolder 1"/>
+          <p:cNvPr id="189" name="PlaceHolder 1"/>
           <p:cNvSpPr>
             <a:spLocks noGrp="1"/>
           </p:cNvSpPr>
@@ -355,19 +355,19 @@
         <p:spPr>
           <a:xfrm>
             <a:off x="380880" y="685800"/>
-            <a:ext cx="6095160" cy="3428280"/>
-          </a:xfrm>
-          <a:prstGeom prst="rect">
-            <a:avLst/>
-          </a:prstGeom>
-          <a:ln w="0">
-            <a:noFill/>
-          </a:ln>
-        </p:spPr>
-      </p:sp>
-      <p:sp>
-        <p:nvSpPr>
-          <p:cNvPr id="143" name="PlaceHolder 2"/>
+            <a:ext cx="6093720" cy="3426840"/>
+          </a:xfrm>
+          <a:prstGeom prst="rect">
+            <a:avLst/>
+          </a:prstGeom>
+          <a:ln w="0">
+            <a:noFill/>
+          </a:ln>
+        </p:spPr>
+      </p:sp>
+      <p:sp>
+        <p:nvSpPr>
+          <p:cNvPr id="190" name="PlaceHolder 2"/>
           <p:cNvSpPr>
             <a:spLocks noGrp="1"/>
           </p:cNvSpPr>
@@ -378,7 +378,7 @@
         <p:spPr>
           <a:xfrm>
             <a:off x="685800" y="4343400"/>
-            <a:ext cx="5485680" cy="4114080"/>
+            <a:ext cx="5484240" cy="4112640"/>
           </a:xfrm>
           <a:prstGeom prst="rect">
             <a:avLst/>
@@ -401,18 +401,18 @@
       </p:sp>
       <p:sp>
         <p:nvSpPr>
-          <p:cNvPr id="144" name="PlaceHolder 3"/>
-          <p:cNvSpPr>
-            <a:spLocks noGrp="1"/>
-          </p:cNvSpPr>
-          <p:nvPr>
-            <p:ph type="sldNum" idx="10"/>
+          <p:cNvPr id="191" name="PlaceHolder 3"/>
+          <p:cNvSpPr>
+            <a:spLocks noGrp="1"/>
+          </p:cNvSpPr>
+          <p:nvPr>
+            <p:ph type="sldNum" idx="13"/>
           </p:nvPr>
         </p:nvSpPr>
         <p:spPr>
           <a:xfrm>
             <a:off x="3884760" y="8685360"/>
-            <a:ext cx="2971080" cy="456480"/>
+            <a:ext cx="2969640" cy="455040"/>
           </a:xfrm>
           <a:prstGeom prst="rect">
             <a:avLst/>
@@ -432,6 +432,9 @@
                 <a:spcPct val="100000"/>
               </a:lnSpc>
               <a:buNone/>
+              <a:tabLst>
+                <a:tab algn="l" pos="0"/>
+              </a:tabLst>
               <a:defRPr b="0" lang="en-US" sz="1200" spc="-1" strike="noStrike">
                 <a:solidFill>
                   <a:srgbClr val="000000"/>
@@ -447,8 +450,11 @@
                 <a:spcPct val="100000"/>
               </a:lnSpc>
               <a:buNone/>
-            </a:pPr>
-            <a:fld id="{11AD0C31-337E-4539-B70F-C83206C7ED5F}" type="slidenum">
+              <a:tabLst>
+                <a:tab algn="l" pos="0"/>
+              </a:tabLst>
+            </a:pPr>
+            <a:fld id="{AFBED699-723F-47A3-8553-DAE94EC0E82C}" type="slidenum">
               <a:rPr b="0" lang="en-US" sz="1200" spc="-1" strike="noStrike">
                 <a:solidFill>
                   <a:srgbClr val="000000"/>
@@ -520,7 +526,7 @@
         <p:txBody>
           <a:bodyPr/>
           <a:p>
-            <a:fld id="{46B63886-6366-4099-AC07-4AB09DEE21D7}" type="slidenum">
+            <a:fld id="{EC3C7707-6918-443B-B4BD-83719722F378}" type="slidenum">
               <a:t>&lt;#&gt;</a:t>
             </a:fld>
           </a:p>
@@ -581,8 +587,8 @@
         </p:nvSpPr>
         <p:spPr>
           <a:xfrm>
-            <a:off x="609120" y="273600"/>
-            <a:ext cx="10969560" cy="1144800"/>
+            <a:off x="640080" y="309960"/>
+            <a:ext cx="11521080" cy="1297440"/>
           </a:xfrm>
           <a:prstGeom prst="rect">
             <a:avLst/>
@@ -618,8 +624,8 @@
         </p:nvSpPr>
         <p:spPr>
           <a:xfrm>
-            <a:off x="609120" y="1604520"/>
-            <a:ext cx="10969560" cy="1896840"/>
+            <a:off x="640080" y="1818720"/>
+            <a:ext cx="11521080" cy="2149920"/>
           </a:xfrm>
           <a:prstGeom prst="rect">
             <a:avLst/>
@@ -652,8 +658,8 @@
         </p:nvSpPr>
         <p:spPr>
           <a:xfrm>
-            <a:off x="609120" y="3682080"/>
-            <a:ext cx="10969560" cy="1896840"/>
+            <a:off x="640080" y="4173120"/>
+            <a:ext cx="11521080" cy="2149920"/>
           </a:xfrm>
           <a:prstGeom prst="rect">
             <a:avLst/>
@@ -708,7 +714,7 @@
         <p:txBody>
           <a:bodyPr/>
           <a:p>
-            <a:fld id="{43B8E6ED-A8C6-4DB9-84A8-8C6A781698D5}" type="slidenum">
+            <a:fld id="{A61790DA-6BDF-45EF-9EB1-ED4441EF7D27}" type="slidenum">
               <a:t>&lt;#&gt;</a:t>
             </a:fld>
           </a:p>
@@ -769,8 +775,8 @@
         </p:nvSpPr>
         <p:spPr>
           <a:xfrm>
-            <a:off x="609120" y="273600"/>
-            <a:ext cx="10969560" cy="1144800"/>
+            <a:off x="640080" y="309960"/>
+            <a:ext cx="11521080" cy="1297440"/>
           </a:xfrm>
           <a:prstGeom prst="rect">
             <a:avLst/>
@@ -806,8 +812,8 @@
         </p:nvSpPr>
         <p:spPr>
           <a:xfrm>
-            <a:off x="609120" y="1604520"/>
-            <a:ext cx="5352840" cy="1896840"/>
+            <a:off x="640080" y="1818720"/>
+            <a:ext cx="5622120" cy="2149920"/>
           </a:xfrm>
           <a:prstGeom prst="rect">
             <a:avLst/>
@@ -840,8 +846,8 @@
         </p:nvSpPr>
         <p:spPr>
           <a:xfrm>
-            <a:off x="6230160" y="1604520"/>
-            <a:ext cx="5352840" cy="1896840"/>
+            <a:off x="6543720" y="1818720"/>
+            <a:ext cx="5622120" cy="2149920"/>
           </a:xfrm>
           <a:prstGeom prst="rect">
             <a:avLst/>
@@ -874,8 +880,8 @@
         </p:nvSpPr>
         <p:spPr>
           <a:xfrm>
-            <a:off x="609120" y="3682080"/>
-            <a:ext cx="5352840" cy="1896840"/>
+            <a:off x="640080" y="4173120"/>
+            <a:ext cx="5622120" cy="2149920"/>
           </a:xfrm>
           <a:prstGeom prst="rect">
             <a:avLst/>
@@ -908,8 +914,8 @@
         </p:nvSpPr>
         <p:spPr>
           <a:xfrm>
-            <a:off x="6230160" y="3682080"/>
-            <a:ext cx="5352840" cy="1896840"/>
+            <a:off x="6543720" y="4173120"/>
+            <a:ext cx="5622120" cy="2149920"/>
           </a:xfrm>
           <a:prstGeom prst="rect">
             <a:avLst/>
@@ -964,7 +970,7 @@
         <p:txBody>
           <a:bodyPr/>
           <a:p>
-            <a:fld id="{297FF732-5090-4931-844D-CF6F20C63991}" type="slidenum">
+            <a:fld id="{2DDC4E79-C065-4618-A66A-FBFB5BDD0B5A}" type="slidenum">
               <a:t>&lt;#&gt;</a:t>
             </a:fld>
           </a:p>
@@ -1025,8 +1031,8 @@
         </p:nvSpPr>
         <p:spPr>
           <a:xfrm>
-            <a:off x="609120" y="273600"/>
-            <a:ext cx="10969560" cy="1144800"/>
+            <a:off x="640080" y="309960"/>
+            <a:ext cx="11521080" cy="1297440"/>
           </a:xfrm>
           <a:prstGeom prst="rect">
             <a:avLst/>
@@ -1062,8 +1068,8 @@
         </p:nvSpPr>
         <p:spPr>
           <a:xfrm>
-            <a:off x="609120" y="1604520"/>
-            <a:ext cx="3531960" cy="1896840"/>
+            <a:off x="640080" y="1818720"/>
+            <a:ext cx="3709440" cy="2149920"/>
           </a:xfrm>
           <a:prstGeom prst="rect">
             <a:avLst/>
@@ -1096,8 +1102,8 @@
         </p:nvSpPr>
         <p:spPr>
           <a:xfrm>
-            <a:off x="4318200" y="1604520"/>
-            <a:ext cx="3531960" cy="1896840"/>
+            <a:off x="4535280" y="1818720"/>
+            <a:ext cx="3709440" cy="2149920"/>
           </a:xfrm>
           <a:prstGeom prst="rect">
             <a:avLst/>
@@ -1130,8 +1136,8 @@
         </p:nvSpPr>
         <p:spPr>
           <a:xfrm>
-            <a:off x="8026920" y="1604520"/>
-            <a:ext cx="3531960" cy="1896840"/>
+            <a:off x="8430840" y="1818720"/>
+            <a:ext cx="3709440" cy="2149920"/>
           </a:xfrm>
           <a:prstGeom prst="rect">
             <a:avLst/>
@@ -1164,8 +1170,8 @@
         </p:nvSpPr>
         <p:spPr>
           <a:xfrm>
-            <a:off x="609120" y="3682080"/>
-            <a:ext cx="3531960" cy="1896840"/>
+            <a:off x="640080" y="4173120"/>
+            <a:ext cx="3709440" cy="2149920"/>
           </a:xfrm>
           <a:prstGeom prst="rect">
             <a:avLst/>
@@ -1198,8 +1204,8 @@
         </p:nvSpPr>
         <p:spPr>
           <a:xfrm>
-            <a:off x="4318200" y="3682080"/>
-            <a:ext cx="3531960" cy="1896840"/>
+            <a:off x="4535280" y="4173120"/>
+            <a:ext cx="3709440" cy="2149920"/>
           </a:xfrm>
           <a:prstGeom prst="rect">
             <a:avLst/>
@@ -1232,8 +1238,8 @@
         </p:nvSpPr>
         <p:spPr>
           <a:xfrm>
-            <a:off x="8026920" y="3682080"/>
-            <a:ext cx="3531960" cy="1896840"/>
+            <a:off x="8430840" y="4173120"/>
+            <a:ext cx="3709440" cy="2149920"/>
           </a:xfrm>
           <a:prstGeom prst="rect">
             <a:avLst/>
@@ -1288,7 +1294,7 @@
         <p:txBody>
           <a:bodyPr/>
           <a:p>
-            <a:fld id="{7ED9FCBB-25C7-43BC-9296-66960C8B9282}" type="slidenum">
+            <a:fld id="{8050DC49-9C59-4BC3-A4D8-3753F7166DEC}" type="slidenum">
               <a:t>&lt;#&gt;</a:t>
             </a:fld>
           </a:p>
@@ -1371,7 +1377,7 @@
         <p:txBody>
           <a:bodyPr/>
           <a:p>
-            <a:fld id="{2BB5600B-76A4-49F3-90EF-C035F6BDCF89}" type="slidenum">
+            <a:fld id="{15ECE7F9-CF23-42F5-ACA3-213C540821F1}" type="slidenum">
               <a:t>&lt;#&gt;</a:t>
             </a:fld>
           </a:p>
@@ -1432,8 +1438,8 @@
         </p:nvSpPr>
         <p:spPr>
           <a:xfrm>
-            <a:off x="609120" y="273600"/>
-            <a:ext cx="10969560" cy="1144800"/>
+            <a:off x="640080" y="309960"/>
+            <a:ext cx="11521080" cy="1297440"/>
           </a:xfrm>
           <a:prstGeom prst="rect">
             <a:avLst/>
@@ -1469,8 +1475,8 @@
         </p:nvSpPr>
         <p:spPr>
           <a:xfrm>
-            <a:off x="609120" y="1604520"/>
-            <a:ext cx="10969560" cy="3977280"/>
+            <a:off x="640080" y="1818720"/>
+            <a:ext cx="11521080" cy="4507560"/>
           </a:xfrm>
           <a:prstGeom prst="rect">
             <a:avLst/>
@@ -1528,7 +1534,7 @@
         <p:txBody>
           <a:bodyPr/>
           <a:p>
-            <a:fld id="{530BC851-1B0F-4E6D-8568-1F8B6289D8EE}" type="slidenum">
+            <a:fld id="{A1480A51-4DF0-47A2-8163-BE517172DDA3}" type="slidenum">
               <a:t>&lt;#&gt;</a:t>
             </a:fld>
           </a:p>
@@ -1589,8 +1595,8 @@
         </p:nvSpPr>
         <p:spPr>
           <a:xfrm>
-            <a:off x="609120" y="273600"/>
-            <a:ext cx="10969560" cy="1144800"/>
+            <a:off x="640080" y="309960"/>
+            <a:ext cx="11521080" cy="1297440"/>
           </a:xfrm>
           <a:prstGeom prst="rect">
             <a:avLst/>
@@ -1626,8 +1632,8 @@
         </p:nvSpPr>
         <p:spPr>
           <a:xfrm>
-            <a:off x="609120" y="1604520"/>
-            <a:ext cx="10969560" cy="3977280"/>
+            <a:off x="640080" y="1818720"/>
+            <a:ext cx="11521080" cy="4507560"/>
           </a:xfrm>
           <a:prstGeom prst="rect">
             <a:avLst/>
@@ -1682,7 +1688,7 @@
         <p:txBody>
           <a:bodyPr/>
           <a:p>
-            <a:fld id="{C71C6675-7FB5-44E6-84B7-AA714B30D071}" type="slidenum">
+            <a:fld id="{F9DE3395-0356-46F0-86AA-E82E0744A1A4}" type="slidenum">
               <a:t>&lt;#&gt;</a:t>
             </a:fld>
           </a:p>
@@ -1743,8 +1749,8 @@
         </p:nvSpPr>
         <p:spPr>
           <a:xfrm>
-            <a:off x="609120" y="273600"/>
-            <a:ext cx="10969560" cy="1144800"/>
+            <a:off x="640080" y="309960"/>
+            <a:ext cx="11521080" cy="1297440"/>
           </a:xfrm>
           <a:prstGeom prst="rect">
             <a:avLst/>
@@ -1780,8 +1786,8 @@
         </p:nvSpPr>
         <p:spPr>
           <a:xfrm>
-            <a:off x="609120" y="1604520"/>
-            <a:ext cx="5352840" cy="3977280"/>
+            <a:off x="640080" y="1818720"/>
+            <a:ext cx="5622120" cy="4507560"/>
           </a:xfrm>
           <a:prstGeom prst="rect">
             <a:avLst/>
@@ -1814,8 +1820,8 @@
         </p:nvSpPr>
         <p:spPr>
           <a:xfrm>
-            <a:off x="6230160" y="1604520"/>
-            <a:ext cx="5352840" cy="3977280"/>
+            <a:off x="6543720" y="1818720"/>
+            <a:ext cx="5622120" cy="4507560"/>
           </a:xfrm>
           <a:prstGeom prst="rect">
             <a:avLst/>
@@ -1870,7 +1876,7 @@
         <p:txBody>
           <a:bodyPr/>
           <a:p>
-            <a:fld id="{45435E49-7287-4053-89BA-443B2D4E3E10}" type="slidenum">
+            <a:fld id="{9CBBEC57-3C65-4D7A-AF4F-14CF1BE9D79D}" type="slidenum">
               <a:t>&lt;#&gt;</a:t>
             </a:fld>
           </a:p>
@@ -1931,8 +1937,8 @@
         </p:nvSpPr>
         <p:spPr>
           <a:xfrm>
-            <a:off x="609120" y="273600"/>
-            <a:ext cx="10969560" cy="1144800"/>
+            <a:off x="640080" y="309960"/>
+            <a:ext cx="11521080" cy="1297440"/>
           </a:xfrm>
           <a:prstGeom prst="rect">
             <a:avLst/>
@@ -1990,7 +1996,7 @@
         <p:txBody>
           <a:bodyPr/>
           <a:p>
-            <a:fld id="{C1E31DB3-6B99-4EB6-B39A-D0E1F3404C81}" type="slidenum">
+            <a:fld id="{5CE7827B-BB44-4115-89AA-12E0CBD6F577}" type="slidenum">
               <a:t>&lt;#&gt;</a:t>
             </a:fld>
           </a:p>
@@ -2051,8 +2057,8 @@
         </p:nvSpPr>
         <p:spPr>
           <a:xfrm>
-            <a:off x="609120" y="273600"/>
-            <a:ext cx="10969560" cy="5307840"/>
+            <a:off x="640080" y="309960"/>
+            <a:ext cx="11521080" cy="6015600"/>
           </a:xfrm>
           <a:prstGeom prst="rect">
             <a:avLst/>
@@ -2110,7 +2116,7 @@
         <p:txBody>
           <a:bodyPr/>
           <a:p>
-            <a:fld id="{CDEA72BC-244F-472B-91BD-350C02A19B0B}" type="slidenum">
+            <a:fld id="{DDB20E7F-3BA8-4235-B032-BC55FB5E6644}" type="slidenum">
               <a:t>&lt;#&gt;</a:t>
             </a:fld>
           </a:p>
@@ -2171,8 +2177,8 @@
         </p:nvSpPr>
         <p:spPr>
           <a:xfrm>
-            <a:off x="609120" y="273600"/>
-            <a:ext cx="10969560" cy="1144800"/>
+            <a:off x="640080" y="309960"/>
+            <a:ext cx="11521080" cy="1297440"/>
           </a:xfrm>
           <a:prstGeom prst="rect">
             <a:avLst/>
@@ -2208,8 +2214,8 @@
         </p:nvSpPr>
         <p:spPr>
           <a:xfrm>
-            <a:off x="609120" y="1604520"/>
-            <a:ext cx="5352840" cy="1896840"/>
+            <a:off x="640080" y="1818720"/>
+            <a:ext cx="5622120" cy="2149920"/>
           </a:xfrm>
           <a:prstGeom prst="rect">
             <a:avLst/>
@@ -2242,8 +2248,8 @@
         </p:nvSpPr>
         <p:spPr>
           <a:xfrm>
-            <a:off x="6230160" y="1604520"/>
-            <a:ext cx="5352840" cy="3977280"/>
+            <a:off x="6543720" y="1818720"/>
+            <a:ext cx="5622120" cy="4507560"/>
           </a:xfrm>
           <a:prstGeom prst="rect">
             <a:avLst/>
@@ -2276,8 +2282,8 @@
         </p:nvSpPr>
         <p:spPr>
           <a:xfrm>
-            <a:off x="609120" y="3682080"/>
-            <a:ext cx="5352840" cy="1896840"/>
+            <a:off x="640080" y="4173120"/>
+            <a:ext cx="5622120" cy="2149920"/>
           </a:xfrm>
           <a:prstGeom prst="rect">
             <a:avLst/>
@@ -2332,7 +2338,7 @@
         <p:txBody>
           <a:bodyPr/>
           <a:p>
-            <a:fld id="{9E911744-DDA0-41FA-A89F-EF6151F71399}" type="slidenum">
+            <a:fld id="{5AC84C45-2AC4-46CD-B6C0-370E593C8EC5}" type="slidenum">
               <a:t>&lt;#&gt;</a:t>
             </a:fld>
           </a:p>
@@ -2393,8 +2399,8 @@
         </p:nvSpPr>
         <p:spPr>
           <a:xfrm>
-            <a:off x="609120" y="273600"/>
-            <a:ext cx="10969560" cy="1144800"/>
+            <a:off x="640080" y="309960"/>
+            <a:ext cx="11521080" cy="1297440"/>
           </a:xfrm>
           <a:prstGeom prst="rect">
             <a:avLst/>
@@ -2430,8 +2436,8 @@
         </p:nvSpPr>
         <p:spPr>
           <a:xfrm>
-            <a:off x="609120" y="1604520"/>
-            <a:ext cx="10969560" cy="3977280"/>
+            <a:off x="640080" y="1818720"/>
+            <a:ext cx="11521080" cy="4507560"/>
           </a:xfrm>
           <a:prstGeom prst="rect">
             <a:avLst/>
@@ -2489,7 +2495,7 @@
         <p:txBody>
           <a:bodyPr/>
           <a:p>
-            <a:fld id="{8ED7A10A-A53B-4797-B119-FD2A4F04AF01}" type="slidenum">
+            <a:fld id="{0AFB8B74-7E20-41F2-A7D4-DFA9B9A1237C}" type="slidenum">
               <a:t>&lt;#&gt;</a:t>
             </a:fld>
           </a:p>
@@ -2550,8 +2556,8 @@
         </p:nvSpPr>
         <p:spPr>
           <a:xfrm>
-            <a:off x="609120" y="273600"/>
-            <a:ext cx="10969560" cy="1144800"/>
+            <a:off x="640080" y="309960"/>
+            <a:ext cx="11521080" cy="1297440"/>
           </a:xfrm>
           <a:prstGeom prst="rect">
             <a:avLst/>
@@ -2587,8 +2593,8 @@
         </p:nvSpPr>
         <p:spPr>
           <a:xfrm>
-            <a:off x="609120" y="1604520"/>
-            <a:ext cx="5352840" cy="3977280"/>
+            <a:off x="640080" y="1818720"/>
+            <a:ext cx="5622120" cy="4507560"/>
           </a:xfrm>
           <a:prstGeom prst="rect">
             <a:avLst/>
@@ -2621,8 +2627,8 @@
         </p:nvSpPr>
         <p:spPr>
           <a:xfrm>
-            <a:off x="6230160" y="1604520"/>
-            <a:ext cx="5352840" cy="1896840"/>
+            <a:off x="6543720" y="1818720"/>
+            <a:ext cx="5622120" cy="2149920"/>
           </a:xfrm>
           <a:prstGeom prst="rect">
             <a:avLst/>
@@ -2655,8 +2661,8 @@
         </p:nvSpPr>
         <p:spPr>
           <a:xfrm>
-            <a:off x="6230160" y="3682080"/>
-            <a:ext cx="5352840" cy="1896840"/>
+            <a:off x="6543720" y="4173120"/>
+            <a:ext cx="5622120" cy="2149920"/>
           </a:xfrm>
           <a:prstGeom prst="rect">
             <a:avLst/>
@@ -2711,7 +2717,7 @@
         <p:txBody>
           <a:bodyPr/>
           <a:p>
-            <a:fld id="{61BF461A-74E5-4C0E-A2B7-C0B7013DC990}" type="slidenum">
+            <a:fld id="{98725C3B-5C10-49D8-AD44-78ECD02B5024}" type="slidenum">
               <a:t>&lt;#&gt;</a:t>
             </a:fld>
           </a:p>
@@ -2772,8 +2778,8 @@
         </p:nvSpPr>
         <p:spPr>
           <a:xfrm>
-            <a:off x="609120" y="273600"/>
-            <a:ext cx="10969560" cy="1144800"/>
+            <a:off x="640080" y="309960"/>
+            <a:ext cx="11521080" cy="1297440"/>
           </a:xfrm>
           <a:prstGeom prst="rect">
             <a:avLst/>
@@ -2809,8 +2815,8 @@
         </p:nvSpPr>
         <p:spPr>
           <a:xfrm>
-            <a:off x="609120" y="1604520"/>
-            <a:ext cx="5352840" cy="1896840"/>
+            <a:off x="640080" y="1818720"/>
+            <a:ext cx="5622120" cy="2149920"/>
           </a:xfrm>
           <a:prstGeom prst="rect">
             <a:avLst/>
@@ -2843,8 +2849,8 @@
         </p:nvSpPr>
         <p:spPr>
           <a:xfrm>
-            <a:off x="6230160" y="1604520"/>
-            <a:ext cx="5352840" cy="1896840"/>
+            <a:off x="6543720" y="1818720"/>
+            <a:ext cx="5622120" cy="2149920"/>
           </a:xfrm>
           <a:prstGeom prst="rect">
             <a:avLst/>
@@ -2877,8 +2883,8 @@
         </p:nvSpPr>
         <p:spPr>
           <a:xfrm>
-            <a:off x="609120" y="3682080"/>
-            <a:ext cx="10969560" cy="1896840"/>
+            <a:off x="640080" y="4173120"/>
+            <a:ext cx="11521080" cy="2149920"/>
           </a:xfrm>
           <a:prstGeom prst="rect">
             <a:avLst/>
@@ -2933,7 +2939,7 @@
         <p:txBody>
           <a:bodyPr/>
           <a:p>
-            <a:fld id="{B3A76560-ECDB-42D5-8B9E-A48AA6817FD9}" type="slidenum">
+            <a:fld id="{DC82743B-1354-464C-B8F6-FB81B985444D}" type="slidenum">
               <a:t>&lt;#&gt;</a:t>
             </a:fld>
           </a:p>
@@ -2994,8 +3000,8 @@
         </p:nvSpPr>
         <p:spPr>
           <a:xfrm>
-            <a:off x="609120" y="273600"/>
-            <a:ext cx="10969560" cy="1144800"/>
+            <a:off x="640080" y="309960"/>
+            <a:ext cx="11521080" cy="1297440"/>
           </a:xfrm>
           <a:prstGeom prst="rect">
             <a:avLst/>
@@ -3031,8 +3037,8 @@
         </p:nvSpPr>
         <p:spPr>
           <a:xfrm>
-            <a:off x="609120" y="1604520"/>
-            <a:ext cx="10969560" cy="1896840"/>
+            <a:off x="640080" y="1818720"/>
+            <a:ext cx="11521080" cy="2149920"/>
           </a:xfrm>
           <a:prstGeom prst="rect">
             <a:avLst/>
@@ -3065,8 +3071,8 @@
         </p:nvSpPr>
         <p:spPr>
           <a:xfrm>
-            <a:off x="609120" y="3682080"/>
-            <a:ext cx="10969560" cy="1896840"/>
+            <a:off x="640080" y="4173120"/>
+            <a:ext cx="11521080" cy="2149920"/>
           </a:xfrm>
           <a:prstGeom prst="rect">
             <a:avLst/>
@@ -3121,7 +3127,7 @@
         <p:txBody>
           <a:bodyPr/>
           <a:p>
-            <a:fld id="{7BF2EA11-8487-443A-9BC7-E822EBD1A18E}" type="slidenum">
+            <a:fld id="{336B23B6-789A-4D6A-8219-A7BBEEE151A8}" type="slidenum">
               <a:t>&lt;#&gt;</a:t>
             </a:fld>
           </a:p>
@@ -3182,8 +3188,8 @@
         </p:nvSpPr>
         <p:spPr>
           <a:xfrm>
-            <a:off x="609120" y="273600"/>
-            <a:ext cx="10969560" cy="1144800"/>
+            <a:off x="640080" y="309960"/>
+            <a:ext cx="11521080" cy="1297440"/>
           </a:xfrm>
           <a:prstGeom prst="rect">
             <a:avLst/>
@@ -3219,8 +3225,8 @@
         </p:nvSpPr>
         <p:spPr>
           <a:xfrm>
-            <a:off x="609120" y="1604520"/>
-            <a:ext cx="5352840" cy="1896840"/>
+            <a:off x="640080" y="1818720"/>
+            <a:ext cx="5622120" cy="2149920"/>
           </a:xfrm>
           <a:prstGeom prst="rect">
             <a:avLst/>
@@ -3253,8 +3259,8 @@
         </p:nvSpPr>
         <p:spPr>
           <a:xfrm>
-            <a:off x="6230160" y="1604520"/>
-            <a:ext cx="5352840" cy="1896840"/>
+            <a:off x="6543720" y="1818720"/>
+            <a:ext cx="5622120" cy="2149920"/>
           </a:xfrm>
           <a:prstGeom prst="rect">
             <a:avLst/>
@@ -3287,8 +3293,8 @@
         </p:nvSpPr>
         <p:spPr>
           <a:xfrm>
-            <a:off x="609120" y="3682080"/>
-            <a:ext cx="5352840" cy="1896840"/>
+            <a:off x="640080" y="4173120"/>
+            <a:ext cx="5622120" cy="2149920"/>
           </a:xfrm>
           <a:prstGeom prst="rect">
             <a:avLst/>
@@ -3321,8 +3327,8 @@
         </p:nvSpPr>
         <p:spPr>
           <a:xfrm>
-            <a:off x="6230160" y="3682080"/>
-            <a:ext cx="5352840" cy="1896840"/>
+            <a:off x="6543720" y="4173120"/>
+            <a:ext cx="5622120" cy="2149920"/>
           </a:xfrm>
           <a:prstGeom prst="rect">
             <a:avLst/>
@@ -3377,7 +3383,7 @@
         <p:txBody>
           <a:bodyPr/>
           <a:p>
-            <a:fld id="{8AF42A61-7772-4818-9A09-C6F464B2E5C5}" type="slidenum">
+            <a:fld id="{36E376FC-C1F5-4B14-A06C-9E8657319707}" type="slidenum">
               <a:t>&lt;#&gt;</a:t>
             </a:fld>
           </a:p>
@@ -3438,8 +3444,8 @@
         </p:nvSpPr>
         <p:spPr>
           <a:xfrm>
-            <a:off x="609120" y="273600"/>
-            <a:ext cx="10969560" cy="1144800"/>
+            <a:off x="640080" y="309960"/>
+            <a:ext cx="11521080" cy="1297440"/>
           </a:xfrm>
           <a:prstGeom prst="rect">
             <a:avLst/>
@@ -3475,8 +3481,8 @@
         </p:nvSpPr>
         <p:spPr>
           <a:xfrm>
-            <a:off x="609120" y="1604520"/>
-            <a:ext cx="3531960" cy="1896840"/>
+            <a:off x="640080" y="1818720"/>
+            <a:ext cx="3709440" cy="2149920"/>
           </a:xfrm>
           <a:prstGeom prst="rect">
             <a:avLst/>
@@ -3509,8 +3515,8 @@
         </p:nvSpPr>
         <p:spPr>
           <a:xfrm>
-            <a:off x="4318200" y="1604520"/>
-            <a:ext cx="3531960" cy="1896840"/>
+            <a:off x="4535280" y="1818720"/>
+            <a:ext cx="3709440" cy="2149920"/>
           </a:xfrm>
           <a:prstGeom prst="rect">
             <a:avLst/>
@@ -3543,8 +3549,8 @@
         </p:nvSpPr>
         <p:spPr>
           <a:xfrm>
-            <a:off x="8026920" y="1604520"/>
-            <a:ext cx="3531960" cy="1896840"/>
+            <a:off x="8430840" y="1818720"/>
+            <a:ext cx="3709440" cy="2149920"/>
           </a:xfrm>
           <a:prstGeom prst="rect">
             <a:avLst/>
@@ -3577,8 +3583,8 @@
         </p:nvSpPr>
         <p:spPr>
           <a:xfrm>
-            <a:off x="609120" y="3682080"/>
-            <a:ext cx="3531960" cy="1896840"/>
+            <a:off x="640080" y="4173120"/>
+            <a:ext cx="3709440" cy="2149920"/>
           </a:xfrm>
           <a:prstGeom prst="rect">
             <a:avLst/>
@@ -3611,8 +3617,8 @@
         </p:nvSpPr>
         <p:spPr>
           <a:xfrm>
-            <a:off x="4318200" y="3682080"/>
-            <a:ext cx="3531960" cy="1896840"/>
+            <a:off x="4535280" y="4173120"/>
+            <a:ext cx="3709440" cy="2149920"/>
           </a:xfrm>
           <a:prstGeom prst="rect">
             <a:avLst/>
@@ -3645,8 +3651,8 @@
         </p:nvSpPr>
         <p:spPr>
           <a:xfrm>
-            <a:off x="8026920" y="3682080"/>
-            <a:ext cx="3531960" cy="1896840"/>
+            <a:off x="8430840" y="4173120"/>
+            <a:ext cx="3709440" cy="2149920"/>
           </a:xfrm>
           <a:prstGeom prst="rect">
             <a:avLst/>
@@ -3701,7 +3707,7 @@
         <p:txBody>
           <a:bodyPr/>
           <a:p>
-            <a:fld id="{E2E7BF71-C966-4C8B-928B-0864910872A1}" type="slidenum">
+            <a:fld id="{7C8B3EDE-C3B2-4A63-AAAB-028B3A245B7C}" type="slidenum">
               <a:t>&lt;#&gt;</a:t>
             </a:fld>
           </a:p>
@@ -3715,6 +3721,708 @@
           </p:cNvSpPr>
           <p:nvPr>
             <p:ph type="dt" idx="6"/>
+          </p:nvPr>
+        </p:nvSpPr>
+        <p:spPr/>
+        <p:txBody>
+          <a:bodyPr/>
+          <a:p>
+            <a:r>
+              <a:rPr lang="en-US"/>
+              <a:t/>
+            </a:r>
+          </a:p>
+        </p:txBody>
+      </p:sp>
+    </p:spTree>
+  </p:cSld>
+</p:sldLayout>
+</file>
+
+<file path=ppt/slideLayouts/slideLayout25.xml><?xml version="1.0" encoding="utf-8"?>
+<p:sldLayout xmlns:a="http://schemas.openxmlformats.org/drawingml/2006/main" xmlns:p="http://schemas.openxmlformats.org/presentationml/2006/main" xmlns:r="http://schemas.openxmlformats.org/officeDocument/2006/relationships" xmlns:p14="http://schemas.microsoft.com/office/powerpoint/2010/main" xmlns:p15="http://schemas.microsoft.com/office/powerpoint/2012/main" xmlns:mc="http://schemas.openxmlformats.org/markup-compatibility/2006" type="blank" preserve="1">
+  <p:cSld name="Blank Slide">
+    <p:spTree>
+      <p:nvGrpSpPr>
+        <p:cNvPr id="1" name=""/>
+        <p:cNvGrpSpPr/>
+        <p:nvPr/>
+      </p:nvGrpSpPr>
+      <p:grpSpPr>
+        <a:xfrm>
+          <a:off x="0" y="0"/>
+          <a:ext cx="0" cy="0"/>
+          <a:chOff x="0" y="0"/>
+          <a:chExt cx="0" cy="0"/>
+        </a:xfrm>
+      </p:grpSpPr>
+      <p:sp>
+        <p:nvSpPr>
+          <p:cNvPr id="2" name="PlaceHolder 1"/>
+          <p:cNvSpPr>
+            <a:spLocks noGrp="1"/>
+          </p:cNvSpPr>
+          <p:nvPr>
+            <p:ph type="ftr" idx="7"/>
+          </p:nvPr>
+        </p:nvSpPr>
+        <p:spPr/>
+        <p:txBody>
+          <a:bodyPr/>
+          <a:p>
+            <a:r>
+              <a:t>Footer</a:t>
+            </a:r>
+          </a:p>
+        </p:txBody>
+      </p:sp>
+      <p:sp>
+        <p:nvSpPr>
+          <p:cNvPr id="3" name="PlaceHolder 2"/>
+          <p:cNvSpPr>
+            <a:spLocks noGrp="1"/>
+          </p:cNvSpPr>
+          <p:nvPr>
+            <p:ph type="sldNum" idx="8"/>
+          </p:nvPr>
+        </p:nvSpPr>
+        <p:spPr/>
+        <p:txBody>
+          <a:bodyPr/>
+          <a:p>
+            <a:fld id="{084EFAAA-EB79-4600-8E5F-FF9D039DDB8D}" type="slidenum">
+              <a:t>&lt;#&gt;</a:t>
+            </a:fld>
+          </a:p>
+        </p:txBody>
+      </p:sp>
+      <p:sp>
+        <p:nvSpPr>
+          <p:cNvPr id="4" name="PlaceHolder 3"/>
+          <p:cNvSpPr>
+            <a:spLocks noGrp="1"/>
+          </p:cNvSpPr>
+          <p:nvPr>
+            <p:ph type="dt" idx="9"/>
+          </p:nvPr>
+        </p:nvSpPr>
+        <p:spPr/>
+        <p:txBody>
+          <a:bodyPr/>
+          <a:p>
+            <a:r>
+              <a:rPr lang="en-US"/>
+              <a:t/>
+            </a:r>
+          </a:p>
+        </p:txBody>
+      </p:sp>
+    </p:spTree>
+  </p:cSld>
+</p:sldLayout>
+</file>
+
+<file path=ppt/slideLayouts/slideLayout26.xml><?xml version="1.0" encoding="utf-8"?>
+<p:sldLayout xmlns:a="http://schemas.openxmlformats.org/drawingml/2006/main" xmlns:p="http://schemas.openxmlformats.org/presentationml/2006/main" xmlns:r="http://schemas.openxmlformats.org/officeDocument/2006/relationships" xmlns:p14="http://schemas.microsoft.com/office/powerpoint/2010/main" xmlns:p15="http://schemas.microsoft.com/office/powerpoint/2012/main" xmlns:mc="http://schemas.openxmlformats.org/markup-compatibility/2006" type="tx" preserve="1">
+  <p:cSld name="Title Slide">
+    <p:spTree>
+      <p:nvGrpSpPr>
+        <p:cNvPr id="1" name=""/>
+        <p:cNvGrpSpPr/>
+        <p:nvPr/>
+      </p:nvGrpSpPr>
+      <p:grpSpPr>
+        <a:xfrm>
+          <a:off x="0" y="0"/>
+          <a:ext cx="0" cy="0"/>
+          <a:chOff x="0" y="0"/>
+          <a:chExt cx="0" cy="0"/>
+        </a:xfrm>
+      </p:grpSpPr>
+      <p:sp>
+        <p:nvSpPr>
+          <p:cNvPr id="108" name="PlaceHolder 1"/>
+          <p:cNvSpPr>
+            <a:spLocks noGrp="1"/>
+          </p:cNvSpPr>
+          <p:nvPr>
+            <p:ph type="title"/>
+          </p:nvPr>
+        </p:nvSpPr>
+        <p:spPr>
+          <a:xfrm>
+            <a:off x="640080" y="309960"/>
+            <a:ext cx="11521080" cy="1297440"/>
+          </a:xfrm>
+          <a:prstGeom prst="rect">
+            <a:avLst/>
+          </a:prstGeom>
+          <a:noFill/>
+          <a:ln w="0">
+            <a:noFill/>
+          </a:ln>
+        </p:spPr>
+        <p:txBody>
+          <a:bodyPr lIns="0" rIns="0" tIns="0" bIns="0" anchor="ctr">
+            <a:noAutofit/>
+          </a:bodyPr>
+          <a:p>
+            <a:pPr algn="ctr">
+              <a:buNone/>
+            </a:pPr>
+            <a:endParaRPr b="0" lang="en-US" sz="4400" spc="-1" strike="noStrike">
+              <a:latin typeface="Arial"/>
+            </a:endParaRPr>
+          </a:p>
+        </p:txBody>
+      </p:sp>
+      <p:sp>
+        <p:nvSpPr>
+          <p:cNvPr id="109" name="PlaceHolder 2"/>
+          <p:cNvSpPr>
+            <a:spLocks noGrp="1"/>
+          </p:cNvSpPr>
+          <p:nvPr>
+            <p:ph type="subTitle"/>
+          </p:nvPr>
+        </p:nvSpPr>
+        <p:spPr>
+          <a:xfrm>
+            <a:off x="640080" y="1818720"/>
+            <a:ext cx="11521080" cy="4507560"/>
+          </a:xfrm>
+          <a:prstGeom prst="rect">
+            <a:avLst/>
+          </a:prstGeom>
+          <a:noFill/>
+          <a:ln w="0">
+            <a:noFill/>
+          </a:ln>
+        </p:spPr>
+        <p:txBody>
+          <a:bodyPr lIns="0" rIns="0" tIns="0" bIns="0" anchor="ctr">
+            <a:noAutofit/>
+          </a:bodyPr>
+          <a:p>
+            <a:pPr algn="ctr">
+              <a:buNone/>
+            </a:pPr>
+            <a:endParaRPr b="0" lang="en-US" sz="3200" spc="-1" strike="noStrike">
+              <a:latin typeface="Arial"/>
+            </a:endParaRPr>
+          </a:p>
+        </p:txBody>
+      </p:sp>
+      <p:sp>
+        <p:nvSpPr>
+          <p:cNvPr id="4" name="PlaceHolder 3"/>
+          <p:cNvSpPr>
+            <a:spLocks noGrp="1"/>
+          </p:cNvSpPr>
+          <p:nvPr>
+            <p:ph type="ftr" idx="7"/>
+          </p:nvPr>
+        </p:nvSpPr>
+        <p:spPr/>
+        <p:txBody>
+          <a:bodyPr/>
+          <a:p>
+            <a:r>
+              <a:t>Footer</a:t>
+            </a:r>
+          </a:p>
+        </p:txBody>
+      </p:sp>
+      <p:sp>
+        <p:nvSpPr>
+          <p:cNvPr id="5" name="PlaceHolder 4"/>
+          <p:cNvSpPr>
+            <a:spLocks noGrp="1"/>
+          </p:cNvSpPr>
+          <p:nvPr>
+            <p:ph type="sldNum" idx="8"/>
+          </p:nvPr>
+        </p:nvSpPr>
+        <p:spPr/>
+        <p:txBody>
+          <a:bodyPr/>
+          <a:p>
+            <a:fld id="{744B35BD-95DC-477F-A0DE-34D5A6D3E72F}" type="slidenum">
+              <a:t>&lt;#&gt;</a:t>
+            </a:fld>
+          </a:p>
+        </p:txBody>
+      </p:sp>
+      <p:sp>
+        <p:nvSpPr>
+          <p:cNvPr id="6" name="PlaceHolder 5"/>
+          <p:cNvSpPr>
+            <a:spLocks noGrp="1"/>
+          </p:cNvSpPr>
+          <p:nvPr>
+            <p:ph type="dt" idx="9"/>
+          </p:nvPr>
+        </p:nvSpPr>
+        <p:spPr/>
+        <p:txBody>
+          <a:bodyPr/>
+          <a:p>
+            <a:r>
+              <a:rPr lang="en-US"/>
+              <a:t/>
+            </a:r>
+          </a:p>
+        </p:txBody>
+      </p:sp>
+    </p:spTree>
+  </p:cSld>
+</p:sldLayout>
+</file>
+
+<file path=ppt/slideLayouts/slideLayout27.xml><?xml version="1.0" encoding="utf-8"?>
+<p:sldLayout xmlns:a="http://schemas.openxmlformats.org/drawingml/2006/main" xmlns:p="http://schemas.openxmlformats.org/presentationml/2006/main" xmlns:r="http://schemas.openxmlformats.org/officeDocument/2006/relationships" xmlns:p14="http://schemas.microsoft.com/office/powerpoint/2010/main" xmlns:p15="http://schemas.microsoft.com/office/powerpoint/2012/main" xmlns:mc="http://schemas.openxmlformats.org/markup-compatibility/2006" type="obj" preserve="1">
+  <p:cSld name="Title, Content">
+    <p:spTree>
+      <p:nvGrpSpPr>
+        <p:cNvPr id="1" name=""/>
+        <p:cNvGrpSpPr/>
+        <p:nvPr/>
+      </p:nvGrpSpPr>
+      <p:grpSpPr>
+        <a:xfrm>
+          <a:off x="0" y="0"/>
+          <a:ext cx="0" cy="0"/>
+          <a:chOff x="0" y="0"/>
+          <a:chExt cx="0" cy="0"/>
+        </a:xfrm>
+      </p:grpSpPr>
+      <p:sp>
+        <p:nvSpPr>
+          <p:cNvPr id="110" name="PlaceHolder 1"/>
+          <p:cNvSpPr>
+            <a:spLocks noGrp="1"/>
+          </p:cNvSpPr>
+          <p:nvPr>
+            <p:ph type="title"/>
+          </p:nvPr>
+        </p:nvSpPr>
+        <p:spPr>
+          <a:xfrm>
+            <a:off x="640080" y="309960"/>
+            <a:ext cx="11521080" cy="1297440"/>
+          </a:xfrm>
+          <a:prstGeom prst="rect">
+            <a:avLst/>
+          </a:prstGeom>
+          <a:noFill/>
+          <a:ln w="0">
+            <a:noFill/>
+          </a:ln>
+        </p:spPr>
+        <p:txBody>
+          <a:bodyPr lIns="0" rIns="0" tIns="0" bIns="0" anchor="ctr">
+            <a:noAutofit/>
+          </a:bodyPr>
+          <a:p>
+            <a:pPr algn="ctr">
+              <a:buNone/>
+            </a:pPr>
+            <a:endParaRPr b="0" lang="en-US" sz="4400" spc="-1" strike="noStrike">
+              <a:latin typeface="Arial"/>
+            </a:endParaRPr>
+          </a:p>
+        </p:txBody>
+      </p:sp>
+      <p:sp>
+        <p:nvSpPr>
+          <p:cNvPr id="111" name="PlaceHolder 2"/>
+          <p:cNvSpPr>
+            <a:spLocks noGrp="1"/>
+          </p:cNvSpPr>
+          <p:nvPr>
+            <p:ph/>
+          </p:nvPr>
+        </p:nvSpPr>
+        <p:spPr>
+          <a:xfrm>
+            <a:off x="640080" y="1818720"/>
+            <a:ext cx="11521080" cy="4507560"/>
+          </a:xfrm>
+          <a:prstGeom prst="rect">
+            <a:avLst/>
+          </a:prstGeom>
+          <a:noFill/>
+          <a:ln w="0">
+            <a:noFill/>
+          </a:ln>
+        </p:spPr>
+        <p:txBody>
+          <a:bodyPr lIns="0" rIns="0" tIns="0" bIns="0" anchor="t">
+            <a:normAutofit/>
+          </a:bodyPr>
+          <a:p>
+            <a:endParaRPr b="0" lang="en-US" sz="3200" spc="-1" strike="noStrike">
+              <a:latin typeface="Arial"/>
+            </a:endParaRPr>
+          </a:p>
+        </p:txBody>
+      </p:sp>
+      <p:sp>
+        <p:nvSpPr>
+          <p:cNvPr id="4" name="PlaceHolder 3"/>
+          <p:cNvSpPr>
+            <a:spLocks noGrp="1"/>
+          </p:cNvSpPr>
+          <p:nvPr>
+            <p:ph type="ftr" idx="7"/>
+          </p:nvPr>
+        </p:nvSpPr>
+        <p:spPr/>
+        <p:txBody>
+          <a:bodyPr/>
+          <a:p>
+            <a:r>
+              <a:t>Footer</a:t>
+            </a:r>
+          </a:p>
+        </p:txBody>
+      </p:sp>
+      <p:sp>
+        <p:nvSpPr>
+          <p:cNvPr id="5" name="PlaceHolder 4"/>
+          <p:cNvSpPr>
+            <a:spLocks noGrp="1"/>
+          </p:cNvSpPr>
+          <p:nvPr>
+            <p:ph type="sldNum" idx="8"/>
+          </p:nvPr>
+        </p:nvSpPr>
+        <p:spPr/>
+        <p:txBody>
+          <a:bodyPr/>
+          <a:p>
+            <a:fld id="{4A72D16B-CEC3-4B5C-AFE9-F00B913E2DC0}" type="slidenum">
+              <a:t>&lt;#&gt;</a:t>
+            </a:fld>
+          </a:p>
+        </p:txBody>
+      </p:sp>
+      <p:sp>
+        <p:nvSpPr>
+          <p:cNvPr id="6" name="PlaceHolder 5"/>
+          <p:cNvSpPr>
+            <a:spLocks noGrp="1"/>
+          </p:cNvSpPr>
+          <p:nvPr>
+            <p:ph type="dt" idx="9"/>
+          </p:nvPr>
+        </p:nvSpPr>
+        <p:spPr/>
+        <p:txBody>
+          <a:bodyPr/>
+          <a:p>
+            <a:r>
+              <a:rPr lang="en-US"/>
+              <a:t/>
+            </a:r>
+          </a:p>
+        </p:txBody>
+      </p:sp>
+    </p:spTree>
+  </p:cSld>
+</p:sldLayout>
+</file>
+
+<file path=ppt/slideLayouts/slideLayout28.xml><?xml version="1.0" encoding="utf-8"?>
+<p:sldLayout xmlns:a="http://schemas.openxmlformats.org/drawingml/2006/main" xmlns:p="http://schemas.openxmlformats.org/presentationml/2006/main" xmlns:r="http://schemas.openxmlformats.org/officeDocument/2006/relationships" xmlns:p14="http://schemas.microsoft.com/office/powerpoint/2010/main" xmlns:p15="http://schemas.microsoft.com/office/powerpoint/2012/main" xmlns:mc="http://schemas.openxmlformats.org/markup-compatibility/2006" type="twoObj" preserve="1">
+  <p:cSld name="Title, 2 Content">
+    <p:spTree>
+      <p:nvGrpSpPr>
+        <p:cNvPr id="1" name=""/>
+        <p:cNvGrpSpPr/>
+        <p:nvPr/>
+      </p:nvGrpSpPr>
+      <p:grpSpPr>
+        <a:xfrm>
+          <a:off x="0" y="0"/>
+          <a:ext cx="0" cy="0"/>
+          <a:chOff x="0" y="0"/>
+          <a:chExt cx="0" cy="0"/>
+        </a:xfrm>
+      </p:grpSpPr>
+      <p:sp>
+        <p:nvSpPr>
+          <p:cNvPr id="112" name="PlaceHolder 1"/>
+          <p:cNvSpPr>
+            <a:spLocks noGrp="1"/>
+          </p:cNvSpPr>
+          <p:nvPr>
+            <p:ph type="title"/>
+          </p:nvPr>
+        </p:nvSpPr>
+        <p:spPr>
+          <a:xfrm>
+            <a:off x="640080" y="309960"/>
+            <a:ext cx="11521080" cy="1297440"/>
+          </a:xfrm>
+          <a:prstGeom prst="rect">
+            <a:avLst/>
+          </a:prstGeom>
+          <a:noFill/>
+          <a:ln w="0">
+            <a:noFill/>
+          </a:ln>
+        </p:spPr>
+        <p:txBody>
+          <a:bodyPr lIns="0" rIns="0" tIns="0" bIns="0" anchor="ctr">
+            <a:noAutofit/>
+          </a:bodyPr>
+          <a:p>
+            <a:pPr algn="ctr">
+              <a:buNone/>
+            </a:pPr>
+            <a:endParaRPr b="0" lang="en-US" sz="4400" spc="-1" strike="noStrike">
+              <a:latin typeface="Arial"/>
+            </a:endParaRPr>
+          </a:p>
+        </p:txBody>
+      </p:sp>
+      <p:sp>
+        <p:nvSpPr>
+          <p:cNvPr id="113" name="PlaceHolder 2"/>
+          <p:cNvSpPr>
+            <a:spLocks noGrp="1"/>
+          </p:cNvSpPr>
+          <p:nvPr>
+            <p:ph/>
+          </p:nvPr>
+        </p:nvSpPr>
+        <p:spPr>
+          <a:xfrm>
+            <a:off x="640080" y="1818720"/>
+            <a:ext cx="5622120" cy="4507560"/>
+          </a:xfrm>
+          <a:prstGeom prst="rect">
+            <a:avLst/>
+          </a:prstGeom>
+          <a:noFill/>
+          <a:ln w="0">
+            <a:noFill/>
+          </a:ln>
+        </p:spPr>
+        <p:txBody>
+          <a:bodyPr lIns="0" rIns="0" tIns="0" bIns="0" anchor="t">
+            <a:normAutofit/>
+          </a:bodyPr>
+          <a:p>
+            <a:endParaRPr b="0" lang="en-US" sz="3200" spc="-1" strike="noStrike">
+              <a:latin typeface="Arial"/>
+            </a:endParaRPr>
+          </a:p>
+        </p:txBody>
+      </p:sp>
+      <p:sp>
+        <p:nvSpPr>
+          <p:cNvPr id="114" name="PlaceHolder 3"/>
+          <p:cNvSpPr>
+            <a:spLocks noGrp="1"/>
+          </p:cNvSpPr>
+          <p:nvPr>
+            <p:ph/>
+          </p:nvPr>
+        </p:nvSpPr>
+        <p:spPr>
+          <a:xfrm>
+            <a:off x="6543720" y="1818720"/>
+            <a:ext cx="5622120" cy="4507560"/>
+          </a:xfrm>
+          <a:prstGeom prst="rect">
+            <a:avLst/>
+          </a:prstGeom>
+          <a:noFill/>
+          <a:ln w="0">
+            <a:noFill/>
+          </a:ln>
+        </p:spPr>
+        <p:txBody>
+          <a:bodyPr lIns="0" rIns="0" tIns="0" bIns="0" anchor="t">
+            <a:normAutofit/>
+          </a:bodyPr>
+          <a:p>
+            <a:endParaRPr b="0" lang="en-US" sz="3200" spc="-1" strike="noStrike">
+              <a:latin typeface="Arial"/>
+            </a:endParaRPr>
+          </a:p>
+        </p:txBody>
+      </p:sp>
+      <p:sp>
+        <p:nvSpPr>
+          <p:cNvPr id="5" name="PlaceHolder 4"/>
+          <p:cNvSpPr>
+            <a:spLocks noGrp="1"/>
+          </p:cNvSpPr>
+          <p:nvPr>
+            <p:ph type="ftr" idx="7"/>
+          </p:nvPr>
+        </p:nvSpPr>
+        <p:spPr/>
+        <p:txBody>
+          <a:bodyPr/>
+          <a:p>
+            <a:r>
+              <a:t>Footer</a:t>
+            </a:r>
+          </a:p>
+        </p:txBody>
+      </p:sp>
+      <p:sp>
+        <p:nvSpPr>
+          <p:cNvPr id="6" name="PlaceHolder 5"/>
+          <p:cNvSpPr>
+            <a:spLocks noGrp="1"/>
+          </p:cNvSpPr>
+          <p:nvPr>
+            <p:ph type="sldNum" idx="8"/>
+          </p:nvPr>
+        </p:nvSpPr>
+        <p:spPr/>
+        <p:txBody>
+          <a:bodyPr/>
+          <a:p>
+            <a:fld id="{1F0F3775-D0B5-4604-8311-1C59B5C7F47F}" type="slidenum">
+              <a:t>&lt;#&gt;</a:t>
+            </a:fld>
+          </a:p>
+        </p:txBody>
+      </p:sp>
+      <p:sp>
+        <p:nvSpPr>
+          <p:cNvPr id="7" name="PlaceHolder 6"/>
+          <p:cNvSpPr>
+            <a:spLocks noGrp="1"/>
+          </p:cNvSpPr>
+          <p:nvPr>
+            <p:ph type="dt" idx="9"/>
+          </p:nvPr>
+        </p:nvSpPr>
+        <p:spPr/>
+        <p:txBody>
+          <a:bodyPr/>
+          <a:p>
+            <a:r>
+              <a:rPr lang="en-US"/>
+              <a:t/>
+            </a:r>
+          </a:p>
+        </p:txBody>
+      </p:sp>
+    </p:spTree>
+  </p:cSld>
+</p:sldLayout>
+</file>
+
+<file path=ppt/slideLayouts/slideLayout29.xml><?xml version="1.0" encoding="utf-8"?>
+<p:sldLayout xmlns:a="http://schemas.openxmlformats.org/drawingml/2006/main" xmlns:p="http://schemas.openxmlformats.org/presentationml/2006/main" xmlns:r="http://schemas.openxmlformats.org/officeDocument/2006/relationships" xmlns:p14="http://schemas.microsoft.com/office/powerpoint/2010/main" xmlns:p15="http://schemas.microsoft.com/office/powerpoint/2012/main" xmlns:mc="http://schemas.openxmlformats.org/markup-compatibility/2006" type="titleOnly" preserve="1">
+  <p:cSld name="Title Only">
+    <p:spTree>
+      <p:nvGrpSpPr>
+        <p:cNvPr id="1" name=""/>
+        <p:cNvGrpSpPr/>
+        <p:nvPr/>
+      </p:nvGrpSpPr>
+      <p:grpSpPr>
+        <a:xfrm>
+          <a:off x="0" y="0"/>
+          <a:ext cx="0" cy="0"/>
+          <a:chOff x="0" y="0"/>
+          <a:chExt cx="0" cy="0"/>
+        </a:xfrm>
+      </p:grpSpPr>
+      <p:sp>
+        <p:nvSpPr>
+          <p:cNvPr id="115" name="PlaceHolder 1"/>
+          <p:cNvSpPr>
+            <a:spLocks noGrp="1"/>
+          </p:cNvSpPr>
+          <p:nvPr>
+            <p:ph type="title"/>
+          </p:nvPr>
+        </p:nvSpPr>
+        <p:spPr>
+          <a:xfrm>
+            <a:off x="640080" y="309960"/>
+            <a:ext cx="11521080" cy="1297440"/>
+          </a:xfrm>
+          <a:prstGeom prst="rect">
+            <a:avLst/>
+          </a:prstGeom>
+          <a:noFill/>
+          <a:ln w="0">
+            <a:noFill/>
+          </a:ln>
+        </p:spPr>
+        <p:txBody>
+          <a:bodyPr lIns="0" rIns="0" tIns="0" bIns="0" anchor="ctr">
+            <a:noAutofit/>
+          </a:bodyPr>
+          <a:p>
+            <a:pPr algn="ctr">
+              <a:buNone/>
+            </a:pPr>
+            <a:endParaRPr b="0" lang="en-US" sz="4400" spc="-1" strike="noStrike">
+              <a:latin typeface="Arial"/>
+            </a:endParaRPr>
+          </a:p>
+        </p:txBody>
+      </p:sp>
+      <p:sp>
+        <p:nvSpPr>
+          <p:cNvPr id="3" name="PlaceHolder 2"/>
+          <p:cNvSpPr>
+            <a:spLocks noGrp="1"/>
+          </p:cNvSpPr>
+          <p:nvPr>
+            <p:ph type="ftr" idx="7"/>
+          </p:nvPr>
+        </p:nvSpPr>
+        <p:spPr/>
+        <p:txBody>
+          <a:bodyPr/>
+          <a:p>
+            <a:r>
+              <a:t>Footer</a:t>
+            </a:r>
+          </a:p>
+        </p:txBody>
+      </p:sp>
+      <p:sp>
+        <p:nvSpPr>
+          <p:cNvPr id="4" name="PlaceHolder 3"/>
+          <p:cNvSpPr>
+            <a:spLocks noGrp="1"/>
+          </p:cNvSpPr>
+          <p:nvPr>
+            <p:ph type="sldNum" idx="8"/>
+          </p:nvPr>
+        </p:nvSpPr>
+        <p:spPr/>
+        <p:txBody>
+          <a:bodyPr/>
+          <a:p>
+            <a:fld id="{0BF20631-8C65-46CB-AB53-2B0E3BB081A2}" type="slidenum">
+              <a:t>&lt;#&gt;</a:t>
+            </a:fld>
+          </a:p>
+        </p:txBody>
+      </p:sp>
+      <p:sp>
+        <p:nvSpPr>
+          <p:cNvPr id="5" name="PlaceHolder 4"/>
+          <p:cNvSpPr>
+            <a:spLocks noGrp="1"/>
+          </p:cNvSpPr>
+          <p:nvPr>
+            <p:ph type="dt" idx="9"/>
           </p:nvPr>
         </p:nvSpPr>
         <p:spPr/>
@@ -3762,8 +4470,8 @@
         </p:nvSpPr>
         <p:spPr>
           <a:xfrm>
-            <a:off x="609120" y="273600"/>
-            <a:ext cx="10969560" cy="1144800"/>
+            <a:off x="640080" y="309960"/>
+            <a:ext cx="11521080" cy="1297440"/>
           </a:xfrm>
           <a:prstGeom prst="rect">
             <a:avLst/>
@@ -3799,8 +4507,8 @@
         </p:nvSpPr>
         <p:spPr>
           <a:xfrm>
-            <a:off x="609120" y="1604520"/>
-            <a:ext cx="10969560" cy="3977280"/>
+            <a:off x="640080" y="1818720"/>
+            <a:ext cx="11521080" cy="4507560"/>
           </a:xfrm>
           <a:prstGeom prst="rect">
             <a:avLst/>
@@ -3855,7 +4563,7 @@
         <p:txBody>
           <a:bodyPr/>
           <a:p>
-            <a:fld id="{165EB1ED-07A3-4A05-8420-C401CC7E8524}" type="slidenum">
+            <a:fld id="{706FC6EB-5B60-4100-A643-32D6E9FF9136}" type="slidenum">
               <a:t>&lt;#&gt;</a:t>
             </a:fld>
           </a:p>
@@ -3869,6 +4577,1560 @@
           </p:cNvSpPr>
           <p:nvPr>
             <p:ph type="dt" idx="3"/>
+          </p:nvPr>
+        </p:nvSpPr>
+        <p:spPr/>
+        <p:txBody>
+          <a:bodyPr/>
+          <a:p>
+            <a:r>
+              <a:rPr lang="en-US"/>
+              <a:t/>
+            </a:r>
+          </a:p>
+        </p:txBody>
+      </p:sp>
+    </p:spTree>
+  </p:cSld>
+</p:sldLayout>
+</file>
+
+<file path=ppt/slideLayouts/slideLayout30.xml><?xml version="1.0" encoding="utf-8"?>
+<p:sldLayout xmlns:a="http://schemas.openxmlformats.org/drawingml/2006/main" xmlns:p="http://schemas.openxmlformats.org/presentationml/2006/main" xmlns:r="http://schemas.openxmlformats.org/officeDocument/2006/relationships" xmlns:p14="http://schemas.microsoft.com/office/powerpoint/2010/main" xmlns:p15="http://schemas.microsoft.com/office/powerpoint/2012/main" xmlns:mc="http://schemas.openxmlformats.org/markup-compatibility/2006" type="objOnly" preserve="1">
+  <p:cSld name="Centered Text">
+    <p:spTree>
+      <p:nvGrpSpPr>
+        <p:cNvPr id="1" name=""/>
+        <p:cNvGrpSpPr/>
+        <p:nvPr/>
+      </p:nvGrpSpPr>
+      <p:grpSpPr>
+        <a:xfrm>
+          <a:off x="0" y="0"/>
+          <a:ext cx="0" cy="0"/>
+          <a:chOff x="0" y="0"/>
+          <a:chExt cx="0" cy="0"/>
+        </a:xfrm>
+      </p:grpSpPr>
+      <p:sp>
+        <p:nvSpPr>
+          <p:cNvPr id="116" name="PlaceHolder 1"/>
+          <p:cNvSpPr>
+            <a:spLocks noGrp="1"/>
+          </p:cNvSpPr>
+          <p:nvPr>
+            <p:ph type="subTitle"/>
+          </p:nvPr>
+        </p:nvSpPr>
+        <p:spPr>
+          <a:xfrm>
+            <a:off x="640080" y="309960"/>
+            <a:ext cx="11521080" cy="6015600"/>
+          </a:xfrm>
+          <a:prstGeom prst="rect">
+            <a:avLst/>
+          </a:prstGeom>
+          <a:noFill/>
+          <a:ln w="0">
+            <a:noFill/>
+          </a:ln>
+        </p:spPr>
+        <p:txBody>
+          <a:bodyPr lIns="0" rIns="0" tIns="0" bIns="0" anchor="ctr">
+            <a:noAutofit/>
+          </a:bodyPr>
+          <a:p>
+            <a:pPr algn="ctr">
+              <a:buNone/>
+            </a:pPr>
+            <a:endParaRPr b="0" lang="en-US" sz="3200" spc="-1" strike="noStrike">
+              <a:latin typeface="Arial"/>
+            </a:endParaRPr>
+          </a:p>
+        </p:txBody>
+      </p:sp>
+      <p:sp>
+        <p:nvSpPr>
+          <p:cNvPr id="3" name="PlaceHolder 2"/>
+          <p:cNvSpPr>
+            <a:spLocks noGrp="1"/>
+          </p:cNvSpPr>
+          <p:nvPr>
+            <p:ph type="ftr" idx="7"/>
+          </p:nvPr>
+        </p:nvSpPr>
+        <p:spPr/>
+        <p:txBody>
+          <a:bodyPr/>
+          <a:p>
+            <a:r>
+              <a:t>Footer</a:t>
+            </a:r>
+          </a:p>
+        </p:txBody>
+      </p:sp>
+      <p:sp>
+        <p:nvSpPr>
+          <p:cNvPr id="4" name="PlaceHolder 3"/>
+          <p:cNvSpPr>
+            <a:spLocks noGrp="1"/>
+          </p:cNvSpPr>
+          <p:nvPr>
+            <p:ph type="sldNum" idx="8"/>
+          </p:nvPr>
+        </p:nvSpPr>
+        <p:spPr/>
+        <p:txBody>
+          <a:bodyPr/>
+          <a:p>
+            <a:fld id="{B5236DC7-8B8B-4ECC-B2F1-4EA4322D12A0}" type="slidenum">
+              <a:t>&lt;#&gt;</a:t>
+            </a:fld>
+          </a:p>
+        </p:txBody>
+      </p:sp>
+      <p:sp>
+        <p:nvSpPr>
+          <p:cNvPr id="5" name="PlaceHolder 4"/>
+          <p:cNvSpPr>
+            <a:spLocks noGrp="1"/>
+          </p:cNvSpPr>
+          <p:nvPr>
+            <p:ph type="dt" idx="9"/>
+          </p:nvPr>
+        </p:nvSpPr>
+        <p:spPr/>
+        <p:txBody>
+          <a:bodyPr/>
+          <a:p>
+            <a:r>
+              <a:rPr lang="en-US"/>
+              <a:t/>
+            </a:r>
+          </a:p>
+        </p:txBody>
+      </p:sp>
+    </p:spTree>
+  </p:cSld>
+</p:sldLayout>
+</file>
+
+<file path=ppt/slideLayouts/slideLayout31.xml><?xml version="1.0" encoding="utf-8"?>
+<p:sldLayout xmlns:a="http://schemas.openxmlformats.org/drawingml/2006/main" xmlns:p="http://schemas.openxmlformats.org/presentationml/2006/main" xmlns:r="http://schemas.openxmlformats.org/officeDocument/2006/relationships" xmlns:p14="http://schemas.microsoft.com/office/powerpoint/2010/main" xmlns:p15="http://schemas.microsoft.com/office/powerpoint/2012/main" xmlns:mc="http://schemas.openxmlformats.org/markup-compatibility/2006" type="twoObjAndObj" preserve="1">
+  <p:cSld name="Title, 2 Content and Content">
+    <p:spTree>
+      <p:nvGrpSpPr>
+        <p:cNvPr id="1" name=""/>
+        <p:cNvGrpSpPr/>
+        <p:nvPr/>
+      </p:nvGrpSpPr>
+      <p:grpSpPr>
+        <a:xfrm>
+          <a:off x="0" y="0"/>
+          <a:ext cx="0" cy="0"/>
+          <a:chOff x="0" y="0"/>
+          <a:chExt cx="0" cy="0"/>
+        </a:xfrm>
+      </p:grpSpPr>
+      <p:sp>
+        <p:nvSpPr>
+          <p:cNvPr id="117" name="PlaceHolder 1"/>
+          <p:cNvSpPr>
+            <a:spLocks noGrp="1"/>
+          </p:cNvSpPr>
+          <p:nvPr>
+            <p:ph type="title"/>
+          </p:nvPr>
+        </p:nvSpPr>
+        <p:spPr>
+          <a:xfrm>
+            <a:off x="640080" y="309960"/>
+            <a:ext cx="11521080" cy="1297440"/>
+          </a:xfrm>
+          <a:prstGeom prst="rect">
+            <a:avLst/>
+          </a:prstGeom>
+          <a:noFill/>
+          <a:ln w="0">
+            <a:noFill/>
+          </a:ln>
+        </p:spPr>
+        <p:txBody>
+          <a:bodyPr lIns="0" rIns="0" tIns="0" bIns="0" anchor="ctr">
+            <a:noAutofit/>
+          </a:bodyPr>
+          <a:p>
+            <a:pPr algn="ctr">
+              <a:buNone/>
+            </a:pPr>
+            <a:endParaRPr b="0" lang="en-US" sz="4400" spc="-1" strike="noStrike">
+              <a:latin typeface="Arial"/>
+            </a:endParaRPr>
+          </a:p>
+        </p:txBody>
+      </p:sp>
+      <p:sp>
+        <p:nvSpPr>
+          <p:cNvPr id="118" name="PlaceHolder 2"/>
+          <p:cNvSpPr>
+            <a:spLocks noGrp="1"/>
+          </p:cNvSpPr>
+          <p:nvPr>
+            <p:ph/>
+          </p:nvPr>
+        </p:nvSpPr>
+        <p:spPr>
+          <a:xfrm>
+            <a:off x="640080" y="1818720"/>
+            <a:ext cx="5622120" cy="2149920"/>
+          </a:xfrm>
+          <a:prstGeom prst="rect">
+            <a:avLst/>
+          </a:prstGeom>
+          <a:noFill/>
+          <a:ln w="0">
+            <a:noFill/>
+          </a:ln>
+        </p:spPr>
+        <p:txBody>
+          <a:bodyPr lIns="0" rIns="0" tIns="0" bIns="0" anchor="t">
+            <a:normAutofit/>
+          </a:bodyPr>
+          <a:p>
+            <a:endParaRPr b="0" lang="en-US" sz="3200" spc="-1" strike="noStrike">
+              <a:latin typeface="Arial"/>
+            </a:endParaRPr>
+          </a:p>
+        </p:txBody>
+      </p:sp>
+      <p:sp>
+        <p:nvSpPr>
+          <p:cNvPr id="119" name="PlaceHolder 3"/>
+          <p:cNvSpPr>
+            <a:spLocks noGrp="1"/>
+          </p:cNvSpPr>
+          <p:nvPr>
+            <p:ph/>
+          </p:nvPr>
+        </p:nvSpPr>
+        <p:spPr>
+          <a:xfrm>
+            <a:off x="6543720" y="1818720"/>
+            <a:ext cx="5622120" cy="4507560"/>
+          </a:xfrm>
+          <a:prstGeom prst="rect">
+            <a:avLst/>
+          </a:prstGeom>
+          <a:noFill/>
+          <a:ln w="0">
+            <a:noFill/>
+          </a:ln>
+        </p:spPr>
+        <p:txBody>
+          <a:bodyPr lIns="0" rIns="0" tIns="0" bIns="0" anchor="t">
+            <a:normAutofit/>
+          </a:bodyPr>
+          <a:p>
+            <a:endParaRPr b="0" lang="en-US" sz="3200" spc="-1" strike="noStrike">
+              <a:latin typeface="Arial"/>
+            </a:endParaRPr>
+          </a:p>
+        </p:txBody>
+      </p:sp>
+      <p:sp>
+        <p:nvSpPr>
+          <p:cNvPr id="120" name="PlaceHolder 4"/>
+          <p:cNvSpPr>
+            <a:spLocks noGrp="1"/>
+          </p:cNvSpPr>
+          <p:nvPr>
+            <p:ph/>
+          </p:nvPr>
+        </p:nvSpPr>
+        <p:spPr>
+          <a:xfrm>
+            <a:off x="640080" y="4173120"/>
+            <a:ext cx="5622120" cy="2149920"/>
+          </a:xfrm>
+          <a:prstGeom prst="rect">
+            <a:avLst/>
+          </a:prstGeom>
+          <a:noFill/>
+          <a:ln w="0">
+            <a:noFill/>
+          </a:ln>
+        </p:spPr>
+        <p:txBody>
+          <a:bodyPr lIns="0" rIns="0" tIns="0" bIns="0" anchor="t">
+            <a:normAutofit/>
+          </a:bodyPr>
+          <a:p>
+            <a:endParaRPr b="0" lang="en-US" sz="3200" spc="-1" strike="noStrike">
+              <a:latin typeface="Arial"/>
+            </a:endParaRPr>
+          </a:p>
+        </p:txBody>
+      </p:sp>
+      <p:sp>
+        <p:nvSpPr>
+          <p:cNvPr id="6" name="PlaceHolder 5"/>
+          <p:cNvSpPr>
+            <a:spLocks noGrp="1"/>
+          </p:cNvSpPr>
+          <p:nvPr>
+            <p:ph type="ftr" idx="7"/>
+          </p:nvPr>
+        </p:nvSpPr>
+        <p:spPr/>
+        <p:txBody>
+          <a:bodyPr/>
+          <a:p>
+            <a:r>
+              <a:t>Footer</a:t>
+            </a:r>
+          </a:p>
+        </p:txBody>
+      </p:sp>
+      <p:sp>
+        <p:nvSpPr>
+          <p:cNvPr id="7" name="PlaceHolder 6"/>
+          <p:cNvSpPr>
+            <a:spLocks noGrp="1"/>
+          </p:cNvSpPr>
+          <p:nvPr>
+            <p:ph type="sldNum" idx="8"/>
+          </p:nvPr>
+        </p:nvSpPr>
+        <p:spPr/>
+        <p:txBody>
+          <a:bodyPr/>
+          <a:p>
+            <a:fld id="{B3841855-6F82-453A-8AF9-5ABCD257AD91}" type="slidenum">
+              <a:t>&lt;#&gt;</a:t>
+            </a:fld>
+          </a:p>
+        </p:txBody>
+      </p:sp>
+      <p:sp>
+        <p:nvSpPr>
+          <p:cNvPr id="8" name="PlaceHolder 7"/>
+          <p:cNvSpPr>
+            <a:spLocks noGrp="1"/>
+          </p:cNvSpPr>
+          <p:nvPr>
+            <p:ph type="dt" idx="9"/>
+          </p:nvPr>
+        </p:nvSpPr>
+        <p:spPr/>
+        <p:txBody>
+          <a:bodyPr/>
+          <a:p>
+            <a:r>
+              <a:rPr lang="en-US"/>
+              <a:t/>
+            </a:r>
+          </a:p>
+        </p:txBody>
+      </p:sp>
+    </p:spTree>
+  </p:cSld>
+</p:sldLayout>
+</file>
+
+<file path=ppt/slideLayouts/slideLayout32.xml><?xml version="1.0" encoding="utf-8"?>
+<p:sldLayout xmlns:a="http://schemas.openxmlformats.org/drawingml/2006/main" xmlns:p="http://schemas.openxmlformats.org/presentationml/2006/main" xmlns:r="http://schemas.openxmlformats.org/officeDocument/2006/relationships" xmlns:p14="http://schemas.microsoft.com/office/powerpoint/2010/main" xmlns:p15="http://schemas.microsoft.com/office/powerpoint/2012/main" xmlns:mc="http://schemas.openxmlformats.org/markup-compatibility/2006" type="objAndTwoObj" preserve="1">
+  <p:cSld name="Title Content and 2 Content">
+    <p:spTree>
+      <p:nvGrpSpPr>
+        <p:cNvPr id="1" name=""/>
+        <p:cNvGrpSpPr/>
+        <p:nvPr/>
+      </p:nvGrpSpPr>
+      <p:grpSpPr>
+        <a:xfrm>
+          <a:off x="0" y="0"/>
+          <a:ext cx="0" cy="0"/>
+          <a:chOff x="0" y="0"/>
+          <a:chExt cx="0" cy="0"/>
+        </a:xfrm>
+      </p:grpSpPr>
+      <p:sp>
+        <p:nvSpPr>
+          <p:cNvPr id="121" name="PlaceHolder 1"/>
+          <p:cNvSpPr>
+            <a:spLocks noGrp="1"/>
+          </p:cNvSpPr>
+          <p:nvPr>
+            <p:ph type="title"/>
+          </p:nvPr>
+        </p:nvSpPr>
+        <p:spPr>
+          <a:xfrm>
+            <a:off x="640080" y="309960"/>
+            <a:ext cx="11521080" cy="1297440"/>
+          </a:xfrm>
+          <a:prstGeom prst="rect">
+            <a:avLst/>
+          </a:prstGeom>
+          <a:noFill/>
+          <a:ln w="0">
+            <a:noFill/>
+          </a:ln>
+        </p:spPr>
+        <p:txBody>
+          <a:bodyPr lIns="0" rIns="0" tIns="0" bIns="0" anchor="ctr">
+            <a:noAutofit/>
+          </a:bodyPr>
+          <a:p>
+            <a:pPr algn="ctr">
+              <a:buNone/>
+            </a:pPr>
+            <a:endParaRPr b="0" lang="en-US" sz="4400" spc="-1" strike="noStrike">
+              <a:latin typeface="Arial"/>
+            </a:endParaRPr>
+          </a:p>
+        </p:txBody>
+      </p:sp>
+      <p:sp>
+        <p:nvSpPr>
+          <p:cNvPr id="122" name="PlaceHolder 2"/>
+          <p:cNvSpPr>
+            <a:spLocks noGrp="1"/>
+          </p:cNvSpPr>
+          <p:nvPr>
+            <p:ph/>
+          </p:nvPr>
+        </p:nvSpPr>
+        <p:spPr>
+          <a:xfrm>
+            <a:off x="640080" y="1818720"/>
+            <a:ext cx="5622120" cy="4507560"/>
+          </a:xfrm>
+          <a:prstGeom prst="rect">
+            <a:avLst/>
+          </a:prstGeom>
+          <a:noFill/>
+          <a:ln w="0">
+            <a:noFill/>
+          </a:ln>
+        </p:spPr>
+        <p:txBody>
+          <a:bodyPr lIns="0" rIns="0" tIns="0" bIns="0" anchor="t">
+            <a:normAutofit/>
+          </a:bodyPr>
+          <a:p>
+            <a:endParaRPr b="0" lang="en-US" sz="3200" spc="-1" strike="noStrike">
+              <a:latin typeface="Arial"/>
+            </a:endParaRPr>
+          </a:p>
+        </p:txBody>
+      </p:sp>
+      <p:sp>
+        <p:nvSpPr>
+          <p:cNvPr id="123" name="PlaceHolder 3"/>
+          <p:cNvSpPr>
+            <a:spLocks noGrp="1"/>
+          </p:cNvSpPr>
+          <p:nvPr>
+            <p:ph/>
+          </p:nvPr>
+        </p:nvSpPr>
+        <p:spPr>
+          <a:xfrm>
+            <a:off x="6543720" y="1818720"/>
+            <a:ext cx="5622120" cy="2149920"/>
+          </a:xfrm>
+          <a:prstGeom prst="rect">
+            <a:avLst/>
+          </a:prstGeom>
+          <a:noFill/>
+          <a:ln w="0">
+            <a:noFill/>
+          </a:ln>
+        </p:spPr>
+        <p:txBody>
+          <a:bodyPr lIns="0" rIns="0" tIns="0" bIns="0" anchor="t">
+            <a:normAutofit/>
+          </a:bodyPr>
+          <a:p>
+            <a:endParaRPr b="0" lang="en-US" sz="3200" spc="-1" strike="noStrike">
+              <a:latin typeface="Arial"/>
+            </a:endParaRPr>
+          </a:p>
+        </p:txBody>
+      </p:sp>
+      <p:sp>
+        <p:nvSpPr>
+          <p:cNvPr id="124" name="PlaceHolder 4"/>
+          <p:cNvSpPr>
+            <a:spLocks noGrp="1"/>
+          </p:cNvSpPr>
+          <p:nvPr>
+            <p:ph/>
+          </p:nvPr>
+        </p:nvSpPr>
+        <p:spPr>
+          <a:xfrm>
+            <a:off x="6543720" y="4173120"/>
+            <a:ext cx="5622120" cy="2149920"/>
+          </a:xfrm>
+          <a:prstGeom prst="rect">
+            <a:avLst/>
+          </a:prstGeom>
+          <a:noFill/>
+          <a:ln w="0">
+            <a:noFill/>
+          </a:ln>
+        </p:spPr>
+        <p:txBody>
+          <a:bodyPr lIns="0" rIns="0" tIns="0" bIns="0" anchor="t">
+            <a:normAutofit/>
+          </a:bodyPr>
+          <a:p>
+            <a:endParaRPr b="0" lang="en-US" sz="3200" spc="-1" strike="noStrike">
+              <a:latin typeface="Arial"/>
+            </a:endParaRPr>
+          </a:p>
+        </p:txBody>
+      </p:sp>
+      <p:sp>
+        <p:nvSpPr>
+          <p:cNvPr id="6" name="PlaceHolder 5"/>
+          <p:cNvSpPr>
+            <a:spLocks noGrp="1"/>
+          </p:cNvSpPr>
+          <p:nvPr>
+            <p:ph type="ftr" idx="7"/>
+          </p:nvPr>
+        </p:nvSpPr>
+        <p:spPr/>
+        <p:txBody>
+          <a:bodyPr/>
+          <a:p>
+            <a:r>
+              <a:t>Footer</a:t>
+            </a:r>
+          </a:p>
+        </p:txBody>
+      </p:sp>
+      <p:sp>
+        <p:nvSpPr>
+          <p:cNvPr id="7" name="PlaceHolder 6"/>
+          <p:cNvSpPr>
+            <a:spLocks noGrp="1"/>
+          </p:cNvSpPr>
+          <p:nvPr>
+            <p:ph type="sldNum" idx="8"/>
+          </p:nvPr>
+        </p:nvSpPr>
+        <p:spPr/>
+        <p:txBody>
+          <a:bodyPr/>
+          <a:p>
+            <a:fld id="{BA6CCB4D-D912-4468-ACFB-F57AD68ACF45}" type="slidenum">
+              <a:t>&lt;#&gt;</a:t>
+            </a:fld>
+          </a:p>
+        </p:txBody>
+      </p:sp>
+      <p:sp>
+        <p:nvSpPr>
+          <p:cNvPr id="8" name="PlaceHolder 7"/>
+          <p:cNvSpPr>
+            <a:spLocks noGrp="1"/>
+          </p:cNvSpPr>
+          <p:nvPr>
+            <p:ph type="dt" idx="9"/>
+          </p:nvPr>
+        </p:nvSpPr>
+        <p:spPr/>
+        <p:txBody>
+          <a:bodyPr/>
+          <a:p>
+            <a:r>
+              <a:rPr lang="en-US"/>
+              <a:t/>
+            </a:r>
+          </a:p>
+        </p:txBody>
+      </p:sp>
+    </p:spTree>
+  </p:cSld>
+</p:sldLayout>
+</file>
+
+<file path=ppt/slideLayouts/slideLayout33.xml><?xml version="1.0" encoding="utf-8"?>
+<p:sldLayout xmlns:a="http://schemas.openxmlformats.org/drawingml/2006/main" xmlns:p="http://schemas.openxmlformats.org/presentationml/2006/main" xmlns:r="http://schemas.openxmlformats.org/officeDocument/2006/relationships" xmlns:p14="http://schemas.microsoft.com/office/powerpoint/2010/main" xmlns:p15="http://schemas.microsoft.com/office/powerpoint/2012/main" xmlns:mc="http://schemas.openxmlformats.org/markup-compatibility/2006" type="twoObjOverTx" preserve="1">
+  <p:cSld name="Title, 2 Content over Content">
+    <p:spTree>
+      <p:nvGrpSpPr>
+        <p:cNvPr id="1" name=""/>
+        <p:cNvGrpSpPr/>
+        <p:nvPr/>
+      </p:nvGrpSpPr>
+      <p:grpSpPr>
+        <a:xfrm>
+          <a:off x="0" y="0"/>
+          <a:ext cx="0" cy="0"/>
+          <a:chOff x="0" y="0"/>
+          <a:chExt cx="0" cy="0"/>
+        </a:xfrm>
+      </p:grpSpPr>
+      <p:sp>
+        <p:nvSpPr>
+          <p:cNvPr id="125" name="PlaceHolder 1"/>
+          <p:cNvSpPr>
+            <a:spLocks noGrp="1"/>
+          </p:cNvSpPr>
+          <p:nvPr>
+            <p:ph type="title"/>
+          </p:nvPr>
+        </p:nvSpPr>
+        <p:spPr>
+          <a:xfrm>
+            <a:off x="640080" y="309960"/>
+            <a:ext cx="11521080" cy="1297440"/>
+          </a:xfrm>
+          <a:prstGeom prst="rect">
+            <a:avLst/>
+          </a:prstGeom>
+          <a:noFill/>
+          <a:ln w="0">
+            <a:noFill/>
+          </a:ln>
+        </p:spPr>
+        <p:txBody>
+          <a:bodyPr lIns="0" rIns="0" tIns="0" bIns="0" anchor="ctr">
+            <a:noAutofit/>
+          </a:bodyPr>
+          <a:p>
+            <a:pPr algn="ctr">
+              <a:buNone/>
+            </a:pPr>
+            <a:endParaRPr b="0" lang="en-US" sz="4400" spc="-1" strike="noStrike">
+              <a:latin typeface="Arial"/>
+            </a:endParaRPr>
+          </a:p>
+        </p:txBody>
+      </p:sp>
+      <p:sp>
+        <p:nvSpPr>
+          <p:cNvPr id="126" name="PlaceHolder 2"/>
+          <p:cNvSpPr>
+            <a:spLocks noGrp="1"/>
+          </p:cNvSpPr>
+          <p:nvPr>
+            <p:ph/>
+          </p:nvPr>
+        </p:nvSpPr>
+        <p:spPr>
+          <a:xfrm>
+            <a:off x="640080" y="1818720"/>
+            <a:ext cx="5622120" cy="2149920"/>
+          </a:xfrm>
+          <a:prstGeom prst="rect">
+            <a:avLst/>
+          </a:prstGeom>
+          <a:noFill/>
+          <a:ln w="0">
+            <a:noFill/>
+          </a:ln>
+        </p:spPr>
+        <p:txBody>
+          <a:bodyPr lIns="0" rIns="0" tIns="0" bIns="0" anchor="t">
+            <a:normAutofit/>
+          </a:bodyPr>
+          <a:p>
+            <a:endParaRPr b="0" lang="en-US" sz="3200" spc="-1" strike="noStrike">
+              <a:latin typeface="Arial"/>
+            </a:endParaRPr>
+          </a:p>
+        </p:txBody>
+      </p:sp>
+      <p:sp>
+        <p:nvSpPr>
+          <p:cNvPr id="127" name="PlaceHolder 3"/>
+          <p:cNvSpPr>
+            <a:spLocks noGrp="1"/>
+          </p:cNvSpPr>
+          <p:nvPr>
+            <p:ph/>
+          </p:nvPr>
+        </p:nvSpPr>
+        <p:spPr>
+          <a:xfrm>
+            <a:off x="6543720" y="1818720"/>
+            <a:ext cx="5622120" cy="2149920"/>
+          </a:xfrm>
+          <a:prstGeom prst="rect">
+            <a:avLst/>
+          </a:prstGeom>
+          <a:noFill/>
+          <a:ln w="0">
+            <a:noFill/>
+          </a:ln>
+        </p:spPr>
+        <p:txBody>
+          <a:bodyPr lIns="0" rIns="0" tIns="0" bIns="0" anchor="t">
+            <a:normAutofit/>
+          </a:bodyPr>
+          <a:p>
+            <a:endParaRPr b="0" lang="en-US" sz="3200" spc="-1" strike="noStrike">
+              <a:latin typeface="Arial"/>
+            </a:endParaRPr>
+          </a:p>
+        </p:txBody>
+      </p:sp>
+      <p:sp>
+        <p:nvSpPr>
+          <p:cNvPr id="128" name="PlaceHolder 4"/>
+          <p:cNvSpPr>
+            <a:spLocks noGrp="1"/>
+          </p:cNvSpPr>
+          <p:nvPr>
+            <p:ph/>
+          </p:nvPr>
+        </p:nvSpPr>
+        <p:spPr>
+          <a:xfrm>
+            <a:off x="640080" y="4173120"/>
+            <a:ext cx="11521080" cy="2149920"/>
+          </a:xfrm>
+          <a:prstGeom prst="rect">
+            <a:avLst/>
+          </a:prstGeom>
+          <a:noFill/>
+          <a:ln w="0">
+            <a:noFill/>
+          </a:ln>
+        </p:spPr>
+        <p:txBody>
+          <a:bodyPr lIns="0" rIns="0" tIns="0" bIns="0" anchor="t">
+            <a:normAutofit/>
+          </a:bodyPr>
+          <a:p>
+            <a:endParaRPr b="0" lang="en-US" sz="3200" spc="-1" strike="noStrike">
+              <a:latin typeface="Arial"/>
+            </a:endParaRPr>
+          </a:p>
+        </p:txBody>
+      </p:sp>
+      <p:sp>
+        <p:nvSpPr>
+          <p:cNvPr id="6" name="PlaceHolder 5"/>
+          <p:cNvSpPr>
+            <a:spLocks noGrp="1"/>
+          </p:cNvSpPr>
+          <p:nvPr>
+            <p:ph type="ftr" idx="7"/>
+          </p:nvPr>
+        </p:nvSpPr>
+        <p:spPr/>
+        <p:txBody>
+          <a:bodyPr/>
+          <a:p>
+            <a:r>
+              <a:t>Footer</a:t>
+            </a:r>
+          </a:p>
+        </p:txBody>
+      </p:sp>
+      <p:sp>
+        <p:nvSpPr>
+          <p:cNvPr id="7" name="PlaceHolder 6"/>
+          <p:cNvSpPr>
+            <a:spLocks noGrp="1"/>
+          </p:cNvSpPr>
+          <p:nvPr>
+            <p:ph type="sldNum" idx="8"/>
+          </p:nvPr>
+        </p:nvSpPr>
+        <p:spPr/>
+        <p:txBody>
+          <a:bodyPr/>
+          <a:p>
+            <a:fld id="{7EBCFD14-38D3-4EEB-B4F6-4FA35695C657}" type="slidenum">
+              <a:t>&lt;#&gt;</a:t>
+            </a:fld>
+          </a:p>
+        </p:txBody>
+      </p:sp>
+      <p:sp>
+        <p:nvSpPr>
+          <p:cNvPr id="8" name="PlaceHolder 7"/>
+          <p:cNvSpPr>
+            <a:spLocks noGrp="1"/>
+          </p:cNvSpPr>
+          <p:nvPr>
+            <p:ph type="dt" idx="9"/>
+          </p:nvPr>
+        </p:nvSpPr>
+        <p:spPr/>
+        <p:txBody>
+          <a:bodyPr/>
+          <a:p>
+            <a:r>
+              <a:rPr lang="en-US"/>
+              <a:t/>
+            </a:r>
+          </a:p>
+        </p:txBody>
+      </p:sp>
+    </p:spTree>
+  </p:cSld>
+</p:sldLayout>
+</file>
+
+<file path=ppt/slideLayouts/slideLayout34.xml><?xml version="1.0" encoding="utf-8"?>
+<p:sldLayout xmlns:a="http://schemas.openxmlformats.org/drawingml/2006/main" xmlns:p="http://schemas.openxmlformats.org/presentationml/2006/main" xmlns:r="http://schemas.openxmlformats.org/officeDocument/2006/relationships" xmlns:p14="http://schemas.microsoft.com/office/powerpoint/2010/main" xmlns:p15="http://schemas.microsoft.com/office/powerpoint/2012/main" xmlns:mc="http://schemas.openxmlformats.org/markup-compatibility/2006" type="objOverTx" preserve="1">
+  <p:cSld name="Title, Content over Content">
+    <p:spTree>
+      <p:nvGrpSpPr>
+        <p:cNvPr id="1" name=""/>
+        <p:cNvGrpSpPr/>
+        <p:nvPr/>
+      </p:nvGrpSpPr>
+      <p:grpSpPr>
+        <a:xfrm>
+          <a:off x="0" y="0"/>
+          <a:ext cx="0" cy="0"/>
+          <a:chOff x="0" y="0"/>
+          <a:chExt cx="0" cy="0"/>
+        </a:xfrm>
+      </p:grpSpPr>
+      <p:sp>
+        <p:nvSpPr>
+          <p:cNvPr id="129" name="PlaceHolder 1"/>
+          <p:cNvSpPr>
+            <a:spLocks noGrp="1"/>
+          </p:cNvSpPr>
+          <p:nvPr>
+            <p:ph type="title"/>
+          </p:nvPr>
+        </p:nvSpPr>
+        <p:spPr>
+          <a:xfrm>
+            <a:off x="640080" y="309960"/>
+            <a:ext cx="11521080" cy="1297440"/>
+          </a:xfrm>
+          <a:prstGeom prst="rect">
+            <a:avLst/>
+          </a:prstGeom>
+          <a:noFill/>
+          <a:ln w="0">
+            <a:noFill/>
+          </a:ln>
+        </p:spPr>
+        <p:txBody>
+          <a:bodyPr lIns="0" rIns="0" tIns="0" bIns="0" anchor="ctr">
+            <a:noAutofit/>
+          </a:bodyPr>
+          <a:p>
+            <a:pPr algn="ctr">
+              <a:buNone/>
+            </a:pPr>
+            <a:endParaRPr b="0" lang="en-US" sz="4400" spc="-1" strike="noStrike">
+              <a:latin typeface="Arial"/>
+            </a:endParaRPr>
+          </a:p>
+        </p:txBody>
+      </p:sp>
+      <p:sp>
+        <p:nvSpPr>
+          <p:cNvPr id="130" name="PlaceHolder 2"/>
+          <p:cNvSpPr>
+            <a:spLocks noGrp="1"/>
+          </p:cNvSpPr>
+          <p:nvPr>
+            <p:ph/>
+          </p:nvPr>
+        </p:nvSpPr>
+        <p:spPr>
+          <a:xfrm>
+            <a:off x="640080" y="1818720"/>
+            <a:ext cx="11521080" cy="2149920"/>
+          </a:xfrm>
+          <a:prstGeom prst="rect">
+            <a:avLst/>
+          </a:prstGeom>
+          <a:noFill/>
+          <a:ln w="0">
+            <a:noFill/>
+          </a:ln>
+        </p:spPr>
+        <p:txBody>
+          <a:bodyPr lIns="0" rIns="0" tIns="0" bIns="0" anchor="t">
+            <a:normAutofit/>
+          </a:bodyPr>
+          <a:p>
+            <a:endParaRPr b="0" lang="en-US" sz="3200" spc="-1" strike="noStrike">
+              <a:latin typeface="Arial"/>
+            </a:endParaRPr>
+          </a:p>
+        </p:txBody>
+      </p:sp>
+      <p:sp>
+        <p:nvSpPr>
+          <p:cNvPr id="131" name="PlaceHolder 3"/>
+          <p:cNvSpPr>
+            <a:spLocks noGrp="1"/>
+          </p:cNvSpPr>
+          <p:nvPr>
+            <p:ph/>
+          </p:nvPr>
+        </p:nvSpPr>
+        <p:spPr>
+          <a:xfrm>
+            <a:off x="640080" y="4173120"/>
+            <a:ext cx="11521080" cy="2149920"/>
+          </a:xfrm>
+          <a:prstGeom prst="rect">
+            <a:avLst/>
+          </a:prstGeom>
+          <a:noFill/>
+          <a:ln w="0">
+            <a:noFill/>
+          </a:ln>
+        </p:spPr>
+        <p:txBody>
+          <a:bodyPr lIns="0" rIns="0" tIns="0" bIns="0" anchor="t">
+            <a:normAutofit/>
+          </a:bodyPr>
+          <a:p>
+            <a:endParaRPr b="0" lang="en-US" sz="3200" spc="-1" strike="noStrike">
+              <a:latin typeface="Arial"/>
+            </a:endParaRPr>
+          </a:p>
+        </p:txBody>
+      </p:sp>
+      <p:sp>
+        <p:nvSpPr>
+          <p:cNvPr id="5" name="PlaceHolder 4"/>
+          <p:cNvSpPr>
+            <a:spLocks noGrp="1"/>
+          </p:cNvSpPr>
+          <p:nvPr>
+            <p:ph type="ftr" idx="7"/>
+          </p:nvPr>
+        </p:nvSpPr>
+        <p:spPr/>
+        <p:txBody>
+          <a:bodyPr/>
+          <a:p>
+            <a:r>
+              <a:t>Footer</a:t>
+            </a:r>
+          </a:p>
+        </p:txBody>
+      </p:sp>
+      <p:sp>
+        <p:nvSpPr>
+          <p:cNvPr id="6" name="PlaceHolder 5"/>
+          <p:cNvSpPr>
+            <a:spLocks noGrp="1"/>
+          </p:cNvSpPr>
+          <p:nvPr>
+            <p:ph type="sldNum" idx="8"/>
+          </p:nvPr>
+        </p:nvSpPr>
+        <p:spPr/>
+        <p:txBody>
+          <a:bodyPr/>
+          <a:p>
+            <a:fld id="{0AE1D0C6-093C-4169-81E1-3862A5A42095}" type="slidenum">
+              <a:t>&lt;#&gt;</a:t>
+            </a:fld>
+          </a:p>
+        </p:txBody>
+      </p:sp>
+      <p:sp>
+        <p:nvSpPr>
+          <p:cNvPr id="7" name="PlaceHolder 6"/>
+          <p:cNvSpPr>
+            <a:spLocks noGrp="1"/>
+          </p:cNvSpPr>
+          <p:nvPr>
+            <p:ph type="dt" idx="9"/>
+          </p:nvPr>
+        </p:nvSpPr>
+        <p:spPr/>
+        <p:txBody>
+          <a:bodyPr/>
+          <a:p>
+            <a:r>
+              <a:rPr lang="en-US"/>
+              <a:t/>
+            </a:r>
+          </a:p>
+        </p:txBody>
+      </p:sp>
+    </p:spTree>
+  </p:cSld>
+</p:sldLayout>
+</file>
+
+<file path=ppt/slideLayouts/slideLayout35.xml><?xml version="1.0" encoding="utf-8"?>
+<p:sldLayout xmlns:a="http://schemas.openxmlformats.org/drawingml/2006/main" xmlns:p="http://schemas.openxmlformats.org/presentationml/2006/main" xmlns:r="http://schemas.openxmlformats.org/officeDocument/2006/relationships" xmlns:p14="http://schemas.microsoft.com/office/powerpoint/2010/main" xmlns:p15="http://schemas.microsoft.com/office/powerpoint/2012/main" xmlns:mc="http://schemas.openxmlformats.org/markup-compatibility/2006" type="fourObj" preserve="1">
+  <p:cSld name="Title, 4 Content">
+    <p:spTree>
+      <p:nvGrpSpPr>
+        <p:cNvPr id="1" name=""/>
+        <p:cNvGrpSpPr/>
+        <p:nvPr/>
+      </p:nvGrpSpPr>
+      <p:grpSpPr>
+        <a:xfrm>
+          <a:off x="0" y="0"/>
+          <a:ext cx="0" cy="0"/>
+          <a:chOff x="0" y="0"/>
+          <a:chExt cx="0" cy="0"/>
+        </a:xfrm>
+      </p:grpSpPr>
+      <p:sp>
+        <p:nvSpPr>
+          <p:cNvPr id="132" name="PlaceHolder 1"/>
+          <p:cNvSpPr>
+            <a:spLocks noGrp="1"/>
+          </p:cNvSpPr>
+          <p:nvPr>
+            <p:ph type="title"/>
+          </p:nvPr>
+        </p:nvSpPr>
+        <p:spPr>
+          <a:xfrm>
+            <a:off x="640080" y="309960"/>
+            <a:ext cx="11521080" cy="1297440"/>
+          </a:xfrm>
+          <a:prstGeom prst="rect">
+            <a:avLst/>
+          </a:prstGeom>
+          <a:noFill/>
+          <a:ln w="0">
+            <a:noFill/>
+          </a:ln>
+        </p:spPr>
+        <p:txBody>
+          <a:bodyPr lIns="0" rIns="0" tIns="0" bIns="0" anchor="ctr">
+            <a:noAutofit/>
+          </a:bodyPr>
+          <a:p>
+            <a:pPr algn="ctr">
+              <a:buNone/>
+            </a:pPr>
+            <a:endParaRPr b="0" lang="en-US" sz="4400" spc="-1" strike="noStrike">
+              <a:latin typeface="Arial"/>
+            </a:endParaRPr>
+          </a:p>
+        </p:txBody>
+      </p:sp>
+      <p:sp>
+        <p:nvSpPr>
+          <p:cNvPr id="133" name="PlaceHolder 2"/>
+          <p:cNvSpPr>
+            <a:spLocks noGrp="1"/>
+          </p:cNvSpPr>
+          <p:nvPr>
+            <p:ph/>
+          </p:nvPr>
+        </p:nvSpPr>
+        <p:spPr>
+          <a:xfrm>
+            <a:off x="640080" y="1818720"/>
+            <a:ext cx="5622120" cy="2149920"/>
+          </a:xfrm>
+          <a:prstGeom prst="rect">
+            <a:avLst/>
+          </a:prstGeom>
+          <a:noFill/>
+          <a:ln w="0">
+            <a:noFill/>
+          </a:ln>
+        </p:spPr>
+        <p:txBody>
+          <a:bodyPr lIns="0" rIns="0" tIns="0" bIns="0" anchor="t">
+            <a:normAutofit/>
+          </a:bodyPr>
+          <a:p>
+            <a:endParaRPr b="0" lang="en-US" sz="3200" spc="-1" strike="noStrike">
+              <a:latin typeface="Arial"/>
+            </a:endParaRPr>
+          </a:p>
+        </p:txBody>
+      </p:sp>
+      <p:sp>
+        <p:nvSpPr>
+          <p:cNvPr id="134" name="PlaceHolder 3"/>
+          <p:cNvSpPr>
+            <a:spLocks noGrp="1"/>
+          </p:cNvSpPr>
+          <p:nvPr>
+            <p:ph/>
+          </p:nvPr>
+        </p:nvSpPr>
+        <p:spPr>
+          <a:xfrm>
+            <a:off x="6543720" y="1818720"/>
+            <a:ext cx="5622120" cy="2149920"/>
+          </a:xfrm>
+          <a:prstGeom prst="rect">
+            <a:avLst/>
+          </a:prstGeom>
+          <a:noFill/>
+          <a:ln w="0">
+            <a:noFill/>
+          </a:ln>
+        </p:spPr>
+        <p:txBody>
+          <a:bodyPr lIns="0" rIns="0" tIns="0" bIns="0" anchor="t">
+            <a:normAutofit/>
+          </a:bodyPr>
+          <a:p>
+            <a:endParaRPr b="0" lang="en-US" sz="3200" spc="-1" strike="noStrike">
+              <a:latin typeface="Arial"/>
+            </a:endParaRPr>
+          </a:p>
+        </p:txBody>
+      </p:sp>
+      <p:sp>
+        <p:nvSpPr>
+          <p:cNvPr id="135" name="PlaceHolder 4"/>
+          <p:cNvSpPr>
+            <a:spLocks noGrp="1"/>
+          </p:cNvSpPr>
+          <p:nvPr>
+            <p:ph/>
+          </p:nvPr>
+        </p:nvSpPr>
+        <p:spPr>
+          <a:xfrm>
+            <a:off x="640080" y="4173120"/>
+            <a:ext cx="5622120" cy="2149920"/>
+          </a:xfrm>
+          <a:prstGeom prst="rect">
+            <a:avLst/>
+          </a:prstGeom>
+          <a:noFill/>
+          <a:ln w="0">
+            <a:noFill/>
+          </a:ln>
+        </p:spPr>
+        <p:txBody>
+          <a:bodyPr lIns="0" rIns="0" tIns="0" bIns="0" anchor="t">
+            <a:normAutofit/>
+          </a:bodyPr>
+          <a:p>
+            <a:endParaRPr b="0" lang="en-US" sz="3200" spc="-1" strike="noStrike">
+              <a:latin typeface="Arial"/>
+            </a:endParaRPr>
+          </a:p>
+        </p:txBody>
+      </p:sp>
+      <p:sp>
+        <p:nvSpPr>
+          <p:cNvPr id="136" name="PlaceHolder 5"/>
+          <p:cNvSpPr>
+            <a:spLocks noGrp="1"/>
+          </p:cNvSpPr>
+          <p:nvPr>
+            <p:ph/>
+          </p:nvPr>
+        </p:nvSpPr>
+        <p:spPr>
+          <a:xfrm>
+            <a:off x="6543720" y="4173120"/>
+            <a:ext cx="5622120" cy="2149920"/>
+          </a:xfrm>
+          <a:prstGeom prst="rect">
+            <a:avLst/>
+          </a:prstGeom>
+          <a:noFill/>
+          <a:ln w="0">
+            <a:noFill/>
+          </a:ln>
+        </p:spPr>
+        <p:txBody>
+          <a:bodyPr lIns="0" rIns="0" tIns="0" bIns="0" anchor="t">
+            <a:normAutofit/>
+          </a:bodyPr>
+          <a:p>
+            <a:endParaRPr b="0" lang="en-US" sz="3200" spc="-1" strike="noStrike">
+              <a:latin typeface="Arial"/>
+            </a:endParaRPr>
+          </a:p>
+        </p:txBody>
+      </p:sp>
+      <p:sp>
+        <p:nvSpPr>
+          <p:cNvPr id="7" name="PlaceHolder 6"/>
+          <p:cNvSpPr>
+            <a:spLocks noGrp="1"/>
+          </p:cNvSpPr>
+          <p:nvPr>
+            <p:ph type="ftr" idx="7"/>
+          </p:nvPr>
+        </p:nvSpPr>
+        <p:spPr/>
+        <p:txBody>
+          <a:bodyPr/>
+          <a:p>
+            <a:r>
+              <a:t>Footer</a:t>
+            </a:r>
+          </a:p>
+        </p:txBody>
+      </p:sp>
+      <p:sp>
+        <p:nvSpPr>
+          <p:cNvPr id="8" name="PlaceHolder 7"/>
+          <p:cNvSpPr>
+            <a:spLocks noGrp="1"/>
+          </p:cNvSpPr>
+          <p:nvPr>
+            <p:ph type="sldNum" idx="8"/>
+          </p:nvPr>
+        </p:nvSpPr>
+        <p:spPr/>
+        <p:txBody>
+          <a:bodyPr/>
+          <a:p>
+            <a:fld id="{5C108322-8E08-4453-A5BE-DC1B32B72C0F}" type="slidenum">
+              <a:t>&lt;#&gt;</a:t>
+            </a:fld>
+          </a:p>
+        </p:txBody>
+      </p:sp>
+      <p:sp>
+        <p:nvSpPr>
+          <p:cNvPr id="9" name="PlaceHolder 8"/>
+          <p:cNvSpPr>
+            <a:spLocks noGrp="1"/>
+          </p:cNvSpPr>
+          <p:nvPr>
+            <p:ph type="dt" idx="9"/>
+          </p:nvPr>
+        </p:nvSpPr>
+        <p:spPr/>
+        <p:txBody>
+          <a:bodyPr/>
+          <a:p>
+            <a:r>
+              <a:rPr lang="en-US"/>
+              <a:t/>
+            </a:r>
+          </a:p>
+        </p:txBody>
+      </p:sp>
+    </p:spTree>
+  </p:cSld>
+</p:sldLayout>
+</file>
+
+<file path=ppt/slideLayouts/slideLayout36.xml><?xml version="1.0" encoding="utf-8"?>
+<p:sldLayout xmlns:a="http://schemas.openxmlformats.org/drawingml/2006/main" xmlns:p="http://schemas.openxmlformats.org/presentationml/2006/main" xmlns:r="http://schemas.openxmlformats.org/officeDocument/2006/relationships" xmlns:p14="http://schemas.microsoft.com/office/powerpoint/2010/main" xmlns:p15="http://schemas.microsoft.com/office/powerpoint/2012/main" xmlns:mc="http://schemas.openxmlformats.org/markup-compatibility/2006" type="blank" preserve="1">
+  <p:cSld name="Title, 6 Content">
+    <p:spTree>
+      <p:nvGrpSpPr>
+        <p:cNvPr id="1" name=""/>
+        <p:cNvGrpSpPr/>
+        <p:nvPr/>
+      </p:nvGrpSpPr>
+      <p:grpSpPr>
+        <a:xfrm>
+          <a:off x="0" y="0"/>
+          <a:ext cx="0" cy="0"/>
+          <a:chOff x="0" y="0"/>
+          <a:chExt cx="0" cy="0"/>
+        </a:xfrm>
+      </p:grpSpPr>
+      <p:sp>
+        <p:nvSpPr>
+          <p:cNvPr id="137" name="PlaceHolder 1"/>
+          <p:cNvSpPr>
+            <a:spLocks noGrp="1"/>
+          </p:cNvSpPr>
+          <p:nvPr>
+            <p:ph type="title"/>
+          </p:nvPr>
+        </p:nvSpPr>
+        <p:spPr>
+          <a:xfrm>
+            <a:off x="640080" y="309960"/>
+            <a:ext cx="11521080" cy="1297440"/>
+          </a:xfrm>
+          <a:prstGeom prst="rect">
+            <a:avLst/>
+          </a:prstGeom>
+          <a:noFill/>
+          <a:ln w="0">
+            <a:noFill/>
+          </a:ln>
+        </p:spPr>
+        <p:txBody>
+          <a:bodyPr lIns="0" rIns="0" tIns="0" bIns="0" anchor="ctr">
+            <a:noAutofit/>
+          </a:bodyPr>
+          <a:p>
+            <a:pPr algn="ctr">
+              <a:buNone/>
+            </a:pPr>
+            <a:endParaRPr b="0" lang="en-US" sz="4400" spc="-1" strike="noStrike">
+              <a:latin typeface="Arial"/>
+            </a:endParaRPr>
+          </a:p>
+        </p:txBody>
+      </p:sp>
+      <p:sp>
+        <p:nvSpPr>
+          <p:cNvPr id="138" name="PlaceHolder 2"/>
+          <p:cNvSpPr>
+            <a:spLocks noGrp="1"/>
+          </p:cNvSpPr>
+          <p:nvPr>
+            <p:ph/>
+          </p:nvPr>
+        </p:nvSpPr>
+        <p:spPr>
+          <a:xfrm>
+            <a:off x="640080" y="1818720"/>
+            <a:ext cx="3709440" cy="2149920"/>
+          </a:xfrm>
+          <a:prstGeom prst="rect">
+            <a:avLst/>
+          </a:prstGeom>
+          <a:noFill/>
+          <a:ln w="0">
+            <a:noFill/>
+          </a:ln>
+        </p:spPr>
+        <p:txBody>
+          <a:bodyPr lIns="0" rIns="0" tIns="0" bIns="0" anchor="t">
+            <a:normAutofit/>
+          </a:bodyPr>
+          <a:p>
+            <a:endParaRPr b="0" lang="en-US" sz="3200" spc="-1" strike="noStrike">
+              <a:latin typeface="Arial"/>
+            </a:endParaRPr>
+          </a:p>
+        </p:txBody>
+      </p:sp>
+      <p:sp>
+        <p:nvSpPr>
+          <p:cNvPr id="139" name="PlaceHolder 3"/>
+          <p:cNvSpPr>
+            <a:spLocks noGrp="1"/>
+          </p:cNvSpPr>
+          <p:nvPr>
+            <p:ph/>
+          </p:nvPr>
+        </p:nvSpPr>
+        <p:spPr>
+          <a:xfrm>
+            <a:off x="4535280" y="1818720"/>
+            <a:ext cx="3709440" cy="2149920"/>
+          </a:xfrm>
+          <a:prstGeom prst="rect">
+            <a:avLst/>
+          </a:prstGeom>
+          <a:noFill/>
+          <a:ln w="0">
+            <a:noFill/>
+          </a:ln>
+        </p:spPr>
+        <p:txBody>
+          <a:bodyPr lIns="0" rIns="0" tIns="0" bIns="0" anchor="t">
+            <a:normAutofit/>
+          </a:bodyPr>
+          <a:p>
+            <a:endParaRPr b="0" lang="en-US" sz="3200" spc="-1" strike="noStrike">
+              <a:latin typeface="Arial"/>
+            </a:endParaRPr>
+          </a:p>
+        </p:txBody>
+      </p:sp>
+      <p:sp>
+        <p:nvSpPr>
+          <p:cNvPr id="140" name="PlaceHolder 4"/>
+          <p:cNvSpPr>
+            <a:spLocks noGrp="1"/>
+          </p:cNvSpPr>
+          <p:nvPr>
+            <p:ph/>
+          </p:nvPr>
+        </p:nvSpPr>
+        <p:spPr>
+          <a:xfrm>
+            <a:off x="8430840" y="1818720"/>
+            <a:ext cx="3709440" cy="2149920"/>
+          </a:xfrm>
+          <a:prstGeom prst="rect">
+            <a:avLst/>
+          </a:prstGeom>
+          <a:noFill/>
+          <a:ln w="0">
+            <a:noFill/>
+          </a:ln>
+        </p:spPr>
+        <p:txBody>
+          <a:bodyPr lIns="0" rIns="0" tIns="0" bIns="0" anchor="t">
+            <a:normAutofit/>
+          </a:bodyPr>
+          <a:p>
+            <a:endParaRPr b="0" lang="en-US" sz="3200" spc="-1" strike="noStrike">
+              <a:latin typeface="Arial"/>
+            </a:endParaRPr>
+          </a:p>
+        </p:txBody>
+      </p:sp>
+      <p:sp>
+        <p:nvSpPr>
+          <p:cNvPr id="141" name="PlaceHolder 5"/>
+          <p:cNvSpPr>
+            <a:spLocks noGrp="1"/>
+          </p:cNvSpPr>
+          <p:nvPr>
+            <p:ph/>
+          </p:nvPr>
+        </p:nvSpPr>
+        <p:spPr>
+          <a:xfrm>
+            <a:off x="640080" y="4173120"/>
+            <a:ext cx="3709440" cy="2149920"/>
+          </a:xfrm>
+          <a:prstGeom prst="rect">
+            <a:avLst/>
+          </a:prstGeom>
+          <a:noFill/>
+          <a:ln w="0">
+            <a:noFill/>
+          </a:ln>
+        </p:spPr>
+        <p:txBody>
+          <a:bodyPr lIns="0" rIns="0" tIns="0" bIns="0" anchor="t">
+            <a:normAutofit/>
+          </a:bodyPr>
+          <a:p>
+            <a:endParaRPr b="0" lang="en-US" sz="3200" spc="-1" strike="noStrike">
+              <a:latin typeface="Arial"/>
+            </a:endParaRPr>
+          </a:p>
+        </p:txBody>
+      </p:sp>
+      <p:sp>
+        <p:nvSpPr>
+          <p:cNvPr id="142" name="PlaceHolder 6"/>
+          <p:cNvSpPr>
+            <a:spLocks noGrp="1"/>
+          </p:cNvSpPr>
+          <p:nvPr>
+            <p:ph/>
+          </p:nvPr>
+        </p:nvSpPr>
+        <p:spPr>
+          <a:xfrm>
+            <a:off x="4535280" y="4173120"/>
+            <a:ext cx="3709440" cy="2149920"/>
+          </a:xfrm>
+          <a:prstGeom prst="rect">
+            <a:avLst/>
+          </a:prstGeom>
+          <a:noFill/>
+          <a:ln w="0">
+            <a:noFill/>
+          </a:ln>
+        </p:spPr>
+        <p:txBody>
+          <a:bodyPr lIns="0" rIns="0" tIns="0" bIns="0" anchor="t">
+            <a:normAutofit/>
+          </a:bodyPr>
+          <a:p>
+            <a:endParaRPr b="0" lang="en-US" sz="3200" spc="-1" strike="noStrike">
+              <a:latin typeface="Arial"/>
+            </a:endParaRPr>
+          </a:p>
+        </p:txBody>
+      </p:sp>
+      <p:sp>
+        <p:nvSpPr>
+          <p:cNvPr id="143" name="PlaceHolder 7"/>
+          <p:cNvSpPr>
+            <a:spLocks noGrp="1"/>
+          </p:cNvSpPr>
+          <p:nvPr>
+            <p:ph/>
+          </p:nvPr>
+        </p:nvSpPr>
+        <p:spPr>
+          <a:xfrm>
+            <a:off x="8430840" y="4173120"/>
+            <a:ext cx="3709440" cy="2149920"/>
+          </a:xfrm>
+          <a:prstGeom prst="rect">
+            <a:avLst/>
+          </a:prstGeom>
+          <a:noFill/>
+          <a:ln w="0">
+            <a:noFill/>
+          </a:ln>
+        </p:spPr>
+        <p:txBody>
+          <a:bodyPr lIns="0" rIns="0" tIns="0" bIns="0" anchor="t">
+            <a:normAutofit/>
+          </a:bodyPr>
+          <a:p>
+            <a:endParaRPr b="0" lang="en-US" sz="3200" spc="-1" strike="noStrike">
+              <a:latin typeface="Arial"/>
+            </a:endParaRPr>
+          </a:p>
+        </p:txBody>
+      </p:sp>
+      <p:sp>
+        <p:nvSpPr>
+          <p:cNvPr id="9" name="PlaceHolder 8"/>
+          <p:cNvSpPr>
+            <a:spLocks noGrp="1"/>
+          </p:cNvSpPr>
+          <p:nvPr>
+            <p:ph type="ftr" idx="7"/>
+          </p:nvPr>
+        </p:nvSpPr>
+        <p:spPr/>
+        <p:txBody>
+          <a:bodyPr/>
+          <a:p>
+            <a:r>
+              <a:t>Footer</a:t>
+            </a:r>
+          </a:p>
+        </p:txBody>
+      </p:sp>
+      <p:sp>
+        <p:nvSpPr>
+          <p:cNvPr id="10" name="PlaceHolder 9"/>
+          <p:cNvSpPr>
+            <a:spLocks noGrp="1"/>
+          </p:cNvSpPr>
+          <p:nvPr>
+            <p:ph type="sldNum" idx="8"/>
+          </p:nvPr>
+        </p:nvSpPr>
+        <p:spPr/>
+        <p:txBody>
+          <a:bodyPr/>
+          <a:p>
+            <a:fld id="{567F367F-63B6-4B6D-B291-A8FE3C99F31A}" type="slidenum">
+              <a:t>&lt;#&gt;</a:t>
+            </a:fld>
+          </a:p>
+        </p:txBody>
+      </p:sp>
+      <p:sp>
+        <p:nvSpPr>
+          <p:cNvPr id="11" name="PlaceHolder 10"/>
+          <p:cNvSpPr>
+            <a:spLocks noGrp="1"/>
+          </p:cNvSpPr>
+          <p:nvPr>
+            <p:ph type="dt" idx="9"/>
           </p:nvPr>
         </p:nvSpPr>
         <p:spPr/>
@@ -3916,8 +6178,8 @@
         </p:nvSpPr>
         <p:spPr>
           <a:xfrm>
-            <a:off x="609120" y="273600"/>
-            <a:ext cx="10969560" cy="1144800"/>
+            <a:off x="640080" y="309960"/>
+            <a:ext cx="11521080" cy="1297440"/>
           </a:xfrm>
           <a:prstGeom prst="rect">
             <a:avLst/>
@@ -3953,8 +6215,8 @@
         </p:nvSpPr>
         <p:spPr>
           <a:xfrm>
-            <a:off x="609120" y="1604520"/>
-            <a:ext cx="5352840" cy="3977280"/>
+            <a:off x="640080" y="1818720"/>
+            <a:ext cx="5622120" cy="4507560"/>
           </a:xfrm>
           <a:prstGeom prst="rect">
             <a:avLst/>
@@ -3987,8 +6249,8 @@
         </p:nvSpPr>
         <p:spPr>
           <a:xfrm>
-            <a:off x="6230160" y="1604520"/>
-            <a:ext cx="5352840" cy="3977280"/>
+            <a:off x="6543720" y="1818720"/>
+            <a:ext cx="5622120" cy="4507560"/>
           </a:xfrm>
           <a:prstGeom prst="rect">
             <a:avLst/>
@@ -4043,7 +6305,7 @@
         <p:txBody>
           <a:bodyPr/>
           <a:p>
-            <a:fld id="{22F6C14F-879A-421B-A7E8-CFE2D1A85C13}" type="slidenum">
+            <a:fld id="{E2CDFA0D-176E-41F8-9EA5-A06D92FA646E}" type="slidenum">
               <a:t>&lt;#&gt;</a:t>
             </a:fld>
           </a:p>
@@ -4104,8 +6366,8 @@
         </p:nvSpPr>
         <p:spPr>
           <a:xfrm>
-            <a:off x="609120" y="273600"/>
-            <a:ext cx="10969560" cy="1144800"/>
+            <a:off x="640080" y="309960"/>
+            <a:ext cx="11521080" cy="1297440"/>
           </a:xfrm>
           <a:prstGeom prst="rect">
             <a:avLst/>
@@ -4163,7 +6425,7 @@
         <p:txBody>
           <a:bodyPr/>
           <a:p>
-            <a:fld id="{501B19C4-733E-4503-98F0-5287ED1822EA}" type="slidenum">
+            <a:fld id="{586BFD34-9059-44D6-946E-AC2A18D9D9A9}" type="slidenum">
               <a:t>&lt;#&gt;</a:t>
             </a:fld>
           </a:p>
@@ -4224,8 +6486,8 @@
         </p:nvSpPr>
         <p:spPr>
           <a:xfrm>
-            <a:off x="609120" y="273600"/>
-            <a:ext cx="10969560" cy="5307840"/>
+            <a:off x="640080" y="309960"/>
+            <a:ext cx="11521080" cy="6015600"/>
           </a:xfrm>
           <a:prstGeom prst="rect">
             <a:avLst/>
@@ -4283,7 +6545,7 @@
         <p:txBody>
           <a:bodyPr/>
           <a:p>
-            <a:fld id="{3C2EDDA7-8504-42FD-9774-353BEBAF7928}" type="slidenum">
+            <a:fld id="{340816EF-8F0B-4C02-BE72-7503A19C9491}" type="slidenum">
               <a:t>&lt;#&gt;</a:t>
             </a:fld>
           </a:p>
@@ -4344,8 +6606,8 @@
         </p:nvSpPr>
         <p:spPr>
           <a:xfrm>
-            <a:off x="609120" y="273600"/>
-            <a:ext cx="10969560" cy="1144800"/>
+            <a:off x="640080" y="309960"/>
+            <a:ext cx="11521080" cy="1297440"/>
           </a:xfrm>
           <a:prstGeom prst="rect">
             <a:avLst/>
@@ -4381,8 +6643,8 @@
         </p:nvSpPr>
         <p:spPr>
           <a:xfrm>
-            <a:off x="609120" y="1604520"/>
-            <a:ext cx="5352840" cy="1896840"/>
+            <a:off x="640080" y="1818720"/>
+            <a:ext cx="5622120" cy="2149920"/>
           </a:xfrm>
           <a:prstGeom prst="rect">
             <a:avLst/>
@@ -4415,8 +6677,8 @@
         </p:nvSpPr>
         <p:spPr>
           <a:xfrm>
-            <a:off x="6230160" y="1604520"/>
-            <a:ext cx="5352840" cy="3977280"/>
+            <a:off x="6543720" y="1818720"/>
+            <a:ext cx="5622120" cy="4507560"/>
           </a:xfrm>
           <a:prstGeom prst="rect">
             <a:avLst/>
@@ -4449,8 +6711,8 @@
         </p:nvSpPr>
         <p:spPr>
           <a:xfrm>
-            <a:off x="609120" y="3682080"/>
-            <a:ext cx="5352840" cy="1896840"/>
+            <a:off x="640080" y="4173120"/>
+            <a:ext cx="5622120" cy="2149920"/>
           </a:xfrm>
           <a:prstGeom prst="rect">
             <a:avLst/>
@@ -4505,7 +6767,7 @@
         <p:txBody>
           <a:bodyPr/>
           <a:p>
-            <a:fld id="{881E7D36-3A64-4F2C-B1C2-94247C542EB7}" type="slidenum">
+            <a:fld id="{32CA6B59-C531-488B-A029-485EBF497492}" type="slidenum">
               <a:t>&lt;#&gt;</a:t>
             </a:fld>
           </a:p>
@@ -4566,8 +6828,8 @@
         </p:nvSpPr>
         <p:spPr>
           <a:xfrm>
-            <a:off x="609120" y="273600"/>
-            <a:ext cx="10969560" cy="1144800"/>
+            <a:off x="640080" y="309960"/>
+            <a:ext cx="11521080" cy="1297440"/>
           </a:xfrm>
           <a:prstGeom prst="rect">
             <a:avLst/>
@@ -4603,8 +6865,8 @@
         </p:nvSpPr>
         <p:spPr>
           <a:xfrm>
-            <a:off x="609120" y="1604520"/>
-            <a:ext cx="5352840" cy="3977280"/>
+            <a:off x="640080" y="1818720"/>
+            <a:ext cx="5622120" cy="4507560"/>
           </a:xfrm>
           <a:prstGeom prst="rect">
             <a:avLst/>
@@ -4637,8 +6899,8 @@
         </p:nvSpPr>
         <p:spPr>
           <a:xfrm>
-            <a:off x="6230160" y="1604520"/>
-            <a:ext cx="5352840" cy="1896840"/>
+            <a:off x="6543720" y="1818720"/>
+            <a:ext cx="5622120" cy="2149920"/>
           </a:xfrm>
           <a:prstGeom prst="rect">
             <a:avLst/>
@@ -4671,8 +6933,8 @@
         </p:nvSpPr>
         <p:spPr>
           <a:xfrm>
-            <a:off x="6230160" y="3682080"/>
-            <a:ext cx="5352840" cy="1896840"/>
+            <a:off x="6543720" y="4173120"/>
+            <a:ext cx="5622120" cy="2149920"/>
           </a:xfrm>
           <a:prstGeom prst="rect">
             <a:avLst/>
@@ -4727,7 +6989,7 @@
         <p:txBody>
           <a:bodyPr/>
           <a:p>
-            <a:fld id="{C15C1A06-EAB5-427C-8EC5-78AD30D972E3}" type="slidenum">
+            <a:fld id="{737002B5-376F-42D8-A0B3-435D74D08920}" type="slidenum">
               <a:t>&lt;#&gt;</a:t>
             </a:fld>
           </a:p>
@@ -4788,8 +7050,8 @@
         </p:nvSpPr>
         <p:spPr>
           <a:xfrm>
-            <a:off x="609120" y="273600"/>
-            <a:ext cx="10969560" cy="1144800"/>
+            <a:off x="640080" y="309960"/>
+            <a:ext cx="11521080" cy="1297440"/>
           </a:xfrm>
           <a:prstGeom prst="rect">
             <a:avLst/>
@@ -4825,8 +7087,8 @@
         </p:nvSpPr>
         <p:spPr>
           <a:xfrm>
-            <a:off x="609120" y="1604520"/>
-            <a:ext cx="5352840" cy="1896840"/>
+            <a:off x="640080" y="1818720"/>
+            <a:ext cx="5622120" cy="2149920"/>
           </a:xfrm>
           <a:prstGeom prst="rect">
             <a:avLst/>
@@ -4859,8 +7121,8 @@
         </p:nvSpPr>
         <p:spPr>
           <a:xfrm>
-            <a:off x="6230160" y="1604520"/>
-            <a:ext cx="5352840" cy="1896840"/>
+            <a:off x="6543720" y="1818720"/>
+            <a:ext cx="5622120" cy="2149920"/>
           </a:xfrm>
           <a:prstGeom prst="rect">
             <a:avLst/>
@@ -4893,8 +7155,8 @@
         </p:nvSpPr>
         <p:spPr>
           <a:xfrm>
-            <a:off x="609120" y="3682080"/>
-            <a:ext cx="10969560" cy="1896840"/>
+            <a:off x="640080" y="4173120"/>
+            <a:ext cx="11521080" cy="2149920"/>
           </a:xfrm>
           <a:prstGeom prst="rect">
             <a:avLst/>
@@ -4949,7 +7211,7 @@
         <p:txBody>
           <a:bodyPr/>
           <a:p>
-            <a:fld id="{DDEC789B-EE42-4BE4-A6A9-EC3EF7165BAD}" type="slidenum">
+            <a:fld id="{C402734D-9B74-470C-BF58-586916F4514F}" type="slidenum">
               <a:t>&lt;#&gt;</a:t>
             </a:fld>
           </a:p>
@@ -5013,10 +7275,10 @@
         </p:nvGrpSpPr>
         <p:grpSpPr>
           <a:xfrm>
-            <a:off x="11398680" y="6229800"/>
-            <a:ext cx="456480" cy="456480"/>
-            <a:chOff x="11398680" y="6229800"/>
-            <a:chExt cx="456480" cy="456480"/>
+            <a:off x="11971440" y="7060320"/>
+            <a:ext cx="478080" cy="515880"/>
+            <a:chOff x="11971440" y="7060320"/>
+            <a:chExt cx="478080" cy="515880"/>
           </a:xfrm>
         </p:grpSpPr>
         <p:sp>
@@ -5027,8 +7289,8 @@
           </p:nvSpPr>
           <p:spPr>
             <a:xfrm>
-              <a:off x="11398680" y="6229800"/>
-              <a:ext cx="456480" cy="456480"/>
+              <a:off x="11971440" y="7060320"/>
+              <a:ext cx="478080" cy="515880"/>
             </a:xfrm>
             <a:prstGeom prst="ellipse">
               <a:avLst/>
@@ -5057,8 +7319,8 @@
           </p:nvSpPr>
           <p:spPr>
             <a:xfrm>
-              <a:off x="11427840" y="6258960"/>
-              <a:ext cx="398160" cy="398160"/>
+              <a:off x="12002040" y="7093440"/>
+              <a:ext cx="416880" cy="449640"/>
             </a:xfrm>
             <a:prstGeom prst="ellipse">
               <a:avLst/>
@@ -5087,8 +7349,8 @@
         </p:nvSpPr>
         <p:spPr>
           <a:xfrm>
-            <a:off x="920520" y="1347120"/>
-            <a:ext cx="10219680" cy="79920"/>
+            <a:off x="966600" y="1526400"/>
+            <a:ext cx="10731960" cy="89280"/>
           </a:xfrm>
           <a:prstGeom prst="rect">
             <a:avLst/>
@@ -5127,8 +7389,8 @@
         </p:nvSpPr>
         <p:spPr>
           <a:xfrm>
-            <a:off x="920520" y="4299840"/>
-            <a:ext cx="10219680" cy="79920"/>
+            <a:off x="966600" y="4872960"/>
+            <a:ext cx="10731960" cy="89280"/>
           </a:xfrm>
           <a:prstGeom prst="rect">
             <a:avLst/>
@@ -5167,8 +7429,8 @@
         </p:nvSpPr>
         <p:spPr>
           <a:xfrm>
-            <a:off x="920520" y="1484640"/>
-            <a:ext cx="10219680" cy="2742480"/>
+            <a:off x="966600" y="1682280"/>
+            <a:ext cx="10731960" cy="3106800"/>
           </a:xfrm>
           <a:prstGeom prst="rect">
             <a:avLst/>
@@ -5207,10 +7469,10 @@
         </p:nvGrpSpPr>
         <p:grpSpPr>
           <a:xfrm>
-            <a:off x="9646560" y="4069080"/>
-            <a:ext cx="1080000" cy="1080360"/>
-            <a:chOff x="9646560" y="4069080"/>
-            <a:chExt cx="1080000" cy="1080360"/>
+            <a:off x="10131120" y="4611240"/>
+            <a:ext cx="1132920" cy="1222920"/>
+            <a:chOff x="10131120" y="4611240"/>
+            <a:chExt cx="1132920" cy="1222920"/>
           </a:xfrm>
         </p:grpSpPr>
         <p:sp>
@@ -5221,8 +7483,8 @@
           </p:nvSpPr>
           <p:spPr>
             <a:xfrm>
-              <a:off x="9646560" y="4069080"/>
-              <a:ext cx="1080000" cy="1080360"/>
+              <a:off x="10131120" y="4611240"/>
+              <a:ext cx="1132920" cy="1222920"/>
             </a:xfrm>
             <a:prstGeom prst="ellipse">
               <a:avLst/>
@@ -5251,8 +7513,8 @@
           </p:nvSpPr>
           <p:spPr>
             <a:xfrm>
-              <a:off x="9754920" y="4177080"/>
-              <a:ext cx="863640" cy="864000"/>
+              <a:off x="10244880" y="4733640"/>
+              <a:ext cx="905760" cy="977760"/>
             </a:xfrm>
             <a:prstGeom prst="ellipse">
               <a:avLst/>
@@ -5282,9 +7544,9 @@
         <p:grpSpPr>
           <a:xfrm>
             <a:off x="0" y="0"/>
-            <a:ext cx="12189960" cy="6857280"/>
+            <a:ext cx="12801240" cy="7770240"/>
             <a:chOff x="0" y="0"/>
-            <a:chExt cx="12189960" cy="6857280"/>
+            <a:chExt cx="12801240" cy="7770240"/>
           </a:xfrm>
         </p:grpSpPr>
         <p:sp>
@@ -5296,7 +7558,7 @@
           <p:spPr>
             <a:xfrm>
               <a:off x="1800" y="0"/>
-              <a:ext cx="12188160" cy="6857280"/>
+              <a:ext cx="12799440" cy="7770240"/>
             </a:xfrm>
             <a:prstGeom prst="rect">
               <a:avLst/>
@@ -5340,9 +7602,9 @@
           <p:grpSpPr>
             <a:xfrm>
               <a:off x="0" y="0"/>
-              <a:ext cx="4725360" cy="6857280"/>
+              <a:ext cx="4961520" cy="7770240"/>
               <a:chOff x="0" y="0"/>
-              <a:chExt cx="4725360" cy="6857280"/>
+              <a:chExt cx="4961520" cy="7770240"/>
             </a:xfrm>
           </p:grpSpPr>
           <p:pic>
@@ -5358,7 +7620,7 @@
             <p:spPr>
               <a:xfrm>
                 <a:off x="0" y="0"/>
-                <a:ext cx="4590720" cy="6857280"/>
+                <a:ext cx="4820040" cy="7770240"/>
               </a:xfrm>
               <a:prstGeom prst="rect">
                 <a:avLst/>
@@ -5376,8 +7638,8 @@
             </p:nvSpPr>
             <p:spPr>
               <a:xfrm>
-                <a:off x="4588920" y="0"/>
-                <a:ext cx="136440" cy="6857280"/>
+                <a:off x="4819680" y="0"/>
+                <a:ext cx="141840" cy="7770240"/>
               </a:xfrm>
               <a:prstGeom prst="rect">
                 <a:avLst/>
@@ -5413,53 +7675,13 @@
             <a:spLocks noGrp="1"/>
           </p:cNvSpPr>
           <p:nvPr>
-            <p:ph type="title"/>
-          </p:nvPr>
-        </p:nvSpPr>
-        <p:spPr>
-          <a:xfrm>
-            <a:off x="1069560" y="484560"/>
-            <a:ext cx="10055160" cy="1608480"/>
-          </a:xfrm>
-          <a:prstGeom prst="rect">
-            <a:avLst/>
-          </a:prstGeom>
-          <a:noFill/>
-          <a:ln w="0">
-            <a:noFill/>
-          </a:ln>
-        </p:spPr>
-        <p:txBody>
-          <a:bodyPr lIns="0" rIns="0" tIns="0" bIns="0" anchor="ctr">
-            <a:noAutofit/>
-          </a:bodyPr>
-          <a:p>
-            <a:r>
-              <a:rPr b="0" lang="en-US" sz="1800" spc="-1" strike="noStrike">
-                <a:latin typeface="Arial"/>
-              </a:rPr>
-              <a:t>Click to edit the title text format</a:t>
-            </a:r>
-            <a:endParaRPr b="0" lang="en-US" sz="1800" spc="-1" strike="noStrike">
-              <a:latin typeface="Arial"/>
-            </a:endParaRPr>
-          </a:p>
-        </p:txBody>
-      </p:sp>
-      <p:sp>
-        <p:nvSpPr>
-          <p:cNvPr id="15" name="PlaceHolder 2"/>
-          <p:cNvSpPr>
-            <a:spLocks noGrp="1"/>
-          </p:cNvSpPr>
-          <p:nvPr>
             <p:ph type="ftr" idx="1"/>
           </p:nvPr>
         </p:nvSpPr>
         <p:spPr>
           <a:xfrm>
-            <a:off x="1087920" y="6272640"/>
-            <a:ext cx="6325200" cy="364320"/>
+            <a:off x="1142280" y="7108920"/>
+            <a:ext cx="6641640" cy="411480"/>
           </a:xfrm>
           <a:prstGeom prst="rect">
             <a:avLst/>
@@ -5479,6 +7701,9 @@
                 <a:spcPct val="100000"/>
               </a:lnSpc>
               <a:buNone/>
+              <a:tabLst>
+                <a:tab algn="l" pos="0"/>
+              </a:tabLst>
               <a:defRPr b="0" lang="en-US" sz="1100" spc="-1" strike="noStrike">
                 <a:solidFill>
                   <a:srgbClr val="696464"/>
@@ -5493,6 +7718,9 @@
                 <a:spcPct val="100000"/>
               </a:lnSpc>
               <a:buNone/>
+              <a:tabLst>
+                <a:tab algn="l" pos="0"/>
+              </a:tabLst>
             </a:pPr>
             <a:r>
               <a:rPr b="0" lang="en-US" sz="1100" spc="-1" strike="noStrike">
@@ -5511,7 +7739,7 @@
       </p:sp>
       <p:sp>
         <p:nvSpPr>
-          <p:cNvPr id="16" name="PlaceHolder 3"/>
+          <p:cNvPr id="15" name="PlaceHolder 2"/>
           <p:cNvSpPr>
             <a:spLocks noGrp="1"/>
           </p:cNvSpPr>
@@ -5521,8 +7749,8 @@
         </p:nvSpPr>
         <p:spPr>
           <a:xfrm>
-            <a:off x="9590400" y="4289400"/>
-            <a:ext cx="1192680" cy="639360"/>
+            <a:off x="10072440" y="4861080"/>
+            <a:ext cx="1251000" cy="723240"/>
           </a:xfrm>
           <a:prstGeom prst="rect">
             <a:avLst/>
@@ -5542,6 +7770,9 @@
                 <a:spcPct val="100000"/>
               </a:lnSpc>
               <a:buNone/>
+              <a:tabLst>
+                <a:tab algn="l" pos="0"/>
+              </a:tabLst>
               <a:defRPr b="1" lang="en-US" sz="2800" spc="-1" strike="noStrike">
                 <a:solidFill>
                   <a:srgbClr val="ffffff"/>
@@ -5556,8 +7787,11 @@
                 <a:spcPct val="100000"/>
               </a:lnSpc>
               <a:buNone/>
-            </a:pPr>
-            <a:fld id="{6727CFB4-CC5E-4956-A12A-E0DF16A48B52}" type="slidenum">
+              <a:tabLst>
+                <a:tab algn="l" pos="0"/>
+              </a:tabLst>
+            </a:pPr>
+            <a:fld id="{4B7FB6E6-0298-48A5-A2A5-E6556CD5CC14}" type="slidenum">
               <a:rPr b="1" lang="en-US" sz="2800" spc="-1" strike="noStrike">
                 <a:solidFill>
                   <a:srgbClr val="ffffff"/>
@@ -5574,7 +7808,7 @@
       </p:sp>
       <p:sp>
         <p:nvSpPr>
-          <p:cNvPr id="17" name="PlaceHolder 4"/>
+          <p:cNvPr id="16" name="PlaceHolder 3"/>
           <p:cNvSpPr>
             <a:spLocks noGrp="1"/>
           </p:cNvSpPr>
@@ -5584,8 +7818,8 @@
         </p:nvSpPr>
         <p:spPr>
           <a:xfrm>
-            <a:off x="7962480" y="6272640"/>
-            <a:ext cx="3272040" cy="364320"/>
+            <a:off x="8362440" y="7108920"/>
+            <a:ext cx="3435120" cy="411480"/>
           </a:xfrm>
           <a:prstGeom prst="rect">
             <a:avLst/>
@@ -5621,6 +7855,49 @@
       </p:sp>
       <p:sp>
         <p:nvSpPr>
+          <p:cNvPr id="17" name="PlaceHolder 4"/>
+          <p:cNvSpPr>
+            <a:spLocks noGrp="1"/>
+          </p:cNvSpPr>
+          <p:nvPr>
+            <p:ph type="title"/>
+          </p:nvPr>
+        </p:nvSpPr>
+        <p:spPr>
+          <a:xfrm>
+            <a:off x="640080" y="309960"/>
+            <a:ext cx="11521080" cy="1297440"/>
+          </a:xfrm>
+          <a:prstGeom prst="rect">
+            <a:avLst/>
+          </a:prstGeom>
+          <a:noFill/>
+          <a:ln w="0">
+            <a:noFill/>
+          </a:ln>
+        </p:spPr>
+        <p:txBody>
+          <a:bodyPr lIns="0" rIns="0" tIns="0" bIns="0" anchor="ctr">
+            <a:noAutofit/>
+          </a:bodyPr>
+          <a:p>
+            <a:pPr algn="ctr">
+              <a:buNone/>
+            </a:pPr>
+            <a:r>
+              <a:rPr b="0" lang="en-US" sz="4400" spc="-1" strike="noStrike">
+                <a:latin typeface="Arial"/>
+              </a:rPr>
+              <a:t>Click to edit the title text format</a:t>
+            </a:r>
+            <a:endParaRPr b="0" lang="en-US" sz="4400" spc="-1" strike="noStrike">
+              <a:latin typeface="Arial"/>
+            </a:endParaRPr>
+          </a:p>
+        </p:txBody>
+      </p:sp>
+      <p:sp>
+        <p:nvSpPr>
           <p:cNvPr id="18" name="PlaceHolder 5"/>
           <p:cNvSpPr>
             <a:spLocks noGrp="1"/>
@@ -5631,8 +7908,8 @@
         </p:nvSpPr>
         <p:spPr>
           <a:xfrm>
-            <a:off x="609120" y="1604520"/>
-            <a:ext cx="10969560" cy="3977280"/>
+            <a:off x="640080" y="1818720"/>
+            <a:ext cx="11521080" cy="4507560"/>
           </a:xfrm>
           <a:prstGeom prst="rect">
             <a:avLst/>
@@ -5854,10 +8131,10 @@
         </p:nvGrpSpPr>
         <p:grpSpPr>
           <a:xfrm>
-            <a:off x="11398680" y="6229800"/>
-            <a:ext cx="456480" cy="456480"/>
-            <a:chOff x="11398680" y="6229800"/>
-            <a:chExt cx="456480" cy="456480"/>
+            <a:off x="11971440" y="7060320"/>
+            <a:ext cx="478080" cy="515880"/>
+            <a:chOff x="11971440" y="7060320"/>
+            <a:chExt cx="478080" cy="515880"/>
           </a:xfrm>
         </p:grpSpPr>
         <p:sp>
@@ -5868,8 +8145,8 @@
           </p:nvSpPr>
           <p:spPr>
             <a:xfrm>
-              <a:off x="11398680" y="6229800"/>
-              <a:ext cx="456480" cy="456480"/>
+              <a:off x="11971440" y="7060320"/>
+              <a:ext cx="478080" cy="515880"/>
             </a:xfrm>
             <a:prstGeom prst="ellipse">
               <a:avLst/>
@@ -5898,8 +8175,8 @@
           </p:nvSpPr>
           <p:spPr>
             <a:xfrm>
-              <a:off x="11427840" y="6258960"/>
-              <a:ext cx="398160" cy="398160"/>
+              <a:off x="12002040" y="7093440"/>
+              <a:ext cx="416880" cy="449640"/>
             </a:xfrm>
             <a:prstGeom prst="ellipse">
               <a:avLst/>
@@ -5932,8 +8209,8 @@
         </p:nvSpPr>
         <p:spPr>
           <a:xfrm>
-            <a:off x="1087920" y="6272640"/>
-            <a:ext cx="6325200" cy="364320"/>
+            <a:off x="1142280" y="7108920"/>
+            <a:ext cx="6641640" cy="411480"/>
           </a:xfrm>
           <a:prstGeom prst="rect">
             <a:avLst/>
@@ -5953,6 +8230,9 @@
                 <a:spcPct val="100000"/>
               </a:lnSpc>
               <a:buNone/>
+              <a:tabLst>
+                <a:tab algn="l" pos="0"/>
+              </a:tabLst>
               <a:defRPr b="0" lang="en-US" sz="1100" spc="-1" strike="noStrike">
                 <a:solidFill>
                   <a:srgbClr val="696464"/>
@@ -5967,6 +8247,9 @@
                 <a:spcPct val="100000"/>
               </a:lnSpc>
               <a:buNone/>
+              <a:tabLst>
+                <a:tab algn="l" pos="0"/>
+              </a:tabLst>
             </a:pPr>
             <a:r>
               <a:rPr b="0" lang="en-US" sz="1100" spc="-1" strike="noStrike">
@@ -5995,8 +8278,8 @@
         </p:nvSpPr>
         <p:spPr>
           <a:xfrm>
-            <a:off x="11308320" y="6272640"/>
-            <a:ext cx="639360" cy="364320"/>
+            <a:off x="11876760" y="7108920"/>
+            <a:ext cx="669960" cy="411480"/>
           </a:xfrm>
           <a:prstGeom prst="rect">
             <a:avLst/>
@@ -6016,6 +8299,9 @@
                 <a:spcPct val="100000"/>
               </a:lnSpc>
               <a:buNone/>
+              <a:tabLst>
+                <a:tab algn="l" pos="0"/>
+              </a:tabLst>
               <a:defRPr b="1" lang="en-US" sz="1400" spc="-1" strike="noStrike">
                 <a:solidFill>
                   <a:srgbClr val="ffffff"/>
@@ -6030,8 +8316,11 @@
                 <a:spcPct val="100000"/>
               </a:lnSpc>
               <a:buNone/>
-            </a:pPr>
-            <a:fld id="{4D30540E-FCAA-403F-A82E-4D82CD3BF233}" type="slidenum">
+              <a:tabLst>
+                <a:tab algn="l" pos="0"/>
+              </a:tabLst>
+            </a:pPr>
+            <a:fld id="{D38AADA4-EC43-4496-A0DF-FC71340BF00F}" type="slidenum">
               <a:rPr b="1" lang="en-US" sz="1400" spc="-1" strike="noStrike">
                 <a:solidFill>
                   <a:srgbClr val="ffffff"/>
@@ -6058,8 +8347,8 @@
         </p:nvSpPr>
         <p:spPr>
           <a:xfrm>
-            <a:off x="7962480" y="6272640"/>
-            <a:ext cx="3272040" cy="364320"/>
+            <a:off x="8362440" y="7108920"/>
+            <a:ext cx="3435120" cy="411480"/>
           </a:xfrm>
           <a:prstGeom prst="rect">
             <a:avLst/>
@@ -6105,8 +8394,8 @@
         </p:nvSpPr>
         <p:spPr>
           <a:xfrm>
-            <a:off x="609120" y="273600"/>
-            <a:ext cx="10969560" cy="1144800"/>
+            <a:off x="640080" y="309960"/>
+            <a:ext cx="11521080" cy="1297440"/>
           </a:xfrm>
           <a:prstGeom prst="rect">
             <a:avLst/>
@@ -6148,8 +8437,8 @@
         </p:nvSpPr>
         <p:spPr>
           <a:xfrm>
-            <a:off x="609120" y="1604520"/>
-            <a:ext cx="10969560" cy="3977280"/>
+            <a:off x="640080" y="1818720"/>
+            <a:ext cx="11521080" cy="4507560"/>
           </a:xfrm>
           <a:prstGeom prst="rect">
             <a:avLst/>
@@ -6335,6 +8624,715 @@
     <p:sldLayoutId id="2147483671" r:id="rId12"/>
     <p:sldLayoutId id="2147483672" r:id="rId13"/>
     <p:sldLayoutId id="2147483673" r:id="rId14"/>
+  </p:sldLayoutIdLst>
+</p:sldMaster>
+</file>
+
+<file path=ppt/slideMasters/slideMaster3.xml><?xml version="1.0" encoding="utf-8"?>
+<p:sldMaster xmlns:a="http://schemas.openxmlformats.org/drawingml/2006/main" xmlns:p="http://schemas.openxmlformats.org/presentationml/2006/main" xmlns:r="http://schemas.openxmlformats.org/officeDocument/2006/relationships" xmlns:p14="http://schemas.microsoft.com/office/powerpoint/2010/main" xmlns:p15="http://schemas.microsoft.com/office/powerpoint/2012/main" xmlns:mc="http://schemas.openxmlformats.org/markup-compatibility/2006">
+  <p:cSld>
+    <p:bg>
+      <p:bgPr>
+        <a:solidFill>
+          <a:srgbClr val="ffffff"/>
+        </a:solidFill>
+      </p:bgPr>
+    </p:bg>
+    <p:spTree>
+      <p:nvGrpSpPr>
+        <p:cNvPr id="1" name=""/>
+        <p:cNvGrpSpPr/>
+        <p:nvPr/>
+      </p:nvGrpSpPr>
+      <p:grpSpPr>
+        <a:xfrm>
+          <a:off x="0" y="0"/>
+          <a:ext cx="0" cy="0"/>
+          <a:chOff x="0" y="0"/>
+          <a:chExt cx="0" cy="0"/>
+        </a:xfrm>
+      </p:grpSpPr>
+      <p:grpSp>
+        <p:nvGrpSpPr>
+          <p:cNvPr id="99" name="Group 6"/>
+          <p:cNvGrpSpPr/>
+          <p:nvPr/>
+        </p:nvGrpSpPr>
+        <p:grpSpPr>
+          <a:xfrm>
+            <a:off x="11971440" y="7060320"/>
+            <a:ext cx="478080" cy="515880"/>
+            <a:chOff x="11971440" y="7060320"/>
+            <a:chExt cx="478080" cy="515880"/>
+          </a:xfrm>
+        </p:grpSpPr>
+        <p:sp>
+          <p:nvSpPr>
+            <p:cNvPr id="100" name="Oval 7"/>
+            <p:cNvSpPr/>
+            <p:nvPr/>
+          </p:nvSpPr>
+          <p:spPr>
+            <a:xfrm>
+              <a:off x="11971440" y="7060320"/>
+              <a:ext cx="478080" cy="515880"/>
+            </a:xfrm>
+            <a:prstGeom prst="ellipse">
+              <a:avLst/>
+            </a:prstGeom>
+            <a:blipFill rotWithShape="0">
+              <a:blip r:embed="rId2"/>
+              <a:srcRect/>
+              <a:tile/>
+            </a:blipFill>
+            <a:ln w="25400">
+              <a:noFill/>
+            </a:ln>
+          </p:spPr>
+          <p:style>
+            <a:lnRef idx="0"/>
+            <a:fillRef idx="0"/>
+            <a:effectRef idx="0"/>
+            <a:fontRef idx="minor"/>
+          </p:style>
+        </p:sp>
+        <p:sp>
+          <p:nvSpPr>
+            <p:cNvPr id="101" name="Oval 8"/>
+            <p:cNvSpPr/>
+            <p:nvPr/>
+          </p:nvSpPr>
+          <p:spPr>
+            <a:xfrm>
+              <a:off x="12002040" y="7093440"/>
+              <a:ext cx="416880" cy="449640"/>
+            </a:xfrm>
+            <a:prstGeom prst="ellipse">
+              <a:avLst/>
+            </a:prstGeom>
+            <a:noFill/>
+            <a:ln w="12700">
+              <a:solidFill>
+                <a:srgbClr val="ffffff"/>
+              </a:solidFill>
+              <a:round/>
+            </a:ln>
+          </p:spPr>
+          <p:style>
+            <a:lnRef idx="0"/>
+            <a:fillRef idx="0"/>
+            <a:effectRef idx="0"/>
+            <a:fontRef idx="minor"/>
+          </p:style>
+        </p:sp>
+      </p:grpSp>
+      <p:sp>
+        <p:nvSpPr>
+          <p:cNvPr id="102" name="PlaceHolder 1"/>
+          <p:cNvSpPr>
+            <a:spLocks noGrp="1"/>
+          </p:cNvSpPr>
+          <p:nvPr>
+            <p:ph type="title"/>
+          </p:nvPr>
+        </p:nvSpPr>
+        <p:spPr>
+          <a:xfrm>
+            <a:off x="640080" y="309960"/>
+            <a:ext cx="11520720" cy="1297080"/>
+          </a:xfrm>
+          <a:prstGeom prst="rect">
+            <a:avLst/>
+          </a:prstGeom>
+          <a:noFill/>
+          <a:ln w="0">
+            <a:noFill/>
+          </a:ln>
+        </p:spPr>
+        <p:txBody>
+          <a:bodyPr lIns="0" rIns="0" tIns="0" bIns="0" anchor="ctr">
+            <a:noAutofit/>
+          </a:bodyPr>
+          <a:p>
+            <a:r>
+              <a:rPr b="0" lang="en-US" sz="1800" spc="-1" strike="noStrike">
+                <a:latin typeface="Arial"/>
+              </a:rPr>
+              <a:t>Click to edit the title text format</a:t>
+            </a:r>
+            <a:endParaRPr b="0" lang="en-US" sz="1800" spc="-1" strike="noStrike">
+              <a:latin typeface="Arial"/>
+            </a:endParaRPr>
+          </a:p>
+        </p:txBody>
+      </p:sp>
+      <p:sp>
+        <p:nvSpPr>
+          <p:cNvPr id="103" name="PlaceHolder 2"/>
+          <p:cNvSpPr>
+            <a:spLocks noGrp="1"/>
+          </p:cNvSpPr>
+          <p:nvPr>
+            <p:ph type="body"/>
+          </p:nvPr>
+        </p:nvSpPr>
+        <p:spPr>
+          <a:xfrm>
+            <a:off x="640080" y="1818720"/>
+            <a:ext cx="5621760" cy="4507200"/>
+          </a:xfrm>
+          <a:prstGeom prst="rect">
+            <a:avLst/>
+          </a:prstGeom>
+          <a:noFill/>
+          <a:ln w="0">
+            <a:noFill/>
+          </a:ln>
+        </p:spPr>
+        <p:txBody>
+          <a:bodyPr lIns="0" rIns="0" tIns="0" bIns="0" anchor="t">
+            <a:normAutofit/>
+          </a:bodyPr>
+          <a:p>
+            <a:pPr marL="432000" indent="-324000">
+              <a:spcBef>
+                <a:spcPts val="1417"/>
+              </a:spcBef>
+              <a:buClr>
+                <a:srgbClr val="000000"/>
+              </a:buClr>
+              <a:buSzPct val="45000"/>
+              <a:buFont typeface="Wingdings" charset="2"/>
+              <a:buChar char=""/>
+            </a:pPr>
+            <a:r>
+              <a:rPr b="0" lang="en-US" sz="1800" spc="-1" strike="noStrike">
+                <a:latin typeface="Arial"/>
+              </a:rPr>
+              <a:t>Click to edit the outline text format</a:t>
+            </a:r>
+            <a:endParaRPr b="0" lang="en-US" sz="1800" spc="-1" strike="noStrike">
+              <a:latin typeface="Arial"/>
+            </a:endParaRPr>
+          </a:p>
+          <a:p>
+            <a:pPr lvl="1" marL="864000" indent="-324000">
+              <a:spcBef>
+                <a:spcPts val="1134"/>
+              </a:spcBef>
+              <a:buClr>
+                <a:srgbClr val="000000"/>
+              </a:buClr>
+              <a:buSzPct val="75000"/>
+              <a:buFont typeface="Symbol" charset="2"/>
+              <a:buChar char=""/>
+            </a:pPr>
+            <a:r>
+              <a:rPr b="0" lang="en-US" sz="1800" spc="-1" strike="noStrike">
+                <a:latin typeface="Arial"/>
+              </a:rPr>
+              <a:t>Second Outline Level</a:t>
+            </a:r>
+            <a:endParaRPr b="0" lang="en-US" sz="1800" spc="-1" strike="noStrike">
+              <a:latin typeface="Arial"/>
+            </a:endParaRPr>
+          </a:p>
+          <a:p>
+            <a:pPr lvl="2" marL="1296000" indent="-288000">
+              <a:spcBef>
+                <a:spcPts val="850"/>
+              </a:spcBef>
+              <a:buClr>
+                <a:srgbClr val="000000"/>
+              </a:buClr>
+              <a:buSzPct val="45000"/>
+              <a:buFont typeface="Wingdings" charset="2"/>
+              <a:buChar char=""/>
+            </a:pPr>
+            <a:r>
+              <a:rPr b="0" lang="en-US" sz="1800" spc="-1" strike="noStrike">
+                <a:latin typeface="Arial"/>
+              </a:rPr>
+              <a:t>Third Outline Level</a:t>
+            </a:r>
+            <a:endParaRPr b="0" lang="en-US" sz="1800" spc="-1" strike="noStrike">
+              <a:latin typeface="Arial"/>
+            </a:endParaRPr>
+          </a:p>
+          <a:p>
+            <a:pPr lvl="3" marL="1728000" indent="-216000">
+              <a:spcBef>
+                <a:spcPts val="567"/>
+              </a:spcBef>
+              <a:buClr>
+                <a:srgbClr val="000000"/>
+              </a:buClr>
+              <a:buSzPct val="75000"/>
+              <a:buFont typeface="Symbol" charset="2"/>
+              <a:buChar char=""/>
+            </a:pPr>
+            <a:r>
+              <a:rPr b="0" lang="en-US" sz="1800" spc="-1" strike="noStrike">
+                <a:latin typeface="Arial"/>
+              </a:rPr>
+              <a:t>Fourth Outline Level</a:t>
+            </a:r>
+            <a:endParaRPr b="0" lang="en-US" sz="1800" spc="-1" strike="noStrike">
+              <a:latin typeface="Arial"/>
+            </a:endParaRPr>
+          </a:p>
+          <a:p>
+            <a:pPr lvl="4" marL="2160000" indent="-216000">
+              <a:spcBef>
+                <a:spcPts val="283"/>
+              </a:spcBef>
+              <a:buClr>
+                <a:srgbClr val="000000"/>
+              </a:buClr>
+              <a:buSzPct val="45000"/>
+              <a:buFont typeface="Wingdings" charset="2"/>
+              <a:buChar char=""/>
+            </a:pPr>
+            <a:r>
+              <a:rPr b="0" lang="en-US" sz="1800" spc="-1" strike="noStrike">
+                <a:latin typeface="Arial"/>
+              </a:rPr>
+              <a:t>Fifth Outline Level</a:t>
+            </a:r>
+            <a:endParaRPr b="0" lang="en-US" sz="1800" spc="-1" strike="noStrike">
+              <a:latin typeface="Arial"/>
+            </a:endParaRPr>
+          </a:p>
+          <a:p>
+            <a:pPr lvl="5" marL="2592000" indent="-216000">
+              <a:spcBef>
+                <a:spcPts val="283"/>
+              </a:spcBef>
+              <a:buClr>
+                <a:srgbClr val="000000"/>
+              </a:buClr>
+              <a:buSzPct val="45000"/>
+              <a:buFont typeface="Wingdings" charset="2"/>
+              <a:buChar char=""/>
+            </a:pPr>
+            <a:r>
+              <a:rPr b="0" lang="en-US" sz="1800" spc="-1" strike="noStrike">
+                <a:latin typeface="Arial"/>
+              </a:rPr>
+              <a:t>Sixth Outline Level</a:t>
+            </a:r>
+            <a:endParaRPr b="0" lang="en-US" sz="1800" spc="-1" strike="noStrike">
+              <a:latin typeface="Arial"/>
+            </a:endParaRPr>
+          </a:p>
+          <a:p>
+            <a:pPr lvl="6" marL="3024000" indent="-216000">
+              <a:spcBef>
+                <a:spcPts val="283"/>
+              </a:spcBef>
+              <a:buClr>
+                <a:srgbClr val="000000"/>
+              </a:buClr>
+              <a:buSzPct val="45000"/>
+              <a:buFont typeface="Wingdings" charset="2"/>
+              <a:buChar char=""/>
+            </a:pPr>
+            <a:r>
+              <a:rPr b="0" lang="en-US" sz="1800" spc="-1" strike="noStrike">
+                <a:latin typeface="Arial"/>
+              </a:rPr>
+              <a:t>Seventh Outline Level</a:t>
+            </a:r>
+            <a:endParaRPr b="0" lang="en-US" sz="1800" spc="-1" strike="noStrike">
+              <a:latin typeface="Arial"/>
+            </a:endParaRPr>
+          </a:p>
+        </p:txBody>
+      </p:sp>
+      <p:sp>
+        <p:nvSpPr>
+          <p:cNvPr id="104" name="PlaceHolder 3"/>
+          <p:cNvSpPr>
+            <a:spLocks noGrp="1"/>
+          </p:cNvSpPr>
+          <p:nvPr>
+            <p:ph type="body"/>
+          </p:nvPr>
+        </p:nvSpPr>
+        <p:spPr>
+          <a:xfrm>
+            <a:off x="6543720" y="1818720"/>
+            <a:ext cx="5621760" cy="4507200"/>
+          </a:xfrm>
+          <a:prstGeom prst="rect">
+            <a:avLst/>
+          </a:prstGeom>
+          <a:noFill/>
+          <a:ln w="0">
+            <a:noFill/>
+          </a:ln>
+        </p:spPr>
+        <p:txBody>
+          <a:bodyPr lIns="0" rIns="0" tIns="0" bIns="0" anchor="t">
+            <a:normAutofit/>
+          </a:bodyPr>
+          <a:p>
+            <a:pPr marL="432000" indent="-324000">
+              <a:spcBef>
+                <a:spcPts val="1417"/>
+              </a:spcBef>
+              <a:buClr>
+                <a:srgbClr val="000000"/>
+              </a:buClr>
+              <a:buSzPct val="45000"/>
+              <a:buFont typeface="Wingdings" charset="2"/>
+              <a:buChar char=""/>
+            </a:pPr>
+            <a:r>
+              <a:rPr b="0" lang="en-US" sz="1800" spc="-1" strike="noStrike">
+                <a:latin typeface="Arial"/>
+              </a:rPr>
+              <a:t>Click to edit the outline text format</a:t>
+            </a:r>
+            <a:endParaRPr b="0" lang="en-US" sz="1800" spc="-1" strike="noStrike">
+              <a:latin typeface="Arial"/>
+            </a:endParaRPr>
+          </a:p>
+          <a:p>
+            <a:pPr lvl="1" marL="864000" indent="-324000">
+              <a:spcBef>
+                <a:spcPts val="1134"/>
+              </a:spcBef>
+              <a:buClr>
+                <a:srgbClr val="000000"/>
+              </a:buClr>
+              <a:buSzPct val="75000"/>
+              <a:buFont typeface="Symbol" charset="2"/>
+              <a:buChar char=""/>
+            </a:pPr>
+            <a:r>
+              <a:rPr b="0" lang="en-US" sz="1800" spc="-1" strike="noStrike">
+                <a:latin typeface="Arial"/>
+              </a:rPr>
+              <a:t>Second Outline Level</a:t>
+            </a:r>
+            <a:endParaRPr b="0" lang="en-US" sz="1800" spc="-1" strike="noStrike">
+              <a:latin typeface="Arial"/>
+            </a:endParaRPr>
+          </a:p>
+          <a:p>
+            <a:pPr lvl="2" marL="1296000" indent="-288000">
+              <a:spcBef>
+                <a:spcPts val="850"/>
+              </a:spcBef>
+              <a:buClr>
+                <a:srgbClr val="000000"/>
+              </a:buClr>
+              <a:buSzPct val="45000"/>
+              <a:buFont typeface="Wingdings" charset="2"/>
+              <a:buChar char=""/>
+            </a:pPr>
+            <a:r>
+              <a:rPr b="0" lang="en-US" sz="1800" spc="-1" strike="noStrike">
+                <a:latin typeface="Arial"/>
+              </a:rPr>
+              <a:t>Third Outline Level</a:t>
+            </a:r>
+            <a:endParaRPr b="0" lang="en-US" sz="1800" spc="-1" strike="noStrike">
+              <a:latin typeface="Arial"/>
+            </a:endParaRPr>
+          </a:p>
+          <a:p>
+            <a:pPr lvl="3" marL="1728000" indent="-216000">
+              <a:spcBef>
+                <a:spcPts val="567"/>
+              </a:spcBef>
+              <a:buClr>
+                <a:srgbClr val="000000"/>
+              </a:buClr>
+              <a:buSzPct val="75000"/>
+              <a:buFont typeface="Symbol" charset="2"/>
+              <a:buChar char=""/>
+            </a:pPr>
+            <a:r>
+              <a:rPr b="0" lang="en-US" sz="1800" spc="-1" strike="noStrike">
+                <a:latin typeface="Arial"/>
+              </a:rPr>
+              <a:t>Fourth Outline Level</a:t>
+            </a:r>
+            <a:endParaRPr b="0" lang="en-US" sz="1800" spc="-1" strike="noStrike">
+              <a:latin typeface="Arial"/>
+            </a:endParaRPr>
+          </a:p>
+          <a:p>
+            <a:pPr lvl="4" marL="2160000" indent="-216000">
+              <a:spcBef>
+                <a:spcPts val="283"/>
+              </a:spcBef>
+              <a:buClr>
+                <a:srgbClr val="000000"/>
+              </a:buClr>
+              <a:buSzPct val="45000"/>
+              <a:buFont typeface="Wingdings" charset="2"/>
+              <a:buChar char=""/>
+            </a:pPr>
+            <a:r>
+              <a:rPr b="0" lang="en-US" sz="1800" spc="-1" strike="noStrike">
+                <a:latin typeface="Arial"/>
+              </a:rPr>
+              <a:t>Fifth Outline Level</a:t>
+            </a:r>
+            <a:endParaRPr b="0" lang="en-US" sz="1800" spc="-1" strike="noStrike">
+              <a:latin typeface="Arial"/>
+            </a:endParaRPr>
+          </a:p>
+          <a:p>
+            <a:pPr lvl="5" marL="2592000" indent="-216000">
+              <a:spcBef>
+                <a:spcPts val="283"/>
+              </a:spcBef>
+              <a:buClr>
+                <a:srgbClr val="000000"/>
+              </a:buClr>
+              <a:buSzPct val="45000"/>
+              <a:buFont typeface="Wingdings" charset="2"/>
+              <a:buChar char=""/>
+            </a:pPr>
+            <a:r>
+              <a:rPr b="0" lang="en-US" sz="1800" spc="-1" strike="noStrike">
+                <a:latin typeface="Arial"/>
+              </a:rPr>
+              <a:t>Sixth Outline Level</a:t>
+            </a:r>
+            <a:endParaRPr b="0" lang="en-US" sz="1800" spc="-1" strike="noStrike">
+              <a:latin typeface="Arial"/>
+            </a:endParaRPr>
+          </a:p>
+          <a:p>
+            <a:pPr lvl="6" marL="3024000" indent="-216000">
+              <a:spcBef>
+                <a:spcPts val="283"/>
+              </a:spcBef>
+              <a:buClr>
+                <a:srgbClr val="000000"/>
+              </a:buClr>
+              <a:buSzPct val="45000"/>
+              <a:buFont typeface="Wingdings" charset="2"/>
+              <a:buChar char=""/>
+            </a:pPr>
+            <a:r>
+              <a:rPr b="0" lang="en-US" sz="1800" spc="-1" strike="noStrike">
+                <a:latin typeface="Arial"/>
+              </a:rPr>
+              <a:t>Seventh Outline Level</a:t>
+            </a:r>
+            <a:endParaRPr b="0" lang="en-US" sz="1800" spc="-1" strike="noStrike">
+              <a:latin typeface="Arial"/>
+            </a:endParaRPr>
+          </a:p>
+        </p:txBody>
+      </p:sp>
+      <p:sp>
+        <p:nvSpPr>
+          <p:cNvPr id="105" name="PlaceHolder 4"/>
+          <p:cNvSpPr>
+            <a:spLocks noGrp="1"/>
+          </p:cNvSpPr>
+          <p:nvPr>
+            <p:ph type="ftr" idx="7"/>
+          </p:nvPr>
+        </p:nvSpPr>
+        <p:spPr>
+          <a:xfrm>
+            <a:off x="1142280" y="7108920"/>
+            <a:ext cx="6641640" cy="411480"/>
+          </a:xfrm>
+          <a:prstGeom prst="rect">
+            <a:avLst/>
+          </a:prstGeom>
+          <a:noFill/>
+          <a:ln w="0">
+            <a:noFill/>
+          </a:ln>
+        </p:spPr>
+        <p:txBody>
+          <a:bodyPr lIns="90000" rIns="90000" tIns="45000" bIns="45000" anchor="ctr">
+            <a:noAutofit/>
+          </a:bodyPr>
+          <a:lstStyle>
+            <a:lvl1pPr>
+              <a:lnSpc>
+                <a:spcPct val="100000"/>
+              </a:lnSpc>
+              <a:buNone/>
+              <a:tabLst>
+                <a:tab algn="l" pos="0"/>
+              </a:tabLst>
+              <a:defRPr b="0" lang="en-US" sz="1100" spc="-1" strike="noStrike">
+                <a:solidFill>
+                  <a:srgbClr val="696464"/>
+                </a:solidFill>
+                <a:latin typeface="Rockwell"/>
+              </a:defRPr>
+            </a:lvl1pPr>
+          </a:lstStyle>
+          <a:p>
+            <a:pPr>
+              <a:lnSpc>
+                <a:spcPct val="100000"/>
+              </a:lnSpc>
+              <a:buNone/>
+              <a:tabLst>
+                <a:tab algn="l" pos="0"/>
+              </a:tabLst>
+            </a:pPr>
+            <a:r>
+              <a:rPr b="0" lang="en-US" sz="1100" spc="-1" strike="noStrike">
+                <a:solidFill>
+                  <a:srgbClr val="696464"/>
+                </a:solidFill>
+                <a:latin typeface="Rockwell"/>
+              </a:rPr>
+              <a:t>&lt;footer&gt;</a:t>
+            </a:r>
+            <a:endParaRPr b="0" lang="en-US" sz="1100" spc="-1" strike="noStrike">
+              <a:latin typeface="Times New Roman"/>
+            </a:endParaRPr>
+          </a:p>
+        </p:txBody>
+      </p:sp>
+      <p:sp>
+        <p:nvSpPr>
+          <p:cNvPr id="106" name="PlaceHolder 5"/>
+          <p:cNvSpPr>
+            <a:spLocks noGrp="1"/>
+          </p:cNvSpPr>
+          <p:nvPr>
+            <p:ph type="sldNum" idx="8"/>
+          </p:nvPr>
+        </p:nvSpPr>
+        <p:spPr>
+          <a:xfrm>
+            <a:off x="11876760" y="7108920"/>
+            <a:ext cx="669960" cy="411480"/>
+          </a:xfrm>
+          <a:prstGeom prst="rect">
+            <a:avLst/>
+          </a:prstGeom>
+          <a:noFill/>
+          <a:ln w="0">
+            <a:noFill/>
+          </a:ln>
+        </p:spPr>
+        <p:txBody>
+          <a:bodyPr lIns="90000" rIns="90000" tIns="45000" bIns="45000" anchor="ctr">
+            <a:noAutofit/>
+          </a:bodyPr>
+          <a:lstStyle>
+            <a:lvl1pPr algn="ctr">
+              <a:lnSpc>
+                <a:spcPct val="100000"/>
+              </a:lnSpc>
+              <a:buNone/>
+              <a:tabLst>
+                <a:tab algn="l" pos="0"/>
+              </a:tabLst>
+              <a:defRPr b="1" lang="en-US" sz="1400" spc="-1" strike="noStrike">
+                <a:solidFill>
+                  <a:srgbClr val="ffffff"/>
+                </a:solidFill>
+                <a:latin typeface="Rockwell Condensed"/>
+              </a:defRPr>
+            </a:lvl1pPr>
+          </a:lstStyle>
+          <a:p>
+            <a:pPr algn="ctr">
+              <a:lnSpc>
+                <a:spcPct val="100000"/>
+              </a:lnSpc>
+              <a:buNone/>
+              <a:tabLst>
+                <a:tab algn="l" pos="0"/>
+              </a:tabLst>
+            </a:pPr>
+            <a:fld id="{DF8EF001-F68D-4157-A365-BB24F4517948}" type="slidenum">
+              <a:rPr b="1" lang="en-US" sz="1400" spc="-1" strike="noStrike">
+                <a:solidFill>
+                  <a:srgbClr val="ffffff"/>
+                </a:solidFill>
+                <a:latin typeface="Rockwell Condensed"/>
+              </a:rPr>
+              <a:t>&lt;number&gt;</a:t>
+            </a:fld>
+            <a:endParaRPr b="0" lang="en-US" sz="1400" spc="-1" strike="noStrike">
+              <a:latin typeface="Times New Roman"/>
+            </a:endParaRPr>
+          </a:p>
+        </p:txBody>
+      </p:sp>
+      <p:sp>
+        <p:nvSpPr>
+          <p:cNvPr id="107" name="PlaceHolder 6"/>
+          <p:cNvSpPr>
+            <a:spLocks noGrp="1"/>
+          </p:cNvSpPr>
+          <p:nvPr>
+            <p:ph type="dt" idx="9"/>
+          </p:nvPr>
+        </p:nvSpPr>
+        <p:spPr>
+          <a:xfrm>
+            <a:off x="8362440" y="7108920"/>
+            <a:ext cx="3435120" cy="411480"/>
+          </a:xfrm>
+          <a:prstGeom prst="rect">
+            <a:avLst/>
+          </a:prstGeom>
+          <a:noFill/>
+          <a:ln w="0">
+            <a:noFill/>
+          </a:ln>
+        </p:spPr>
+        <p:txBody>
+          <a:bodyPr lIns="90000" rIns="90000" tIns="45000" bIns="45000" anchor="ctr">
+            <a:noAutofit/>
+          </a:bodyPr>
+          <a:lstStyle>
+            <a:lvl1pPr>
+              <a:defRPr b="0" lang="en-US" sz="1400" spc="-1" strike="noStrike">
+                <a:latin typeface="Times New Roman"/>
+              </a:defRPr>
+            </a:lvl1pPr>
+          </a:lstStyle>
+          <a:p>
+            <a:r>
+              <a:rPr b="0" lang="en-US" sz="1400" spc="-1" strike="noStrike">
+                <a:latin typeface="Times New Roman"/>
+              </a:rPr>
+              <a:t>&lt;date/time&gt;</a:t>
+            </a:r>
+            <a:endParaRPr b="0" lang="en-US" sz="1400" spc="-1" strike="noStrike">
+              <a:latin typeface="Times New Roman"/>
+            </a:endParaRPr>
+          </a:p>
+        </p:txBody>
+      </p:sp>
+    </p:spTree>
+  </p:cSld>
+  <p:clrMap bg1="lt1" bg2="lt2" tx1="dk1" tx2="dk2" accent1="accent1" accent2="accent2" accent3="accent3" accent4="accent4" accent5="accent5" accent6="accent6" hlink="hlink" folHlink="folHlink"/>
+  <p:sldLayoutIdLst>
+    <p:sldLayoutId id="2147483675" r:id="rId3"/>
+    <p:sldLayoutId id="2147483676" r:id="rId4"/>
+    <p:sldLayoutId id="2147483677" r:id="rId5"/>
+    <p:sldLayoutId id="2147483678" r:id="rId6"/>
+    <p:sldLayoutId id="2147483679" r:id="rId7"/>
+    <p:sldLayoutId id="2147483680" r:id="rId8"/>
+    <p:sldLayoutId id="2147483681" r:id="rId9"/>
+    <p:sldLayoutId id="2147483682" r:id="rId10"/>
+    <p:sldLayoutId id="2147483683" r:id="rId11"/>
+    <p:sldLayoutId id="2147483684" r:id="rId12"/>
+    <p:sldLayoutId id="2147483685" r:id="rId13"/>
+    <p:sldLayoutId id="2147483686" r:id="rId14"/>
   </p:sldLayoutIdLst>
 </p:sldMaster>
 </file>
@@ -6358,7 +9356,7 @@
       </p:grpSpPr>
       <p:sp>
         <p:nvSpPr>
-          <p:cNvPr id="105" name="PlaceHolder 1"/>
+          <p:cNvPr id="150" name="PlaceHolder 1"/>
           <p:cNvSpPr>
             <a:spLocks noGrp="1"/>
           </p:cNvSpPr>
@@ -6368,8 +9366,8 @@
         </p:nvSpPr>
         <p:spPr>
           <a:xfrm>
-            <a:off x="5275800" y="173160"/>
-            <a:ext cx="6840000" cy="4856040"/>
+            <a:off x="5540760" y="196200"/>
+            <a:ext cx="7182360" cy="5501880"/>
           </a:xfrm>
           <a:prstGeom prst="rect">
             <a:avLst/>
@@ -6389,6 +9387,9 @@
                 <a:spcPct val="80000"/>
               </a:lnSpc>
               <a:buNone/>
+              <a:tabLst>
+                <a:tab algn="l" pos="0"/>
+              </a:tabLst>
             </a:pPr>
             <a:r>
               <a:rPr b="1" lang="en-US" sz="4000" spc="-1" strike="noStrike">
@@ -6402,15 +9403,15 @@
             <a:br>
               <a:rPr sz="4000"/>
             </a:br>
-            <a:endParaRPr b="1" lang="en-US" sz="4000" spc="-1" strike="noStrike">
-              <a:latin typeface="Arial"/>
-            </a:endParaRPr>
-          </a:p>
-        </p:txBody>
-      </p:sp>
-      <p:sp>
-        <p:nvSpPr>
-          <p:cNvPr id="106" name="PlaceHolder 2"/>
+            <a:endParaRPr b="0" lang="en-US" sz="4000" spc="-1" strike="noStrike">
+              <a:latin typeface="Arial"/>
+            </a:endParaRPr>
+          </a:p>
+        </p:txBody>
+      </p:sp>
+      <p:sp>
+        <p:nvSpPr>
+          <p:cNvPr id="151" name="PlaceHolder 2"/>
           <p:cNvSpPr>
             <a:spLocks noGrp="1"/>
           </p:cNvSpPr>
@@ -6420,8 +9421,8 @@
         </p:nvSpPr>
         <p:spPr>
           <a:xfrm>
-            <a:off x="4299480" y="5157360"/>
-            <a:ext cx="7888320" cy="1069200"/>
+            <a:off x="5029200" y="5844960"/>
+            <a:ext cx="7769520" cy="1210320"/>
           </a:xfrm>
           <a:prstGeom prst="rect">
             <a:avLst/>
@@ -6433,7 +9434,7 @@
         </p:spPr>
         <p:txBody>
           <a:bodyPr lIns="0" rIns="0" tIns="0" bIns="0" anchor="t">
-            <a:normAutofit fontScale="84000"/>
+            <a:normAutofit fontScale="92000"/>
           </a:bodyPr>
           <a:p>
             <a:pPr algn="r">
@@ -6499,23 +9500,29 @@
       </p:sp>
       <p:sp>
         <p:nvSpPr>
-          <p:cNvPr id="107" name="PlaceHolder 4"/>
-          <p:cNvSpPr txBox="1"/>
+          <p:cNvPr id="152" name="PlaceHolder 4"/>
+          <p:cNvSpPr/>
           <p:nvPr/>
         </p:nvSpPr>
         <p:spPr>
           <a:xfrm>
-            <a:off x="1027080" y="5257800"/>
-            <a:ext cx="7888320" cy="1069200"/>
-          </a:xfrm>
-          <a:prstGeom prst="rect">
-            <a:avLst/>
-          </a:prstGeom>
-          <a:noFill/>
-          <a:ln w="0">
-            <a:noFill/>
-          </a:ln>
-        </p:spPr>
+            <a:off x="1078560" y="5958720"/>
+            <a:ext cx="8283240" cy="1210320"/>
+          </a:xfrm>
+          <a:prstGeom prst="rect">
+            <a:avLst/>
+          </a:prstGeom>
+          <a:noFill/>
+          <a:ln w="0">
+            <a:noFill/>
+          </a:ln>
+        </p:spPr>
+        <p:style>
+          <a:lnRef idx="0"/>
+          <a:fillRef idx="0"/>
+          <a:effectRef idx="0"/>
+          <a:fontRef idx="minor"/>
+        </p:style>
         <p:txBody>
           <a:bodyPr lIns="0" rIns="0" tIns="0" bIns="0" anchor="t">
             <a:normAutofit/>
@@ -6539,6 +9546,7 @@
                   <a:srgbClr val="000000"/>
                 </a:solidFill>
                 <a:latin typeface="Arial"/>
+                <a:ea typeface="DejaVu Sans"/>
               </a:rPr>
               <a:t>ЮМШ</a:t>
             </a:r>
@@ -6584,7 +9592,7 @@
       </p:grpSpPr>
       <p:sp>
         <p:nvSpPr>
-          <p:cNvPr id="125" name="PlaceHolder 1"/>
+          <p:cNvPr id="170" name="PlaceHolder 1"/>
           <p:cNvSpPr>
             <a:spLocks noGrp="1"/>
           </p:cNvSpPr>
@@ -6594,8 +9602,8 @@
         </p:nvSpPr>
         <p:spPr>
           <a:xfrm>
-            <a:off x="1117440" y="519840"/>
-            <a:ext cx="10593000" cy="1396440"/>
+            <a:off x="1123200" y="549000"/>
+            <a:ext cx="10559160" cy="1821600"/>
           </a:xfrm>
           <a:prstGeom prst="rect">
             <a:avLst/>
@@ -6607,7 +9615,7 @@
         </p:spPr>
         <p:txBody>
           <a:bodyPr lIns="90000" rIns="90000" tIns="45000" bIns="45000" anchor="ctr">
-            <a:normAutofit fontScale="88000"/>
+            <a:noAutofit/>
           </a:bodyPr>
           <a:p>
             <a:pPr>
@@ -6615,14 +9623,92 @@
                 <a:spcPct val="90000"/>
               </a:lnSpc>
               <a:buNone/>
+              <a:tabLst>
+                <a:tab algn="l" pos="0"/>
+              </a:tabLst>
             </a:pPr>
             <a:r>
               <a:rPr b="0" lang="ru-RU" sz="5400" spc="-1" strike="noStrike" cap="all">
+                <a:solidFill>
+                  <a:srgbClr val="000000"/>
+                </a:solidFill>
                 <a:latin typeface="Rockwell Condensed"/>
               </a:rPr>
-              <a:t>СХЕМА 4.ИТОГОВАЯ АРХИТЕКТУРА ПРОЕКТА</a:t>
+              <a:t>СХЕМА 3. РЕАЛИЗАЦИЯ ЛОГИЧЕСКИХ МОДУЛЕЙ</a:t>
             </a:r>
             <a:endParaRPr b="0" lang="en-US" sz="5400" spc="-1" strike="noStrike">
+              <a:latin typeface="Arial"/>
+            </a:endParaRPr>
+          </a:p>
+        </p:txBody>
+      </p:sp>
+      <p:sp>
+        <p:nvSpPr>
+          <p:cNvPr id="171" name="PlaceHolder 2"/>
+          <p:cNvSpPr>
+            <a:spLocks noGrp="1"/>
+          </p:cNvSpPr>
+          <p:nvPr>
+            <p:ph/>
+          </p:nvPr>
+        </p:nvSpPr>
+        <p:spPr>
+          <a:xfrm>
+            <a:off x="1123200" y="2404080"/>
+            <a:ext cx="10559160" cy="4588560"/>
+          </a:xfrm>
+          <a:prstGeom prst="rect">
+            <a:avLst/>
+          </a:prstGeom>
+          <a:noFill/>
+          <a:ln w="0">
+            <a:noFill/>
+          </a:ln>
+        </p:spPr>
+        <p:txBody>
+          <a:bodyPr lIns="90000" rIns="90000" tIns="45000" bIns="45000" anchor="t">
+            <a:normAutofit/>
+          </a:bodyPr>
+          <a:p>
+            <a:pPr>
+              <a:lnSpc>
+                <a:spcPct val="90000"/>
+              </a:lnSpc>
+              <a:spcBef>
+                <a:spcPts val="1199"/>
+              </a:spcBef>
+              <a:buNone/>
+              <a:tabLst>
+                <a:tab algn="l" pos="0"/>
+              </a:tabLst>
+            </a:pPr>
+            <a:r>
+              <a:rPr b="0" lang="en-US" sz="3600" spc="-1" strike="noStrike">
+                <a:solidFill>
+                  <a:srgbClr val="000000"/>
+                </a:solidFill>
+                <a:latin typeface="Rockwell"/>
+              </a:rPr>
+              <a:t> </a:t>
+            </a:r>
+            <a:endParaRPr b="0" lang="en-US" sz="3600" spc="-1" strike="noStrike">
+              <a:latin typeface="Arial"/>
+            </a:endParaRPr>
+          </a:p>
+          <a:p>
+            <a:pPr>
+              <a:lnSpc>
+                <a:spcPct val="90000"/>
+              </a:lnSpc>
+              <a:spcBef>
+                <a:spcPts val="1199"/>
+              </a:spcBef>
+              <a:buNone/>
+              <a:tabLst>
+                <a:tab algn="l" pos="0"/>
+              </a:tabLst>
+            </a:pPr>
+            <a:endParaRPr b="0" lang="en-US" sz="3600" spc="-1" strike="noStrike">
               <a:latin typeface="Arial"/>
             </a:endParaRPr>
           </a:p>
@@ -6630,7 +9716,7 @@
       </p:sp>
       <p:pic>
         <p:nvPicPr>
-          <p:cNvPr id="126" name="Picture 6" descr="https://lh3.googleusercontent.com/9U2GzTe4XpChiXcmTucjxvMpz0zq6uQn5sVIsYapfWLuVT2PG0oLmexsPcS3WzysWsmoRQkCEwk_lWQ-MO5BMFVijTQJEEI_qzjClLT1Utyg4bFQmlzJsCieQjpdvqMgf0_cOvE_uwdYSYKX0w"/>
+          <p:cNvPr id="172" name="Picture 2" descr="https://lh5.googleusercontent.com/rJKw4Z3ZBD6XlTHOB_lpEYZEiqFnzJmIytvV1HwfJwPXpMtl86Wkaow_qRVlTzmurZ2uK-VN5NspvsnlDX4y1AAj0C04UZ5DRtL1Qaoi-qZSVM6Jmo7Hb-q4l8CQDJLiDCV26WKlQPaAjaTm8A"/>
           <p:cNvPicPr/>
           <p:nvPr/>
         </p:nvPicPr>
@@ -6640,8 +9726,8 @@
         </p:blipFill>
         <p:spPr>
           <a:xfrm>
-            <a:off x="405720" y="1772640"/>
-            <a:ext cx="11304360" cy="4679640"/>
+            <a:off x="425880" y="2639880"/>
+            <a:ext cx="11677320" cy="4508280"/>
           </a:xfrm>
           <a:prstGeom prst="rect">
             <a:avLst/>
@@ -6687,7 +9773,7 @@
       </p:grpSpPr>
       <p:sp>
         <p:nvSpPr>
-          <p:cNvPr id="127" name="PlaceHolder 1"/>
+          <p:cNvPr id="173" name="PlaceHolder 1"/>
           <p:cNvSpPr>
             <a:spLocks noGrp="1"/>
           </p:cNvSpPr>
@@ -6697,8 +9783,8 @@
         </p:nvSpPr>
         <p:spPr>
           <a:xfrm>
-            <a:off x="1069560" y="484560"/>
-            <a:ext cx="10055160" cy="1608480"/>
+            <a:off x="1173600" y="588960"/>
+            <a:ext cx="11124000" cy="1581120"/>
           </a:xfrm>
           <a:prstGeom prst="rect">
             <a:avLst/>
@@ -6710,7 +9796,7 @@
         </p:spPr>
         <p:txBody>
           <a:bodyPr lIns="90000" rIns="90000" tIns="45000" bIns="45000" anchor="ctr">
-            <a:noAutofit/>
+            <a:normAutofit/>
           </a:bodyPr>
           <a:p>
             <a:pPr>
@@ -6718,85 +9804,20 @@
                 <a:spcPct val="90000"/>
               </a:lnSpc>
               <a:buNone/>
+              <a:tabLst>
+                <a:tab algn="l" pos="0"/>
+              </a:tabLst>
             </a:pPr>
             <a:r>
               <a:rPr b="0" lang="ru-RU" sz="5400" spc="-1" strike="noStrike" cap="all">
-                <a:latin typeface="Rockwell Condensed"/>
-              </a:rPr>
-              <a:t>ИНТЕРФЕЙС ИГРЫ</a:t>
-            </a:r>
-            <a:endParaRPr b="0" lang="en-US" sz="5400" spc="-1" strike="noStrike">
-              <a:latin typeface="Arial"/>
-            </a:endParaRPr>
-          </a:p>
-        </p:txBody>
-      </p:sp>
-      <p:sp>
-        <p:nvSpPr>
-          <p:cNvPr id="128" name="PlaceHolder 2"/>
-          <p:cNvSpPr>
-            <a:spLocks noGrp="1"/>
-          </p:cNvSpPr>
-          <p:nvPr>
-            <p:ph/>
-          </p:nvPr>
-        </p:nvSpPr>
-        <p:spPr>
-          <a:xfrm>
-            <a:off x="1069560" y="2121480"/>
-            <a:ext cx="10055160" cy="4050000"/>
-          </a:xfrm>
-          <a:prstGeom prst="rect">
-            <a:avLst/>
-          </a:prstGeom>
-          <a:noFill/>
-          <a:ln w="0">
-            <a:noFill/>
-          </a:ln>
-        </p:spPr>
-        <p:txBody>
-          <a:bodyPr lIns="90000" rIns="90000" tIns="45000" bIns="45000" anchor="t">
-            <a:noAutofit/>
-          </a:bodyPr>
-          <a:p>
-            <a:pPr marL="182880" indent="-182880">
-              <a:lnSpc>
-                <a:spcPct val="90000"/>
-              </a:lnSpc>
-              <a:spcBef>
-                <a:spcPts val="1199"/>
-              </a:spcBef>
-              <a:buClr>
-                <a:srgbClr val="9e3611"/>
-              </a:buClr>
-              <a:buSzPct val="85000"/>
-              <a:buFont typeface="Wingdings" charset="2"/>
-              <a:buChar char=""/>
-            </a:pPr>
-            <a:r>
-              <a:rPr b="0" lang="ru-RU" sz="3600" spc="-1" strike="noStrike">
                 <a:solidFill>
                   <a:srgbClr val="000000"/>
                 </a:solidFill>
-                <a:latin typeface="Rockwell"/>
+                <a:latin typeface="Rockwell Condensed"/>
               </a:rPr>
-              <a:t>Простой и не требовательный к ресурсам интерфейс</a:t>
-            </a:r>
-            <a:endParaRPr b="0" lang="en-US" sz="3600" spc="-1" strike="noStrike">
-              <a:latin typeface="Arial"/>
-            </a:endParaRPr>
-          </a:p>
-          <a:p>
-            <a:pPr>
-              <a:lnSpc>
-                <a:spcPct val="90000"/>
-              </a:lnSpc>
-              <a:spcBef>
-                <a:spcPts val="1199"/>
-              </a:spcBef>
-              <a:buNone/>
-            </a:pPr>
-            <a:endParaRPr b="0" lang="en-US" sz="2000" spc="-1" strike="noStrike">
+              <a:t>СХЕМА 4.ИТОГОВАЯ АРХИТЕКТУРА ПРОЕКТА</a:t>
+            </a:r>
+            <a:endParaRPr b="0" lang="en-US" sz="5400" spc="-1" strike="noStrike">
               <a:latin typeface="Arial"/>
             </a:endParaRPr>
           </a:p>
@@ -6804,7 +9825,7 @@
       </p:sp>
       <p:pic>
         <p:nvPicPr>
-          <p:cNvPr id="129" name="Picture 4" descr=""/>
+          <p:cNvPr id="174" name="Picture 6" descr="https://lh3.googleusercontent.com/9U2GzTe4XpChiXcmTucjxvMpz0zq6uQn5sVIsYapfWLuVT2PG0oLmexsPcS3WzysWsmoRQkCEwk_lWQ-MO5BMFVijTQJEEI_qzjClLT1Utyg4bFQmlzJsCieQjpdvqMgf0_cOvE_uwdYSYKX0w"/>
           <p:cNvPicPr/>
           <p:nvPr/>
         </p:nvPicPr>
@@ -6814,8 +9835,8 @@
         </p:blipFill>
         <p:spPr>
           <a:xfrm>
-            <a:off x="2743200" y="3114000"/>
-            <a:ext cx="5760000" cy="3743640"/>
+            <a:off x="425880" y="2008800"/>
+            <a:ext cx="11871000" cy="5302080"/>
           </a:xfrm>
           <a:prstGeom prst="rect">
             <a:avLst/>
@@ -6859,126 +9880,9 @@
           <a:chExt cx="0" cy="0"/>
         </a:xfrm>
       </p:grpSpPr>
-      <p:sp>
-        <p:nvSpPr>
-          <p:cNvPr id="130" name="PlaceHolder 1"/>
-          <p:cNvSpPr>
-            <a:spLocks noGrp="1"/>
-          </p:cNvSpPr>
-          <p:nvPr>
-            <p:ph type="title"/>
-          </p:nvPr>
-        </p:nvSpPr>
-        <p:spPr>
-          <a:xfrm>
-            <a:off x="1069560" y="484560"/>
-            <a:ext cx="10055160" cy="1608480"/>
-          </a:xfrm>
-          <a:prstGeom prst="rect">
-            <a:avLst/>
-          </a:prstGeom>
-          <a:noFill/>
-          <a:ln w="0">
-            <a:noFill/>
-          </a:ln>
-        </p:spPr>
-        <p:txBody>
-          <a:bodyPr lIns="90000" rIns="90000" tIns="45000" bIns="45000" anchor="ctr">
-            <a:noAutofit/>
-          </a:bodyPr>
-          <a:p>
-            <a:pPr>
-              <a:lnSpc>
-                <a:spcPct val="90000"/>
-              </a:lnSpc>
-              <a:buNone/>
-            </a:pPr>
-            <a:r>
-              <a:rPr b="0" lang="ru-RU" sz="5400" spc="-1" strike="noStrike" cap="all">
-                <a:latin typeface="Rockwell Condensed"/>
-              </a:rPr>
-              <a:t>ИНТЕРФЕЙС ИГРЫ</a:t>
-            </a:r>
-            <a:endParaRPr b="0" lang="en-US" sz="5400" spc="-1" strike="noStrike">
-              <a:latin typeface="Arial"/>
-            </a:endParaRPr>
-          </a:p>
-        </p:txBody>
-      </p:sp>
-      <p:sp>
-        <p:nvSpPr>
-          <p:cNvPr id="131" name="PlaceHolder 2"/>
-          <p:cNvSpPr>
-            <a:spLocks noGrp="1"/>
-          </p:cNvSpPr>
-          <p:nvPr>
-            <p:ph/>
-          </p:nvPr>
-        </p:nvSpPr>
-        <p:spPr>
-          <a:xfrm>
-            <a:off x="1069560" y="2121480"/>
-            <a:ext cx="10055160" cy="4050000"/>
-          </a:xfrm>
-          <a:prstGeom prst="rect">
-            <a:avLst/>
-          </a:prstGeom>
-          <a:noFill/>
-          <a:ln w="0">
-            <a:noFill/>
-          </a:ln>
-        </p:spPr>
-        <p:txBody>
-          <a:bodyPr lIns="90000" rIns="90000" tIns="45000" bIns="45000" anchor="t">
-            <a:noAutofit/>
-          </a:bodyPr>
-          <a:p>
-            <a:pPr marL="182880" indent="-182880">
-              <a:lnSpc>
-                <a:spcPct val="90000"/>
-              </a:lnSpc>
-              <a:spcBef>
-                <a:spcPts val="1199"/>
-              </a:spcBef>
-              <a:buClr>
-                <a:srgbClr val="9e3611"/>
-              </a:buClr>
-              <a:buSzPct val="85000"/>
-              <a:buFont typeface="Wingdings" charset="2"/>
-              <a:buChar char=""/>
-            </a:pPr>
-            <a:r>
-              <a:rPr b="0" lang="ru-RU" sz="3600" spc="-1" strike="noStrike">
-                <a:solidFill>
-                  <a:srgbClr val="000000"/>
-                </a:solidFill>
-                <a:latin typeface="Rockwell"/>
-              </a:rPr>
-              <a:t>Не забыть поздравить победителей</a:t>
-            </a:r>
-            <a:endParaRPr b="0" lang="en-US" sz="3600" spc="-1" strike="noStrike">
-              <a:latin typeface="Arial"/>
-            </a:endParaRPr>
-          </a:p>
-          <a:p>
-            <a:pPr>
-              <a:lnSpc>
-                <a:spcPct val="90000"/>
-              </a:lnSpc>
-              <a:spcBef>
-                <a:spcPts val="1199"/>
-              </a:spcBef>
-              <a:buNone/>
-            </a:pPr>
-            <a:endParaRPr b="0" lang="en-US" sz="2000" spc="-1" strike="noStrike">
-              <a:latin typeface="Arial"/>
-            </a:endParaRPr>
-          </a:p>
-        </p:txBody>
-      </p:sp>
       <p:pic>
         <p:nvPicPr>
-          <p:cNvPr id="132" name="Picture 3" descr=""/>
+          <p:cNvPr id="175" name="Picture 1" descr=""/>
           <p:cNvPicPr/>
           <p:nvPr/>
         </p:nvPicPr>
@@ -6988,8 +9892,8 @@
         </p:blipFill>
         <p:spPr>
           <a:xfrm>
-            <a:off x="1197720" y="3429000"/>
-            <a:ext cx="6977520" cy="2503080"/>
+            <a:off x="0" y="3108960"/>
+            <a:ext cx="5520960" cy="4241160"/>
           </a:xfrm>
           <a:prstGeom prst="rect">
             <a:avLst/>
@@ -6999,6 +9903,104 @@
           </a:ln>
         </p:spPr>
       </p:pic>
+      <p:pic>
+        <p:nvPicPr>
+          <p:cNvPr id="176" name="Picture 5" descr=""/>
+          <p:cNvPicPr/>
+          <p:nvPr/>
+        </p:nvPicPr>
+        <p:blipFill>
+          <a:blip r:embed="rId2"/>
+          <a:stretch/>
+        </p:blipFill>
+        <p:spPr>
+          <a:xfrm>
+            <a:off x="5636880" y="0"/>
+            <a:ext cx="7163640" cy="2835360"/>
+          </a:xfrm>
+          <a:prstGeom prst="rect">
+            <a:avLst/>
+          </a:prstGeom>
+          <a:ln w="0">
+            <a:noFill/>
+          </a:ln>
+        </p:spPr>
+      </p:pic>
+      <p:pic>
+        <p:nvPicPr>
+          <p:cNvPr id="177" name="Picture 7" descr=""/>
+          <p:cNvPicPr/>
+          <p:nvPr/>
+        </p:nvPicPr>
+        <p:blipFill>
+          <a:blip r:embed="rId3"/>
+          <a:stretch/>
+        </p:blipFill>
+        <p:spPr>
+          <a:xfrm>
+            <a:off x="6242040" y="3233520"/>
+            <a:ext cx="5311440" cy="4161600"/>
+          </a:xfrm>
+          <a:prstGeom prst="rect">
+            <a:avLst/>
+          </a:prstGeom>
+          <a:ln w="0">
+            <a:noFill/>
+          </a:ln>
+        </p:spPr>
+      </p:pic>
+      <p:sp>
+        <p:nvSpPr>
+          <p:cNvPr id="178" name=""/>
+          <p:cNvSpPr/>
+          <p:nvPr/>
+        </p:nvSpPr>
+        <p:spPr>
+          <a:xfrm>
+            <a:off x="239760" y="1295280"/>
+            <a:ext cx="7201800" cy="1945800"/>
+          </a:xfrm>
+          <a:prstGeom prst="rect">
+            <a:avLst/>
+          </a:prstGeom>
+          <a:noFill/>
+          <a:ln w="0">
+            <a:noFill/>
+          </a:ln>
+        </p:spPr>
+        <p:style>
+          <a:lnRef idx="0"/>
+          <a:fillRef idx="0"/>
+          <a:effectRef idx="0"/>
+          <a:fontRef idx="minor"/>
+        </p:style>
+        <p:txBody>
+          <a:bodyPr lIns="90000" rIns="90000" tIns="45000" bIns="45000" anchor="t">
+            <a:noAutofit/>
+          </a:bodyPr>
+          <a:p>
+            <a:pPr>
+              <a:lnSpc>
+                <a:spcPct val="100000"/>
+              </a:lnSpc>
+              <a:buNone/>
+            </a:pPr>
+            <a:r>
+              <a:rPr b="0" lang="en-US" sz="4800" spc="-1" strike="noStrike">
+                <a:solidFill>
+                  <a:srgbClr val="000000"/>
+                </a:solidFill>
+                <a:latin typeface="Arial"/>
+                <a:ea typeface="DejaVu Sans"/>
+              </a:rPr>
+              <a:t>Интерфейс игры</a:t>
+            </a:r>
+            <a:endParaRPr b="0" lang="en-US" sz="4800" spc="-1" strike="noStrike">
+              <a:latin typeface="Arial"/>
+            </a:endParaRPr>
+          </a:p>
+        </p:txBody>
+      </p:sp>
     </p:spTree>
   </p:cSld>
   <mc:AlternateContent>
@@ -7035,7 +10037,7 @@
       </p:grpSpPr>
       <p:sp>
         <p:nvSpPr>
-          <p:cNvPr id="133" name="PlaceHolder 1"/>
+          <p:cNvPr id="179" name="PlaceHolder 1"/>
           <p:cNvSpPr>
             <a:spLocks noGrp="1"/>
           </p:cNvSpPr>
@@ -7045,8 +10047,8 @@
         </p:nvSpPr>
         <p:spPr>
           <a:xfrm>
-            <a:off x="1069560" y="484560"/>
-            <a:ext cx="10055160" cy="1608480"/>
+            <a:off x="1123200" y="549000"/>
+            <a:ext cx="10559160" cy="1821600"/>
           </a:xfrm>
           <a:prstGeom prst="rect">
             <a:avLst/>
@@ -7066,12 +10068,18 @@
                 <a:spcPct val="90000"/>
               </a:lnSpc>
               <a:buNone/>
+              <a:tabLst>
+                <a:tab algn="l" pos="0"/>
+              </a:tabLst>
             </a:pPr>
             <a:r>
               <a:rPr b="0" lang="ru-RU" sz="5400" spc="-1" strike="noStrike" cap="all">
+                <a:solidFill>
+                  <a:srgbClr val="000000"/>
+                </a:solidFill>
                 <a:latin typeface="Rockwell Condensed"/>
               </a:rPr>
-              <a:t>ИНТЕРФЕЙС ИГРЫ</a:t>
+              <a:t>выводы</a:t>
             </a:r>
             <a:endParaRPr b="0" lang="en-US" sz="5400" spc="-1" strike="noStrike">
               <a:latin typeface="Arial"/>
@@ -7081,7 +10089,7 @@
       </p:sp>
       <p:sp>
         <p:nvSpPr>
-          <p:cNvPr id="134" name="PlaceHolder 2"/>
+          <p:cNvPr id="180" name="PlaceHolder 2"/>
           <p:cNvSpPr>
             <a:spLocks noGrp="1"/>
           </p:cNvSpPr>
@@ -7091,8 +10099,8 @@
         </p:nvSpPr>
         <p:spPr>
           <a:xfrm>
-            <a:off x="1069560" y="2121480"/>
-            <a:ext cx="10055160" cy="4050000"/>
+            <a:off x="1123200" y="2404080"/>
+            <a:ext cx="10559160" cy="4588560"/>
           </a:xfrm>
           <a:prstGeom prst="rect">
             <a:avLst/>
@@ -7128,7 +10136,140 @@
                 </a:solidFill>
                 <a:latin typeface="Rockwell"/>
               </a:rPr>
-              <a:t>И проявить сочувствие к проигравшим</a:t>
+              <a:t> </a:t>
+            </a:r>
+            <a:r>
+              <a:rPr b="0" lang="ru-RU" sz="3600" spc="-1" strike="noStrike">
+                <a:solidFill>
+                  <a:srgbClr val="000000"/>
+                </a:solidFill>
+                <a:latin typeface="Rockwell"/>
+              </a:rPr>
+              <a:t>Игра создана для </a:t>
+            </a:r>
+            <a:r>
+              <a:rPr b="0" lang="en-US" sz="3600" spc="-1" strike="noStrike">
+                <a:solidFill>
+                  <a:srgbClr val="000000"/>
+                </a:solidFill>
+                <a:latin typeface="Rockwell"/>
+              </a:rPr>
+              <a:t>Windows, Linux,</a:t>
+            </a:r>
+            <a:endParaRPr b="0" lang="en-US" sz="3600" spc="-1" strike="noStrike">
+              <a:latin typeface="Arial"/>
+            </a:endParaRPr>
+          </a:p>
+          <a:p>
+            <a:pPr marL="182880">
+              <a:lnSpc>
+                <a:spcPct val="90000"/>
+              </a:lnSpc>
+              <a:spcBef>
+                <a:spcPts val="1199"/>
+              </a:spcBef>
+              <a:buNone/>
+              <a:tabLst>
+                <a:tab algn="l" pos="0"/>
+              </a:tabLst>
+            </a:pPr>
+            <a:r>
+              <a:rPr b="0" lang="en-US" sz="3600" spc="-1" strike="noStrike">
+                <a:solidFill>
+                  <a:srgbClr val="000000"/>
+                </a:solidFill>
+                <a:latin typeface="Rockwell"/>
+              </a:rPr>
+              <a:t> </a:t>
+            </a:r>
+            <a:r>
+              <a:rPr b="0" lang="en-US" sz="3600" spc="-1" strike="noStrike">
+                <a:solidFill>
+                  <a:srgbClr val="000000"/>
+                </a:solidFill>
+                <a:latin typeface="Rockwell"/>
+              </a:rPr>
+              <a:t>x86\x86_64 and ARM architecture</a:t>
+            </a:r>
+            <a:endParaRPr b="0" lang="en-US" sz="3600" spc="-1" strike="noStrike">
+              <a:latin typeface="Arial"/>
+            </a:endParaRPr>
+          </a:p>
+          <a:p>
+            <a:pPr marL="182880" indent="-182880">
+              <a:lnSpc>
+                <a:spcPct val="90000"/>
+              </a:lnSpc>
+              <a:spcBef>
+                <a:spcPts val="1199"/>
+              </a:spcBef>
+              <a:buClr>
+                <a:srgbClr val="9e3611"/>
+              </a:buClr>
+              <a:buSzPct val="85000"/>
+              <a:buFont typeface="Wingdings" charset="2"/>
+              <a:buChar char=""/>
+              <a:tabLst>
+                <a:tab algn="l" pos="0"/>
+              </a:tabLst>
+            </a:pPr>
+            <a:r>
+              <a:rPr b="0" lang="ru-RU" sz="3600" spc="-1" strike="noStrike">
+                <a:solidFill>
+                  <a:srgbClr val="000000"/>
+                </a:solidFill>
+                <a:latin typeface="Rockwell"/>
+              </a:rPr>
+              <a:t> </a:t>
+            </a:r>
+            <a:r>
+              <a:rPr b="0" lang="ru-RU" sz="3600" spc="-1" strike="noStrike">
+                <a:solidFill>
+                  <a:srgbClr val="000000"/>
+                </a:solidFill>
+                <a:latin typeface="Rockwell"/>
+              </a:rPr>
+              <a:t>Получен навык разработки кроссплатформенного и кроссархитектурного приложения</a:t>
+            </a:r>
+            <a:endParaRPr b="0" lang="en-US" sz="3600" spc="-1" strike="noStrike">
+              <a:latin typeface="Arial"/>
+            </a:endParaRPr>
+          </a:p>
+          <a:p>
+            <a:pPr marL="182880" indent="-182880">
+              <a:lnSpc>
+                <a:spcPct val="90000"/>
+              </a:lnSpc>
+              <a:spcBef>
+                <a:spcPts val="1199"/>
+              </a:spcBef>
+              <a:buClr>
+                <a:srgbClr val="9e3611"/>
+              </a:buClr>
+              <a:buSzPct val="85000"/>
+              <a:buFont typeface="Wingdings" charset="2"/>
+              <a:buChar char=""/>
+              <a:tabLst>
+                <a:tab algn="l" pos="0"/>
+              </a:tabLst>
+            </a:pPr>
+            <a:r>
+              <a:rPr b="0" lang="ru-RU" sz="3600" spc="-1" strike="noStrike">
+                <a:solidFill>
+                  <a:srgbClr val="000000"/>
+                </a:solidFill>
+                <a:latin typeface="Rockwell"/>
+              </a:rPr>
+              <a:t> </a:t>
+            </a:r>
+            <a:r>
+              <a:rPr b="0" lang="ru-RU" sz="3600" spc="-1" strike="noStrike">
+                <a:solidFill>
+                  <a:srgbClr val="000000"/>
+                </a:solidFill>
+                <a:latin typeface="Rockwell"/>
+              </a:rPr>
+              <a:t>Получен навык декомпозиции задачи</a:t>
             </a:r>
             <a:endParaRPr b="0" lang="en-US" sz="3600" spc="-1" strike="noStrike">
               <a:latin typeface="Arial"/>
@@ -7143,6 +10284,9 @@
                 <a:spcPts val="1199"/>
               </a:spcBef>
               <a:buNone/>
+              <a:tabLst>
+                <a:tab algn="l" pos="0"/>
+              </a:tabLst>
             </a:pPr>
             <a:endParaRPr b="0" lang="en-US" sz="2000" spc="-1" strike="noStrike">
               <a:latin typeface="Arial"/>
@@ -7150,29 +10294,6 @@
           </a:p>
         </p:txBody>
       </p:sp>
-      <p:pic>
-        <p:nvPicPr>
-          <p:cNvPr id="135" name="Picture 4" descr=""/>
-          <p:cNvPicPr/>
-          <p:nvPr/>
-        </p:nvPicPr>
-        <p:blipFill>
-          <a:blip r:embed="rId1"/>
-          <a:stretch/>
-        </p:blipFill>
-        <p:spPr>
-          <a:xfrm>
-            <a:off x="2494080" y="2853000"/>
-            <a:ext cx="5058720" cy="3673440"/>
-          </a:xfrm>
-          <a:prstGeom prst="rect">
-            <a:avLst/>
-          </a:prstGeom>
-          <a:ln w="0">
-            <a:noFill/>
-          </a:ln>
-        </p:spPr>
-      </p:pic>
     </p:spTree>
   </p:cSld>
   <mc:AlternateContent>
@@ -7209,7 +10330,7 @@
       </p:grpSpPr>
       <p:sp>
         <p:nvSpPr>
-          <p:cNvPr id="136" name="PlaceHolder 1"/>
+          <p:cNvPr id="181" name="PlaceHolder 1"/>
           <p:cNvSpPr>
             <a:spLocks noGrp="1"/>
           </p:cNvSpPr>
@@ -7219,8 +10340,8 @@
         </p:nvSpPr>
         <p:spPr>
           <a:xfrm>
-            <a:off x="1069560" y="484560"/>
-            <a:ext cx="10055160" cy="1608480"/>
+            <a:off x="1123200" y="549000"/>
+            <a:ext cx="10559160" cy="1821600"/>
           </a:xfrm>
           <a:prstGeom prst="rect">
             <a:avLst/>
@@ -7240,12 +10361,18 @@
                 <a:spcPct val="90000"/>
               </a:lnSpc>
               <a:buNone/>
+              <a:tabLst>
+                <a:tab algn="l" pos="0"/>
+              </a:tabLst>
             </a:pPr>
             <a:r>
               <a:rPr b="0" lang="ru-RU" sz="5400" spc="-1" strike="noStrike" cap="all">
+                <a:solidFill>
+                  <a:srgbClr val="000000"/>
+                </a:solidFill>
                 <a:latin typeface="Rockwell Condensed"/>
               </a:rPr>
-              <a:t>выводы</a:t>
+              <a:t>Спасибо за внимание</a:t>
             </a:r>
             <a:endParaRPr b="0" lang="en-US" sz="5400" spc="-1" strike="noStrike">
               <a:latin typeface="Arial"/>
@@ -7255,7 +10382,7 @@
       </p:sp>
       <p:sp>
         <p:nvSpPr>
-          <p:cNvPr id="137" name="PlaceHolder 2"/>
+          <p:cNvPr id="182" name="PlaceHolder 2"/>
           <p:cNvSpPr>
             <a:spLocks noGrp="1"/>
           </p:cNvSpPr>
@@ -7265,8 +10392,8 @@
         </p:nvSpPr>
         <p:spPr>
           <a:xfrm>
-            <a:off x="1069560" y="2121480"/>
-            <a:ext cx="10055160" cy="4050000"/>
+            <a:off x="1123200" y="2404080"/>
+            <a:ext cx="10559160" cy="990000"/>
           </a:xfrm>
           <a:prstGeom prst="rect">
             <a:avLst/>
@@ -7311,145 +10438,7 @@
                 </a:solidFill>
                 <a:latin typeface="Rockwell"/>
               </a:rPr>
-              <a:t>Игра создана для </a:t>
-            </a:r>
-            <a:r>
-              <a:rPr b="0" lang="en-US" sz="3600" spc="-1" strike="noStrike">
-                <a:solidFill>
-                  <a:srgbClr val="000000"/>
-                </a:solidFill>
-                <a:latin typeface="Rockwell"/>
-              </a:rPr>
-              <a:t>Windows </a:t>
-            </a:r>
-            <a:r>
-              <a:rPr b="0" lang="ru-RU" sz="3600" spc="-1" strike="noStrike">
-                <a:solidFill>
-                  <a:srgbClr val="000000"/>
-                </a:solidFill>
-                <a:latin typeface="Rockwell"/>
-              </a:rPr>
-              <a:t>и</a:t>
-            </a:r>
-            <a:r>
-              <a:rPr b="0" lang="en-US" sz="3600" spc="-1" strike="noStrike">
-                <a:solidFill>
-                  <a:srgbClr val="000000"/>
-                </a:solidFill>
-                <a:latin typeface="Rockwell"/>
-              </a:rPr>
-              <a:t> Linux</a:t>
-            </a:r>
-            <a:endParaRPr b="0" lang="en-US" sz="3600" spc="-1" strike="noStrike">
-              <a:latin typeface="Arial"/>
-            </a:endParaRPr>
-          </a:p>
-          <a:p>
-            <a:pPr marL="182880" indent="-182880">
-              <a:lnSpc>
-                <a:spcPct val="90000"/>
-              </a:lnSpc>
-              <a:spcBef>
-                <a:spcPts val="1199"/>
-              </a:spcBef>
-              <a:buClr>
-                <a:srgbClr val="9e3611"/>
-              </a:buClr>
-              <a:buSzPct val="85000"/>
-              <a:buFont typeface="Wingdings" charset="2"/>
-              <a:buChar char=""/>
-            </a:pPr>
-            <a:r>
-              <a:rPr b="0" lang="en-US" sz="3600" spc="-1" strike="noStrike">
-                <a:solidFill>
-                  <a:srgbClr val="000000"/>
-                </a:solidFill>
-                <a:latin typeface="Rockwell"/>
-              </a:rPr>
-              <a:t> </a:t>
-            </a:r>
-            <a:r>
-              <a:rPr b="0" lang="en-US" sz="3600" spc="-1" strike="noStrike">
-                <a:solidFill>
-                  <a:srgbClr val="000000"/>
-                </a:solidFill>
-                <a:latin typeface="Rockwell"/>
-              </a:rPr>
-              <a:t>TODO: кроссархитектурность</a:t>
-            </a:r>
-            <a:endParaRPr b="0" lang="en-US" sz="3600" spc="-1" strike="noStrike">
-              <a:latin typeface="Arial"/>
-            </a:endParaRPr>
-          </a:p>
-          <a:p>
-            <a:pPr marL="182880" indent="-182880">
-              <a:lnSpc>
-                <a:spcPct val="90000"/>
-              </a:lnSpc>
-              <a:spcBef>
-                <a:spcPts val="1199"/>
-              </a:spcBef>
-              <a:buClr>
-                <a:srgbClr val="9e3611"/>
-              </a:buClr>
-              <a:buSzPct val="85000"/>
-              <a:buFont typeface="Wingdings" charset="2"/>
-              <a:buChar char=""/>
-            </a:pPr>
-            <a:r>
-              <a:rPr b="0" lang="ru-RU" sz="3600" spc="-1" strike="noStrike">
-                <a:solidFill>
-                  <a:srgbClr val="000000"/>
-                </a:solidFill>
-                <a:latin typeface="Rockwell"/>
-              </a:rPr>
-              <a:t> </a:t>
-            </a:r>
-            <a:r>
-              <a:rPr b="0" lang="ru-RU" sz="3600" spc="-1" strike="noStrike">
-                <a:solidFill>
-                  <a:srgbClr val="000000"/>
-                </a:solidFill>
-                <a:latin typeface="Rockwell"/>
-              </a:rPr>
-              <a:t>Получен навык разработки кроссплатформенного приложения</a:t>
-            </a:r>
-            <a:endParaRPr b="0" lang="en-US" sz="3600" spc="-1" strike="noStrike">
-              <a:latin typeface="Arial"/>
-            </a:endParaRPr>
-          </a:p>
-          <a:p>
-            <a:pPr marL="182880" indent="-182880">
-              <a:lnSpc>
-                <a:spcPct val="90000"/>
-              </a:lnSpc>
-              <a:spcBef>
-                <a:spcPts val="1199"/>
-              </a:spcBef>
-              <a:buClr>
-                <a:srgbClr val="9e3611"/>
-              </a:buClr>
-              <a:buSzPct val="85000"/>
-              <a:buFont typeface="Wingdings" charset="2"/>
-              <a:buChar char=""/>
-            </a:pPr>
-            <a:r>
-              <a:rPr b="0" lang="ru-RU" sz="3600" spc="-1" strike="noStrike">
-                <a:solidFill>
-                  <a:srgbClr val="000000"/>
-                </a:solidFill>
-                <a:latin typeface="Rockwell"/>
-              </a:rPr>
-              <a:t> </a:t>
-            </a:r>
-            <a:r>
-              <a:rPr b="0" lang="ru-RU" sz="3600" spc="-1" strike="noStrike">
-                <a:solidFill>
-                  <a:srgbClr val="000000"/>
-                </a:solidFill>
-                <a:latin typeface="Rockwell"/>
-              </a:rPr>
-              <a:t>Получен навык декомпозиции задачи</a:t>
+              <a:t>Исходный код программы и готовые сборки</a:t>
             </a:r>
             <a:endParaRPr b="0" lang="en-US" sz="3600" spc="-1" strike="noStrike">
               <a:latin typeface="Arial"/>
@@ -7464,6 +10453,9 @@
                 <a:spcPts val="1199"/>
               </a:spcBef>
               <a:buNone/>
+              <a:tabLst>
+                <a:tab algn="l" pos="0"/>
+              </a:tabLst>
             </a:pPr>
             <a:endParaRPr b="0" lang="en-US" sz="2000" spc="-1" strike="noStrike">
               <a:latin typeface="Arial"/>
@@ -7471,199 +10463,16 @@
           </a:p>
         </p:txBody>
       </p:sp>
-    </p:spTree>
-  </p:cSld>
-  <mc:AlternateContent>
-    <mc:Choice Requires="p14">
-      <p:transition spd="med" p14:dur="700">
-        <p:fade/>
-      </p:transition>
-    </mc:Choice>
-    <mc:Fallback>
-      <p:transition spd="med">
-        <p:fade/>
-      </p:transition>
-    </mc:Fallback>
-  </mc:AlternateContent>
-</p:sld>
-</file>
-
-<file path=ppt/slides/slide15.xml><?xml version="1.0" encoding="utf-8"?>
-<p:sld xmlns:a="http://schemas.openxmlformats.org/drawingml/2006/main" xmlns:p="http://schemas.openxmlformats.org/presentationml/2006/main" xmlns:r="http://schemas.openxmlformats.org/officeDocument/2006/relationships" xmlns:p14="http://schemas.microsoft.com/office/powerpoint/2010/main" xmlns:p15="http://schemas.microsoft.com/office/powerpoint/2012/main" xmlns:mc="http://schemas.openxmlformats.org/markup-compatibility/2006">
-  <p:cSld>
-    <p:spTree>
-      <p:nvGrpSpPr>
-        <p:cNvPr id="1" name=""/>
-        <p:cNvGrpSpPr/>
-        <p:nvPr/>
-      </p:nvGrpSpPr>
-      <p:grpSpPr>
-        <a:xfrm>
-          <a:off x="0" y="0"/>
-          <a:ext cx="0" cy="0"/>
-          <a:chOff x="0" y="0"/>
-          <a:chExt cx="0" cy="0"/>
-        </a:xfrm>
-      </p:grpSpPr>
-      <p:sp>
-        <p:nvSpPr>
-          <p:cNvPr id="138" name="PlaceHolder 1"/>
-          <p:cNvSpPr>
-            <a:spLocks noGrp="1"/>
-          </p:cNvSpPr>
-          <p:nvPr>
-            <p:ph type="title"/>
-          </p:nvPr>
-        </p:nvSpPr>
-        <p:spPr>
-          <a:xfrm>
-            <a:off x="1069560" y="484560"/>
-            <a:ext cx="10055160" cy="1608480"/>
-          </a:xfrm>
-          <a:prstGeom prst="rect">
-            <a:avLst/>
-          </a:prstGeom>
-          <a:noFill/>
-          <a:ln w="0">
-            <a:noFill/>
-          </a:ln>
-        </p:spPr>
-        <p:txBody>
-          <a:bodyPr lIns="90000" rIns="90000" tIns="45000" bIns="45000" anchor="ctr">
-            <a:noAutofit/>
-          </a:bodyPr>
-          <a:p>
-            <a:pPr>
-              <a:lnSpc>
-                <a:spcPct val="90000"/>
-              </a:lnSpc>
-              <a:buNone/>
-            </a:pPr>
-            <a:r>
-              <a:rPr b="0" lang="ru-RU" sz="5400" spc="-1" strike="noStrike" cap="all">
-                <a:latin typeface="Rockwell Condensed"/>
-              </a:rPr>
-              <a:t>Спасибо за внимание</a:t>
-            </a:r>
-            <a:endParaRPr b="0" lang="en-US" sz="5400" spc="-1" strike="noStrike">
-              <a:latin typeface="Arial"/>
-            </a:endParaRPr>
-          </a:p>
-        </p:txBody>
-      </p:sp>
-      <p:sp>
-        <p:nvSpPr>
-          <p:cNvPr id="139" name="PlaceHolder 2"/>
-          <p:cNvSpPr>
-            <a:spLocks noGrp="1"/>
-          </p:cNvSpPr>
-          <p:nvPr>
-            <p:ph/>
-          </p:nvPr>
-        </p:nvSpPr>
-        <p:spPr>
-          <a:xfrm>
-            <a:off x="1069560" y="2121480"/>
-            <a:ext cx="10055160" cy="874800"/>
-          </a:xfrm>
-          <a:prstGeom prst="rect">
-            <a:avLst/>
-          </a:prstGeom>
-          <a:noFill/>
-          <a:ln w="0">
-            <a:noFill/>
-          </a:ln>
-        </p:spPr>
-        <p:txBody>
-          <a:bodyPr lIns="90000" rIns="90000" tIns="45000" bIns="45000" anchor="t">
-            <a:noAutofit/>
-          </a:bodyPr>
-          <a:p>
-            <a:pPr marL="182880" indent="-182880">
-              <a:lnSpc>
-                <a:spcPct val="90000"/>
-              </a:lnSpc>
-              <a:spcBef>
-                <a:spcPts val="1199"/>
-              </a:spcBef>
-              <a:buClr>
-                <a:srgbClr val="9e3611"/>
-              </a:buClr>
-              <a:buSzPct val="85000"/>
-              <a:buFont typeface="Wingdings" charset="2"/>
-              <a:buChar char=""/>
-            </a:pPr>
-            <a:r>
-              <a:rPr b="0" lang="ru-RU" sz="3600" spc="-1" strike="noStrike">
-                <a:solidFill>
-                  <a:srgbClr val="000000"/>
-                </a:solidFill>
-                <a:latin typeface="Rockwell"/>
-              </a:rPr>
-              <a:t> </a:t>
-            </a:r>
-            <a:r>
-              <a:rPr b="0" lang="ru-RU" sz="3600" spc="-1" strike="noStrike">
-                <a:solidFill>
-                  <a:srgbClr val="000000"/>
-                </a:solidFill>
-                <a:latin typeface="Rockwell"/>
-              </a:rPr>
-              <a:t>Исходный код программы и готовые сборки</a:t>
-            </a:r>
-            <a:endParaRPr b="0" lang="en-US" sz="3600" spc="-1" strike="noStrike">
-              <a:latin typeface="Arial"/>
-            </a:endParaRPr>
-          </a:p>
-          <a:p>
-            <a:pPr>
-              <a:lnSpc>
-                <a:spcPct val="90000"/>
-              </a:lnSpc>
-              <a:spcBef>
-                <a:spcPts val="1199"/>
-              </a:spcBef>
-              <a:buNone/>
-            </a:pPr>
-            <a:endParaRPr b="0" lang="en-US" sz="2000" spc="-1" strike="noStrike">
-              <a:latin typeface="Arial"/>
-            </a:endParaRPr>
-          </a:p>
-        </p:txBody>
-      </p:sp>
-      <p:pic>
-        <p:nvPicPr>
-          <p:cNvPr id="140" name="Picture 2" descr="https://lh4.googleusercontent.com/6oazrnck46d_-TXc-rRLmY7gfF0XWNpG6N0sj5Jx3GUOMQsAXJETYpOY26qaQbRnJygEPmFbQrYuQpKT0wzT6sXjOKWSbof53PPfPesogf_VJM7J1xR_QnrNLh01DVN5M0TjOoQyv8y6nGPuLA"/>
-          <p:cNvPicPr/>
-          <p:nvPr/>
-        </p:nvPicPr>
-        <p:blipFill>
-          <a:blip r:embed="rId1"/>
-          <a:stretch/>
-        </p:blipFill>
-        <p:spPr>
-          <a:xfrm>
-            <a:off x="7773480" y="3501000"/>
-            <a:ext cx="2856960" cy="2856960"/>
-          </a:xfrm>
-          <a:prstGeom prst="rect">
-            <a:avLst/>
-          </a:prstGeom>
-          <a:ln w="0">
-            <a:noFill/>
-          </a:ln>
-        </p:spPr>
-      </p:pic>
-      <p:sp>
-        <p:nvSpPr>
-          <p:cNvPr id="141" name="Rectangle 6"/>
+      <p:sp>
+        <p:nvSpPr>
+          <p:cNvPr id="183" name="Rectangle 6"/>
           <p:cNvSpPr/>
           <p:nvPr/>
         </p:nvSpPr>
         <p:spPr>
           <a:xfrm>
-            <a:off x="1269720" y="3501000"/>
-            <a:ext cx="6092280" cy="1247400"/>
+            <a:off x="1333440" y="3967560"/>
+            <a:ext cx="6397200" cy="1247400"/>
           </a:xfrm>
           <a:prstGeom prst="rect">
             <a:avLst/>
@@ -7690,17 +10499,6 @@
               </a:lnSpc>
               <a:buNone/>
             </a:pPr>
-            <a:r>
-              <a:rPr b="0" lang="en-US" sz="5400" spc="-1" strike="noStrike" u="sng">
-                <a:solidFill>
-                  <a:srgbClr val="000000"/>
-                </a:solidFill>
-                <a:uFillTx/>
-                <a:latin typeface="Arial"/>
-                <a:ea typeface="DejaVu Sans"/>
-              </a:rPr>
-              <a:t>https://t.ly/zUHc</a:t>
-            </a:r>
             <a:endParaRPr b="0" lang="en-US" sz="5400" spc="-1" strike="noStrike">
               <a:latin typeface="Arial"/>
             </a:endParaRPr>
@@ -7729,6 +10527,236 @@
           </a:p>
         </p:txBody>
       </p:sp>
+      <p:sp>
+        <p:nvSpPr>
+          <p:cNvPr id="184" name=""/>
+          <p:cNvSpPr/>
+          <p:nvPr/>
+        </p:nvSpPr>
+        <p:spPr>
+          <a:xfrm>
+            <a:off x="1337040" y="5649840"/>
+            <a:ext cx="9177480" cy="681480"/>
+          </a:xfrm>
+          <a:prstGeom prst="rect">
+            <a:avLst/>
+          </a:prstGeom>
+          <a:noFill/>
+          <a:ln w="0">
+            <a:noFill/>
+          </a:ln>
+        </p:spPr>
+        <p:style>
+          <a:lnRef idx="0"/>
+          <a:fillRef idx="0"/>
+          <a:effectRef idx="0"/>
+          <a:fontRef idx="minor"/>
+        </p:style>
+        <p:txBody>
+          <a:bodyPr lIns="90000" rIns="90000" tIns="45000" bIns="45000" anchor="t">
+            <a:noAutofit/>
+          </a:bodyPr>
+          <a:p>
+            <a:pPr>
+              <a:lnSpc>
+                <a:spcPct val="100000"/>
+              </a:lnSpc>
+              <a:buNone/>
+            </a:pPr>
+            <a:r>
+              <a:rPr b="0" lang="en-US" sz="2040" spc="-1" strike="noStrike" u="sng">
+                <a:solidFill>
+                  <a:srgbClr val="cc9900"/>
+                </a:solidFill>
+                <a:uFillTx/>
+                <a:latin typeface="Arial"/>
+                <a:ea typeface="DejaVu Sans"/>
+                <a:hlinkClick r:id="rId1"/>
+              </a:rPr>
+              <a:t>https://www.spiceworks.com/tech/tech-general/articles/risc-vs-cisc</a:t>
+            </a:r>
+            <a:endParaRPr b="0" lang="en-US" sz="2040" spc="-1" strike="noStrike">
+              <a:latin typeface="Arial"/>
+            </a:endParaRPr>
+          </a:p>
+          <a:p>
+            <a:pPr>
+              <a:lnSpc>
+                <a:spcPct val="100000"/>
+              </a:lnSpc>
+              <a:buNone/>
+            </a:pPr>
+            <a:r>
+              <a:rPr b="0" lang="en-US" sz="2040" spc="-1" strike="noStrike" u="sng">
+                <a:solidFill>
+                  <a:srgbClr val="cc9900"/>
+                </a:solidFill>
+                <a:uFillTx/>
+                <a:latin typeface="Arial"/>
+                <a:ea typeface="DejaVu Sans"/>
+                <a:hlinkClick r:id="rId2"/>
+              </a:rPr>
+              <a:t>https://www.andersdx.com/arm-vs-x86-for-embedded-display-projects/</a:t>
+            </a:r>
+            <a:endParaRPr b="0" lang="en-US" sz="2040" spc="-1" strike="noStrike">
+              <a:latin typeface="Arial"/>
+            </a:endParaRPr>
+          </a:p>
+        </p:txBody>
+      </p:sp>
+      <p:sp>
+        <p:nvSpPr>
+          <p:cNvPr id="185" name=""/>
+          <p:cNvSpPr/>
+          <p:nvPr/>
+        </p:nvSpPr>
+        <p:spPr>
+          <a:xfrm>
+            <a:off x="1337040" y="5257440"/>
+            <a:ext cx="2090880" cy="668160"/>
+          </a:xfrm>
+          <a:prstGeom prst="rect">
+            <a:avLst/>
+          </a:prstGeom>
+          <a:noFill/>
+          <a:ln w="0">
+            <a:noFill/>
+          </a:ln>
+        </p:spPr>
+        <p:style>
+          <a:lnRef idx="0"/>
+          <a:fillRef idx="0"/>
+          <a:effectRef idx="0"/>
+          <a:fontRef idx="minor"/>
+        </p:style>
+        <p:txBody>
+          <a:bodyPr lIns="90000" rIns="90000" tIns="45000" bIns="45000" anchor="t">
+            <a:noAutofit/>
+          </a:bodyPr>
+          <a:p>
+            <a:pPr>
+              <a:lnSpc>
+                <a:spcPct val="100000"/>
+              </a:lnSpc>
+              <a:buNone/>
+            </a:pPr>
+            <a:r>
+              <a:rPr b="0" lang="en-US" sz="2040" spc="-1" strike="noStrike">
+                <a:solidFill>
+                  <a:srgbClr val="000000"/>
+                </a:solidFill>
+                <a:latin typeface="Arial"/>
+                <a:ea typeface="DejaVu Sans"/>
+              </a:rPr>
+              <a:t>Литература:</a:t>
+            </a:r>
+            <a:endParaRPr b="0" lang="en-US" sz="2040" spc="-1" strike="noStrike">
+              <a:latin typeface="Arial"/>
+            </a:endParaRPr>
+          </a:p>
+        </p:txBody>
+      </p:sp>
+      <p:sp>
+        <p:nvSpPr>
+          <p:cNvPr id="186" name=""/>
+          <p:cNvSpPr/>
+          <p:nvPr/>
+        </p:nvSpPr>
+        <p:spPr>
+          <a:xfrm>
+            <a:off x="1333440" y="3627000"/>
+            <a:ext cx="4090320" cy="1430640"/>
+          </a:xfrm>
+          <a:prstGeom prst="rect">
+            <a:avLst/>
+          </a:prstGeom>
+          <a:noFill/>
+          <a:ln w="0">
+            <a:noFill/>
+          </a:ln>
+        </p:spPr>
+        <p:style>
+          <a:lnRef idx="0"/>
+          <a:fillRef idx="0"/>
+          <a:effectRef idx="0"/>
+          <a:fontRef idx="minor"/>
+        </p:style>
+        <p:txBody>
+          <a:bodyPr lIns="90000" rIns="90000" tIns="45000" bIns="45000" anchor="t">
+            <a:noAutofit/>
+          </a:bodyPr>
+          <a:p>
+            <a:pPr>
+              <a:lnSpc>
+                <a:spcPct val="100000"/>
+              </a:lnSpc>
+              <a:buNone/>
+            </a:pPr>
+            <a:r>
+              <a:rPr b="0" lang="en-US" sz="3200" spc="-1" strike="noStrike">
+                <a:solidFill>
+                  <a:srgbClr val="000000"/>
+                </a:solidFill>
+                <a:latin typeface="Arial"/>
+                <a:ea typeface="DejaVu Sans"/>
+              </a:rPr>
+              <a:t>https://rb.gy/qvucbi</a:t>
+            </a:r>
+            <a:endParaRPr b="0" lang="en-US" sz="3200" spc="-1" strike="noStrike">
+              <a:latin typeface="Arial"/>
+            </a:endParaRPr>
+          </a:p>
+        </p:txBody>
+      </p:sp>
+      <p:sp>
+        <p:nvSpPr>
+          <p:cNvPr id="187" name=""/>
+          <p:cNvSpPr/>
+          <p:nvPr/>
+        </p:nvSpPr>
+        <p:spPr>
+          <a:xfrm>
+            <a:off x="5023800" y="3749760"/>
+            <a:ext cx="3858120" cy="3244320"/>
+          </a:xfrm>
+          <a:prstGeom prst="rect">
+            <a:avLst/>
+          </a:prstGeom>
+          <a:noFill/>
+          <a:ln w="0">
+            <a:noFill/>
+          </a:ln>
+        </p:spPr>
+        <p:style>
+          <a:lnRef idx="0"/>
+          <a:fillRef idx="0"/>
+          <a:effectRef idx="0"/>
+          <a:fontRef idx="minor"/>
+        </p:style>
+      </p:sp>
+      <p:pic>
+        <p:nvPicPr>
+          <p:cNvPr id="188" name="" descr=""/>
+          <p:cNvPicPr/>
+          <p:nvPr/>
+        </p:nvPicPr>
+        <p:blipFill>
+          <a:blip r:embed="rId3"/>
+          <a:stretch/>
+        </p:blipFill>
+        <p:spPr>
+          <a:xfrm>
+            <a:off x="5762160" y="3108960"/>
+            <a:ext cx="2239560" cy="2416680"/>
+          </a:xfrm>
+          <a:prstGeom prst="rect">
+            <a:avLst/>
+          </a:prstGeom>
+          <a:ln w="0">
+            <a:noFill/>
+          </a:ln>
+        </p:spPr>
+      </p:pic>
     </p:spTree>
   </p:cSld>
   <mc:AlternateContent>
@@ -7765,7 +10793,7 @@
       </p:grpSpPr>
       <p:sp>
         <p:nvSpPr>
-          <p:cNvPr id="108" name="PlaceHolder 1"/>
+          <p:cNvPr id="153" name="PlaceHolder 1"/>
           <p:cNvSpPr>
             <a:spLocks noGrp="1"/>
           </p:cNvSpPr>
@@ -7775,8 +10803,8 @@
         </p:nvSpPr>
         <p:spPr>
           <a:xfrm>
-            <a:off x="1069560" y="484560"/>
-            <a:ext cx="10055160" cy="1608480"/>
+            <a:off x="1123200" y="549000"/>
+            <a:ext cx="10559160" cy="1821600"/>
           </a:xfrm>
           <a:prstGeom prst="rect">
             <a:avLst/>
@@ -7796,9 +10824,15 @@
                 <a:spcPct val="90000"/>
               </a:lnSpc>
               <a:buNone/>
+              <a:tabLst>
+                <a:tab algn="l" pos="0"/>
+              </a:tabLst>
             </a:pPr>
             <a:r>
               <a:rPr b="0" lang="ru-RU" sz="5400" spc="-1" strike="noStrike" cap="all">
+                <a:solidFill>
+                  <a:srgbClr val="000000"/>
+                </a:solidFill>
                 <a:latin typeface="Rockwell Condensed"/>
               </a:rPr>
               <a:t>ЦЕЛИ ПРОЕКТА</a:t>
@@ -7811,7 +10845,7 @@
       </p:sp>
       <p:sp>
         <p:nvSpPr>
-          <p:cNvPr id="109" name="PlaceHolder 2"/>
+          <p:cNvPr id="154" name="PlaceHolder 2"/>
           <p:cNvSpPr>
             <a:spLocks noGrp="1"/>
           </p:cNvSpPr>
@@ -7821,8 +10855,8 @@
         </p:nvSpPr>
         <p:spPr>
           <a:xfrm>
-            <a:off x="1069560" y="2121480"/>
-            <a:ext cx="10055160" cy="4050000"/>
+            <a:off x="1123200" y="2404080"/>
+            <a:ext cx="10559160" cy="4588560"/>
           </a:xfrm>
           <a:prstGeom prst="rect">
             <a:avLst/>
@@ -7930,7 +10964,7 @@
       </p:grpSpPr>
       <p:sp>
         <p:nvSpPr>
-          <p:cNvPr id="110" name="PlaceHolder 1"/>
+          <p:cNvPr id="155" name="PlaceHolder 1"/>
           <p:cNvSpPr>
             <a:spLocks noGrp="1"/>
           </p:cNvSpPr>
@@ -7940,8 +10974,8 @@
         </p:nvSpPr>
         <p:spPr>
           <a:xfrm>
-            <a:off x="1069560" y="484560"/>
-            <a:ext cx="10055160" cy="1608480"/>
+            <a:off x="1123200" y="549000"/>
+            <a:ext cx="10559160" cy="1821600"/>
           </a:xfrm>
           <a:prstGeom prst="rect">
             <a:avLst/>
@@ -7961,9 +10995,15 @@
                 <a:spcPct val="90000"/>
               </a:lnSpc>
               <a:buNone/>
+              <a:tabLst>
+                <a:tab algn="l" pos="0"/>
+              </a:tabLst>
             </a:pPr>
             <a:r>
               <a:rPr b="0" lang="ru-RU" sz="5400" spc="-1" strike="noStrike" cap="all">
+                <a:solidFill>
+                  <a:srgbClr val="000000"/>
+                </a:solidFill>
                 <a:latin typeface="Rockwell Condensed"/>
               </a:rPr>
               <a:t>ЗАДАЧИ</a:t>
@@ -7976,7 +11016,7 @@
       </p:sp>
       <p:sp>
         <p:nvSpPr>
-          <p:cNvPr id="111" name="PlaceHolder 2"/>
+          <p:cNvPr id="156" name="PlaceHolder 2"/>
           <p:cNvSpPr>
             <a:spLocks noGrp="1"/>
           </p:cNvSpPr>
@@ -7986,8 +11026,8 @@
         </p:nvSpPr>
         <p:spPr>
           <a:xfrm>
-            <a:off x="1069560" y="2121480"/>
-            <a:ext cx="10352880" cy="4050000"/>
+            <a:off x="1131480" y="2072520"/>
+            <a:ext cx="10872000" cy="4588560"/>
           </a:xfrm>
           <a:prstGeom prst="rect">
             <a:avLst/>
@@ -8060,7 +11100,34 @@
                 </a:solidFill>
                 <a:latin typeface="Rockwell"/>
               </a:rPr>
-              <a:t>Декомпозировать приложение на отдельные модули</a:t>
+              <a:t>Научиться</a:t>
+            </a:r>
+            <a:r>
+              <a:rPr b="0" lang="en-US" sz="3600" spc="-1" strike="noStrike">
+                <a:solidFill>
+                  <a:srgbClr val="000000"/>
+                </a:solidFill>
+                <a:latin typeface="Rockwell"/>
+              </a:rPr>
+              <a:t> </a:t>
+            </a:r>
+            <a:r>
+              <a:rPr b="0" lang="ru-RU" sz="3600" spc="-1" strike="noStrike">
+                <a:solidFill>
+                  <a:srgbClr val="000000"/>
+                </a:solidFill>
+                <a:latin typeface="Rockwell"/>
+              </a:rPr>
+              <a:t>работать</a:t>
+            </a:r>
+            <a:r>
+              <a:rPr b="0" lang="en-US" sz="3600" spc="-1" strike="noStrike">
+                <a:solidFill>
+                  <a:srgbClr val="000000"/>
+                </a:solidFill>
+                <a:latin typeface="Rockwell"/>
+              </a:rPr>
+              <a:t> с toolchain</a:t>
             </a:r>
             <a:endParaRPr b="0" lang="en-US" sz="3600" spc="-1" strike="noStrike">
               <a:latin typeface="Arial"/>
@@ -8088,7 +11155,35 @@
                 </a:solidFill>
                 <a:latin typeface="Rockwell"/>
               </a:rPr>
-              <a:t>Выделить платформо-зависимые модули</a:t>
+              <a:t>Декомпозировать приложение на отдельные модули</a:t>
+            </a:r>
+            <a:endParaRPr b="0" lang="en-US" sz="3600" spc="-1" strike="noStrike">
+              <a:latin typeface="Arial"/>
+            </a:endParaRPr>
+          </a:p>
+          <a:p>
+            <a:pPr marL="182880" indent="-182880">
+              <a:lnSpc>
+                <a:spcPct val="90000"/>
+              </a:lnSpc>
+              <a:spcBef>
+                <a:spcPts val="1199"/>
+              </a:spcBef>
+              <a:buClr>
+                <a:srgbClr val="9e3611"/>
+              </a:buClr>
+              <a:buSzPct val="85000"/>
+              <a:buFont typeface="Wingdings" charset="2"/>
+              <a:buChar char=""/>
+            </a:pPr>
+            <a:r>
+              <a:rPr b="0" lang="ru-RU" sz="3600" spc="-1" strike="noStrike">
+                <a:solidFill>
+                  <a:srgbClr val="000000"/>
+                </a:solidFill>
+                <a:latin typeface="Rockwell"/>
+              </a:rPr>
+              <a:t>Выделить платформо-зависимые</a:t>
             </a:r>
             <a:endParaRPr b="0" lang="en-US" sz="3600" spc="-1" strike="noStrike">
               <a:latin typeface="Arial"/>
@@ -8177,7 +11272,7 @@
       </p:grpSpPr>
       <p:sp>
         <p:nvSpPr>
-          <p:cNvPr id="112" name="PlaceHolder 1"/>
+          <p:cNvPr id="157" name="PlaceHolder 1"/>
           <p:cNvSpPr>
             <a:spLocks noGrp="1"/>
           </p:cNvSpPr>
@@ -8187,8 +11282,8 @@
         </p:nvSpPr>
         <p:spPr>
           <a:xfrm>
-            <a:off x="1069560" y="484560"/>
-            <a:ext cx="10055160" cy="1608480"/>
+            <a:off x="1123200" y="549000"/>
+            <a:ext cx="10559160" cy="1821600"/>
           </a:xfrm>
           <a:prstGeom prst="rect">
             <a:avLst/>
@@ -8208,9 +11303,15 @@
                 <a:spcPct val="90000"/>
               </a:lnSpc>
               <a:buNone/>
+              <a:tabLst>
+                <a:tab algn="l" pos="0"/>
+              </a:tabLst>
             </a:pPr>
             <a:r>
               <a:rPr b="0" lang="ru-RU" sz="5400" spc="-1" strike="noStrike" cap="all">
+                <a:solidFill>
+                  <a:srgbClr val="000000"/>
+                </a:solidFill>
                 <a:latin typeface="Rockwell Condensed"/>
               </a:rPr>
               <a:t>АКТУАЛЬНОСТЬ</a:t>
@@ -8223,7 +11324,7 @@
       </p:sp>
       <p:sp>
         <p:nvSpPr>
-          <p:cNvPr id="113" name="PlaceHolder 2"/>
+          <p:cNvPr id="158" name="PlaceHolder 2"/>
           <p:cNvSpPr>
             <a:spLocks noGrp="1"/>
           </p:cNvSpPr>
@@ -8233,8 +11334,8 @@
         </p:nvSpPr>
         <p:spPr>
           <a:xfrm>
-            <a:off x="1069560" y="2121480"/>
-            <a:ext cx="10055160" cy="4050000"/>
+            <a:off x="1123200" y="2404080"/>
+            <a:ext cx="10559160" cy="4588560"/>
           </a:xfrm>
           <a:prstGeom prst="rect">
             <a:avLst/>
@@ -8270,7 +11371,35 @@
                 </a:solidFill>
                 <a:latin typeface="Rockwell"/>
               </a:rPr>
-              <a:t>Приложение работающее на одной платформе несет большие риски</a:t>
+              <a:t>Приложение работающее на одной платформе/архитектуре несет большие риски и менее ценно на рынке</a:t>
+            </a:r>
+            <a:endParaRPr b="0" lang="en-US" sz="3600" spc="-1" strike="noStrike">
+              <a:latin typeface="Arial"/>
+            </a:endParaRPr>
+          </a:p>
+          <a:p>
+            <a:pPr marL="182880" indent="-182880">
+              <a:lnSpc>
+                <a:spcPct val="90000"/>
+              </a:lnSpc>
+              <a:spcBef>
+                <a:spcPts val="1199"/>
+              </a:spcBef>
+              <a:buClr>
+                <a:srgbClr val="9e3611"/>
+              </a:buClr>
+              <a:buSzPct val="85000"/>
+              <a:buFont typeface="Wingdings" charset="2"/>
+              <a:buChar char=""/>
+            </a:pPr>
+            <a:r>
+              <a:rPr b="0" lang="ru-RU" sz="3600" spc="-1" strike="noStrike">
+                <a:solidFill>
+                  <a:srgbClr val="000000"/>
+                </a:solidFill>
+                <a:latin typeface="Rockwell"/>
+              </a:rPr>
+              <a:t>Сложнее поддерживать приложение с разными исходными кодами под разные системы</a:t>
             </a:r>
             <a:endParaRPr b="0" lang="en-US" sz="3600" spc="-1" strike="noStrike">
               <a:latin typeface="Arial"/>
@@ -8314,7 +11443,7 @@
       </p:grpSpPr>
       <p:sp>
         <p:nvSpPr>
-          <p:cNvPr id="114" name="PlaceHolder 1"/>
+          <p:cNvPr id="159" name="PlaceHolder 1"/>
           <p:cNvSpPr>
             <a:spLocks noGrp="1"/>
           </p:cNvSpPr>
@@ -8324,63 +11453,391 @@
         </p:nvSpPr>
         <p:spPr>
           <a:xfrm>
-            <a:off x="1069560" y="484560"/>
-            <a:ext cx="10055160" cy="1608480"/>
-          </a:xfrm>
-          <a:prstGeom prst="rect">
-            <a:avLst/>
-          </a:prstGeom>
-          <a:noFill/>
-          <a:ln w="0">
-            <a:noFill/>
-          </a:ln>
-        </p:spPr>
-        <p:txBody>
-          <a:bodyPr lIns="90000" rIns="90000" tIns="45000" bIns="45000" anchor="ctr">
+            <a:off x="639720" y="309960"/>
+            <a:ext cx="11520000" cy="1296360"/>
+          </a:xfrm>
+          <a:prstGeom prst="rect">
+            <a:avLst/>
+          </a:prstGeom>
+          <a:noFill/>
+          <a:ln w="0">
+            <a:noFill/>
+          </a:ln>
+        </p:spPr>
+        <p:txBody>
+          <a:bodyPr lIns="0" rIns="0" tIns="0" bIns="0" anchor="ctr">
             <a:noAutofit/>
           </a:bodyPr>
           <a:p>
-            <a:pPr>
+            <a:pPr algn="ctr">
+              <a:lnSpc>
+                <a:spcPct val="100000"/>
+              </a:lnSpc>
+              <a:buNone/>
+              <a:tabLst>
+                <a:tab algn="l" pos="0"/>
+              </a:tabLst>
+            </a:pPr>
+            <a:r>
+              <a:rPr b="0" lang="en-US" sz="4980" spc="-1" strike="noStrike">
+                <a:solidFill>
+                  <a:srgbClr val="000000"/>
+                </a:solidFill>
+                <a:latin typeface="Arial"/>
+              </a:rPr>
+              <a:t>Проблемы</a:t>
+            </a:r>
+            <a:endParaRPr b="0" lang="en-US" sz="4980" spc="-1" strike="noStrike">
+              <a:latin typeface="Arial"/>
+            </a:endParaRPr>
+          </a:p>
+        </p:txBody>
+      </p:sp>
+      <p:sp>
+        <p:nvSpPr>
+          <p:cNvPr id="160" name="PlaceHolder 2"/>
+          <p:cNvSpPr>
+            <a:spLocks noGrp="1"/>
+          </p:cNvSpPr>
+          <p:nvPr>
+            <p:ph/>
+          </p:nvPr>
+        </p:nvSpPr>
+        <p:spPr>
+          <a:xfrm>
+            <a:off x="457200" y="1828800"/>
+            <a:ext cx="5713920" cy="4506480"/>
+          </a:xfrm>
+          <a:prstGeom prst="rect">
+            <a:avLst/>
+          </a:prstGeom>
+          <a:noFill/>
+          <a:ln w="0">
+            <a:noFill/>
+          </a:ln>
+        </p:spPr>
+        <p:txBody>
+          <a:bodyPr lIns="0" rIns="0" tIns="0" bIns="0" anchor="t">
+            <a:normAutofit fontScale="77000"/>
+          </a:bodyPr>
+          <a:p>
+            <a:pPr marL="182880">
               <a:lnSpc>
                 <a:spcPct val="90000"/>
               </a:lnSpc>
+              <a:spcBef>
+                <a:spcPts val="1199"/>
+              </a:spcBef>
               <a:buNone/>
-            </a:pPr>
-            <a:r>
-              <a:rPr b="0" lang="ru-RU" sz="5400" spc="-1" strike="noStrike" cap="all">
-                <a:latin typeface="Rockwell Condensed"/>
+              <a:tabLst>
+                <a:tab algn="l" pos="0"/>
+              </a:tabLst>
+            </a:pPr>
+            <a:r>
+              <a:rPr b="0" lang="en-US" sz="3630" spc="-1" strike="noStrike">
+                <a:solidFill>
+                  <a:srgbClr val="000000"/>
+                </a:solidFill>
+                <a:latin typeface="Arial"/>
               </a:rPr>
-              <a:t>ПРОЦЕСС РАЗРАБОТКИ ПРОГРАММЫ</a:t>
-            </a:r>
-            <a:endParaRPr b="0" lang="en-US" sz="5400" spc="-1" strike="noStrike">
-              <a:latin typeface="Arial"/>
-            </a:endParaRPr>
-          </a:p>
-        </p:txBody>
-      </p:sp>
-      <p:pic>
-        <p:nvPicPr>
-          <p:cNvPr id="115" name="Content Placeholder 3" descr=""/>
-          <p:cNvPicPr/>
-          <p:nvPr/>
-        </p:nvPicPr>
-        <p:blipFill>
-          <a:blip r:embed="rId1"/>
-          <a:stretch/>
-        </p:blipFill>
-        <p:spPr>
-          <a:xfrm>
-            <a:off x="2828160" y="2120760"/>
-            <a:ext cx="6537960" cy="4050720"/>
-          </a:xfrm>
-          <a:prstGeom prst="rect">
-            <a:avLst/>
-          </a:prstGeom>
-          <a:ln w="0">
-            <a:noFill/>
-          </a:ln>
-        </p:spPr>
-      </p:pic>
+              <a:t>Кроссплатформенность Linux vs Windows:</a:t>
+            </a:r>
+            <a:endParaRPr b="0" lang="en-US" sz="3630" spc="-1" strike="noStrike">
+              <a:latin typeface="Arial"/>
+            </a:endParaRPr>
+          </a:p>
+          <a:p>
+            <a:pPr marL="182880" indent="-182880">
+              <a:lnSpc>
+                <a:spcPct val="90000"/>
+              </a:lnSpc>
+              <a:spcBef>
+                <a:spcPts val="1199"/>
+              </a:spcBef>
+              <a:buClr>
+                <a:srgbClr val="9e3611"/>
+              </a:buClr>
+              <a:buSzPct val="85000"/>
+              <a:buFont typeface="Wingdings" charset="2"/>
+              <a:buChar char=""/>
+              <a:tabLst>
+                <a:tab algn="l" pos="0"/>
+              </a:tabLst>
+            </a:pPr>
+            <a:r>
+              <a:rPr b="0" lang="en-US" sz="3630" spc="-1" strike="noStrike">
+                <a:solidFill>
+                  <a:srgbClr val="000000"/>
+                </a:solidFill>
+                <a:latin typeface="Arial"/>
+              </a:rPr>
+              <a:t>Разный формат исполняемых двоичных файлов: WinPE vs ELF</a:t>
+            </a:r>
+            <a:endParaRPr b="0" lang="en-US" sz="3630" spc="-1" strike="noStrike">
+              <a:latin typeface="Arial"/>
+            </a:endParaRPr>
+          </a:p>
+          <a:p>
+            <a:pPr marL="182880" indent="-182880">
+              <a:lnSpc>
+                <a:spcPct val="90000"/>
+              </a:lnSpc>
+              <a:spcBef>
+                <a:spcPts val="1199"/>
+              </a:spcBef>
+              <a:buClr>
+                <a:srgbClr val="9e3611"/>
+              </a:buClr>
+              <a:buSzPct val="85000"/>
+              <a:buFont typeface="Wingdings" charset="2"/>
+              <a:buChar char=""/>
+              <a:tabLst>
+                <a:tab algn="l" pos="0"/>
+              </a:tabLst>
+            </a:pPr>
+            <a:r>
+              <a:rPr b="0" lang="en-US" sz="3630" spc="-1" strike="noStrike">
+                <a:solidFill>
+                  <a:srgbClr val="000000"/>
+                </a:solidFill>
+                <a:latin typeface="Arial"/>
+              </a:rPr>
+              <a:t>Windows гибридное ядро, Linux монолитное</a:t>
+            </a:r>
+            <a:endParaRPr b="0" lang="en-US" sz="3630" spc="-1" strike="noStrike">
+              <a:latin typeface="Arial"/>
+            </a:endParaRPr>
+          </a:p>
+          <a:p>
+            <a:pPr marL="182880" indent="-182880">
+              <a:lnSpc>
+                <a:spcPct val="90000"/>
+              </a:lnSpc>
+              <a:spcBef>
+                <a:spcPts val="1199"/>
+              </a:spcBef>
+              <a:buClr>
+                <a:srgbClr val="9e3611"/>
+              </a:buClr>
+              <a:buSzPct val="85000"/>
+              <a:buFont typeface="Wingdings" charset="2"/>
+              <a:buChar char=""/>
+              <a:tabLst>
+                <a:tab algn="l" pos="0"/>
+              </a:tabLst>
+            </a:pPr>
+            <a:r>
+              <a:rPr b="0" lang="en-US" sz="3630" spc="-1" strike="noStrike">
+                <a:solidFill>
+                  <a:srgbClr val="000000"/>
+                </a:solidFill>
+                <a:latin typeface="Arial"/>
+              </a:rPr>
+              <a:t>Разный режим управления памятью: Windows tree data structure, Linux linked list data structure</a:t>
+            </a:r>
+            <a:endParaRPr b="0" lang="en-US" sz="3630" spc="-1" strike="noStrike">
+              <a:latin typeface="Arial"/>
+            </a:endParaRPr>
+          </a:p>
+          <a:p>
+            <a:pPr>
+              <a:lnSpc>
+                <a:spcPct val="100000"/>
+              </a:lnSpc>
+              <a:spcBef>
+                <a:spcPts val="1604"/>
+              </a:spcBef>
+              <a:buNone/>
+              <a:tabLst>
+                <a:tab algn="l" pos="0"/>
+              </a:tabLst>
+            </a:pPr>
+            <a:endParaRPr b="0" lang="en-US" sz="3630" spc="-1" strike="noStrike">
+              <a:latin typeface="Arial"/>
+            </a:endParaRPr>
+          </a:p>
+        </p:txBody>
+      </p:sp>
+      <p:sp>
+        <p:nvSpPr>
+          <p:cNvPr id="161" name="PlaceHolder 3"/>
+          <p:cNvSpPr>
+            <a:spLocks noGrp="1"/>
+          </p:cNvSpPr>
+          <p:nvPr>
+            <p:ph/>
+          </p:nvPr>
+        </p:nvSpPr>
+        <p:spPr>
+          <a:xfrm>
+            <a:off x="6629400" y="1828800"/>
+            <a:ext cx="5392440" cy="4506480"/>
+          </a:xfrm>
+          <a:prstGeom prst="rect">
+            <a:avLst/>
+          </a:prstGeom>
+          <a:noFill/>
+          <a:ln w="0">
+            <a:noFill/>
+          </a:ln>
+        </p:spPr>
+        <p:txBody>
+          <a:bodyPr lIns="0" rIns="0" tIns="0" bIns="0" anchor="t">
+            <a:normAutofit fontScale="66000"/>
+          </a:bodyPr>
+          <a:p>
+            <a:pPr marL="182880">
+              <a:lnSpc>
+                <a:spcPct val="90000"/>
+              </a:lnSpc>
+              <a:spcBef>
+                <a:spcPts val="1199"/>
+              </a:spcBef>
+              <a:buNone/>
+              <a:tabLst>
+                <a:tab algn="l" pos="0"/>
+              </a:tabLst>
+            </a:pPr>
+            <a:r>
+              <a:rPr b="0" lang="en-US" sz="3630" spc="-1" strike="noStrike">
+                <a:solidFill>
+                  <a:srgbClr val="000000"/>
+                </a:solidFill>
+                <a:latin typeface="Arial"/>
+              </a:rPr>
+              <a:t>Кроссархитектурность CISC vs RISC:</a:t>
+            </a:r>
+            <a:endParaRPr b="0" lang="en-US" sz="3630" spc="-1" strike="noStrike">
+              <a:latin typeface="Arial"/>
+            </a:endParaRPr>
+          </a:p>
+          <a:p>
+            <a:pPr marL="182880" indent="-182880">
+              <a:lnSpc>
+                <a:spcPct val="90000"/>
+              </a:lnSpc>
+              <a:spcBef>
+                <a:spcPts val="1199"/>
+              </a:spcBef>
+              <a:buClr>
+                <a:srgbClr val="9e3611"/>
+              </a:buClr>
+              <a:buSzPct val="85000"/>
+              <a:buFont typeface="Wingdings" charset="2"/>
+              <a:buChar char=""/>
+              <a:tabLst>
+                <a:tab algn="l" pos="0"/>
+              </a:tabLst>
+            </a:pPr>
+            <a:r>
+              <a:rPr b="0" lang="en-US" sz="3630" spc="-1" strike="noStrike">
+                <a:solidFill>
+                  <a:srgbClr val="000000"/>
+                </a:solidFill>
+                <a:latin typeface="Arial"/>
+              </a:rPr>
+              <a:t>CISC поддержка многообразных сложных инструкций выполняющихся более чем за один такт</a:t>
+            </a:r>
+            <a:endParaRPr b="0" lang="en-US" sz="3630" spc="-1" strike="noStrike">
+              <a:latin typeface="Arial"/>
+            </a:endParaRPr>
+          </a:p>
+          <a:p>
+            <a:pPr marL="182880" indent="-182880">
+              <a:lnSpc>
+                <a:spcPct val="90000"/>
+              </a:lnSpc>
+              <a:spcBef>
+                <a:spcPts val="1199"/>
+              </a:spcBef>
+              <a:buClr>
+                <a:srgbClr val="9e3611"/>
+              </a:buClr>
+              <a:buSzPct val="85000"/>
+              <a:buFont typeface="Wingdings" charset="2"/>
+              <a:buChar char=""/>
+              <a:tabLst>
+                <a:tab algn="l" pos="0"/>
+              </a:tabLst>
+            </a:pPr>
+            <a:r>
+              <a:rPr b="0" lang="en-US" sz="3630" spc="-1" strike="noStrike">
+                <a:solidFill>
+                  <a:srgbClr val="000000"/>
+                </a:solidFill>
+                <a:latin typeface="Arial"/>
+              </a:rPr>
+              <a:t>RISC минимум инструкций, стремящихся к выполнению за один такт</a:t>
+            </a:r>
+            <a:endParaRPr b="0" lang="en-US" sz="3630" spc="-1" strike="noStrike">
+              <a:latin typeface="Arial"/>
+            </a:endParaRPr>
+          </a:p>
+          <a:p>
+            <a:pPr marL="182880" indent="-182880">
+              <a:lnSpc>
+                <a:spcPct val="90000"/>
+              </a:lnSpc>
+              <a:spcBef>
+                <a:spcPts val="1199"/>
+              </a:spcBef>
+              <a:buClr>
+                <a:srgbClr val="9e3611"/>
+              </a:buClr>
+              <a:buSzPct val="85000"/>
+              <a:buFont typeface="Wingdings" charset="2"/>
+              <a:buChar char=""/>
+              <a:tabLst>
+                <a:tab algn="l" pos="0"/>
+              </a:tabLst>
+            </a:pPr>
+            <a:r>
+              <a:rPr b="0" lang="en-US" sz="3630" spc="-1" strike="noStrike">
+                <a:solidFill>
+                  <a:srgbClr val="000000"/>
+                </a:solidFill>
+                <a:latin typeface="Arial"/>
+              </a:rPr>
+              <a:t>RISC использует статичную длинну операции</a:t>
+            </a:r>
+            <a:endParaRPr b="0" lang="en-US" sz="3630" spc="-1" strike="noStrike">
+              <a:latin typeface="Arial"/>
+            </a:endParaRPr>
+          </a:p>
+          <a:p>
+            <a:pPr marL="182880" indent="-182880">
+              <a:lnSpc>
+                <a:spcPct val="90000"/>
+              </a:lnSpc>
+              <a:spcBef>
+                <a:spcPts val="1199"/>
+              </a:spcBef>
+              <a:buClr>
+                <a:srgbClr val="9e3611"/>
+              </a:buClr>
+              <a:buSzPct val="85000"/>
+              <a:buFont typeface="Wingdings" charset="2"/>
+              <a:buChar char=""/>
+              <a:tabLst>
+                <a:tab algn="l" pos="0"/>
+              </a:tabLst>
+            </a:pPr>
+            <a:r>
+              <a:rPr b="0" lang="en-US" sz="3630" spc="-1" strike="noStrike">
+                <a:solidFill>
+                  <a:srgbClr val="000000"/>
+                </a:solidFill>
+                <a:latin typeface="Arial"/>
+                <a:ea typeface="Noto Sans CJK SC"/>
+              </a:rPr>
+              <a:t>CISC использует статичную длинну операции</a:t>
+            </a:r>
+            <a:endParaRPr b="0" lang="en-US" sz="3630" spc="-1" strike="noStrike">
+              <a:latin typeface="Arial"/>
+            </a:endParaRPr>
+          </a:p>
+        </p:txBody>
+      </p:sp>
     </p:spTree>
   </p:cSld>
   <mc:AlternateContent>
@@ -8417,7 +11874,7 @@
       </p:grpSpPr>
       <p:sp>
         <p:nvSpPr>
-          <p:cNvPr id="116" name="PlaceHolder 1"/>
+          <p:cNvPr id="162" name="PlaceHolder 1"/>
           <p:cNvSpPr>
             <a:spLocks noGrp="1"/>
           </p:cNvSpPr>
@@ -8427,8 +11884,8 @@
         </p:nvSpPr>
         <p:spPr>
           <a:xfrm>
-            <a:off x="1069560" y="484560"/>
-            <a:ext cx="10055160" cy="1608480"/>
+            <a:off x="1123200" y="549000"/>
+            <a:ext cx="10559160" cy="1821600"/>
           </a:xfrm>
           <a:prstGeom prst="rect">
             <a:avLst/>
@@ -8440,7 +11897,7 @@
         </p:spPr>
         <p:txBody>
           <a:bodyPr lIns="90000" rIns="90000" tIns="45000" bIns="45000" anchor="ctr">
-            <a:normAutofit fontScale="76000"/>
+            <a:noAutofit/>
           </a:bodyPr>
           <a:p>
             <a:pPr>
@@ -8448,12 +11905,18 @@
                 <a:spcPct val="90000"/>
               </a:lnSpc>
               <a:buNone/>
+              <a:tabLst>
+                <a:tab algn="l" pos="0"/>
+              </a:tabLst>
             </a:pPr>
             <a:r>
               <a:rPr b="0" lang="ru-RU" sz="5400" spc="-1" strike="noStrike" cap="all">
+                <a:solidFill>
+                  <a:srgbClr val="000000"/>
+                </a:solidFill>
                 <a:latin typeface="Rockwell Condensed"/>
               </a:rPr>
-              <a:t>ПРИМЕР МОНОЛИТНОГО ИСХОДНОГО ФАЙЛА ИГРЫ «САПЕР»</a:t>
+              <a:t>ПРОЦЕСС РАЗРАБОТКИ ПРОГРАММЫ</a:t>
             </a:r>
             <a:endParaRPr b="0" lang="en-US" sz="5400" spc="-1" strike="noStrike">
               <a:latin typeface="Arial"/>
@@ -8463,7 +11926,7 @@
       </p:sp>
       <p:pic>
         <p:nvPicPr>
-          <p:cNvPr id="117" name="Picture 2" descr="https://lh5.googleusercontent.com/J3IFPtlTxiL29s1jDnXN6xdF-a7Wmf7DiYj-smbQskOFN83B7hw1B4YxEt3Y7DUsCPF9zB4GtKfAiSfH-YOwWH6CJ5TQSEmcjttR8tk3CZHgFV0vJKEgEr44ZMWYPL1NUBrNd1-1EvSiApl1Kg"/>
+          <p:cNvPr id="163" name="Content Placeholder 3" descr=""/>
           <p:cNvPicPr/>
           <p:nvPr/>
         </p:nvPicPr>
@@ -8472,9 +11935,9 @@
           <a:stretch/>
         </p:blipFill>
         <p:spPr>
-          <a:xfrm>
-            <a:off x="4854960" y="2120760"/>
-            <a:ext cx="2484720" cy="4050720"/>
+          <a:xfrm rot="6000">
+            <a:off x="2964960" y="2408400"/>
+            <a:ext cx="6865200" cy="4589280"/>
           </a:xfrm>
           <a:prstGeom prst="rect">
             <a:avLst/>
@@ -8520,7 +11983,7 @@
       </p:grpSpPr>
       <p:sp>
         <p:nvSpPr>
-          <p:cNvPr id="118" name="PlaceHolder 1"/>
+          <p:cNvPr id="164" name="PlaceHolder 1"/>
           <p:cNvSpPr>
             <a:spLocks noGrp="1"/>
           </p:cNvSpPr>
@@ -8530,8 +11993,8 @@
         </p:nvSpPr>
         <p:spPr>
           <a:xfrm>
-            <a:off x="1069560" y="484560"/>
-            <a:ext cx="10055160" cy="1608480"/>
+            <a:off x="1123200" y="549000"/>
+            <a:ext cx="10559160" cy="1821600"/>
           </a:xfrm>
           <a:prstGeom prst="rect">
             <a:avLst/>
@@ -8543,7 +12006,7 @@
         </p:spPr>
         <p:txBody>
           <a:bodyPr lIns="90000" rIns="90000" tIns="45000" bIns="45000" anchor="ctr">
-            <a:noAutofit/>
+            <a:normAutofit fontScale="79000"/>
           </a:bodyPr>
           <a:p>
             <a:pPr>
@@ -8551,230 +12014,48 @@
                 <a:spcPct val="90000"/>
               </a:lnSpc>
               <a:buNone/>
+              <a:tabLst>
+                <a:tab algn="l" pos="0"/>
+              </a:tabLst>
             </a:pPr>
             <a:r>
               <a:rPr b="0" lang="ru-RU" sz="5400" spc="-1" strike="noStrike" cap="all">
-                <a:latin typeface="Rockwell Condensed"/>
-              </a:rPr>
-              <a:t>СТРУКТУРА МОНОЛИТНОГО ФАЙЛА</a:t>
-            </a:r>
-            <a:endParaRPr b="0" lang="en-US" sz="5400" spc="-1" strike="noStrike">
-              <a:latin typeface="Arial"/>
-            </a:endParaRPr>
-          </a:p>
-        </p:txBody>
-      </p:sp>
-      <p:sp>
-        <p:nvSpPr>
-          <p:cNvPr id="119" name="PlaceHolder 2"/>
-          <p:cNvSpPr>
-            <a:spLocks noGrp="1"/>
-          </p:cNvSpPr>
-          <p:nvPr>
-            <p:ph/>
-          </p:nvPr>
-        </p:nvSpPr>
-        <p:spPr>
-          <a:xfrm>
-            <a:off x="1069560" y="2121480"/>
-            <a:ext cx="10055160" cy="4050000"/>
-          </a:xfrm>
-          <a:prstGeom prst="rect">
-            <a:avLst/>
-          </a:prstGeom>
-          <a:noFill/>
-          <a:ln w="0">
-            <a:noFill/>
-          </a:ln>
-        </p:spPr>
-        <p:txBody>
-          <a:bodyPr lIns="90000" rIns="90000" tIns="45000" bIns="45000" anchor="t">
-            <a:normAutofit fontScale="94000"/>
-          </a:bodyPr>
-          <a:p>
-            <a:pPr marL="182880" indent="-182880">
-              <a:lnSpc>
-                <a:spcPct val="90000"/>
-              </a:lnSpc>
-              <a:spcBef>
-                <a:spcPts val="1199"/>
-              </a:spcBef>
-              <a:buClr>
-                <a:srgbClr val="9e3611"/>
-              </a:buClr>
-              <a:buSzPct val="85000"/>
-              <a:buFont typeface="Wingdings" charset="2"/>
-              <a:buChar char=""/>
-            </a:pPr>
-            <a:r>
-              <a:rPr b="0" lang="ru-RU" sz="3600" spc="-1" strike="noStrike">
                 <a:solidFill>
                   <a:srgbClr val="000000"/>
                 </a:solidFill>
-                <a:latin typeface="Rockwell"/>
+                <a:latin typeface="Rockwell Condensed"/>
               </a:rPr>
-              <a:t>Точка входа в программу</a:t>
-            </a:r>
-            <a:endParaRPr b="0" lang="en-US" sz="3600" spc="-1" strike="noStrike">
-              <a:latin typeface="Arial"/>
-            </a:endParaRPr>
-          </a:p>
-          <a:p>
-            <a:pPr marL="182880" indent="-182880">
-              <a:lnSpc>
-                <a:spcPct val="90000"/>
-              </a:lnSpc>
-              <a:spcBef>
-                <a:spcPts val="1199"/>
-              </a:spcBef>
-              <a:buClr>
-                <a:srgbClr val="9e3611"/>
-              </a:buClr>
-              <a:buSzPct val="85000"/>
-              <a:buFont typeface="Wingdings" charset="2"/>
-              <a:buChar char=""/>
-            </a:pPr>
-            <a:r>
-              <a:rPr b="0" lang="ru-RU" sz="3600" spc="-1" strike="noStrike">
-                <a:solidFill>
-                  <a:srgbClr val="000000"/>
-                </a:solidFill>
-                <a:latin typeface="Rockwell"/>
-              </a:rPr>
-              <a:t>Логика и реализация игры</a:t>
-            </a:r>
-            <a:endParaRPr b="0" lang="en-US" sz="3600" spc="-1" strike="noStrike">
-              <a:latin typeface="Arial"/>
-            </a:endParaRPr>
-          </a:p>
-          <a:p>
-            <a:pPr marL="182880" indent="-182880">
-              <a:lnSpc>
-                <a:spcPct val="90000"/>
-              </a:lnSpc>
-              <a:spcBef>
-                <a:spcPts val="1199"/>
-              </a:spcBef>
-              <a:buClr>
-                <a:srgbClr val="9e3611"/>
-              </a:buClr>
-              <a:buSzPct val="85000"/>
-              <a:buFont typeface="Wingdings" charset="2"/>
-              <a:buChar char=""/>
-            </a:pPr>
-            <a:r>
-              <a:rPr b="0" lang="ru-RU" sz="3600" spc="-1" strike="noStrike">
-                <a:solidFill>
-                  <a:srgbClr val="000000"/>
-                </a:solidFill>
-                <a:latin typeface="Rockwell"/>
-              </a:rPr>
-              <a:t>Логика и реализация управление игрой</a:t>
-            </a:r>
-            <a:endParaRPr b="0" lang="en-US" sz="3600" spc="-1" strike="noStrike">
-              <a:latin typeface="Arial"/>
-            </a:endParaRPr>
-          </a:p>
-          <a:p>
-            <a:pPr marL="182880" indent="-182880">
-              <a:lnSpc>
-                <a:spcPct val="90000"/>
-              </a:lnSpc>
-              <a:spcBef>
-                <a:spcPts val="1199"/>
-              </a:spcBef>
-              <a:buClr>
-                <a:srgbClr val="9e3611"/>
-              </a:buClr>
-              <a:buSzPct val="85000"/>
-              <a:buFont typeface="Wingdings" charset="2"/>
-              <a:buChar char=""/>
-            </a:pPr>
-            <a:r>
-              <a:rPr b="0" lang="ru-RU" sz="3600" spc="-1" strike="noStrike">
-                <a:solidFill>
-                  <a:srgbClr val="000000"/>
-                </a:solidFill>
-                <a:latin typeface="Rockwell"/>
-              </a:rPr>
-              <a:t>Логика и реализация работы с клавиатурой</a:t>
-            </a:r>
-            <a:endParaRPr b="0" lang="en-US" sz="3600" spc="-1" strike="noStrike">
-              <a:latin typeface="Arial"/>
-            </a:endParaRPr>
-          </a:p>
-          <a:p>
-            <a:pPr marL="182880" indent="-182880">
-              <a:lnSpc>
-                <a:spcPct val="90000"/>
-              </a:lnSpc>
-              <a:spcBef>
-                <a:spcPts val="1199"/>
-              </a:spcBef>
-              <a:buClr>
-                <a:srgbClr val="9e3611"/>
-              </a:buClr>
-              <a:buSzPct val="85000"/>
-              <a:buFont typeface="Wingdings" charset="2"/>
-              <a:buChar char=""/>
-            </a:pPr>
-            <a:r>
-              <a:rPr b="0" lang="ru-RU" sz="3600" spc="-1" strike="noStrike">
-                <a:solidFill>
-                  <a:srgbClr val="000000"/>
-                </a:solidFill>
-                <a:latin typeface="Rockwell"/>
-              </a:rPr>
-              <a:t>Логика и реализация вывода на экран</a:t>
-            </a:r>
-            <a:endParaRPr b="0" lang="en-US" sz="3600" spc="-1" strike="noStrike">
-              <a:latin typeface="Arial"/>
-            </a:endParaRPr>
-          </a:p>
-          <a:p>
-            <a:pPr marL="182880" indent="-182880">
-              <a:lnSpc>
-                <a:spcPct val="90000"/>
-              </a:lnSpc>
-              <a:spcBef>
-                <a:spcPts val="1199"/>
-              </a:spcBef>
-              <a:buClr>
-                <a:srgbClr val="9e3611"/>
-              </a:buClr>
-              <a:buSzPct val="85000"/>
-              <a:buFont typeface="Wingdings" charset="2"/>
-              <a:buChar char=""/>
-            </a:pPr>
-            <a:r>
-              <a:rPr b="0" lang="ru-RU" sz="3600" spc="-1" strike="noStrike">
-                <a:solidFill>
-                  <a:srgbClr val="000000"/>
-                </a:solidFill>
-                <a:latin typeface="Rockwell"/>
-              </a:rPr>
-              <a:t>Логика и реализация работы с консолью</a:t>
-            </a:r>
-            <a:endParaRPr b="0" lang="en-US" sz="3600" spc="-1" strike="noStrike">
-              <a:latin typeface="Arial"/>
-            </a:endParaRPr>
-          </a:p>
-          <a:p>
-            <a:pPr>
-              <a:lnSpc>
-                <a:spcPct val="90000"/>
-              </a:lnSpc>
-              <a:spcBef>
-                <a:spcPts val="1199"/>
-              </a:spcBef>
-              <a:buNone/>
-            </a:pPr>
-            <a:endParaRPr b="0" lang="en-US" sz="3600" spc="-1" strike="noStrike">
-              <a:latin typeface="Arial"/>
-            </a:endParaRPr>
-          </a:p>
-        </p:txBody>
-      </p:sp>
+              <a:t>ПРИМЕР МОНОЛИТНОГО ИСХОДНОГО ФАЙЛА ИГРЫ «САПЕР»</a:t>
+            </a:r>
+            <a:endParaRPr b="0" lang="en-US" sz="5400" spc="-1" strike="noStrike">
+              <a:latin typeface="Arial"/>
+            </a:endParaRPr>
+          </a:p>
+        </p:txBody>
+      </p:sp>
+      <p:pic>
+        <p:nvPicPr>
+          <p:cNvPr id="165" name="Picture 2" descr="https://lh5.googleusercontent.com/J3IFPtlTxiL29s1jDnXN6xdF-a7Wmf7DiYj-smbQskOFN83B7hw1B4YxEt3Y7DUsCPF9zB4GtKfAiSfH-YOwWH6CJ5TQSEmcjttR8tk3CZHgFV0vJKEgEr44ZMWYPL1NUBrNd1-1EvSiApl1Kg"/>
+          <p:cNvPicPr/>
+          <p:nvPr/>
+        </p:nvPicPr>
+        <p:blipFill>
+          <a:blip r:embed="rId1"/>
+          <a:stretch/>
+        </p:blipFill>
+        <p:spPr>
+          <a:xfrm>
+            <a:off x="5098680" y="2403360"/>
+            <a:ext cx="2608200" cy="4589280"/>
+          </a:xfrm>
+          <a:prstGeom prst="rect">
+            <a:avLst/>
+          </a:prstGeom>
+          <a:ln w="0">
+            <a:noFill/>
+          </a:ln>
+        </p:spPr>
+      </p:pic>
     </p:spTree>
   </p:cSld>
   <mc:AlternateContent>
@@ -8811,7 +12092,7 @@
       </p:grpSpPr>
       <p:sp>
         <p:nvSpPr>
-          <p:cNvPr id="120" name="PlaceHolder 1"/>
+          <p:cNvPr id="166" name="PlaceHolder 1"/>
           <p:cNvSpPr>
             <a:spLocks noGrp="1"/>
           </p:cNvSpPr>
@@ -8821,8 +12102,8 @@
         </p:nvSpPr>
         <p:spPr>
           <a:xfrm>
-            <a:off x="1069560" y="484560"/>
-            <a:ext cx="10055160" cy="1608480"/>
+            <a:off x="1123200" y="549000"/>
+            <a:ext cx="10559160" cy="1821600"/>
           </a:xfrm>
           <a:prstGeom prst="rect">
             <a:avLst/>
@@ -8842,12 +12123,18 @@
                 <a:spcPct val="90000"/>
               </a:lnSpc>
               <a:buNone/>
+              <a:tabLst>
+                <a:tab algn="l" pos="0"/>
+              </a:tabLst>
             </a:pPr>
             <a:r>
               <a:rPr b="0" lang="ru-RU" sz="5400" spc="-1" strike="noStrike" cap="all">
+                <a:solidFill>
+                  <a:srgbClr val="000000"/>
+                </a:solidFill>
                 <a:latin typeface="Rockwell Condensed"/>
               </a:rPr>
-              <a:t>СХЕМА 2. ЛОГИЧЕСКИЕ МОДУЛИ ПРОГРАММЫ</a:t>
+              <a:t>СТРУКТУРА МОНОЛИТНОГО ФАЙЛА</a:t>
             </a:r>
             <a:endParaRPr b="0" lang="en-US" sz="5400" spc="-1" strike="noStrike">
               <a:latin typeface="Arial"/>
@@ -8855,29 +12142,220 @@
           </a:p>
         </p:txBody>
       </p:sp>
-      <p:pic>
-        <p:nvPicPr>
-          <p:cNvPr id="121" name="Picture 2" descr="https://lh4.googleusercontent.com/6afQW7fTOHoVtMAjrIYFnf12sqjYgMr-LKNkcs6CXX_b14GVF55hM1KE2q7zzmIt46CwahKfzZiWj8TaNOCpsiscNKiSuicY3SG53c-TykNV28zzmidD_p1WNkgM9-n4gF8J2XjykvUfULZ8oQ"/>
-          <p:cNvPicPr/>
-          <p:nvPr/>
-        </p:nvPicPr>
-        <p:blipFill>
-          <a:blip r:embed="rId1"/>
-          <a:stretch/>
-        </p:blipFill>
-        <p:spPr>
-          <a:xfrm>
-            <a:off x="768960" y="2300040"/>
-            <a:ext cx="10355760" cy="4557240"/>
-          </a:xfrm>
-          <a:prstGeom prst="rect">
-            <a:avLst/>
-          </a:prstGeom>
-          <a:ln w="0">
-            <a:noFill/>
-          </a:ln>
-        </p:spPr>
-      </p:pic>
+      <p:sp>
+        <p:nvSpPr>
+          <p:cNvPr id="167" name="PlaceHolder 2"/>
+          <p:cNvSpPr>
+            <a:spLocks noGrp="1"/>
+          </p:cNvSpPr>
+          <p:nvPr>
+            <p:ph/>
+          </p:nvPr>
+        </p:nvSpPr>
+        <p:spPr>
+          <a:xfrm>
+            <a:off x="1123200" y="2404080"/>
+            <a:ext cx="10559160" cy="4588560"/>
+          </a:xfrm>
+          <a:prstGeom prst="rect">
+            <a:avLst/>
+          </a:prstGeom>
+          <a:noFill/>
+          <a:ln w="0">
+            <a:noFill/>
+          </a:ln>
+        </p:spPr>
+        <p:txBody>
+          <a:bodyPr lIns="90000" rIns="90000" tIns="45000" bIns="45000" anchor="t">
+            <a:normAutofit/>
+          </a:bodyPr>
+          <a:p>
+            <a:pPr marL="182880" indent="-182880">
+              <a:lnSpc>
+                <a:spcPct val="90000"/>
+              </a:lnSpc>
+              <a:spcBef>
+                <a:spcPts val="1199"/>
+              </a:spcBef>
+              <a:buClr>
+                <a:srgbClr val="9e3611"/>
+              </a:buClr>
+              <a:buSzPct val="85000"/>
+              <a:buFont typeface="Wingdings" charset="2"/>
+              <a:buChar char=""/>
+            </a:pPr>
+            <a:r>
+              <a:rPr b="0" lang="ru-RU" sz="3600" spc="-1" strike="noStrike">
+                <a:solidFill>
+                  <a:srgbClr val="000000"/>
+                </a:solidFill>
+                <a:latin typeface="Rockwell"/>
+              </a:rPr>
+              <a:t>Точка входа в программу</a:t>
+            </a:r>
+            <a:endParaRPr b="0" lang="en-US" sz="3600" spc="-1" strike="noStrike">
+              <a:latin typeface="Arial"/>
+            </a:endParaRPr>
+          </a:p>
+          <a:p>
+            <a:pPr marL="182880" indent="-182880">
+              <a:lnSpc>
+                <a:spcPct val="90000"/>
+              </a:lnSpc>
+              <a:spcBef>
+                <a:spcPts val="1199"/>
+              </a:spcBef>
+              <a:buClr>
+                <a:srgbClr val="9e3611"/>
+              </a:buClr>
+              <a:buSzPct val="85000"/>
+              <a:buFont typeface="Wingdings" charset="2"/>
+              <a:buChar char=""/>
+            </a:pPr>
+            <a:r>
+              <a:rPr b="0" lang="ru-RU" sz="3600" spc="-1" strike="noStrike">
+                <a:solidFill>
+                  <a:srgbClr val="000000"/>
+                </a:solidFill>
+                <a:latin typeface="Rockwell"/>
+              </a:rPr>
+              <a:t>Логика и реализация игры</a:t>
+            </a:r>
+            <a:endParaRPr b="0" lang="en-US" sz="3600" spc="-1" strike="noStrike">
+              <a:latin typeface="Arial"/>
+            </a:endParaRPr>
+          </a:p>
+          <a:p>
+            <a:pPr marL="182880" indent="-182880">
+              <a:lnSpc>
+                <a:spcPct val="90000"/>
+              </a:lnSpc>
+              <a:spcBef>
+                <a:spcPts val="1199"/>
+              </a:spcBef>
+              <a:buClr>
+                <a:srgbClr val="9e3611"/>
+              </a:buClr>
+              <a:buSzPct val="85000"/>
+              <a:buFont typeface="Wingdings" charset="2"/>
+              <a:buChar char=""/>
+            </a:pPr>
+            <a:r>
+              <a:rPr b="0" lang="ru-RU" sz="3600" spc="-1" strike="noStrike">
+                <a:solidFill>
+                  <a:srgbClr val="000000"/>
+                </a:solidFill>
+                <a:latin typeface="Rockwell"/>
+              </a:rPr>
+              <a:t>Логика и реализация управление игрой</a:t>
+            </a:r>
+            <a:endParaRPr b="0" lang="en-US" sz="3600" spc="-1" strike="noStrike">
+              <a:latin typeface="Arial"/>
+            </a:endParaRPr>
+          </a:p>
+          <a:p>
+            <a:pPr marL="182880" indent="-182880">
+              <a:lnSpc>
+                <a:spcPct val="90000"/>
+              </a:lnSpc>
+              <a:spcBef>
+                <a:spcPts val="1199"/>
+              </a:spcBef>
+              <a:buClr>
+                <a:srgbClr val="9e3611"/>
+              </a:buClr>
+              <a:buSzPct val="85000"/>
+              <a:buFont typeface="Wingdings" charset="2"/>
+              <a:buChar char=""/>
+            </a:pPr>
+            <a:r>
+              <a:rPr b="0" lang="ru-RU" sz="3600" spc="-1" strike="noStrike">
+                <a:solidFill>
+                  <a:srgbClr val="000000"/>
+                </a:solidFill>
+                <a:latin typeface="Rockwell"/>
+              </a:rPr>
+              <a:t>Логика и реализация работы с клавиатурой</a:t>
+            </a:r>
+            <a:endParaRPr b="0" lang="en-US" sz="3600" spc="-1" strike="noStrike">
+              <a:latin typeface="Arial"/>
+            </a:endParaRPr>
+          </a:p>
+          <a:p>
+            <a:pPr marL="182880" indent="-182880">
+              <a:lnSpc>
+                <a:spcPct val="90000"/>
+              </a:lnSpc>
+              <a:spcBef>
+                <a:spcPts val="1199"/>
+              </a:spcBef>
+              <a:buClr>
+                <a:srgbClr val="9e3611"/>
+              </a:buClr>
+              <a:buSzPct val="85000"/>
+              <a:buFont typeface="Wingdings" charset="2"/>
+              <a:buChar char=""/>
+            </a:pPr>
+            <a:r>
+              <a:rPr b="0" lang="ru-RU" sz="3600" spc="-1" strike="noStrike">
+                <a:solidFill>
+                  <a:srgbClr val="000000"/>
+                </a:solidFill>
+                <a:latin typeface="Rockwell"/>
+              </a:rPr>
+              <a:t>Логика и реализация вывода на экран</a:t>
+            </a:r>
+            <a:endParaRPr b="0" lang="en-US" sz="3600" spc="-1" strike="noStrike">
+              <a:latin typeface="Arial"/>
+            </a:endParaRPr>
+          </a:p>
+          <a:p>
+            <a:pPr marL="182880" indent="-182880">
+              <a:lnSpc>
+                <a:spcPct val="90000"/>
+              </a:lnSpc>
+              <a:spcBef>
+                <a:spcPts val="1199"/>
+              </a:spcBef>
+              <a:buClr>
+                <a:srgbClr val="9e3611"/>
+              </a:buClr>
+              <a:buSzPct val="85000"/>
+              <a:buFont typeface="Wingdings" charset="2"/>
+              <a:buChar char=""/>
+            </a:pPr>
+            <a:r>
+              <a:rPr b="0" lang="ru-RU" sz="3600" spc="-1" strike="noStrike">
+                <a:solidFill>
+                  <a:srgbClr val="000000"/>
+                </a:solidFill>
+                <a:latin typeface="Rockwell"/>
+              </a:rPr>
+              <a:t>Логика и реализация работы с консолью</a:t>
+            </a:r>
+            <a:endParaRPr b="0" lang="en-US" sz="3600" spc="-1" strike="noStrike">
+              <a:latin typeface="Arial"/>
+            </a:endParaRPr>
+          </a:p>
+          <a:p>
+            <a:pPr>
+              <a:lnSpc>
+                <a:spcPct val="90000"/>
+              </a:lnSpc>
+              <a:spcBef>
+                <a:spcPts val="1199"/>
+              </a:spcBef>
+              <a:buNone/>
+              <a:tabLst>
+                <a:tab algn="l" pos="0"/>
+              </a:tabLst>
+            </a:pPr>
+            <a:endParaRPr b="0" lang="en-US" sz="3600" spc="-1" strike="noStrike">
+              <a:latin typeface="Arial"/>
+            </a:endParaRPr>
+          </a:p>
+        </p:txBody>
+      </p:sp>
     </p:spTree>
   </p:cSld>
   <mc:AlternateContent>
@@ -8914,7 +12392,7 @@
       </p:grpSpPr>
       <p:sp>
         <p:nvSpPr>
-          <p:cNvPr id="122" name="PlaceHolder 1"/>
+          <p:cNvPr id="168" name="PlaceHolder 1"/>
           <p:cNvSpPr>
             <a:spLocks noGrp="1"/>
           </p:cNvSpPr>
@@ -8924,8 +12402,8 @@
         </p:nvSpPr>
         <p:spPr>
           <a:xfrm>
-            <a:off x="1069560" y="484560"/>
-            <a:ext cx="10055160" cy="1608480"/>
+            <a:off x="1123200" y="549000"/>
+            <a:ext cx="10559160" cy="1821600"/>
           </a:xfrm>
           <a:prstGeom prst="rect">
             <a:avLst/>
@@ -8945,86 +12423,20 @@
                 <a:spcPct val="90000"/>
               </a:lnSpc>
               <a:buNone/>
-            </a:pPr>
-            <a:r>
-              <a:rPr b="0" lang="ru-RU" sz="5400" spc="-1" strike="noStrike" cap="all">
-                <a:latin typeface="Rockwell Condensed"/>
-              </a:rPr>
-              <a:t>СХЕМА 3. РЕАЛИЗАЦИЯ ЛОГИЧЕСКИХ МОДУЛЕЙ</a:t>
-            </a:r>
-            <a:endParaRPr b="0" lang="en-US" sz="5400" spc="-1" strike="noStrike">
-              <a:latin typeface="Arial"/>
-            </a:endParaRPr>
-          </a:p>
-        </p:txBody>
-      </p:sp>
-      <p:sp>
-        <p:nvSpPr>
-          <p:cNvPr id="123" name="PlaceHolder 2"/>
-          <p:cNvSpPr>
-            <a:spLocks noGrp="1"/>
-          </p:cNvSpPr>
-          <p:nvPr>
-            <p:ph/>
-          </p:nvPr>
-        </p:nvSpPr>
-        <p:spPr>
-          <a:xfrm>
-            <a:off x="1069560" y="2121480"/>
-            <a:ext cx="10055160" cy="4050000"/>
-          </a:xfrm>
-          <a:prstGeom prst="rect">
-            <a:avLst/>
-          </a:prstGeom>
-          <a:noFill/>
-          <a:ln w="0">
-            <a:noFill/>
-          </a:ln>
-        </p:spPr>
-        <p:txBody>
-          <a:bodyPr lIns="90000" rIns="90000" tIns="45000" bIns="45000" anchor="t">
-            <a:normAutofit/>
-          </a:bodyPr>
-          <a:p>
-            <a:pPr>
-              <a:lnSpc>
-                <a:spcPct val="90000"/>
-              </a:lnSpc>
-              <a:spcBef>
-                <a:spcPts val="1199"/>
-              </a:spcBef>
-              <a:buNone/>
               <a:tabLst>
                 <a:tab algn="l" pos="0"/>
               </a:tabLst>
             </a:pPr>
             <a:r>
-              <a:rPr b="0" lang="en-US" sz="3600" spc="-1" strike="noStrike">
+              <a:rPr b="0" lang="ru-RU" sz="5400" spc="-1" strike="noStrike" cap="all">
                 <a:solidFill>
                   <a:srgbClr val="000000"/>
                 </a:solidFill>
-                <a:latin typeface="Rockwell"/>
+                <a:latin typeface="Rockwell Condensed"/>
               </a:rPr>
-              <a:t> </a:t>
-            </a:r>
-            <a:endParaRPr b="0" lang="en-US" sz="3600" spc="-1" strike="noStrike">
-              <a:latin typeface="Arial"/>
-            </a:endParaRPr>
-          </a:p>
-          <a:p>
-            <a:pPr>
-              <a:lnSpc>
-                <a:spcPct val="90000"/>
-              </a:lnSpc>
-              <a:spcBef>
-                <a:spcPts val="1199"/>
-              </a:spcBef>
-              <a:buNone/>
-              <a:tabLst>
-                <a:tab algn="l" pos="0"/>
-              </a:tabLst>
-            </a:pPr>
-            <a:endParaRPr b="0" lang="en-US" sz="3600" spc="-1" strike="noStrike">
+              <a:t>СХЕМА 2. ЛОГИЧЕСКИЕ МОДУЛИ ПРОГРАММЫ</a:t>
+            </a:r>
+            <a:endParaRPr b="0" lang="en-US" sz="5400" spc="-1" strike="noStrike">
               <a:latin typeface="Arial"/>
             </a:endParaRPr>
           </a:p>
@@ -9032,7 +12444,7 @@
       </p:sp>
       <p:pic>
         <p:nvPicPr>
-          <p:cNvPr id="124" name="Picture 2" descr="https://lh5.googleusercontent.com/rJKw4Z3ZBD6XlTHOB_lpEYZEiqFnzJmIytvV1HwfJwPXpMtl86Wkaow_qRVlTzmurZ2uK-VN5NspvsnlDX4y1AAj0C04UZ5DRtL1Qaoi-qZSVM6Jmo7Hb-q4l8CQDJLiDCV26WKlQPaAjaTm8A"/>
+          <p:cNvPr id="169" name="Picture 2" descr="https://lh4.googleusercontent.com/6afQW7fTOHoVtMAjrIYFnf12sqjYgMr-LKNkcs6CXX_b14GVF55hM1KE2q7zzmIt46CwahKfzZiWj8TaNOCpsiscNKiSuicY3SG53c-TykNV28zzmidD_p1WNkgM9-n4gF8J2XjykvUfULZ8oQ"/>
           <p:cNvPicPr/>
           <p:nvPr/>
         </p:nvPicPr>
@@ -9042,8 +12454,8 @@
         </p:blipFill>
         <p:spPr>
           <a:xfrm>
-            <a:off x="405720" y="2329560"/>
-            <a:ext cx="11119680" cy="3979080"/>
+            <a:off x="807480" y="2606400"/>
+            <a:ext cx="10874880" cy="5163480"/>
           </a:xfrm>
           <a:prstGeom prst="rect">
             <a:avLst/>
@@ -9746,4 +13158,230 @@
     </a:fmtScheme>
   </a:themeElements>
 </a:theme>
+</file>
+
+<file path=ppt/theme/theme4.xml><?xml version="1.0" encoding="utf-8"?>
+<a:theme xmlns:a="http://schemas.openxmlformats.org/drawingml/2006/main" name="Office Theme">
+  <a:themeElements>
+    <a:clrScheme name="Office">
+      <a:dk1>
+        <a:sysClr val="windowText" lastClr="000000"/>
+      </a:dk1>
+      <a:lt1>
+        <a:sysClr val="window" lastClr="FFFFFF"/>
+      </a:lt1>
+      <a:dk2>
+        <a:srgbClr val="696464"/>
+      </a:dk2>
+      <a:lt2>
+        <a:srgbClr val="e9e5dc"/>
+      </a:lt2>
+      <a:accent1>
+        <a:srgbClr val="d34817"/>
+      </a:accent1>
+      <a:accent2>
+        <a:srgbClr val="9b2d1f"/>
+      </a:accent2>
+      <a:accent3>
+        <a:srgbClr val="a28e6a"/>
+      </a:accent3>
+      <a:accent4>
+        <a:srgbClr val="956251"/>
+      </a:accent4>
+      <a:accent5>
+        <a:srgbClr val="918485"/>
+      </a:accent5>
+      <a:accent6>
+        <a:srgbClr val="855d5d"/>
+      </a:accent6>
+      <a:hlink>
+        <a:srgbClr val="cc9900"/>
+      </a:hlink>
+      <a:folHlink>
+        <a:srgbClr val="96a9a9"/>
+      </a:folHlink>
+    </a:clrScheme>
+    <a:fontScheme name="Office">
+      <a:majorFont>
+        <a:latin typeface="Arial"/>
+        <a:ea typeface="DejaVu Sans"/>
+        <a:cs typeface="DejaVu Sans"/>
+      </a:majorFont>
+      <a:minorFont>
+        <a:latin typeface="Arial"/>
+        <a:ea typeface="DejaVu Sans"/>
+        <a:cs typeface="DejaVu Sans"/>
+      </a:minorFont>
+    </a:fontScheme>
+    <a:fmtScheme name="Office">
+      <a:fillStyleLst>
+        <a:solidFill>
+          <a:schemeClr val="phClr"/>
+        </a:solidFill>
+        <a:gradFill rotWithShape="1">
+          <a:gsLst>
+            <a:gs pos="0">
+              <a:schemeClr val="phClr">
+                <a:tint val="50000"/>
+                <a:satMod val="300000"/>
+              </a:schemeClr>
+            </a:gs>
+            <a:gs pos="35000">
+              <a:schemeClr val="phClr">
+                <a:tint val="37000"/>
+                <a:satMod val="300000"/>
+              </a:schemeClr>
+            </a:gs>
+            <a:gs pos="100000">
+              <a:schemeClr val="phClr">
+                <a:tint val="15000"/>
+                <a:satMod val="350000"/>
+              </a:schemeClr>
+            </a:gs>
+          </a:gsLst>
+          <a:lin ang="16200000" scaled="1"/>
+        </a:gradFill>
+        <a:gradFill rotWithShape="1">
+          <a:gsLst>
+            <a:gs pos="0">
+              <a:schemeClr val="phClr">
+                <a:shade val="51000"/>
+                <a:satMod val="130000"/>
+              </a:schemeClr>
+            </a:gs>
+            <a:gs pos="80000">
+              <a:schemeClr val="phClr">
+                <a:shade val="93000"/>
+                <a:satMod val="130000"/>
+              </a:schemeClr>
+            </a:gs>
+            <a:gs pos="100000">
+              <a:schemeClr val="phClr">
+                <a:shade val="94000"/>
+                <a:satMod val="135000"/>
+              </a:schemeClr>
+            </a:gs>
+          </a:gsLst>
+          <a:lin ang="16200000" scaled="0"/>
+        </a:gradFill>
+      </a:fillStyleLst>
+      <a:lnStyleLst>
+        <a:ln w="9525" cap="flat" cmpd="sng" algn="ctr">
+          <a:solidFill>
+            <a:schemeClr val="phClr">
+              <a:shade val="95000"/>
+              <a:satMod val="105000"/>
+            </a:schemeClr>
+          </a:solidFill>
+          <a:prstDash val="solid"/>
+          <a:miter/>
+        </a:ln>
+        <a:ln w="25400" cap="flat" cmpd="sng" algn="ctr">
+          <a:solidFill>
+            <a:schemeClr val="phClr"/>
+          </a:solidFill>
+          <a:prstDash val="solid"/>
+          <a:miter/>
+        </a:ln>
+        <a:ln w="38100" cap="flat" cmpd="sng" algn="ctr">
+          <a:solidFill>
+            <a:schemeClr val="phClr"/>
+          </a:solidFill>
+          <a:prstDash val="solid"/>
+          <a:miter/>
+        </a:ln>
+      </a:lnStyleLst>
+      <a:effectStyleLst>
+        <a:effectStyle>
+          <a:effectLst>
+            <a:outerShdw blurRad="40000" dist="20000" dir="5400000" rotWithShape="0">
+              <a:srgbClr val="000000">
+                <a:alpha val="38000"/>
+              </a:srgbClr>
+            </a:outerShdw>
+          </a:effectLst>
+        </a:effectStyle>
+        <a:effectStyle>
+          <a:effectLst>
+            <a:outerShdw blurRad="40000" dist="23000" dir="5400000" rotWithShape="0">
+              <a:srgbClr val="000000">
+                <a:alpha val="35000"/>
+              </a:srgbClr>
+            </a:outerShdw>
+          </a:effectLst>
+        </a:effectStyle>
+        <a:effectStyle>
+          <a:effectLst>
+            <a:outerShdw blurRad="40000" dist="23000" dir="5400000" rotWithShape="0">
+              <a:srgbClr val="000000">
+                <a:alpha val="35000"/>
+              </a:srgbClr>
+            </a:outerShdw>
+          </a:effectLst>
+          <a:scene3d>
+            <a:camera prst="orthographicFront">
+              <a:rot lat="0" lon="0" rev="0"/>
+            </a:camera>
+            <a:lightRig rig="threePt" dir="t">
+              <a:rot lat="0" lon="0" rev="1200000"/>
+            </a:lightRig>
+          </a:scene3d>
+          <a:sp3d>
+            <a:bevelT w="63500" h="25400"/>
+          </a:sp3d>
+        </a:effectStyle>
+      </a:effectStyleLst>
+      <a:bgFillStyleLst>
+        <a:solidFill>
+          <a:schemeClr val="phClr"/>
+        </a:solidFill>
+        <a:gradFill rotWithShape="1">
+          <a:gsLst>
+            <a:gs pos="0">
+              <a:schemeClr val="phClr">
+                <a:tint val="40000"/>
+                <a:satMod val="350000"/>
+              </a:schemeClr>
+            </a:gs>
+            <a:gs pos="40000">
+              <a:schemeClr val="phClr">
+                <a:tint val="45000"/>
+                <a:shade val="99000"/>
+                <a:satMod val="350000"/>
+              </a:schemeClr>
+            </a:gs>
+            <a:gs pos="100000">
+              <a:schemeClr val="phClr">
+                <a:shade val="20000"/>
+                <a:satMod val="255000"/>
+              </a:schemeClr>
+            </a:gs>
+          </a:gsLst>
+          <a:path path="circle">
+            <a:fillToRect l="50000" t="-80000" r="50000" b="180000"/>
+          </a:path>
+        </a:gradFill>
+        <a:gradFill rotWithShape="1">
+          <a:gsLst>
+            <a:gs pos="0">
+              <a:schemeClr val="phClr">
+                <a:tint val="80000"/>
+                <a:satMod val="300000"/>
+              </a:schemeClr>
+            </a:gs>
+            <a:gs pos="100000">
+              <a:schemeClr val="phClr">
+                <a:shade val="30000"/>
+                <a:satMod val="200000"/>
+              </a:schemeClr>
+            </a:gs>
+          </a:gsLst>
+          <a:path path="circle">
+            <a:fillToRect l="50000" t="50000" r="50000" b="50000"/>
+          </a:path>
+        </a:gradFill>
+      </a:bgFillStyleLst>
+    </a:fmtScheme>
+  </a:themeElements>
+</a:theme>
 </file>
--- a/projectSapper.pptx
+++ b/projectSapper.pptx
@@ -307,7 +307,7 @@
             <a:pPr algn="r">
               <a:buNone/>
             </a:pPr>
-            <a:fld id="{411E591A-C12E-4663-A3C9-E49850819827}" type="slidenum">
+            <a:fld id="{E082DC77-7EE8-45F1-8B7C-3668A374EB1F}" type="slidenum">
               <a:rPr b="0" lang="en-US" sz="1400" spc="-1" strike="noStrike">
                 <a:latin typeface="Times New Roman"/>
               </a:rPr>
@@ -454,7 +454,7 @@
                 <a:tab algn="l" pos="0"/>
               </a:tabLst>
             </a:pPr>
-            <a:fld id="{AFBED699-723F-47A3-8553-DAE94EC0E82C}" type="slidenum">
+            <a:fld id="{4E44BE47-1F76-4FCD-BB69-8CFF8FA2A08A}" type="slidenum">
               <a:rPr b="0" lang="en-US" sz="1200" spc="-1" strike="noStrike">
                 <a:solidFill>
                   <a:srgbClr val="000000"/>
@@ -526,7 +526,7 @@
         <p:txBody>
           <a:bodyPr/>
           <a:p>
-            <a:fld id="{EC3C7707-6918-443B-B4BD-83719722F378}" type="slidenum">
+            <a:fld id="{B7E71EF2-2DC5-43F6-AE3C-7876DB5BD25B}" type="slidenum">
               <a:t>&lt;#&gt;</a:t>
             </a:fld>
           </a:p>
@@ -714,7 +714,7 @@
         <p:txBody>
           <a:bodyPr/>
           <a:p>
-            <a:fld id="{A61790DA-6BDF-45EF-9EB1-ED4441EF7D27}" type="slidenum">
+            <a:fld id="{385AEDEA-592D-4145-8EF6-F659E59401CE}" type="slidenum">
               <a:t>&lt;#&gt;</a:t>
             </a:fld>
           </a:p>
@@ -970,7 +970,7 @@
         <p:txBody>
           <a:bodyPr/>
           <a:p>
-            <a:fld id="{2DDC4E79-C065-4618-A66A-FBFB5BDD0B5A}" type="slidenum">
+            <a:fld id="{9903CA7C-7B20-44B3-8457-86163E622EE1}" type="slidenum">
               <a:t>&lt;#&gt;</a:t>
             </a:fld>
           </a:p>
@@ -1294,7 +1294,7 @@
         <p:txBody>
           <a:bodyPr/>
           <a:p>
-            <a:fld id="{8050DC49-9C59-4BC3-A4D8-3753F7166DEC}" type="slidenum">
+            <a:fld id="{123A3C2E-EB14-4608-B795-5B5FAAD2EF2B}" type="slidenum">
               <a:t>&lt;#&gt;</a:t>
             </a:fld>
           </a:p>
@@ -1377,7 +1377,7 @@
         <p:txBody>
           <a:bodyPr/>
           <a:p>
-            <a:fld id="{15ECE7F9-CF23-42F5-ACA3-213C540821F1}" type="slidenum">
+            <a:fld id="{080D519E-14FD-48D3-AC10-BF497DE1315B}" type="slidenum">
               <a:t>&lt;#&gt;</a:t>
             </a:fld>
           </a:p>
@@ -1534,7 +1534,7 @@
         <p:txBody>
           <a:bodyPr/>
           <a:p>
-            <a:fld id="{A1480A51-4DF0-47A2-8163-BE517172DDA3}" type="slidenum">
+            <a:fld id="{6660D51B-D904-4550-B0FD-0753457EEE6E}" type="slidenum">
               <a:t>&lt;#&gt;</a:t>
             </a:fld>
           </a:p>
@@ -1688,7 +1688,7 @@
         <p:txBody>
           <a:bodyPr/>
           <a:p>
-            <a:fld id="{F9DE3395-0356-46F0-86AA-E82E0744A1A4}" type="slidenum">
+            <a:fld id="{AD0C3AD0-47C8-4188-9365-0441112FCDD9}" type="slidenum">
               <a:t>&lt;#&gt;</a:t>
             </a:fld>
           </a:p>
@@ -1876,7 +1876,7 @@
         <p:txBody>
           <a:bodyPr/>
           <a:p>
-            <a:fld id="{9CBBEC57-3C65-4D7A-AF4F-14CF1BE9D79D}" type="slidenum">
+            <a:fld id="{CB615DF8-B4D6-44B9-99B4-65D2F8E27030}" type="slidenum">
               <a:t>&lt;#&gt;</a:t>
             </a:fld>
           </a:p>
@@ -1996,7 +1996,7 @@
         <p:txBody>
           <a:bodyPr/>
           <a:p>
-            <a:fld id="{5CE7827B-BB44-4115-89AA-12E0CBD6F577}" type="slidenum">
+            <a:fld id="{93E07405-31ED-4E10-B9FD-B89D1F81122C}" type="slidenum">
               <a:t>&lt;#&gt;</a:t>
             </a:fld>
           </a:p>
@@ -2116,7 +2116,7 @@
         <p:txBody>
           <a:bodyPr/>
           <a:p>
-            <a:fld id="{DDB20E7F-3BA8-4235-B032-BC55FB5E6644}" type="slidenum">
+            <a:fld id="{9DCE9321-DCA1-46FD-927F-1F17680B1FCE}" type="slidenum">
               <a:t>&lt;#&gt;</a:t>
             </a:fld>
           </a:p>
@@ -2338,7 +2338,7 @@
         <p:txBody>
           <a:bodyPr/>
           <a:p>
-            <a:fld id="{5AC84C45-2AC4-46CD-B6C0-370E593C8EC5}" type="slidenum">
+            <a:fld id="{689A16F0-A636-477D-B26E-0A012DC9D12D}" type="slidenum">
               <a:t>&lt;#&gt;</a:t>
             </a:fld>
           </a:p>
@@ -2495,7 +2495,7 @@
         <p:txBody>
           <a:bodyPr/>
           <a:p>
-            <a:fld id="{0AFB8B74-7E20-41F2-A7D4-DFA9B9A1237C}" type="slidenum">
+            <a:fld id="{7BB19F70-AEB8-4F91-A27A-46A26D6AB35E}" type="slidenum">
               <a:t>&lt;#&gt;</a:t>
             </a:fld>
           </a:p>
@@ -2717,7 +2717,7 @@
         <p:txBody>
           <a:bodyPr/>
           <a:p>
-            <a:fld id="{98725C3B-5C10-49D8-AD44-78ECD02B5024}" type="slidenum">
+            <a:fld id="{D816DEAE-3931-4802-8298-7D294401552C}" type="slidenum">
               <a:t>&lt;#&gt;</a:t>
             </a:fld>
           </a:p>
@@ -2939,7 +2939,7 @@
         <p:txBody>
           <a:bodyPr/>
           <a:p>
-            <a:fld id="{DC82743B-1354-464C-B8F6-FB81B985444D}" type="slidenum">
+            <a:fld id="{E1C1B7EC-0E08-4C0C-A516-627F95662117}" type="slidenum">
               <a:t>&lt;#&gt;</a:t>
             </a:fld>
           </a:p>
@@ -3127,7 +3127,7 @@
         <p:txBody>
           <a:bodyPr/>
           <a:p>
-            <a:fld id="{336B23B6-789A-4D6A-8219-A7BBEEE151A8}" type="slidenum">
+            <a:fld id="{8AB689CD-C6AF-49F9-9AE1-994E70E3922C}" type="slidenum">
               <a:t>&lt;#&gt;</a:t>
             </a:fld>
           </a:p>
@@ -3383,7 +3383,7 @@
         <p:txBody>
           <a:bodyPr/>
           <a:p>
-            <a:fld id="{36E376FC-C1F5-4B14-A06C-9E8657319707}" type="slidenum">
+            <a:fld id="{BDD66A8E-2099-4421-A170-AB7A84F2B624}" type="slidenum">
               <a:t>&lt;#&gt;</a:t>
             </a:fld>
           </a:p>
@@ -3707,7 +3707,7 @@
         <p:txBody>
           <a:bodyPr/>
           <a:p>
-            <a:fld id="{7C8B3EDE-C3B2-4A63-AAAB-028B3A245B7C}" type="slidenum">
+            <a:fld id="{B5843DA4-5DBB-4AC0-9D55-719747DFE15C}" type="slidenum">
               <a:t>&lt;#&gt;</a:t>
             </a:fld>
           </a:p>
@@ -3790,7 +3790,7 @@
         <p:txBody>
           <a:bodyPr/>
           <a:p>
-            <a:fld id="{084EFAAA-EB79-4600-8E5F-FF9D039DDB8D}" type="slidenum">
+            <a:fld id="{A355D2F2-F437-4271-A68A-6678769A29BC}" type="slidenum">
               <a:t>&lt;#&gt;</a:t>
             </a:fld>
           </a:p>
@@ -3947,7 +3947,7 @@
         <p:txBody>
           <a:bodyPr/>
           <a:p>
-            <a:fld id="{744B35BD-95DC-477F-A0DE-34D5A6D3E72F}" type="slidenum">
+            <a:fld id="{D196D927-93D8-48AE-AF47-1E632DDE3265}" type="slidenum">
               <a:t>&lt;#&gt;</a:t>
             </a:fld>
           </a:p>
@@ -4101,7 +4101,7 @@
         <p:txBody>
           <a:bodyPr/>
           <a:p>
-            <a:fld id="{4A72D16B-CEC3-4B5C-AFE9-F00B913E2DC0}" type="slidenum">
+            <a:fld id="{90677E70-D2BC-4129-87F2-74DCB8D06EFE}" type="slidenum">
               <a:t>&lt;#&gt;</a:t>
             </a:fld>
           </a:p>
@@ -4289,7 +4289,7 @@
         <p:txBody>
           <a:bodyPr/>
           <a:p>
-            <a:fld id="{1F0F3775-D0B5-4604-8311-1C59B5C7F47F}" type="slidenum">
+            <a:fld id="{9F430868-9DAA-4327-889D-6A3316016347}" type="slidenum">
               <a:t>&lt;#&gt;</a:t>
             </a:fld>
           </a:p>
@@ -4409,7 +4409,7 @@
         <p:txBody>
           <a:bodyPr/>
           <a:p>
-            <a:fld id="{0BF20631-8C65-46CB-AB53-2B0E3BB081A2}" type="slidenum">
+            <a:fld id="{C2A02404-88C3-4107-AA45-2434776B84A7}" type="slidenum">
               <a:t>&lt;#&gt;</a:t>
             </a:fld>
           </a:p>
@@ -4563,7 +4563,7 @@
         <p:txBody>
           <a:bodyPr/>
           <a:p>
-            <a:fld id="{706FC6EB-5B60-4100-A643-32D6E9FF9136}" type="slidenum">
+            <a:fld id="{A7F319B0-776A-40B0-B883-DF42526D0048}" type="slidenum">
               <a:t>&lt;#&gt;</a:t>
             </a:fld>
           </a:p>
@@ -4683,7 +4683,7 @@
         <p:txBody>
           <a:bodyPr/>
           <a:p>
-            <a:fld id="{B5236DC7-8B8B-4ECC-B2F1-4EA4322D12A0}" type="slidenum">
+            <a:fld id="{BEA46D69-20B1-4837-A4C6-91D323F2D480}" type="slidenum">
               <a:t>&lt;#&gt;</a:t>
             </a:fld>
           </a:p>
@@ -4905,7 +4905,7 @@
         <p:txBody>
           <a:bodyPr/>
           <a:p>
-            <a:fld id="{B3841855-6F82-453A-8AF9-5ABCD257AD91}" type="slidenum">
+            <a:fld id="{45346AAD-94F3-4B02-9566-A80A2D7975B7}" type="slidenum">
               <a:t>&lt;#&gt;</a:t>
             </a:fld>
           </a:p>
@@ -5127,7 +5127,7 @@
         <p:txBody>
           <a:bodyPr/>
           <a:p>
-            <a:fld id="{BA6CCB4D-D912-4468-ACFB-F57AD68ACF45}" type="slidenum">
+            <a:fld id="{E9E9B11E-5A01-4ACB-8FCC-47ED3AECA3EE}" type="slidenum">
               <a:t>&lt;#&gt;</a:t>
             </a:fld>
           </a:p>
@@ -5349,7 +5349,7 @@
         <p:txBody>
           <a:bodyPr/>
           <a:p>
-            <a:fld id="{7EBCFD14-38D3-4EEB-B4F6-4FA35695C657}" type="slidenum">
+            <a:fld id="{CA8DBADB-849D-4E43-BEDF-6B507808AA77}" type="slidenum">
               <a:t>&lt;#&gt;</a:t>
             </a:fld>
           </a:p>
@@ -5537,7 +5537,7 @@
         <p:txBody>
           <a:bodyPr/>
           <a:p>
-            <a:fld id="{0AE1D0C6-093C-4169-81E1-3862A5A42095}" type="slidenum">
+            <a:fld id="{5AA6EECF-3C88-4FDA-9ED0-02CE7B34CBA8}" type="slidenum">
               <a:t>&lt;#&gt;</a:t>
             </a:fld>
           </a:p>
@@ -5793,7 +5793,7 @@
         <p:txBody>
           <a:bodyPr/>
           <a:p>
-            <a:fld id="{5C108322-8E08-4453-A5BE-DC1B32B72C0F}" type="slidenum">
+            <a:fld id="{CBCB9A96-926F-419D-98BA-47BD934D5283}" type="slidenum">
               <a:t>&lt;#&gt;</a:t>
             </a:fld>
           </a:p>
@@ -6117,7 +6117,7 @@
         <p:txBody>
           <a:bodyPr/>
           <a:p>
-            <a:fld id="{567F367F-63B6-4B6D-B291-A8FE3C99F31A}" type="slidenum">
+            <a:fld id="{EEB72A96-0F75-41A8-A032-29187EA009FF}" type="slidenum">
               <a:t>&lt;#&gt;</a:t>
             </a:fld>
           </a:p>
@@ -6305,7 +6305,7 @@
         <p:txBody>
           <a:bodyPr/>
           <a:p>
-            <a:fld id="{E2CDFA0D-176E-41F8-9EA5-A06D92FA646E}" type="slidenum">
+            <a:fld id="{B070B367-116A-4482-902D-737124936E66}" type="slidenum">
               <a:t>&lt;#&gt;</a:t>
             </a:fld>
           </a:p>
@@ -6425,7 +6425,7 @@
         <p:txBody>
           <a:bodyPr/>
           <a:p>
-            <a:fld id="{586BFD34-9059-44D6-946E-AC2A18D9D9A9}" type="slidenum">
+            <a:fld id="{674D1605-09BF-4581-945A-143EE2BABD5F}" type="slidenum">
               <a:t>&lt;#&gt;</a:t>
             </a:fld>
           </a:p>
@@ -6545,7 +6545,7 @@
         <p:txBody>
           <a:bodyPr/>
           <a:p>
-            <a:fld id="{340816EF-8F0B-4C02-BE72-7503A19C9491}" type="slidenum">
+            <a:fld id="{1425B97F-E3EC-4C64-A638-B381FDC5DAB3}" type="slidenum">
               <a:t>&lt;#&gt;</a:t>
             </a:fld>
           </a:p>
@@ -6767,7 +6767,7 @@
         <p:txBody>
           <a:bodyPr/>
           <a:p>
-            <a:fld id="{32CA6B59-C531-488B-A029-485EBF497492}" type="slidenum">
+            <a:fld id="{E0E47ABF-0B45-4DB5-A919-AA172008235A}" type="slidenum">
               <a:t>&lt;#&gt;</a:t>
             </a:fld>
           </a:p>
@@ -6989,7 +6989,7 @@
         <p:txBody>
           <a:bodyPr/>
           <a:p>
-            <a:fld id="{737002B5-376F-42D8-A0B3-435D74D08920}" type="slidenum">
+            <a:fld id="{BC49EE76-68C1-4783-B1ED-DA850A453B31}" type="slidenum">
               <a:t>&lt;#&gt;</a:t>
             </a:fld>
           </a:p>
@@ -7211,7 +7211,7 @@
         <p:txBody>
           <a:bodyPr/>
           <a:p>
-            <a:fld id="{C402734D-9B74-470C-BF58-586916F4514F}" type="slidenum">
+            <a:fld id="{87DCBAED-8FB7-4435-8720-4E6762F62E02}" type="slidenum">
               <a:t>&lt;#&gt;</a:t>
             </a:fld>
           </a:p>
@@ -7791,7 +7791,7 @@
                 <a:tab algn="l" pos="0"/>
               </a:tabLst>
             </a:pPr>
-            <a:fld id="{4B7FB6E6-0298-48A5-A2A5-E6556CD5CC14}" type="slidenum">
+            <a:fld id="{5DC288A5-B18E-44EF-A00B-E2B7867B1435}" type="slidenum">
               <a:rPr b="1" lang="en-US" sz="2800" spc="-1" strike="noStrike">
                 <a:solidFill>
                   <a:srgbClr val="ffffff"/>
@@ -8320,7 +8320,7 @@
                 <a:tab algn="l" pos="0"/>
               </a:tabLst>
             </a:pPr>
-            <a:fld id="{D38AADA4-EC43-4496-A0DF-FC71340BF00F}" type="slidenum">
+            <a:fld id="{C230DAFB-AAEC-4E66-A2D0-B961499F4C46}" type="slidenum">
               <a:rPr b="1" lang="en-US" sz="1400" spc="-1" strike="noStrike">
                 <a:solidFill>
                   <a:srgbClr val="ffffff"/>
@@ -9255,7 +9255,7 @@
                 <a:tab algn="l" pos="0"/>
               </a:tabLst>
             </a:pPr>
-            <a:fld id="{DF8EF001-F68D-4157-A365-BB24F4517948}" type="slidenum">
+            <a:fld id="{CF3813E8-E18B-4672-8297-EE22F74C64F2}" type="slidenum">
               <a:rPr b="1" lang="en-US" sz="1400" spc="-1" strike="noStrike">
                 <a:solidFill>
                   <a:srgbClr val="ffffff"/>
@@ -10892,7 +10892,34 @@
                 </a:solidFill>
                 <a:latin typeface="Rockwell"/>
               </a:rPr>
-              <a:t>Научиться разрабатывать кроссплатформенные и кроссархитектурные приложения  </a:t>
+              <a:t>Научиться разрабатывать </a:t>
+            </a:r>
+            <a:r>
+              <a:rPr b="0" lang="ru-RU" sz="3600" spc="-1" strike="noStrike">
+                <a:solidFill>
+                  <a:srgbClr val="000000"/>
+                </a:solidFill>
+                <a:latin typeface="Rockwell"/>
+              </a:rPr>
+              <a:t>кроссплатформенные и </a:t>
+            </a:r>
+            <a:r>
+              <a:rPr b="0" lang="ru-RU" sz="3600" spc="-1" strike="noStrike">
+                <a:solidFill>
+                  <a:srgbClr val="000000"/>
+                </a:solidFill>
+                <a:latin typeface="Rockwell"/>
+              </a:rPr>
+              <a:t>кроссархитектурные </a:t>
+            </a:r>
+            <a:r>
+              <a:rPr b="0" lang="ru-RU" sz="3600" spc="-1" strike="noStrike">
+                <a:solidFill>
+                  <a:srgbClr val="000000"/>
+                </a:solidFill>
+                <a:latin typeface="Rockwell"/>
+              </a:rPr>
+              <a:t>приложения  </a:t>
             </a:r>
             <a:endParaRPr b="0" lang="en-US" sz="3600" spc="-1" strike="noStrike">
               <a:latin typeface="Arial"/>
@@ -10920,7 +10947,16 @@
                 </a:solidFill>
                 <a:latin typeface="Rockwell"/>
               </a:rPr>
-              <a:t>Разработать игру “Сапер” под Linux и Windows</a:t>
+              <a:t>Разработать игру “Сапер” </a:t>
+            </a:r>
+            <a:r>
+              <a:rPr b="0" lang="ru-RU" sz="3600" spc="-1" strike="noStrike">
+                <a:solidFill>
+                  <a:srgbClr val="000000"/>
+                </a:solidFill>
+                <a:latin typeface="Rockwell"/>
+              </a:rPr>
+              <a:t>под Linux и Windows</a:t>
             </a:r>
             <a:endParaRPr b="0" lang="en-US" sz="3600" spc="-1" strike="noStrike">
               <a:latin typeface="Arial"/>
@@ -11736,7 +11772,25 @@
                 </a:solidFill>
                 <a:latin typeface="Arial"/>
               </a:rPr>
-              <a:t>CISC поддержка многообразных сложных инструкций выполняющихся более чем за один такт</a:t>
+              <a:t>CISC поддержка многообразных сложных </a:t>
+            </a:r>
+            <a:r>
+              <a:rPr b="0" lang="en-US" sz="3630" spc="-1" strike="noStrike">
+                <a:solidFill>
+                  <a:srgbClr val="000000"/>
+                </a:solidFill>
+                <a:latin typeface="Arial"/>
+              </a:rPr>
+              <a:t>инструкций выполняющихся более чем за один </a:t>
+            </a:r>
+            <a:r>
+              <a:rPr b="0" lang="en-US" sz="3630" spc="-1" strike="noStrike">
+                <a:solidFill>
+                  <a:srgbClr val="000000"/>
+                </a:solidFill>
+                <a:latin typeface="Arial"/>
+              </a:rPr>
+              <a:t>такт</a:t>
             </a:r>
             <a:endParaRPr b="0" lang="en-US" sz="3630" spc="-1" strike="noStrike">
               <a:latin typeface="Arial"/>
@@ -11767,7 +11821,16 @@
                 </a:solidFill>
                 <a:latin typeface="Arial"/>
               </a:rPr>
-              <a:t>RISC минимум инструкций, стремящихся к выполнению за один такт</a:t>
+              <a:t>RISC минимум инструкций, стремящихся к </a:t>
+            </a:r>
+            <a:r>
+              <a:rPr b="0" lang="en-US" sz="3630" spc="-1" strike="noStrike">
+                <a:solidFill>
+                  <a:srgbClr val="000000"/>
+                </a:solidFill>
+                <a:latin typeface="Arial"/>
+              </a:rPr>
+              <a:t>выполнению за один такт</a:t>
             </a:r>
             <a:endParaRPr b="0" lang="en-US" sz="3630" spc="-1" strike="noStrike">
               <a:latin typeface="Arial"/>
@@ -11798,7 +11861,7 @@
                 </a:solidFill>
                 <a:latin typeface="Arial"/>
               </a:rPr>
-              <a:t>RISC использует статичную длинну операции</a:t>
+              <a:t>RISC использует статичную длину операций</a:t>
             </a:r>
             <a:endParaRPr b="0" lang="en-US" sz="3630" spc="-1" strike="noStrike">
               <a:latin typeface="Arial"/>
@@ -11830,7 +11893,17 @@
                 <a:latin typeface="Arial"/>
                 <a:ea typeface="Noto Sans CJK SC"/>
               </a:rPr>
-              <a:t>CISC использует статичную длинну операции</a:t>
+              <a:t>CISC использует динамическую длину </a:t>
+            </a:r>
+            <a:r>
+              <a:rPr b="0" lang="en-US" sz="3630" spc="-1" strike="noStrike">
+                <a:solidFill>
+                  <a:srgbClr val="000000"/>
+                </a:solidFill>
+                <a:latin typeface="Arial"/>
+                <a:ea typeface="Noto Sans CJK SC"/>
+              </a:rPr>
+              <a:t>операций</a:t>
             </a:r>
             <a:endParaRPr b="0" lang="en-US" sz="3630" spc="-1" strike="noStrike">
               <a:latin typeface="Arial"/>
